--- a/slides/02_ML_Linear_modelsA.pptx
+++ b/slides/02_ML_Linear_modelsA.pptx
@@ -702,8 +702,8 @@
         </p:nvSpPr>
         <p:spPr/>
       </p:sp>
-      <mc:AlternateContent xmlns:mc="http://schemas.openxmlformats.org/markup-compatibility/2006">
-        <mc:Choice xmlns:a14="http://schemas.microsoft.com/office/drawing/2010/main" Requires="a14">
+      <mc:AlternateContent xmlns:mc="http://schemas.openxmlformats.org/markup-compatibility/2006" xmlns:a14="http://schemas.microsoft.com/office/drawing/2010/main">
+        <mc:Choice Requires="a14">
           <p:sp>
             <p:nvSpPr>
               <p:cNvPr id="3" name="Notes Placeholder 2"/>
@@ -725,6 +725,7 @@
                 </a:r>
               </a:p>
               <a:p>
+                <a:pPr/>
                 <a14:m>
                   <m:oMathPara xmlns:m="http://schemas.openxmlformats.org/officeDocument/2006/math">
                     <m:oMathParaPr>
@@ -837,7 +838,7 @@
             </p:txBody>
           </p:sp>
         </mc:Choice>
-        <mc:Fallback>
+        <mc:Fallback xmlns="">
           <p:sp>
             <p:nvSpPr>
               <p:cNvPr id="3" name="Notes Placeholder 2"/>
@@ -2825,7 +2826,7 @@
                       <a:rPr lang="en-US" b="0" i="1" smtClean="0">
                         <a:latin typeface="Cambria Math" panose="02040503050406030204" pitchFamily="18" charset="0"/>
                       </a:rPr>
-                      <m:t>𝑚</m:t>
+                      <m:t>𝜃</m:t>
                     </m:r>
                     <m:r>
                       <a:rPr lang="en-US" b="0" i="1" smtClean="0">
@@ -2835,6 +2836,62 @@
                     </m:r>
                   </m:oMath>
                 </a14:m>
+                <a:endParaRPr lang="en-US" dirty="0"/>
+              </a:p>
+              <a:p>
+                <a:r>
+                  <a:rPr lang="en-US" dirty="0"/>
+                  <a:t>There are 3 ways to find </a:t>
+                </a:r>
+                <a14:m>
+                  <m:oMath xmlns:m="http://schemas.openxmlformats.org/officeDocument/2006/math">
+                    <m:f>
+                      <m:fPr>
+                        <m:ctrlPr>
+                          <a:rPr lang="en-US" i="1" smtClean="0">
+                            <a:latin typeface="Cambria Math" panose="02040503050406030204" pitchFamily="18" charset="0"/>
+                          </a:rPr>
+                        </m:ctrlPr>
+                      </m:fPr>
+                      <m:num>
+                        <m:r>
+                          <a:rPr lang="en-US" i="1" smtClean="0">
+                            <a:latin typeface="Cambria Math" panose="02040503050406030204" pitchFamily="18" charset="0"/>
+                          </a:rPr>
+                          <m:t>𝑑</m:t>
+                        </m:r>
+                        <m:r>
+                          <a:rPr lang="en-US" b="0" i="1" smtClean="0">
+                            <a:latin typeface="Cambria Math" panose="02040503050406030204" pitchFamily="18" charset="0"/>
+                          </a:rPr>
+                          <m:t>𝜀</m:t>
+                        </m:r>
+                      </m:num>
+                      <m:den>
+                        <m:r>
+                          <a:rPr lang="en-US" i="1" smtClean="0">
+                            <a:latin typeface="Cambria Math" panose="02040503050406030204" pitchFamily="18" charset="0"/>
+                          </a:rPr>
+                          <m:t>𝑑</m:t>
+                        </m:r>
+                        <m:r>
+                          <a:rPr lang="en-US" b="0" i="1" smtClean="0">
+                            <a:latin typeface="Cambria Math" panose="02040503050406030204" pitchFamily="18" charset="0"/>
+                          </a:rPr>
+                          <m:t>𝜃</m:t>
+                        </m:r>
+                      </m:den>
+                    </m:f>
+                  </m:oMath>
+                </a14:m>
+                <a:r>
+                  <a:rPr lang="en-US" dirty="0"/>
+                  <a:t>. 1) expanding the polynomial,</a:t>
+                </a:r>
+                <a:r>
+                  <a:rPr lang="en-US" baseline="0" dirty="0"/>
+                  <a:t> the deriving 2) Chain rule for derivation</a:t>
+                </a:r>
                 <a:endParaRPr lang="en-US" dirty="0"/>
               </a:p>
               <a:p>
@@ -6410,7 +6467,7 @@
           <a:p>
             <a:r>
               <a:rPr lang="en-US" dirty="0"/>
-              <a:t>Linea models</a:t>
+              <a:t>Linear models</a:t>
             </a:r>
           </a:p>
         </p:txBody>
@@ -6470,8 +6527,8 @@
           <a:chExt cx="0" cy="0"/>
         </a:xfrm>
       </p:grpSpPr>
-      <mc:AlternateContent xmlns:mc="http://schemas.openxmlformats.org/markup-compatibility/2006">
-        <mc:Choice xmlns:a14="http://schemas.microsoft.com/office/drawing/2010/main" Requires="a14">
+      <mc:AlternateContent xmlns:mc="http://schemas.openxmlformats.org/markup-compatibility/2006" xmlns:a14="http://schemas.microsoft.com/office/drawing/2010/main">
+        <mc:Choice Requires="a14">
           <p:sp>
             <p:nvSpPr>
               <p:cNvPr id="20" name="TextBox 19">
@@ -6634,7 +6691,7 @@
             </p:txBody>
           </p:sp>
         </mc:Choice>
-        <mc:Fallback>
+        <mc:Fallback xmlns="">
           <p:sp>
             <p:nvSpPr>
               <p:cNvPr id="20" name="TextBox 19">
@@ -7269,8 +7326,8 @@
           </p:sp>
         </mc:Fallback>
       </mc:AlternateContent>
-      <mc:AlternateContent xmlns:mc="http://schemas.openxmlformats.org/markup-compatibility/2006">
-        <mc:Choice xmlns:a14="http://schemas.microsoft.com/office/drawing/2010/main" Requires="a14">
+      <mc:AlternateContent xmlns:mc="http://schemas.openxmlformats.org/markup-compatibility/2006" xmlns:a14="http://schemas.microsoft.com/office/drawing/2010/main">
+        <mc:Choice Requires="a14">
           <p:sp>
             <p:nvSpPr>
               <p:cNvPr id="2" name="Rectangle 1">
@@ -7420,7 +7477,7 @@
             </p:txBody>
           </p:sp>
         </mc:Choice>
-        <mc:Fallback>
+        <mc:Fallback xmlns="">
           <p:sp>
             <p:nvSpPr>
               <p:cNvPr id="2" name="Rectangle 1">
@@ -7465,8 +7522,8 @@
           </p:sp>
         </mc:Fallback>
       </mc:AlternateContent>
-      <mc:AlternateContent xmlns:mc="http://schemas.openxmlformats.org/markup-compatibility/2006">
-        <mc:Choice xmlns:a14="http://schemas.microsoft.com/office/drawing/2010/main" Requires="a14">
+      <mc:AlternateContent xmlns:mc="http://schemas.openxmlformats.org/markup-compatibility/2006" xmlns:a14="http://schemas.microsoft.com/office/drawing/2010/main">
+        <mc:Choice Requires="a14">
           <p:sp>
             <p:nvSpPr>
               <p:cNvPr id="39" name="TextBox 38">
@@ -7512,13 +7569,7 @@
                         <a:rPr lang="en-US" sz="4400" b="0" i="1" smtClean="0">
                           <a:latin typeface="Cambria Math" panose="02040503050406030204" pitchFamily="18" charset="0"/>
                         </a:rPr>
-                        <m:t>=</m:t>
-                      </m:r>
-                      <m:r>
-                        <a:rPr lang="en-US" sz="4400" b="0" i="1" smtClean="0">
-                          <a:latin typeface="Cambria Math" panose="02040503050406030204" pitchFamily="18" charset="0"/>
-                        </a:rPr>
-                        <m:t>2</m:t>
+                        <m:t>=2</m:t>
                       </m:r>
                     </m:oMath>
                   </m:oMathPara>
@@ -7528,7 +7579,7 @@
             </p:txBody>
           </p:sp>
         </mc:Choice>
-        <mc:Fallback>
+        <mc:Fallback xmlns="">
           <p:sp>
             <p:nvSpPr>
               <p:cNvPr id="39" name="TextBox 38">
@@ -7573,8 +7624,8 @@
           </p:sp>
         </mc:Fallback>
       </mc:AlternateContent>
-      <mc:AlternateContent xmlns:mc="http://schemas.openxmlformats.org/markup-compatibility/2006">
-        <mc:Choice xmlns:a14="http://schemas.microsoft.com/office/drawing/2010/main" Requires="a14">
+      <mc:AlternateContent xmlns:mc="http://schemas.openxmlformats.org/markup-compatibility/2006" xmlns:a14="http://schemas.microsoft.com/office/drawing/2010/main">
+        <mc:Choice Requires="a14">
           <p:sp>
             <p:nvSpPr>
               <p:cNvPr id="40" name="Rectangle 39">
@@ -7657,7 +7708,7 @@
             </p:txBody>
           </p:sp>
         </mc:Choice>
-        <mc:Fallback>
+        <mc:Fallback xmlns="">
           <p:sp>
             <p:nvSpPr>
               <p:cNvPr id="40" name="Rectangle 39">
@@ -7702,8 +7753,8 @@
           </p:sp>
         </mc:Fallback>
       </mc:AlternateContent>
-      <mc:AlternateContent xmlns:mc="http://schemas.openxmlformats.org/markup-compatibility/2006">
-        <mc:Choice xmlns:a14="http://schemas.microsoft.com/office/drawing/2010/main" Requires="a14">
+      <mc:AlternateContent xmlns:mc="http://schemas.openxmlformats.org/markup-compatibility/2006" xmlns:a14="http://schemas.microsoft.com/office/drawing/2010/main">
+        <mc:Choice Requires="a14">
           <p:sp>
             <p:nvSpPr>
               <p:cNvPr id="41" name="Rectangle 40">
@@ -7786,7 +7837,7 @@
             </p:txBody>
           </p:sp>
         </mc:Choice>
-        <mc:Fallback>
+        <mc:Fallback xmlns="">
           <p:sp>
             <p:nvSpPr>
               <p:cNvPr id="41" name="Rectangle 40">
@@ -7873,8 +7924,8 @@
           <a:chExt cx="0" cy="0"/>
         </a:xfrm>
       </p:grpSpPr>
-      <mc:AlternateContent xmlns:mc="http://schemas.openxmlformats.org/markup-compatibility/2006">
-        <mc:Choice xmlns:a14="http://schemas.microsoft.com/office/drawing/2010/main" Requires="a14">
+      <mc:AlternateContent xmlns:mc="http://schemas.openxmlformats.org/markup-compatibility/2006" xmlns:a14="http://schemas.microsoft.com/office/drawing/2010/main">
+        <mc:Choice Requires="a14">
           <p:sp>
             <p:nvSpPr>
               <p:cNvPr id="20" name="TextBox 19">
@@ -8037,7 +8088,7 @@
             </p:txBody>
           </p:sp>
         </mc:Choice>
-        <mc:Fallback>
+        <mc:Fallback xmlns="">
           <p:sp>
             <p:nvSpPr>
               <p:cNvPr id="20" name="TextBox 19">
@@ -8306,8 +8357,8 @@
           </a:fontRef>
         </p:style>
       </p:cxnSp>
-      <mc:AlternateContent xmlns:mc="http://schemas.openxmlformats.org/markup-compatibility/2006">
-        <mc:Choice xmlns:a14="http://schemas.microsoft.com/office/drawing/2010/main" Requires="a14">
+      <mc:AlternateContent xmlns:mc="http://schemas.openxmlformats.org/markup-compatibility/2006" xmlns:a14="http://schemas.microsoft.com/office/drawing/2010/main">
+        <mc:Choice Requires="a14">
           <p:sp>
             <p:nvSpPr>
               <p:cNvPr id="29" name="TextBox 28">
@@ -8408,7 +8459,7 @@
             </p:txBody>
           </p:sp>
         </mc:Choice>
-        <mc:Fallback>
+        <mc:Fallback xmlns="">
           <p:sp>
             <p:nvSpPr>
               <p:cNvPr id="29" name="TextBox 28">
@@ -8819,8 +8870,8 @@
           </p:sp>
         </mc:Fallback>
       </mc:AlternateContent>
-      <mc:AlternateContent xmlns:mc="http://schemas.openxmlformats.org/markup-compatibility/2006">
-        <mc:Choice xmlns:a14="http://schemas.microsoft.com/office/drawing/2010/main" Requires="a14">
+      <mc:AlternateContent xmlns:mc="http://schemas.openxmlformats.org/markup-compatibility/2006" xmlns:a14="http://schemas.microsoft.com/office/drawing/2010/main">
+        <mc:Choice Requires="a14">
           <p:sp>
             <p:nvSpPr>
               <p:cNvPr id="2" name="Rectangle 1">
@@ -8970,7 +9021,7 @@
             </p:txBody>
           </p:sp>
         </mc:Choice>
-        <mc:Fallback>
+        <mc:Fallback xmlns="">
           <p:sp>
             <p:nvSpPr>
               <p:cNvPr id="2" name="Rectangle 1">
@@ -9015,8 +9066,8 @@
           </p:sp>
         </mc:Fallback>
       </mc:AlternateContent>
-      <mc:AlternateContent xmlns:mc="http://schemas.openxmlformats.org/markup-compatibility/2006">
-        <mc:Choice xmlns:a14="http://schemas.microsoft.com/office/drawing/2010/main" Requires="a14">
+      <mc:AlternateContent xmlns:mc="http://schemas.openxmlformats.org/markup-compatibility/2006" xmlns:a14="http://schemas.microsoft.com/office/drawing/2010/main">
+        <mc:Choice Requires="a14">
           <p:sp>
             <p:nvSpPr>
               <p:cNvPr id="4" name="TextBox 3">
@@ -9266,7 +9317,7 @@
             </p:txBody>
           </p:sp>
         </mc:Choice>
-        <mc:Fallback>
+        <mc:Fallback xmlns="">
           <p:sp>
             <p:nvSpPr>
               <p:cNvPr id="4" name="TextBox 3">
@@ -9311,8 +9362,8 @@
           </p:sp>
         </mc:Fallback>
       </mc:AlternateContent>
-      <mc:AlternateContent xmlns:mc="http://schemas.openxmlformats.org/markup-compatibility/2006">
-        <mc:Choice xmlns:a14="http://schemas.microsoft.com/office/drawing/2010/main" Requires="a14">
+      <mc:AlternateContent xmlns:mc="http://schemas.openxmlformats.org/markup-compatibility/2006" xmlns:a14="http://schemas.microsoft.com/office/drawing/2010/main">
+        <mc:Choice Requires="a14">
           <p:sp>
             <p:nvSpPr>
               <p:cNvPr id="39" name="TextBox 38">
@@ -9358,13 +9409,7 @@
                         <a:rPr lang="en-US" sz="4400" b="0" i="1" smtClean="0">
                           <a:latin typeface="Cambria Math" panose="02040503050406030204" pitchFamily="18" charset="0"/>
                         </a:rPr>
-                        <m:t>=</m:t>
-                      </m:r>
-                      <m:r>
-                        <a:rPr lang="en-US" sz="4400" b="0" i="1" smtClean="0">
-                          <a:latin typeface="Cambria Math" panose="02040503050406030204" pitchFamily="18" charset="0"/>
-                        </a:rPr>
-                        <m:t>2</m:t>
+                        <m:t>=2</m:t>
                       </m:r>
                     </m:oMath>
                   </m:oMathPara>
@@ -9374,7 +9419,7 @@
             </p:txBody>
           </p:sp>
         </mc:Choice>
-        <mc:Fallback>
+        <mc:Fallback xmlns="">
           <p:sp>
             <p:nvSpPr>
               <p:cNvPr id="39" name="TextBox 38">
@@ -9419,8 +9464,8 @@
           </p:sp>
         </mc:Fallback>
       </mc:AlternateContent>
-      <mc:AlternateContent xmlns:mc="http://schemas.openxmlformats.org/markup-compatibility/2006">
-        <mc:Choice xmlns:a14="http://schemas.microsoft.com/office/drawing/2010/main" Requires="a14">
+      <mc:AlternateContent xmlns:mc="http://schemas.openxmlformats.org/markup-compatibility/2006" xmlns:a14="http://schemas.microsoft.com/office/drawing/2010/main">
+        <mc:Choice Requires="a14">
           <p:sp>
             <p:nvSpPr>
               <p:cNvPr id="40" name="Rectangle 39">
@@ -9503,7 +9548,7 @@
             </p:txBody>
           </p:sp>
         </mc:Choice>
-        <mc:Fallback>
+        <mc:Fallback xmlns="">
           <p:sp>
             <p:nvSpPr>
               <p:cNvPr id="40" name="Rectangle 39">
@@ -9548,8 +9593,8 @@
           </p:sp>
         </mc:Fallback>
       </mc:AlternateContent>
-      <mc:AlternateContent xmlns:mc="http://schemas.openxmlformats.org/markup-compatibility/2006">
-        <mc:Choice xmlns:a14="http://schemas.microsoft.com/office/drawing/2010/main" Requires="a14">
+      <mc:AlternateContent xmlns:mc="http://schemas.openxmlformats.org/markup-compatibility/2006" xmlns:a14="http://schemas.microsoft.com/office/drawing/2010/main">
+        <mc:Choice Requires="a14">
           <p:sp>
             <p:nvSpPr>
               <p:cNvPr id="41" name="Rectangle 40">
@@ -9632,7 +9677,7 @@
             </p:txBody>
           </p:sp>
         </mc:Choice>
-        <mc:Fallback>
+        <mc:Fallback xmlns="">
           <p:sp>
             <p:nvSpPr>
               <p:cNvPr id="41" name="Rectangle 40">
@@ -9719,8 +9764,8 @@
           <a:chExt cx="0" cy="0"/>
         </a:xfrm>
       </p:grpSpPr>
-      <mc:AlternateContent xmlns:mc="http://schemas.openxmlformats.org/markup-compatibility/2006">
-        <mc:Choice xmlns:a14="http://schemas.microsoft.com/office/drawing/2010/main" Requires="a14">
+      <mc:AlternateContent xmlns:mc="http://schemas.openxmlformats.org/markup-compatibility/2006" xmlns:a14="http://schemas.microsoft.com/office/drawing/2010/main">
+        <mc:Choice Requires="a14">
           <p:sp>
             <p:nvSpPr>
               <p:cNvPr id="20" name="TextBox 19">
@@ -9883,7 +9928,7 @@
             </p:txBody>
           </p:sp>
         </mc:Choice>
-        <mc:Fallback>
+        <mc:Fallback xmlns="">
           <p:sp>
             <p:nvSpPr>
               <p:cNvPr id="20" name="TextBox 19">
@@ -10152,8 +10197,8 @@
           </a:fontRef>
         </p:style>
       </p:cxnSp>
-      <mc:AlternateContent xmlns:mc="http://schemas.openxmlformats.org/markup-compatibility/2006">
-        <mc:Choice xmlns:a14="http://schemas.microsoft.com/office/drawing/2010/main" Requires="a14">
+      <mc:AlternateContent xmlns:mc="http://schemas.openxmlformats.org/markup-compatibility/2006" xmlns:a14="http://schemas.microsoft.com/office/drawing/2010/main">
+        <mc:Choice Requires="a14">
           <p:sp>
             <p:nvSpPr>
               <p:cNvPr id="29" name="TextBox 28">
@@ -10254,7 +10299,7 @@
             </p:txBody>
           </p:sp>
         </mc:Choice>
-        <mc:Fallback>
+        <mc:Fallback xmlns="">
           <p:sp>
             <p:nvSpPr>
               <p:cNvPr id="29" name="TextBox 28">
@@ -10665,8 +10710,8 @@
           </p:sp>
         </mc:Fallback>
       </mc:AlternateContent>
-      <mc:AlternateContent xmlns:mc="http://schemas.openxmlformats.org/markup-compatibility/2006">
-        <mc:Choice xmlns:a14="http://schemas.microsoft.com/office/drawing/2010/main" Requires="a14">
+      <mc:AlternateContent xmlns:mc="http://schemas.openxmlformats.org/markup-compatibility/2006" xmlns:a14="http://schemas.microsoft.com/office/drawing/2010/main">
+        <mc:Choice Requires="a14">
           <p:sp>
             <p:nvSpPr>
               <p:cNvPr id="2" name="Rectangle 1">
@@ -10816,7 +10861,7 @@
             </p:txBody>
           </p:sp>
         </mc:Choice>
-        <mc:Fallback>
+        <mc:Fallback xmlns="">
           <p:sp>
             <p:nvSpPr>
               <p:cNvPr id="2" name="Rectangle 1">
@@ -10861,8 +10906,8 @@
           </p:sp>
         </mc:Fallback>
       </mc:AlternateContent>
-      <mc:AlternateContent xmlns:mc="http://schemas.openxmlformats.org/markup-compatibility/2006">
-        <mc:Choice xmlns:a14="http://schemas.microsoft.com/office/drawing/2010/main" Requires="a14">
+      <mc:AlternateContent xmlns:mc="http://schemas.openxmlformats.org/markup-compatibility/2006" xmlns:a14="http://schemas.microsoft.com/office/drawing/2010/main">
+        <mc:Choice Requires="a14">
           <p:sp>
             <p:nvSpPr>
               <p:cNvPr id="4" name="TextBox 3">
@@ -11112,7 +11157,7 @@
             </p:txBody>
           </p:sp>
         </mc:Choice>
-        <mc:Fallback>
+        <mc:Fallback xmlns="">
           <p:sp>
             <p:nvSpPr>
               <p:cNvPr id="4" name="TextBox 3">
@@ -11192,8 +11237,8 @@
           </a:p>
         </p:txBody>
       </p:sp>
-      <mc:AlternateContent xmlns:mc="http://schemas.openxmlformats.org/markup-compatibility/2006">
-        <mc:Choice xmlns:a14="http://schemas.microsoft.com/office/drawing/2010/main" Requires="a14">
+      <mc:AlternateContent xmlns:mc="http://schemas.openxmlformats.org/markup-compatibility/2006" xmlns:a14="http://schemas.microsoft.com/office/drawing/2010/main">
+        <mc:Choice Requires="a14">
           <p:sp>
             <p:nvSpPr>
               <p:cNvPr id="39" name="TextBox 38">
@@ -11239,13 +11284,7 @@
                         <a:rPr lang="en-US" sz="4400" b="0" i="1" smtClean="0">
                           <a:latin typeface="Cambria Math" panose="02040503050406030204" pitchFamily="18" charset="0"/>
                         </a:rPr>
-                        <m:t>=</m:t>
-                      </m:r>
-                      <m:r>
-                        <a:rPr lang="en-US" sz="4400" b="0" i="1" smtClean="0">
-                          <a:latin typeface="Cambria Math" panose="02040503050406030204" pitchFamily="18" charset="0"/>
-                        </a:rPr>
-                        <m:t>2</m:t>
+                        <m:t>=2</m:t>
                       </m:r>
                     </m:oMath>
                   </m:oMathPara>
@@ -11255,7 +11294,7 @@
             </p:txBody>
           </p:sp>
         </mc:Choice>
-        <mc:Fallback>
+        <mc:Fallback xmlns="">
           <p:sp>
             <p:nvSpPr>
               <p:cNvPr id="39" name="TextBox 38">
@@ -11300,8 +11339,8 @@
           </p:sp>
         </mc:Fallback>
       </mc:AlternateContent>
-      <mc:AlternateContent xmlns:mc="http://schemas.openxmlformats.org/markup-compatibility/2006">
-        <mc:Choice xmlns:a14="http://schemas.microsoft.com/office/drawing/2010/main" Requires="a14">
+      <mc:AlternateContent xmlns:mc="http://schemas.openxmlformats.org/markup-compatibility/2006" xmlns:a14="http://schemas.microsoft.com/office/drawing/2010/main">
+        <mc:Choice Requires="a14">
           <p:sp>
             <p:nvSpPr>
               <p:cNvPr id="40" name="Rectangle 39">
@@ -11384,7 +11423,7 @@
             </p:txBody>
           </p:sp>
         </mc:Choice>
-        <mc:Fallback>
+        <mc:Fallback xmlns="">
           <p:sp>
             <p:nvSpPr>
               <p:cNvPr id="40" name="Rectangle 39">
@@ -11429,8 +11468,8 @@
           </p:sp>
         </mc:Fallback>
       </mc:AlternateContent>
-      <mc:AlternateContent xmlns:mc="http://schemas.openxmlformats.org/markup-compatibility/2006">
-        <mc:Choice xmlns:a14="http://schemas.microsoft.com/office/drawing/2010/main" Requires="a14">
+      <mc:AlternateContent xmlns:mc="http://schemas.openxmlformats.org/markup-compatibility/2006" xmlns:a14="http://schemas.microsoft.com/office/drawing/2010/main">
+        <mc:Choice Requires="a14">
           <p:sp>
             <p:nvSpPr>
               <p:cNvPr id="41" name="Rectangle 40">
@@ -11513,7 +11552,7 @@
             </p:txBody>
           </p:sp>
         </mc:Choice>
-        <mc:Fallback>
+        <mc:Fallback xmlns="">
           <p:sp>
             <p:nvSpPr>
               <p:cNvPr id="41" name="Rectangle 40">
@@ -11636,8 +11675,8 @@
           <a:chExt cx="0" cy="0"/>
         </a:xfrm>
       </p:grpSpPr>
-      <mc:AlternateContent xmlns:mc="http://schemas.openxmlformats.org/markup-compatibility/2006">
-        <mc:Choice xmlns:a14="http://schemas.microsoft.com/office/drawing/2010/main" Requires="a14">
+      <mc:AlternateContent xmlns:mc="http://schemas.openxmlformats.org/markup-compatibility/2006" xmlns:a14="http://schemas.microsoft.com/office/drawing/2010/main">
+        <mc:Choice Requires="a14">
           <p:sp>
             <p:nvSpPr>
               <p:cNvPr id="20" name="TextBox 19">
@@ -11800,7 +11839,7 @@
             </p:txBody>
           </p:sp>
         </mc:Choice>
-        <mc:Fallback>
+        <mc:Fallback xmlns="">
           <p:sp>
             <p:nvSpPr>
               <p:cNvPr id="20" name="TextBox 19">
@@ -12069,8 +12108,8 @@
           </a:fontRef>
         </p:style>
       </p:cxnSp>
-      <mc:AlternateContent xmlns:mc="http://schemas.openxmlformats.org/markup-compatibility/2006">
-        <mc:Choice xmlns:a14="http://schemas.microsoft.com/office/drawing/2010/main" Requires="a14">
+      <mc:AlternateContent xmlns:mc="http://schemas.openxmlformats.org/markup-compatibility/2006" xmlns:a14="http://schemas.microsoft.com/office/drawing/2010/main">
+        <mc:Choice Requires="a14">
           <p:sp>
             <p:nvSpPr>
               <p:cNvPr id="29" name="TextBox 28">
@@ -12171,7 +12210,7 @@
             </p:txBody>
           </p:sp>
         </mc:Choice>
-        <mc:Fallback>
+        <mc:Fallback xmlns="">
           <p:sp>
             <p:nvSpPr>
               <p:cNvPr id="29" name="TextBox 28">
@@ -12582,8 +12621,8 @@
           </p:sp>
         </mc:Fallback>
       </mc:AlternateContent>
-      <mc:AlternateContent xmlns:mc="http://schemas.openxmlformats.org/markup-compatibility/2006">
-        <mc:Choice xmlns:a14="http://schemas.microsoft.com/office/drawing/2010/main" Requires="a14">
+      <mc:AlternateContent xmlns:mc="http://schemas.openxmlformats.org/markup-compatibility/2006" xmlns:a14="http://schemas.microsoft.com/office/drawing/2010/main">
+        <mc:Choice Requires="a14">
           <p:sp>
             <p:nvSpPr>
               <p:cNvPr id="2" name="Rectangle 1">
@@ -12733,7 +12772,7 @@
             </p:txBody>
           </p:sp>
         </mc:Choice>
-        <mc:Fallback>
+        <mc:Fallback xmlns="">
           <p:sp>
             <p:nvSpPr>
               <p:cNvPr id="2" name="Rectangle 1">
@@ -12778,8 +12817,8 @@
           </p:sp>
         </mc:Fallback>
       </mc:AlternateContent>
-      <mc:AlternateContent xmlns:mc="http://schemas.openxmlformats.org/markup-compatibility/2006">
-        <mc:Choice xmlns:a14="http://schemas.microsoft.com/office/drawing/2010/main" Requires="a14">
+      <mc:AlternateContent xmlns:mc="http://schemas.openxmlformats.org/markup-compatibility/2006" xmlns:a14="http://schemas.microsoft.com/office/drawing/2010/main">
+        <mc:Choice Requires="a14">
           <p:sp>
             <p:nvSpPr>
               <p:cNvPr id="4" name="TextBox 3">
@@ -13029,7 +13068,7 @@
             </p:txBody>
           </p:sp>
         </mc:Choice>
-        <mc:Fallback>
+        <mc:Fallback xmlns="">
           <p:sp>
             <p:nvSpPr>
               <p:cNvPr id="4" name="TextBox 3">
@@ -13588,8 +13627,8 @@
           </p:sp>
         </mc:Fallback>
       </mc:AlternateContent>
-      <mc:AlternateContent xmlns:mc="http://schemas.openxmlformats.org/markup-compatibility/2006">
-        <mc:Choice xmlns:a14="http://schemas.microsoft.com/office/drawing/2010/main" Requires="a14">
+      <mc:AlternateContent xmlns:mc="http://schemas.openxmlformats.org/markup-compatibility/2006" xmlns:a14="http://schemas.microsoft.com/office/drawing/2010/main">
+        <mc:Choice Requires="a14">
           <p:sp>
             <p:nvSpPr>
               <p:cNvPr id="16" name="Rectangle 15">
@@ -14090,7 +14129,7 @@
             </p:txBody>
           </p:sp>
         </mc:Choice>
-        <mc:Fallback>
+        <mc:Fallback xmlns="">
           <p:sp>
             <p:nvSpPr>
               <p:cNvPr id="16" name="Rectangle 15">
@@ -14232,8 +14271,8 @@
           </a:p>
         </p:txBody>
       </p:sp>
-      <mc:AlternateContent xmlns:mc="http://schemas.openxmlformats.org/markup-compatibility/2006">
-        <mc:Choice xmlns:a14="http://schemas.microsoft.com/office/drawing/2010/main" Requires="a14">
+      <mc:AlternateContent xmlns:mc="http://schemas.openxmlformats.org/markup-compatibility/2006" xmlns:a14="http://schemas.microsoft.com/office/drawing/2010/main">
+        <mc:Choice Requires="a14">
           <p:sp>
             <p:nvSpPr>
               <p:cNvPr id="39" name="TextBox 38">
@@ -14279,13 +14318,7 @@
                         <a:rPr lang="en-US" sz="4400" b="0" i="1" smtClean="0">
                           <a:latin typeface="Cambria Math" panose="02040503050406030204" pitchFamily="18" charset="0"/>
                         </a:rPr>
-                        <m:t>=</m:t>
-                      </m:r>
-                      <m:r>
-                        <a:rPr lang="en-US" sz="4400" b="0" i="1" smtClean="0">
-                          <a:latin typeface="Cambria Math" panose="02040503050406030204" pitchFamily="18" charset="0"/>
-                        </a:rPr>
-                        <m:t>2</m:t>
+                        <m:t>=2</m:t>
                       </m:r>
                     </m:oMath>
                   </m:oMathPara>
@@ -14295,7 +14328,7 @@
             </p:txBody>
           </p:sp>
         </mc:Choice>
-        <mc:Fallback>
+        <mc:Fallback xmlns="">
           <p:sp>
             <p:nvSpPr>
               <p:cNvPr id="39" name="TextBox 38">
@@ -14340,8 +14373,8 @@
           </p:sp>
         </mc:Fallback>
       </mc:AlternateContent>
-      <mc:AlternateContent xmlns:mc="http://schemas.openxmlformats.org/markup-compatibility/2006">
-        <mc:Choice xmlns:a14="http://schemas.microsoft.com/office/drawing/2010/main" Requires="a14">
+      <mc:AlternateContent xmlns:mc="http://schemas.openxmlformats.org/markup-compatibility/2006" xmlns:a14="http://schemas.microsoft.com/office/drawing/2010/main">
+        <mc:Choice Requires="a14">
           <p:sp>
             <p:nvSpPr>
               <p:cNvPr id="40" name="Rectangle 39">
@@ -14424,7 +14457,7 @@
             </p:txBody>
           </p:sp>
         </mc:Choice>
-        <mc:Fallback>
+        <mc:Fallback xmlns="">
           <p:sp>
             <p:nvSpPr>
               <p:cNvPr id="40" name="Rectangle 39">
@@ -14469,8 +14502,8 @@
           </p:sp>
         </mc:Fallback>
       </mc:AlternateContent>
-      <mc:AlternateContent xmlns:mc="http://schemas.openxmlformats.org/markup-compatibility/2006">
-        <mc:Choice xmlns:a14="http://schemas.microsoft.com/office/drawing/2010/main" Requires="a14">
+      <mc:AlternateContent xmlns:mc="http://schemas.openxmlformats.org/markup-compatibility/2006" xmlns:a14="http://schemas.microsoft.com/office/drawing/2010/main">
+        <mc:Choice Requires="a14">
           <p:sp>
             <p:nvSpPr>
               <p:cNvPr id="41" name="Rectangle 40">
@@ -14553,7 +14586,7 @@
             </p:txBody>
           </p:sp>
         </mc:Choice>
-        <mc:Fallback>
+        <mc:Fallback xmlns="">
           <p:sp>
             <p:nvSpPr>
               <p:cNvPr id="41" name="Rectangle 40">
@@ -15351,8 +15384,8 @@
           </p:sp>
         </mc:Fallback>
       </mc:AlternateContent>
-      <mc:AlternateContent xmlns:mc="http://schemas.openxmlformats.org/markup-compatibility/2006">
-        <mc:Choice xmlns:a14="http://schemas.microsoft.com/office/drawing/2010/main" Requires="a14">
+      <mc:AlternateContent xmlns:mc="http://schemas.openxmlformats.org/markup-compatibility/2006" xmlns:a14="http://schemas.microsoft.com/office/drawing/2010/main">
+        <mc:Choice Requires="a14">
           <p:sp>
             <p:nvSpPr>
               <p:cNvPr id="16" name="Rectangle 15">
@@ -15853,7 +15886,7 @@
             </p:txBody>
           </p:sp>
         </mc:Choice>
-        <mc:Fallback>
+        <mc:Fallback xmlns="">
           <p:sp>
             <p:nvSpPr>
               <p:cNvPr id="16" name="Rectangle 15">
@@ -15898,8 +15931,8 @@
           </p:sp>
         </mc:Fallback>
       </mc:AlternateContent>
-      <mc:AlternateContent xmlns:mc="http://schemas.openxmlformats.org/markup-compatibility/2006">
-        <mc:Choice xmlns:a14="http://schemas.microsoft.com/office/drawing/2010/main" Requires="a14">
+      <mc:AlternateContent xmlns:mc="http://schemas.openxmlformats.org/markup-compatibility/2006" xmlns:a14="http://schemas.microsoft.com/office/drawing/2010/main">
+        <mc:Choice Requires="a14">
           <p:sp>
             <p:nvSpPr>
               <p:cNvPr id="39" name="TextBox 38">
@@ -15945,13 +15978,7 @@
                         <a:rPr lang="en-US" sz="4400" b="0" i="1" smtClean="0">
                           <a:latin typeface="Cambria Math" panose="02040503050406030204" pitchFamily="18" charset="0"/>
                         </a:rPr>
-                        <m:t>=</m:t>
-                      </m:r>
-                      <m:r>
-                        <a:rPr lang="en-US" sz="4400" b="0" i="1" smtClean="0">
-                          <a:latin typeface="Cambria Math" panose="02040503050406030204" pitchFamily="18" charset="0"/>
-                        </a:rPr>
-                        <m:t>2</m:t>
+                        <m:t>=2</m:t>
                       </m:r>
                     </m:oMath>
                   </m:oMathPara>
@@ -15961,7 +15988,7 @@
             </p:txBody>
           </p:sp>
         </mc:Choice>
-        <mc:Fallback>
+        <mc:Fallback xmlns="">
           <p:sp>
             <p:nvSpPr>
               <p:cNvPr id="39" name="TextBox 38">
@@ -16006,8 +16033,8 @@
           </p:sp>
         </mc:Fallback>
       </mc:AlternateContent>
-      <mc:AlternateContent xmlns:mc="http://schemas.openxmlformats.org/markup-compatibility/2006">
-        <mc:Choice xmlns:a14="http://schemas.microsoft.com/office/drawing/2010/main" Requires="a14">
+      <mc:AlternateContent xmlns:mc="http://schemas.openxmlformats.org/markup-compatibility/2006" xmlns:a14="http://schemas.microsoft.com/office/drawing/2010/main">
+        <mc:Choice Requires="a14">
           <p:sp>
             <p:nvSpPr>
               <p:cNvPr id="40" name="Rectangle 39">
@@ -16090,7 +16117,7 @@
             </p:txBody>
           </p:sp>
         </mc:Choice>
-        <mc:Fallback>
+        <mc:Fallback xmlns="">
           <p:sp>
             <p:nvSpPr>
               <p:cNvPr id="40" name="Rectangle 39">
@@ -16135,8 +16162,8 @@
           </p:sp>
         </mc:Fallback>
       </mc:AlternateContent>
-      <mc:AlternateContent xmlns:mc="http://schemas.openxmlformats.org/markup-compatibility/2006">
-        <mc:Choice xmlns:a14="http://schemas.microsoft.com/office/drawing/2010/main" Requires="a14">
+      <mc:AlternateContent xmlns:mc="http://schemas.openxmlformats.org/markup-compatibility/2006" xmlns:a14="http://schemas.microsoft.com/office/drawing/2010/main">
+        <mc:Choice Requires="a14">
           <p:sp>
             <p:nvSpPr>
               <p:cNvPr id="41" name="Rectangle 40">
@@ -16219,7 +16246,7 @@
             </p:txBody>
           </p:sp>
         </mc:Choice>
-        <mc:Fallback>
+        <mc:Fallback xmlns="">
           <p:sp>
             <p:nvSpPr>
               <p:cNvPr id="41" name="Rectangle 40">
@@ -17196,8 +17223,8 @@
           </a:fontRef>
         </p:style>
       </p:cxnSp>
-      <mc:AlternateContent xmlns:mc="http://schemas.openxmlformats.org/markup-compatibility/2006">
-        <mc:Choice xmlns:a14="http://schemas.microsoft.com/office/drawing/2010/main" Requires="a14">
+      <mc:AlternateContent xmlns:mc="http://schemas.openxmlformats.org/markup-compatibility/2006" xmlns:a14="http://schemas.microsoft.com/office/drawing/2010/main">
+        <mc:Choice Requires="a14">
           <p:sp>
             <p:nvSpPr>
               <p:cNvPr id="39" name="TextBox 38">
@@ -17256,7 +17283,7 @@
             </p:txBody>
           </p:sp>
         </mc:Choice>
-        <mc:Fallback>
+        <mc:Fallback xmlns="">
           <p:sp>
             <p:nvSpPr>
               <p:cNvPr id="39" name="TextBox 38">
@@ -17301,8 +17328,8 @@
           </p:sp>
         </mc:Fallback>
       </mc:AlternateContent>
-      <mc:AlternateContent xmlns:mc="http://schemas.openxmlformats.org/markup-compatibility/2006">
-        <mc:Choice xmlns:a14="http://schemas.microsoft.com/office/drawing/2010/main" Requires="a14">
+      <mc:AlternateContent xmlns:mc="http://schemas.openxmlformats.org/markup-compatibility/2006" xmlns:a14="http://schemas.microsoft.com/office/drawing/2010/main">
+        <mc:Choice Requires="a14">
           <p:sp>
             <p:nvSpPr>
               <p:cNvPr id="40" name="Rectangle 39">
@@ -17385,7 +17412,7 @@
             </p:txBody>
           </p:sp>
         </mc:Choice>
-        <mc:Fallback>
+        <mc:Fallback xmlns="">
           <p:sp>
             <p:nvSpPr>
               <p:cNvPr id="40" name="Rectangle 39">
@@ -17430,8 +17457,8 @@
           </p:sp>
         </mc:Fallback>
       </mc:AlternateContent>
-      <mc:AlternateContent xmlns:mc="http://schemas.openxmlformats.org/markup-compatibility/2006">
-        <mc:Choice xmlns:a14="http://schemas.microsoft.com/office/drawing/2010/main" Requires="a14">
+      <mc:AlternateContent xmlns:mc="http://schemas.openxmlformats.org/markup-compatibility/2006" xmlns:a14="http://schemas.microsoft.com/office/drawing/2010/main">
+        <mc:Choice Requires="a14">
           <p:sp>
             <p:nvSpPr>
               <p:cNvPr id="41" name="Rectangle 40">
@@ -17514,7 +17541,7 @@
             </p:txBody>
           </p:sp>
         </mc:Choice>
-        <mc:Fallback>
+        <mc:Fallback xmlns="">
           <p:sp>
             <p:nvSpPr>
               <p:cNvPr id="41" name="Rectangle 40">
@@ -17763,8 +17790,8 @@
           <a:chExt cx="0" cy="0"/>
         </a:xfrm>
       </p:grpSpPr>
-      <mc:AlternateContent xmlns:mc="http://schemas.openxmlformats.org/markup-compatibility/2006">
-        <mc:Choice xmlns:a14="http://schemas.microsoft.com/office/drawing/2010/main" Requires="a14">
+      <mc:AlternateContent xmlns:mc="http://schemas.openxmlformats.org/markup-compatibility/2006" xmlns:a14="http://schemas.microsoft.com/office/drawing/2010/main">
+        <mc:Choice Requires="a14">
           <p:sp>
             <p:nvSpPr>
               <p:cNvPr id="20" name="TextBox 19">
@@ -17927,7 +17954,7 @@
             </p:txBody>
           </p:sp>
         </mc:Choice>
-        <mc:Fallback>
+        <mc:Fallback xmlns="">
           <p:sp>
             <p:nvSpPr>
               <p:cNvPr id="20" name="TextBox 19">
@@ -18104,8 +18131,8 @@
           </a:fontRef>
         </p:style>
       </p:cxnSp>
-      <mc:AlternateContent xmlns:mc="http://schemas.openxmlformats.org/markup-compatibility/2006">
-        <mc:Choice xmlns:a14="http://schemas.microsoft.com/office/drawing/2010/main" Requires="a14">
+      <mc:AlternateContent xmlns:mc="http://schemas.openxmlformats.org/markup-compatibility/2006" xmlns:a14="http://schemas.microsoft.com/office/drawing/2010/main">
+        <mc:Choice Requires="a14">
           <p:sp>
             <p:nvSpPr>
               <p:cNvPr id="2" name="Rectangle 1">
@@ -18255,7 +18282,7 @@
             </p:txBody>
           </p:sp>
         </mc:Choice>
-        <mc:Fallback>
+        <mc:Fallback xmlns="">
           <p:sp>
             <p:nvSpPr>
               <p:cNvPr id="2" name="Rectangle 1">
@@ -18300,8 +18327,8 @@
           </p:sp>
         </mc:Fallback>
       </mc:AlternateContent>
-      <mc:AlternateContent xmlns:mc="http://schemas.openxmlformats.org/markup-compatibility/2006">
-        <mc:Choice xmlns:a14="http://schemas.microsoft.com/office/drawing/2010/main" Requires="a14">
+      <mc:AlternateContent xmlns:mc="http://schemas.openxmlformats.org/markup-compatibility/2006" xmlns:a14="http://schemas.microsoft.com/office/drawing/2010/main">
+        <mc:Choice Requires="a14">
           <p:sp>
             <p:nvSpPr>
               <p:cNvPr id="39" name="TextBox 38">
@@ -18360,7 +18387,7 @@
             </p:txBody>
           </p:sp>
         </mc:Choice>
-        <mc:Fallback>
+        <mc:Fallback xmlns="">
           <p:sp>
             <p:nvSpPr>
               <p:cNvPr id="39" name="TextBox 38">
@@ -18405,8 +18432,8 @@
           </p:sp>
         </mc:Fallback>
       </mc:AlternateContent>
-      <mc:AlternateContent xmlns:mc="http://schemas.openxmlformats.org/markup-compatibility/2006">
-        <mc:Choice xmlns:a14="http://schemas.microsoft.com/office/drawing/2010/main" Requires="a14">
+      <mc:AlternateContent xmlns:mc="http://schemas.openxmlformats.org/markup-compatibility/2006" xmlns:a14="http://schemas.microsoft.com/office/drawing/2010/main">
+        <mc:Choice Requires="a14">
           <p:sp>
             <p:nvSpPr>
               <p:cNvPr id="40" name="Rectangle 39">
@@ -18489,7 +18516,7 @@
             </p:txBody>
           </p:sp>
         </mc:Choice>
-        <mc:Fallback>
+        <mc:Fallback xmlns="">
           <p:sp>
             <p:nvSpPr>
               <p:cNvPr id="40" name="Rectangle 39">
@@ -18534,8 +18561,8 @@
           </p:sp>
         </mc:Fallback>
       </mc:AlternateContent>
-      <mc:AlternateContent xmlns:mc="http://schemas.openxmlformats.org/markup-compatibility/2006">
-        <mc:Choice xmlns:a14="http://schemas.microsoft.com/office/drawing/2010/main" Requires="a14">
+      <mc:AlternateContent xmlns:mc="http://schemas.openxmlformats.org/markup-compatibility/2006" xmlns:a14="http://schemas.microsoft.com/office/drawing/2010/main">
+        <mc:Choice Requires="a14">
           <p:sp>
             <p:nvSpPr>
               <p:cNvPr id="41" name="Rectangle 40">
@@ -18618,7 +18645,7 @@
             </p:txBody>
           </p:sp>
         </mc:Choice>
-        <mc:Fallback>
+        <mc:Fallback xmlns="">
           <p:sp>
             <p:nvSpPr>
               <p:cNvPr id="41" name="Rectangle 40">
@@ -18663,8 +18690,8 @@
           </p:sp>
         </mc:Fallback>
       </mc:AlternateContent>
-      <mc:AlternateContent xmlns:mc="http://schemas.openxmlformats.org/markup-compatibility/2006">
-        <mc:Choice xmlns:a14="http://schemas.microsoft.com/office/drawing/2010/main" Requires="a14">
+      <mc:AlternateContent xmlns:mc="http://schemas.openxmlformats.org/markup-compatibility/2006" xmlns:a14="http://schemas.microsoft.com/office/drawing/2010/main">
+        <mc:Choice Requires="a14">
           <p:sp>
             <p:nvSpPr>
               <p:cNvPr id="25" name="Rectangle 24">
@@ -18814,7 +18841,7 @@
             </p:txBody>
           </p:sp>
         </mc:Choice>
-        <mc:Fallback>
+        <mc:Fallback xmlns="">
           <p:sp>
             <p:nvSpPr>
               <p:cNvPr id="25" name="Rectangle 24">
@@ -18859,8 +18886,8 @@
           </p:sp>
         </mc:Fallback>
       </mc:AlternateContent>
-      <mc:AlternateContent xmlns:mc="http://schemas.openxmlformats.org/markup-compatibility/2006">
-        <mc:Choice xmlns:a14="http://schemas.microsoft.com/office/drawing/2010/main" Requires="a14">
+      <mc:AlternateContent xmlns:mc="http://schemas.openxmlformats.org/markup-compatibility/2006" xmlns:a14="http://schemas.microsoft.com/office/drawing/2010/main">
+        <mc:Choice Requires="a14">
           <p:sp>
             <p:nvSpPr>
               <p:cNvPr id="3" name="Rectangle 2">
@@ -18888,6 +18915,7 @@
               </a:bodyPr>
               <a:lstStyle/>
               <a:p>
+                <a:pPr/>
                 <a14:m>
                   <m:oMathPara xmlns:m="http://schemas.openxmlformats.org/officeDocument/2006/math">
                     <m:oMathParaPr>
@@ -18908,7 +18936,7 @@
             </p:txBody>
           </p:sp>
         </mc:Choice>
-        <mc:Fallback>
+        <mc:Fallback xmlns="">
           <p:sp>
             <p:nvSpPr>
               <p:cNvPr id="3" name="Rectangle 2">
@@ -19341,8 +19369,8 @@
           <a:chExt cx="0" cy="0"/>
         </a:xfrm>
       </p:grpSpPr>
-      <mc:AlternateContent xmlns:mc="http://schemas.openxmlformats.org/markup-compatibility/2006">
-        <mc:Choice xmlns:a14="http://schemas.microsoft.com/office/drawing/2010/main" Requires="a14">
+      <mc:AlternateContent xmlns:mc="http://schemas.openxmlformats.org/markup-compatibility/2006" xmlns:a14="http://schemas.microsoft.com/office/drawing/2010/main">
+        <mc:Choice Requires="a14">
           <p:sp>
             <p:nvSpPr>
               <p:cNvPr id="20" name="TextBox 19">
@@ -19505,7 +19533,7 @@
             </p:txBody>
           </p:sp>
         </mc:Choice>
-        <mc:Fallback>
+        <mc:Fallback xmlns="">
           <p:sp>
             <p:nvSpPr>
               <p:cNvPr id="20" name="TextBox 19">
@@ -19682,8 +19710,8 @@
           </a:fontRef>
         </p:style>
       </p:cxnSp>
-      <mc:AlternateContent xmlns:mc="http://schemas.openxmlformats.org/markup-compatibility/2006">
-        <mc:Choice xmlns:a14="http://schemas.microsoft.com/office/drawing/2010/main" Requires="a14">
+      <mc:AlternateContent xmlns:mc="http://schemas.openxmlformats.org/markup-compatibility/2006" xmlns:a14="http://schemas.microsoft.com/office/drawing/2010/main">
+        <mc:Choice Requires="a14">
           <p:sp>
             <p:nvSpPr>
               <p:cNvPr id="29" name="TextBox 28">
@@ -19784,7 +19812,7 @@
             </p:txBody>
           </p:sp>
         </mc:Choice>
-        <mc:Fallback>
+        <mc:Fallback xmlns="">
           <p:sp>
             <p:nvSpPr>
               <p:cNvPr id="29" name="TextBox 28">
@@ -19829,8 +19857,8 @@
           </p:sp>
         </mc:Fallback>
       </mc:AlternateContent>
-      <mc:AlternateContent xmlns:mc="http://schemas.openxmlformats.org/markup-compatibility/2006">
-        <mc:Choice xmlns:a14="http://schemas.microsoft.com/office/drawing/2010/main" Requires="a14">
+      <mc:AlternateContent xmlns:mc="http://schemas.openxmlformats.org/markup-compatibility/2006" xmlns:a14="http://schemas.microsoft.com/office/drawing/2010/main">
+        <mc:Choice Requires="a14">
           <p:sp>
             <p:nvSpPr>
               <p:cNvPr id="2" name="Rectangle 1">
@@ -19980,7 +20008,7 @@
             </p:txBody>
           </p:sp>
         </mc:Choice>
-        <mc:Fallback>
+        <mc:Fallback xmlns="">
           <p:sp>
             <p:nvSpPr>
               <p:cNvPr id="2" name="Rectangle 1">
@@ -20025,8 +20053,8 @@
           </p:sp>
         </mc:Fallback>
       </mc:AlternateContent>
-      <mc:AlternateContent xmlns:mc="http://schemas.openxmlformats.org/markup-compatibility/2006">
-        <mc:Choice xmlns:a14="http://schemas.microsoft.com/office/drawing/2010/main" Requires="a14">
+      <mc:AlternateContent xmlns:mc="http://schemas.openxmlformats.org/markup-compatibility/2006" xmlns:a14="http://schemas.microsoft.com/office/drawing/2010/main">
+        <mc:Choice Requires="a14">
           <p:sp>
             <p:nvSpPr>
               <p:cNvPr id="4" name="TextBox 3">
@@ -20249,7 +20277,7 @@
             </p:txBody>
           </p:sp>
         </mc:Choice>
-        <mc:Fallback>
+        <mc:Fallback xmlns="">
           <p:sp>
             <p:nvSpPr>
               <p:cNvPr id="4" name="TextBox 3">
@@ -20294,8 +20322,8 @@
           </p:sp>
         </mc:Fallback>
       </mc:AlternateContent>
-      <mc:AlternateContent xmlns:mc="http://schemas.openxmlformats.org/markup-compatibility/2006">
-        <mc:Choice xmlns:a14="http://schemas.microsoft.com/office/drawing/2010/main" Requires="a14">
+      <mc:AlternateContent xmlns:mc="http://schemas.openxmlformats.org/markup-compatibility/2006" xmlns:a14="http://schemas.microsoft.com/office/drawing/2010/main">
+        <mc:Choice Requires="a14">
           <p:sp>
             <p:nvSpPr>
               <p:cNvPr id="35" name="Rectangle 34">
@@ -20452,7 +20480,7 @@
             </p:txBody>
           </p:sp>
         </mc:Choice>
-        <mc:Fallback>
+        <mc:Fallback xmlns="">
           <p:sp>
             <p:nvSpPr>
               <p:cNvPr id="35" name="Rectangle 34">
@@ -20497,8 +20525,8 @@
           </p:sp>
         </mc:Fallback>
       </mc:AlternateContent>
-      <mc:AlternateContent xmlns:mc="http://schemas.openxmlformats.org/markup-compatibility/2006">
-        <mc:Choice xmlns:a14="http://schemas.microsoft.com/office/drawing/2010/main" Requires="a14">
+      <mc:AlternateContent xmlns:mc="http://schemas.openxmlformats.org/markup-compatibility/2006" xmlns:a14="http://schemas.microsoft.com/office/drawing/2010/main">
+        <mc:Choice Requires="a14">
           <p:sp>
             <p:nvSpPr>
               <p:cNvPr id="36" name="Rectangle 35">
@@ -20655,7 +20683,7 @@
             </p:txBody>
           </p:sp>
         </mc:Choice>
-        <mc:Fallback>
+        <mc:Fallback xmlns="">
           <p:sp>
             <p:nvSpPr>
               <p:cNvPr id="36" name="Rectangle 35">
@@ -20831,8 +20859,8 @@
           </p:sp>
         </mc:Fallback>
       </mc:AlternateContent>
-      <mc:AlternateContent xmlns:mc="http://schemas.openxmlformats.org/markup-compatibility/2006">
-        <mc:Choice xmlns:a14="http://schemas.microsoft.com/office/drawing/2010/main" Requires="a14">
+      <mc:AlternateContent xmlns:mc="http://schemas.openxmlformats.org/markup-compatibility/2006" xmlns:a14="http://schemas.microsoft.com/office/drawing/2010/main">
+        <mc:Choice Requires="a14">
           <p:sp>
             <p:nvSpPr>
               <p:cNvPr id="16" name="Rectangle 15">
@@ -20958,7 +20986,7 @@
             </p:txBody>
           </p:sp>
         </mc:Choice>
-        <mc:Fallback>
+        <mc:Fallback xmlns="">
           <p:sp>
             <p:nvSpPr>
               <p:cNvPr id="16" name="Rectangle 15">
@@ -21100,8 +21128,8 @@
           </a:p>
         </p:txBody>
       </p:sp>
-      <mc:AlternateContent xmlns:mc="http://schemas.openxmlformats.org/markup-compatibility/2006">
-        <mc:Choice xmlns:a14="http://schemas.microsoft.com/office/drawing/2010/main" Requires="a14">
+      <mc:AlternateContent xmlns:mc="http://schemas.openxmlformats.org/markup-compatibility/2006" xmlns:a14="http://schemas.microsoft.com/office/drawing/2010/main">
+        <mc:Choice Requires="a14">
           <p:sp>
             <p:nvSpPr>
               <p:cNvPr id="39" name="TextBox 38">
@@ -21160,7 +21188,7 @@
             </p:txBody>
           </p:sp>
         </mc:Choice>
-        <mc:Fallback>
+        <mc:Fallback xmlns="">
           <p:sp>
             <p:nvSpPr>
               <p:cNvPr id="39" name="TextBox 38">
@@ -21205,8 +21233,8 @@
           </p:sp>
         </mc:Fallback>
       </mc:AlternateContent>
-      <mc:AlternateContent xmlns:mc="http://schemas.openxmlformats.org/markup-compatibility/2006">
-        <mc:Choice xmlns:a14="http://schemas.microsoft.com/office/drawing/2010/main" Requires="a14">
+      <mc:AlternateContent xmlns:mc="http://schemas.openxmlformats.org/markup-compatibility/2006" xmlns:a14="http://schemas.microsoft.com/office/drawing/2010/main">
+        <mc:Choice Requires="a14">
           <p:sp>
             <p:nvSpPr>
               <p:cNvPr id="40" name="Rectangle 39">
@@ -21289,7 +21317,7 @@
             </p:txBody>
           </p:sp>
         </mc:Choice>
-        <mc:Fallback>
+        <mc:Fallback xmlns="">
           <p:sp>
             <p:nvSpPr>
               <p:cNvPr id="40" name="Rectangle 39">
@@ -21334,8 +21362,8 @@
           </p:sp>
         </mc:Fallback>
       </mc:AlternateContent>
-      <mc:AlternateContent xmlns:mc="http://schemas.openxmlformats.org/markup-compatibility/2006">
-        <mc:Choice xmlns:a14="http://schemas.microsoft.com/office/drawing/2010/main" Requires="a14">
+      <mc:AlternateContent xmlns:mc="http://schemas.openxmlformats.org/markup-compatibility/2006" xmlns:a14="http://schemas.microsoft.com/office/drawing/2010/main">
+        <mc:Choice Requires="a14">
           <p:sp>
             <p:nvSpPr>
               <p:cNvPr id="41" name="Rectangle 40">
@@ -21418,7 +21446,7 @@
             </p:txBody>
           </p:sp>
         </mc:Choice>
-        <mc:Fallback>
+        <mc:Fallback xmlns="">
           <p:sp>
             <p:nvSpPr>
               <p:cNvPr id="41" name="Rectangle 40">
@@ -21463,8 +21491,8 @@
           </p:sp>
         </mc:Fallback>
       </mc:AlternateContent>
-      <mc:AlternateContent xmlns:mc="http://schemas.openxmlformats.org/markup-compatibility/2006">
-        <mc:Choice xmlns:a14="http://schemas.microsoft.com/office/drawing/2010/main" Requires="a14">
+      <mc:AlternateContent xmlns:mc="http://schemas.openxmlformats.org/markup-compatibility/2006" xmlns:a14="http://schemas.microsoft.com/office/drawing/2010/main">
+        <mc:Choice Requires="a14">
           <p:sp>
             <p:nvSpPr>
               <p:cNvPr id="25" name="Rectangle 24">
@@ -21614,7 +21642,7 @@
             </p:txBody>
           </p:sp>
         </mc:Choice>
-        <mc:Fallback>
+        <mc:Fallback xmlns="">
           <p:sp>
             <p:nvSpPr>
               <p:cNvPr id="25" name="Rectangle 24">
@@ -21659,8 +21687,8 @@
           </p:sp>
         </mc:Fallback>
       </mc:AlternateContent>
-      <mc:AlternateContent xmlns:mc="http://schemas.openxmlformats.org/markup-compatibility/2006">
-        <mc:Choice xmlns:a14="http://schemas.microsoft.com/office/drawing/2010/main" Requires="a14">
+      <mc:AlternateContent xmlns:mc="http://schemas.openxmlformats.org/markup-compatibility/2006" xmlns:a14="http://schemas.microsoft.com/office/drawing/2010/main">
+        <mc:Choice Requires="a14">
           <p:sp>
             <p:nvSpPr>
               <p:cNvPr id="3" name="Rectangle 2">
@@ -21688,6 +21716,7 @@
               </a:bodyPr>
               <a:lstStyle/>
               <a:p>
+                <a:pPr/>
                 <a14:m>
                   <m:oMathPara xmlns:m="http://schemas.openxmlformats.org/officeDocument/2006/math">
                     <m:oMathParaPr>
@@ -21708,7 +21737,7 @@
             </p:txBody>
           </p:sp>
         </mc:Choice>
-        <mc:Fallback>
+        <mc:Fallback xmlns="">
           <p:sp>
             <p:nvSpPr>
               <p:cNvPr id="3" name="Rectangle 2">
@@ -24814,8 +24843,8 @@
           </p:sp>
         </mc:Fallback>
       </mc:AlternateContent>
-      <mc:AlternateContent xmlns:mc="http://schemas.openxmlformats.org/markup-compatibility/2006">
-        <mc:Choice xmlns:a14="http://schemas.microsoft.com/office/drawing/2010/main" Requires="a14">
+      <mc:AlternateContent xmlns:mc="http://schemas.openxmlformats.org/markup-compatibility/2006" xmlns:a14="http://schemas.microsoft.com/office/drawing/2010/main">
+        <mc:Choice Requires="a14">
           <p:sp>
             <p:nvSpPr>
               <p:cNvPr id="18" name="TextBox 17">
@@ -24844,7 +24873,6 @@
               </a:bodyPr>
               <a:lstStyle/>
               <a:p>
-                <a:pPr/>
                 <a14:m>
                   <m:oMath xmlns:m="http://schemas.openxmlformats.org/officeDocument/2006/math">
                     <m:r>
@@ -24879,7 +24907,7 @@
             </p:txBody>
           </p:sp>
         </mc:Choice>
-        <mc:Fallback>
+        <mc:Fallback xmlns="">
           <p:sp>
             <p:nvSpPr>
               <p:cNvPr id="18" name="TextBox 17">
@@ -25991,8 +26019,8 @@
           </p:sp>
         </mc:Fallback>
       </mc:AlternateContent>
-      <mc:AlternateContent xmlns:mc="http://schemas.openxmlformats.org/markup-compatibility/2006" xmlns:a14="http://schemas.microsoft.com/office/drawing/2010/main">
-        <mc:Choice Requires="a14">
+      <mc:AlternateContent xmlns:mc="http://schemas.openxmlformats.org/markup-compatibility/2006">
+        <mc:Choice xmlns:a14="http://schemas.microsoft.com/office/drawing/2010/main" Requires="a14">
           <p:sp>
             <p:nvSpPr>
               <p:cNvPr id="39" name="Rectangle 38">
@@ -26008,7 +26036,7 @@
             <p:spPr>
               <a:xfrm>
                 <a:off x="8707935" y="4699653"/>
-                <a:ext cx="2556854" cy="1100879"/>
+                <a:ext cx="2658292" cy="1100879"/>
               </a:xfrm>
               <a:prstGeom prst="rect">
                 <a:avLst/>
@@ -26074,7 +26102,7 @@
                               </a:solidFill>
                               <a:latin typeface="Cambria Math" panose="02040503050406030204" pitchFamily="18" charset="0"/>
                             </a:rPr>
-                            <m:t>=0</m:t>
+                            <m:t>=1</m:t>
                           </m:r>
                         </m:sub>
                         <m:sup>
@@ -26230,7 +26258,7 @@
             </p:txBody>
           </p:sp>
         </mc:Choice>
-        <mc:Fallback xmlns="">
+        <mc:Fallback>
           <p:sp>
             <p:nvSpPr>
               <p:cNvPr id="39" name="Rectangle 38">
@@ -26248,7 +26276,7 @@
             <p:spPr>
               <a:xfrm>
                 <a:off x="8707935" y="4699653"/>
-                <a:ext cx="2556854" cy="1100879"/>
+                <a:ext cx="2658292" cy="1100879"/>
               </a:xfrm>
               <a:prstGeom prst="rect">
                 <a:avLst/>
@@ -26733,6 +26761,115 @@
           </p:sp>
         </mc:Fallback>
       </mc:AlternateContent>
+      <mc:AlternateContent xmlns:mc="http://schemas.openxmlformats.org/markup-compatibility/2006">
+        <mc:Choice xmlns:a14="http://schemas.microsoft.com/office/drawing/2010/main" Requires="a14">
+          <p:sp>
+            <p:nvSpPr>
+              <p:cNvPr id="22" name="TextBox 21">
+                <a:extLst>
+                  <a:ext uri="{FF2B5EF4-FFF2-40B4-BE49-F238E27FC236}">
+                    <a16:creationId xmlns:a16="http://schemas.microsoft.com/office/drawing/2014/main" id="{3C7E89E6-C44C-4F8D-B2FB-C06EC5972100}"/>
+                  </a:ext>
+                </a:extLst>
+              </p:cNvPr>
+              <p:cNvSpPr txBox="1"/>
+              <p:nvPr/>
+            </p:nvSpPr>
+            <p:spPr>
+              <a:xfrm>
+                <a:off x="6093206" y="3931211"/>
+                <a:ext cx="802464" cy="369332"/>
+              </a:xfrm>
+              <a:prstGeom prst="rect">
+                <a:avLst/>
+              </a:prstGeom>
+              <a:noFill/>
+            </p:spPr>
+            <p:txBody>
+              <a:bodyPr wrap="none" lIns="0" tIns="0" rIns="0" bIns="0" rtlCol="0">
+                <a:spAutoFit/>
+              </a:bodyPr>
+              <a:lstStyle/>
+              <a:p>
+                <a14:m>
+                  <m:oMath xmlns:m="http://schemas.openxmlformats.org/officeDocument/2006/math">
+                    <m:r>
+                      <a:rPr lang="en-US" sz="2400" b="0" i="1" smtClean="0">
+                        <a:solidFill>
+                          <a:srgbClr val="0070C0"/>
+                        </a:solidFill>
+                        <a:latin typeface="Cambria Math" panose="02040503050406030204" pitchFamily="18" charset="0"/>
+                      </a:rPr>
+                      <m:t>𝑦</m:t>
+                    </m:r>
+                    <m:r>
+                      <a:rPr lang="en-US" sz="2400" b="0" i="1" smtClean="0">
+                        <a:solidFill>
+                          <a:srgbClr val="0070C0"/>
+                        </a:solidFill>
+                        <a:latin typeface="Cambria Math" panose="02040503050406030204" pitchFamily="18" charset="0"/>
+                      </a:rPr>
+                      <m:t>=</m:t>
+                    </m:r>
+                  </m:oMath>
+                </a14:m>
+                <a:r>
+                  <a:rPr lang="en-US" sz="2400" dirty="0">
+                    <a:solidFill>
+                      <a:srgbClr val="0070C0"/>
+                    </a:solidFill>
+                  </a:rPr>
+                  <a:t>10</a:t>
+                </a:r>
+              </a:p>
+            </p:txBody>
+          </p:sp>
+        </mc:Choice>
+        <mc:Fallback>
+          <p:sp>
+            <p:nvSpPr>
+              <p:cNvPr id="22" name="TextBox 21">
+                <a:extLst>
+                  <a:ext uri="{FF2B5EF4-FFF2-40B4-BE49-F238E27FC236}">
+                    <a16:creationId xmlns:a16="http://schemas.microsoft.com/office/drawing/2014/main" id="{3C7E89E6-C44C-4F8D-B2FB-C06EC5972100}"/>
+                  </a:ext>
+                </a:extLst>
+              </p:cNvPr>
+              <p:cNvSpPr txBox="1">
+                <a:spLocks noRot="1" noChangeAspect="1" noMove="1" noResize="1" noEditPoints="1" noAdjustHandles="1" noChangeArrowheads="1" noChangeShapeType="1" noTextEdit="1"/>
+              </p:cNvSpPr>
+              <p:nvPr/>
+            </p:nvSpPr>
+            <p:spPr>
+              <a:xfrm>
+                <a:off x="6093206" y="3931211"/>
+                <a:ext cx="802464" cy="369332"/>
+              </a:xfrm>
+              <a:prstGeom prst="rect">
+                <a:avLst/>
+              </a:prstGeom>
+              <a:blipFill>
+                <a:blip r:embed="rId9"/>
+                <a:stretch>
+                  <a:fillRect l="-13740" t="-26667" r="-22137" b="-50000"/>
+                </a:stretch>
+              </a:blipFill>
+            </p:spPr>
+            <p:txBody>
+              <a:bodyPr/>
+              <a:lstStyle/>
+              <a:p>
+                <a:r>
+                  <a:rPr lang="en-US">
+                    <a:noFill/>
+                  </a:rPr>
+                  <a:t> </a:t>
+                </a:r>
+              </a:p>
+            </p:txBody>
+          </p:sp>
+        </mc:Fallback>
+      </mc:AlternateContent>
     </p:spTree>
     <p:extLst>
       <p:ext uri="{BB962C8B-B14F-4D97-AF65-F5344CB8AC3E}">
@@ -27434,8 +27571,8 @@
           </p:sp>
         </mc:Fallback>
       </mc:AlternateContent>
-      <mc:AlternateContent xmlns:mc="http://schemas.openxmlformats.org/markup-compatibility/2006">
-        <mc:Choice xmlns:a14="http://schemas.microsoft.com/office/drawing/2010/main" Requires="a14">
+      <mc:AlternateContent xmlns:mc="http://schemas.openxmlformats.org/markup-compatibility/2006" xmlns:a14="http://schemas.microsoft.com/office/drawing/2010/main">
+        <mc:Choice Requires="a14">
           <p:sp>
             <p:nvSpPr>
               <p:cNvPr id="16" name="TextBox 15">
@@ -27491,7 +27628,7 @@
             </p:txBody>
           </p:sp>
         </mc:Choice>
-        <mc:Fallback>
+        <mc:Fallback xmlns="">
           <p:sp>
             <p:nvSpPr>
               <p:cNvPr id="16" name="TextBox 15">
@@ -27536,8 +27673,8 @@
           </p:sp>
         </mc:Fallback>
       </mc:AlternateContent>
-      <mc:AlternateContent xmlns:mc="http://schemas.openxmlformats.org/markup-compatibility/2006">
-        <mc:Choice xmlns:a14="http://schemas.microsoft.com/office/drawing/2010/main" Requires="a14">
+      <mc:AlternateContent xmlns:mc="http://schemas.openxmlformats.org/markup-compatibility/2006" xmlns:a14="http://schemas.microsoft.com/office/drawing/2010/main">
+        <mc:Choice Requires="a14">
           <p:sp>
             <p:nvSpPr>
               <p:cNvPr id="17" name="Rectangle 16">
@@ -27620,7 +27757,7 @@
             </p:txBody>
           </p:sp>
         </mc:Choice>
-        <mc:Fallback>
+        <mc:Fallback xmlns="">
           <p:sp>
             <p:nvSpPr>
               <p:cNvPr id="17" name="Rectangle 16">
@@ -28607,8 +28744,8 @@
           </p:sp>
         </mc:Fallback>
       </mc:AlternateContent>
-      <mc:AlternateContent xmlns:mc="http://schemas.openxmlformats.org/markup-compatibility/2006">
-        <mc:Choice xmlns:a14="http://schemas.microsoft.com/office/drawing/2010/main" Requires="a14">
+      <mc:AlternateContent xmlns:mc="http://schemas.openxmlformats.org/markup-compatibility/2006" xmlns:a14="http://schemas.microsoft.com/office/drawing/2010/main">
+        <mc:Choice Requires="a14">
           <p:sp>
             <p:nvSpPr>
               <p:cNvPr id="80" name="Rectangle 79">
@@ -28691,7 +28828,7 @@
             </p:txBody>
           </p:sp>
         </mc:Choice>
-        <mc:Fallback>
+        <mc:Fallback xmlns="">
           <p:sp>
             <p:nvSpPr>
               <p:cNvPr id="80" name="Rectangle 79">
@@ -28736,8 +28873,8 @@
           </p:sp>
         </mc:Fallback>
       </mc:AlternateContent>
-      <mc:AlternateContent xmlns:mc="http://schemas.openxmlformats.org/markup-compatibility/2006">
-        <mc:Choice xmlns:a14="http://schemas.microsoft.com/office/drawing/2010/main" Requires="a14">
+      <mc:AlternateContent xmlns:mc="http://schemas.openxmlformats.org/markup-compatibility/2006" xmlns:a14="http://schemas.microsoft.com/office/drawing/2010/main">
+        <mc:Choice Requires="a14">
           <p:sp>
             <p:nvSpPr>
               <p:cNvPr id="19" name="TextBox 18">
@@ -28793,7 +28930,7 @@
             </p:txBody>
           </p:sp>
         </mc:Choice>
-        <mc:Fallback>
+        <mc:Fallback xmlns="">
           <p:sp>
             <p:nvSpPr>
               <p:cNvPr id="19" name="TextBox 18">
@@ -28838,8 +28975,8 @@
           </p:sp>
         </mc:Fallback>
       </mc:AlternateContent>
-      <mc:AlternateContent xmlns:mc="http://schemas.openxmlformats.org/markup-compatibility/2006">
-        <mc:Choice xmlns:a14="http://schemas.microsoft.com/office/drawing/2010/main" Requires="a14">
+      <mc:AlternateContent xmlns:mc="http://schemas.openxmlformats.org/markup-compatibility/2006" xmlns:a14="http://schemas.microsoft.com/office/drawing/2010/main">
+        <mc:Choice Requires="a14">
           <p:sp>
             <p:nvSpPr>
               <p:cNvPr id="20" name="Rectangle 19">
@@ -28922,7 +29059,7 @@
             </p:txBody>
           </p:sp>
         </mc:Choice>
-        <mc:Fallback>
+        <mc:Fallback xmlns="">
           <p:sp>
             <p:nvSpPr>
               <p:cNvPr id="20" name="Rectangle 19">
@@ -29598,8 +29735,8 @@
           </a:p>
         </p:txBody>
       </p:sp>
-      <mc:AlternateContent xmlns:mc="http://schemas.openxmlformats.org/markup-compatibility/2006" xmlns:a14="http://schemas.microsoft.com/office/drawing/2010/main">
-        <mc:Choice Requires="a14">
+      <mc:AlternateContent xmlns:mc="http://schemas.openxmlformats.org/markup-compatibility/2006">
+        <mc:Choice xmlns:a14="http://schemas.microsoft.com/office/drawing/2010/main" Requires="a14">
           <p:sp>
             <p:nvSpPr>
               <p:cNvPr id="22" name="Rectangle 21">
@@ -29615,7 +29752,7 @@
             <p:spPr>
               <a:xfrm>
                 <a:off x="7883477" y="1806595"/>
-                <a:ext cx="2172839" cy="461665"/>
+                <a:ext cx="2091662" cy="461665"/>
               </a:xfrm>
               <a:prstGeom prst="rect">
                 <a:avLst/>
@@ -29665,13 +29802,13 @@
                                 <m:t>12</m:t>
                               </m:r>
                               <m:r>
-                                <a:rPr lang="en-US" sz="2400" i="1" smtClean="0">
+                                <a:rPr lang="en-US" sz="2400" b="0" i="1" smtClean="0">
                                   <a:solidFill>
                                     <a:srgbClr val="0070C0"/>
                                   </a:solidFill>
                                   <a:latin typeface="Cambria Math" panose="02040503050406030204" pitchFamily="18" charset="0"/>
                                 </a:rPr>
-                                <m:t>𝑚</m:t>
+                                <m:t>𝜃</m:t>
                               </m:r>
                               <m:r>
                                 <a:rPr lang="en-US" sz="2400" i="1">
@@ -29705,7 +29842,7 @@
             </p:txBody>
           </p:sp>
         </mc:Choice>
-        <mc:Fallback xmlns="">
+        <mc:Fallback>
           <p:sp>
             <p:nvSpPr>
               <p:cNvPr id="22" name="Rectangle 21">
@@ -29723,7 +29860,7 @@
             <p:spPr>
               <a:xfrm>
                 <a:off x="7883477" y="1806595"/>
-                <a:ext cx="2172839" cy="461665"/>
+                <a:ext cx="2091662" cy="461665"/>
               </a:xfrm>
               <a:prstGeom prst="rect">
                 <a:avLst/>
@@ -29750,8 +29887,8 @@
           </p:sp>
         </mc:Fallback>
       </mc:AlternateContent>
-      <mc:AlternateContent xmlns:mc="http://schemas.openxmlformats.org/markup-compatibility/2006" xmlns:a14="http://schemas.microsoft.com/office/drawing/2010/main">
-        <mc:Choice Requires="a14">
+      <mc:AlternateContent xmlns:mc="http://schemas.openxmlformats.org/markup-compatibility/2006">
+        <mc:Choice xmlns:a14="http://schemas.microsoft.com/office/drawing/2010/main" Requires="a14">
           <p:sp>
             <p:nvSpPr>
               <p:cNvPr id="23" name="Rectangle 22">
@@ -29767,7 +29904,7 @@
             <p:spPr>
               <a:xfrm>
                 <a:off x="7288757" y="5529178"/>
-                <a:ext cx="1526700" cy="830997"/>
+                <a:ext cx="1445524" cy="830997"/>
               </a:xfrm>
               <a:prstGeom prst="rect">
                 <a:avLst/>
@@ -29817,13 +29954,13 @@
                         </m:dPr>
                         <m:e>
                           <m:r>
-                            <a:rPr lang="en-US" sz="2400" b="0" i="1" smtClean="0">
+                            <a:rPr lang="en-US" sz="2400" i="1" smtClean="0">
                               <a:solidFill>
                                 <a:srgbClr val="0070C0"/>
                               </a:solidFill>
                               <a:latin typeface="Cambria Math" panose="02040503050406030204" pitchFamily="18" charset="0"/>
                             </a:rPr>
-                            <m:t>𝑚</m:t>
+                            <m:t>𝜃</m:t>
                           </m:r>
                         </m:e>
                       </m:d>
@@ -29892,7 +30029,7 @@
             </p:txBody>
           </p:sp>
         </mc:Choice>
-        <mc:Fallback xmlns="">
+        <mc:Fallback>
           <p:sp>
             <p:nvSpPr>
               <p:cNvPr id="23" name="Rectangle 22">
@@ -29910,7 +30047,7 @@
             <p:spPr>
               <a:xfrm>
                 <a:off x="7288757" y="5529178"/>
-                <a:ext cx="1526700" cy="830997"/>
+                <a:ext cx="1445524" cy="830997"/>
               </a:xfrm>
               <a:prstGeom prst="rect">
                 <a:avLst/>
@@ -30205,8 +30342,8 @@
           </a:fontRef>
         </p:style>
       </p:cxnSp>
-      <mc:AlternateContent xmlns:mc="http://schemas.openxmlformats.org/markup-compatibility/2006" xmlns:a14="http://schemas.microsoft.com/office/drawing/2010/main">
-        <mc:Choice Requires="a14">
+      <mc:AlternateContent xmlns:mc="http://schemas.openxmlformats.org/markup-compatibility/2006">
+        <mc:Choice xmlns:a14="http://schemas.microsoft.com/office/drawing/2010/main" Requires="a14">
           <p:sp>
             <p:nvSpPr>
               <p:cNvPr id="29" name="TextBox 28">
@@ -30222,7 +30359,7 @@
             <p:spPr>
               <a:xfrm>
                 <a:off x="7288757" y="3155375"/>
-                <a:ext cx="3623083" cy="624273"/>
+                <a:ext cx="1141163" cy="793551"/>
               </a:xfrm>
               <a:prstGeom prst="rect">
                 <a:avLst/>
@@ -30236,101 +30373,75 @@
               <a:lstStyle/>
               <a:p>
                 <a14:m>
-                  <m:oMath xmlns:m="http://schemas.openxmlformats.org/officeDocument/2006/math">
-                    <m:f>
-                      <m:fPr>
-                        <m:ctrlPr>
-                          <a:rPr lang="en-US" sz="2400" b="0" i="1" smtClean="0">
-                            <a:latin typeface="Cambria Math" panose="02040503050406030204" pitchFamily="18" charset="0"/>
-                          </a:rPr>
-                        </m:ctrlPr>
-                      </m:fPr>
-                      <m:num>
-                        <m:r>
-                          <a:rPr lang="en-US" sz="2400" b="0" i="1" smtClean="0">
-                            <a:latin typeface="Cambria Math" panose="02040503050406030204" pitchFamily="18" charset="0"/>
-                          </a:rPr>
-                          <m:t>𝑑</m:t>
-                        </m:r>
-                        <m:r>
-                          <a:rPr lang="en-US" sz="2400" b="0" i="1" smtClean="0">
-                            <a:solidFill>
-                              <a:srgbClr val="FF0000"/>
-                            </a:solidFill>
-                            <a:latin typeface="Cambria Math" panose="02040503050406030204" pitchFamily="18" charset="0"/>
-                          </a:rPr>
-                          <m:t>𝜀</m:t>
-                        </m:r>
-                      </m:num>
-                      <m:den>
-                        <m:r>
-                          <a:rPr lang="en-US" sz="2400" b="0" i="1" smtClean="0">
-                            <a:latin typeface="Cambria Math" panose="02040503050406030204" pitchFamily="18" charset="0"/>
-                          </a:rPr>
-                          <m:t>𝑑</m:t>
-                        </m:r>
-                        <m:r>
-                          <a:rPr lang="en-US" sz="2400" b="0" i="1" smtClean="0">
-                            <a:solidFill>
-                              <a:srgbClr val="0070C0"/>
-                            </a:solidFill>
-                            <a:latin typeface="Cambria Math" panose="02040503050406030204" pitchFamily="18" charset="0"/>
-                          </a:rPr>
-                          <m:t>𝑚</m:t>
-                        </m:r>
-                      </m:den>
-                    </m:f>
-                    <m:r>
-                      <a:rPr lang="en-US" sz="2400" b="0" i="1" smtClean="0">
-                        <a:latin typeface="Cambria Math" panose="02040503050406030204" pitchFamily="18" charset="0"/>
-                      </a:rPr>
-                      <m:t>=0</m:t>
-                    </m:r>
-                  </m:oMath>
-                </a14:m>
-                <a:r>
-                  <a:rPr lang="en-US" sz="2400" dirty="0"/>
-                  <a:t>      </a:t>
-                </a:r>
-                <a14:m>
-                  <m:oMath xmlns:m="http://schemas.openxmlformats.org/officeDocument/2006/math">
-                    <m:r>
-                      <a:rPr lang="en-US" sz="2400" b="0" i="1" dirty="0" smtClean="0">
-                        <a:latin typeface="Cambria Math" panose="02040503050406030204" pitchFamily="18" charset="0"/>
-                      </a:rPr>
-                      <m:t>⇒</m:t>
-                    </m:r>
-                  </m:oMath>
-                </a14:m>
-                <a:r>
-                  <a:rPr lang="en-US" sz="2400" dirty="0"/>
-                  <a:t>      </a:t>
-                </a:r>
-                <a14:m>
-                  <m:oMath xmlns:m="http://schemas.openxmlformats.org/officeDocument/2006/math">
-                    <m:r>
-                      <a:rPr lang="en-US" sz="2400" b="0" i="1" dirty="0" smtClean="0">
-                        <a:solidFill>
-                          <a:srgbClr val="0070C0"/>
-                        </a:solidFill>
-                        <a:latin typeface="Cambria Math" panose="02040503050406030204" pitchFamily="18" charset="0"/>
-                      </a:rPr>
-                      <m:t>𝑚</m:t>
-                    </m:r>
-                    <m:r>
-                      <a:rPr lang="en-US" sz="2400" b="0" i="1" dirty="0" smtClean="0">
-                        <a:latin typeface="Cambria Math" panose="02040503050406030204" pitchFamily="18" charset="0"/>
-                      </a:rPr>
-                      <m:t>=4/12</m:t>
-                    </m:r>
-                  </m:oMath>
+                  <m:oMathPara xmlns:m="http://schemas.openxmlformats.org/officeDocument/2006/math">
+                    <m:oMathParaPr>
+                      <m:jc m:val="centerGroup"/>
+                    </m:oMathParaPr>
+                    <m:oMath xmlns:m="http://schemas.openxmlformats.org/officeDocument/2006/math">
+                      <m:f>
+                        <m:fPr>
+                          <m:ctrlPr>
+                            <a:rPr lang="en-US" sz="2400" b="0" i="1" smtClean="0">
+                              <a:latin typeface="Cambria Math" panose="02040503050406030204" pitchFamily="18" charset="0"/>
+                            </a:rPr>
+                          </m:ctrlPr>
+                        </m:fPr>
+                        <m:num>
+                          <m:r>
+                            <a:rPr lang="en-US" sz="2400" b="0" i="1" smtClean="0">
+                              <a:latin typeface="Cambria Math" panose="02040503050406030204" pitchFamily="18" charset="0"/>
+                            </a:rPr>
+                            <m:t>𝑑</m:t>
+                          </m:r>
+                          <m:r>
+                            <a:rPr lang="en-US" sz="2400" b="0" i="1" smtClean="0">
+                              <a:solidFill>
+                                <a:srgbClr val="FF0000"/>
+                              </a:solidFill>
+                              <a:latin typeface="Cambria Math" panose="02040503050406030204" pitchFamily="18" charset="0"/>
+                            </a:rPr>
+                            <m:t>𝜀</m:t>
+                          </m:r>
+                        </m:num>
+                        <m:den>
+                          <m:r>
+                            <a:rPr lang="en-US" sz="2400" b="0" i="1" smtClean="0">
+                              <a:latin typeface="Cambria Math" panose="02040503050406030204" pitchFamily="18" charset="0"/>
+                            </a:rPr>
+                            <m:t>𝑑</m:t>
+                          </m:r>
+                          <m:r>
+                            <a:rPr lang="en-US" sz="2400" i="1" smtClean="0">
+                              <a:solidFill>
+                                <a:srgbClr val="0070C0"/>
+                              </a:solidFill>
+                              <a:latin typeface="Cambria Math" panose="02040503050406030204" pitchFamily="18" charset="0"/>
+                            </a:rPr>
+                            <m:t>𝜃</m:t>
+                          </m:r>
+                        </m:den>
+                      </m:f>
+                      <m:r>
+                        <a:rPr lang="en-US" sz="2400" b="0" i="1" smtClean="0">
+                          <a:latin typeface="Cambria Math" panose="02040503050406030204" pitchFamily="18" charset="0"/>
+                        </a:rPr>
+                        <m:t>=</m:t>
+                      </m:r>
+                      <m:r>
+                        <a:rPr lang="en-US" sz="2400" b="0" i="1" smtClean="0">
+                          <a:latin typeface="Cambria Math" panose="02040503050406030204" pitchFamily="18" charset="0"/>
+                        </a:rPr>
+                        <m:t>0</m:t>
+                      </m:r>
+                    </m:oMath>
+                  </m:oMathPara>
                 </a14:m>
                 <a:endParaRPr lang="en-US" sz="2400" dirty="0"/>
               </a:p>
             </p:txBody>
           </p:sp>
         </mc:Choice>
-        <mc:Fallback xmlns="">
+        <mc:Fallback>
           <p:sp>
             <p:nvSpPr>
               <p:cNvPr id="29" name="TextBox 28">
@@ -30348,7 +30459,7 @@
             <p:spPr>
               <a:xfrm>
                 <a:off x="7288757" y="3155375"/>
-                <a:ext cx="3623083" cy="624273"/>
+                <a:ext cx="1141163" cy="793551"/>
               </a:xfrm>
               <a:prstGeom prst="rect">
                 <a:avLst/>
@@ -30375,8 +30486,8 @@
           </p:sp>
         </mc:Fallback>
       </mc:AlternateContent>
-      <mc:AlternateContent xmlns:mc="http://schemas.openxmlformats.org/markup-compatibility/2006" xmlns:a14="http://schemas.microsoft.com/office/drawing/2010/main">
-        <mc:Choice Requires="a14">
+      <mc:AlternateContent xmlns:mc="http://schemas.openxmlformats.org/markup-compatibility/2006">
+        <mc:Choice xmlns:a14="http://schemas.microsoft.com/office/drawing/2010/main" Requires="a14">
           <p:sp>
             <p:nvSpPr>
               <p:cNvPr id="31" name="Rectangle 30">
@@ -30392,7 +30503,7 @@
             <p:spPr>
               <a:xfrm>
                 <a:off x="8815457" y="5713843"/>
-                <a:ext cx="1765676" cy="461665"/>
+                <a:ext cx="1684500" cy="461665"/>
               </a:xfrm>
               <a:prstGeom prst="rect">
                 <a:avLst/>
@@ -30448,13 +30559,13 @@
                       <m:t>(</m:t>
                     </m:r>
                     <m:r>
-                      <a:rPr lang="en-US" sz="2400" i="1" dirty="0" smtClean="0">
+                      <a:rPr lang="en-US" sz="2400" i="1" smtClean="0">
                         <a:solidFill>
                           <a:srgbClr val="0070C0"/>
                         </a:solidFill>
                         <a:latin typeface="Cambria Math" panose="02040503050406030204" pitchFamily="18" charset="0"/>
                       </a:rPr>
-                      <m:t>𝑚</m:t>
+                      <m:t>𝜃</m:t>
                     </m:r>
                     <m:r>
                       <a:rPr lang="en-US" sz="2400" i="1" dirty="0">
@@ -30469,7 +30580,7 @@
             </p:txBody>
           </p:sp>
         </mc:Choice>
-        <mc:Fallback xmlns="">
+        <mc:Fallback>
           <p:sp>
             <p:nvSpPr>
               <p:cNvPr id="31" name="Rectangle 30">
@@ -30487,7 +30598,7 @@
             <p:spPr>
               <a:xfrm>
                 <a:off x="8815457" y="5713843"/>
-                <a:ext cx="1765676" cy="461665"/>
+                <a:ext cx="1684500" cy="461665"/>
               </a:xfrm>
               <a:prstGeom prst="rect">
                 <a:avLst/>
@@ -30495,7 +30606,7 @@
               <a:blipFill>
                 <a:blip r:embed="rId10"/>
                 <a:stretch>
-                  <a:fillRect r="-2069" b="-17105"/>
+                  <a:fillRect r="-2536" b="-17105"/>
                 </a:stretch>
               </a:blipFill>
             </p:spPr>
@@ -30718,8 +30829,8 @@
           </p:sp>
         </mc:Fallback>
       </mc:AlternateContent>
-      <mc:AlternateContent xmlns:mc="http://schemas.openxmlformats.org/markup-compatibility/2006" xmlns:a14="http://schemas.microsoft.com/office/drawing/2010/main">
-        <mc:Choice Requires="a14">
+      <mc:AlternateContent xmlns:mc="http://schemas.openxmlformats.org/markup-compatibility/2006">
+        <mc:Choice xmlns:a14="http://schemas.microsoft.com/office/drawing/2010/main" Requires="a14">
           <p:sp>
             <p:nvSpPr>
               <p:cNvPr id="26" name="Rectangle 25">
@@ -30735,7 +30846,7 @@
             <p:spPr>
               <a:xfrm>
                 <a:off x="8207631" y="4365250"/>
-                <a:ext cx="1490664" cy="613117"/>
+                <a:ext cx="1628523" cy="613117"/>
               </a:xfrm>
               <a:prstGeom prst="rect">
                 <a:avLst/>
@@ -30767,7 +30878,7 @@
                       <a:srgbClr val="00B050"/>
                     </a:solidFill>
                   </a:rPr>
-                  <a:t> </a:t>
+                  <a:t>   </a:t>
                 </a:r>
                 <a14:m>
                   <m:oMath xmlns:m="http://schemas.openxmlformats.org/officeDocument/2006/math">
@@ -30843,7 +30954,7 @@
             </p:txBody>
           </p:sp>
         </mc:Choice>
-        <mc:Fallback xmlns="">
+        <mc:Fallback>
           <p:sp>
             <p:nvSpPr>
               <p:cNvPr id="26" name="Rectangle 25">
@@ -30861,13 +30972,13 @@
             <p:spPr>
               <a:xfrm>
                 <a:off x="8207631" y="4365250"/>
-                <a:ext cx="1490664" cy="613117"/>
+                <a:ext cx="1628523" cy="613117"/>
               </a:xfrm>
               <a:prstGeom prst="rect">
                 <a:avLst/>
               </a:prstGeom>
               <a:blipFill>
-                <a:blip r:embed="rId14"/>
+                <a:blip r:embed="rId13"/>
                 <a:stretch>
                   <a:fillRect/>
                 </a:stretch>
@@ -30931,8 +31042,8 @@
           </a:fontRef>
         </p:style>
       </p:cxnSp>
-      <mc:AlternateContent xmlns:mc="http://schemas.openxmlformats.org/markup-compatibility/2006" xmlns:a14="http://schemas.microsoft.com/office/drawing/2010/main">
-        <mc:Choice Requires="a14">
+      <mc:AlternateContent xmlns:mc="http://schemas.openxmlformats.org/markup-compatibility/2006">
+        <mc:Choice xmlns:a14="http://schemas.microsoft.com/office/drawing/2010/main" Requires="a14">
           <p:sp>
             <p:nvSpPr>
               <p:cNvPr id="8" name="Rectangle 7">
@@ -30947,8 +31058,8 @@
             </p:nvSpPr>
             <p:spPr>
               <a:xfrm>
-                <a:off x="10911840" y="3217532"/>
-                <a:ext cx="1239698" cy="461665"/>
+                <a:off x="8764760" y="3305015"/>
+                <a:ext cx="3333092" cy="461665"/>
               </a:xfrm>
               <a:prstGeom prst="rect">
                 <a:avLst/>
@@ -30961,83 +31072,110 @@
               <a:lstStyle/>
               <a:p>
                 <a:pPr/>
+                <a:r>
+                  <a:rPr lang="en-US" sz="2400" dirty="0"/>
+                  <a:t> </a:t>
+                </a:r>
                 <a14:m>
-                  <m:oMathPara xmlns:m="http://schemas.openxmlformats.org/officeDocument/2006/math">
-                    <m:oMathParaPr>
-                      <m:jc m:val="centerGroup"/>
-                    </m:oMathParaPr>
-                    <m:oMath xmlns:m="http://schemas.openxmlformats.org/officeDocument/2006/math">
-                      <m:r>
-                        <a:rPr lang="en-US" sz="2400" i="1" dirty="0">
-                          <a:latin typeface="Cambria Math" panose="02040503050406030204" pitchFamily="18" charset="0"/>
-                        </a:rPr>
-                        <m:t>=</m:t>
-                      </m:r>
-                      <m:sSub>
-                        <m:sSubPr>
-                          <m:ctrlPr>
-                            <a:rPr lang="en-US" sz="2400" i="1" dirty="0">
-                              <a:latin typeface="Cambria Math" panose="02040503050406030204" pitchFamily="18" charset="0"/>
-                            </a:rPr>
-                          </m:ctrlPr>
-                        </m:sSubPr>
-                        <m:e>
-                          <m:r>
-                            <a:rPr lang="en-US" sz="2400" i="1" dirty="0">
-                              <a:latin typeface="Cambria Math" panose="02040503050406030204" pitchFamily="18" charset="0"/>
-                            </a:rPr>
-                            <m:t>𝑦</m:t>
-                          </m:r>
-                        </m:e>
-                        <m:sub>
-                          <m:r>
-                            <a:rPr lang="en-US" sz="2400" i="1" dirty="0">
-                              <a:latin typeface="Cambria Math" panose="02040503050406030204" pitchFamily="18" charset="0"/>
-                            </a:rPr>
-                            <m:t>𝑖</m:t>
-                          </m:r>
-                        </m:sub>
-                      </m:sSub>
-                      <m:r>
-                        <a:rPr lang="en-US" sz="2400" i="1" dirty="0">
-                          <a:latin typeface="Cambria Math" panose="02040503050406030204" pitchFamily="18" charset="0"/>
-                        </a:rPr>
-                        <m:t>/</m:t>
-                      </m:r>
-                      <m:sSub>
-                        <m:sSubPr>
-                          <m:ctrlPr>
-                            <a:rPr lang="en-US" sz="2400" i="1" dirty="0">
-                              <a:latin typeface="Cambria Math" panose="02040503050406030204" pitchFamily="18" charset="0"/>
-                            </a:rPr>
-                          </m:ctrlPr>
-                        </m:sSubPr>
-                        <m:e>
-                          <m:r>
-                            <a:rPr lang="en-US" sz="2400" i="1" dirty="0">
-                              <a:latin typeface="Cambria Math" panose="02040503050406030204" pitchFamily="18" charset="0"/>
-                            </a:rPr>
-                            <m:t>𝑥</m:t>
-                          </m:r>
-                        </m:e>
-                        <m:sub>
-                          <m:r>
-                            <a:rPr lang="en-US" sz="2400" i="1" dirty="0">
-                              <a:latin typeface="Cambria Math" panose="02040503050406030204" pitchFamily="18" charset="0"/>
-                            </a:rPr>
-                            <m:t>𝑖</m:t>
-                          </m:r>
-                        </m:sub>
-                      </m:sSub>
-                    </m:oMath>
-                  </m:oMathPara>
+                  <m:oMath xmlns:m="http://schemas.openxmlformats.org/officeDocument/2006/math">
+                    <m:r>
+                      <a:rPr lang="en-US" sz="2400" i="1" dirty="0">
+                        <a:latin typeface="Cambria Math" panose="02040503050406030204" pitchFamily="18" charset="0"/>
+                      </a:rPr>
+                      <m:t>⇒</m:t>
+                    </m:r>
+                    <m:r>
+                      <m:rPr>
+                        <m:nor/>
+                      </m:rPr>
+                      <a:rPr lang="en-US" sz="2400" dirty="0"/>
+                      <m:t>      </m:t>
+                    </m:r>
+                    <m:r>
+                      <a:rPr lang="en-US" sz="2400" i="1">
+                        <a:solidFill>
+                          <a:srgbClr val="0070C0"/>
+                        </a:solidFill>
+                        <a:latin typeface="Cambria Math" panose="02040503050406030204" pitchFamily="18" charset="0"/>
+                      </a:rPr>
+                      <m:t>𝜃</m:t>
+                    </m:r>
+                    <m:r>
+                      <a:rPr lang="en-US" sz="2400" i="1" dirty="0">
+                        <a:latin typeface="Cambria Math" panose="02040503050406030204" pitchFamily="18" charset="0"/>
+                      </a:rPr>
+                      <m:t>=4/12</m:t>
+                    </m:r>
+                    <m:r>
+                      <a:rPr lang="en-US" sz="2400" i="1" dirty="0">
+                        <a:latin typeface="Cambria Math" panose="02040503050406030204" pitchFamily="18" charset="0"/>
+                      </a:rPr>
+                      <m:t>=</m:t>
+                    </m:r>
+                    <m:sSub>
+                      <m:sSubPr>
+                        <m:ctrlPr>
+                          <a:rPr lang="en-US" sz="2400" i="1" dirty="0">
+                            <a:latin typeface="Cambria Math" panose="02040503050406030204" pitchFamily="18" charset="0"/>
+                          </a:rPr>
+                        </m:ctrlPr>
+                      </m:sSubPr>
+                      <m:e>
+                        <m:r>
+                          <a:rPr lang="en-US" sz="2400" i="1" dirty="0">
+                            <a:latin typeface="Cambria Math" panose="02040503050406030204" pitchFamily="18" charset="0"/>
+                          </a:rPr>
+                          <m:t>𝑦</m:t>
+                        </m:r>
+                      </m:e>
+                      <m:sub>
+                        <m:r>
+                          <a:rPr lang="en-US" sz="2400" i="1" dirty="0">
+                            <a:latin typeface="Cambria Math" panose="02040503050406030204" pitchFamily="18" charset="0"/>
+                          </a:rPr>
+                          <m:t>𝑖</m:t>
+                        </m:r>
+                      </m:sub>
+                    </m:sSub>
+                    <m:r>
+                      <a:rPr lang="en-US" sz="2400" i="1" dirty="0">
+                        <a:latin typeface="Cambria Math" panose="02040503050406030204" pitchFamily="18" charset="0"/>
+                      </a:rPr>
+                      <m:t>/</m:t>
+                    </m:r>
+                    <m:sSub>
+                      <m:sSubPr>
+                        <m:ctrlPr>
+                          <a:rPr lang="en-US" sz="2400" i="1" dirty="0">
+                            <a:latin typeface="Cambria Math" panose="02040503050406030204" pitchFamily="18" charset="0"/>
+                          </a:rPr>
+                        </m:ctrlPr>
+                      </m:sSubPr>
+                      <m:e>
+                        <m:r>
+                          <a:rPr lang="en-US" sz="2400" i="1" dirty="0">
+                            <a:latin typeface="Cambria Math" panose="02040503050406030204" pitchFamily="18" charset="0"/>
+                          </a:rPr>
+                          <m:t>𝑥</m:t>
+                        </m:r>
+                      </m:e>
+                      <m:sub>
+                        <m:r>
+                          <a:rPr lang="en-US" sz="2400" i="1" dirty="0">
+                            <a:latin typeface="Cambria Math" panose="02040503050406030204" pitchFamily="18" charset="0"/>
+                          </a:rPr>
+                          <m:t>𝑖</m:t>
+                        </m:r>
+                      </m:sub>
+                    </m:sSub>
+                  </m:oMath>
                 </a14:m>
                 <a:endParaRPr lang="en-US" sz="2400" dirty="0"/>
               </a:p>
             </p:txBody>
           </p:sp>
         </mc:Choice>
-        <mc:Fallback xmlns="">
+        <mc:Fallback>
           <p:sp>
             <p:nvSpPr>
               <p:cNvPr id="8" name="Rectangle 7">
@@ -31054,14 +31192,14 @@
             </p:nvSpPr>
             <p:spPr>
               <a:xfrm>
-                <a:off x="10911840" y="3217532"/>
-                <a:ext cx="1239698" cy="461665"/>
+                <a:off x="8764760" y="3305015"/>
+                <a:ext cx="3333092" cy="461665"/>
               </a:xfrm>
               <a:prstGeom prst="rect">
                 <a:avLst/>
               </a:prstGeom>
               <a:blipFill>
-                <a:blip r:embed="rId15"/>
+                <a:blip r:embed="rId14"/>
                 <a:stretch>
                   <a:fillRect b="-17105"/>
                 </a:stretch>
@@ -31082,8 +31220,8 @@
           </p:sp>
         </mc:Fallback>
       </mc:AlternateContent>
-      <mc:AlternateContent xmlns:mc="http://schemas.openxmlformats.org/markup-compatibility/2006" xmlns:a14="http://schemas.microsoft.com/office/drawing/2010/main">
-        <mc:Choice Requires="a14">
+      <mc:AlternateContent xmlns:mc="http://schemas.openxmlformats.org/markup-compatibility/2006">
+        <mc:Choice xmlns:a14="http://schemas.microsoft.com/office/drawing/2010/main" Requires="a14">
           <p:sp>
             <p:nvSpPr>
               <p:cNvPr id="30" name="Rectangle 29">
@@ -31099,7 +31237,7 @@
             <p:spPr>
               <a:xfrm>
                 <a:off x="7883477" y="2214812"/>
-                <a:ext cx="2251129" cy="461665"/>
+                <a:ext cx="2035301" cy="461665"/>
               </a:xfrm>
               <a:prstGeom prst="rect">
                 <a:avLst/>
@@ -31168,13 +31306,13 @@
                                 </m:sub>
                               </m:sSub>
                               <m:r>
-                                <a:rPr lang="en-US" sz="2400" b="0" i="1" dirty="0" smtClean="0">
+                                <a:rPr lang="en-US" sz="2400" i="1" smtClean="0">
                                   <a:solidFill>
                                     <a:srgbClr val="0070C0"/>
                                   </a:solidFill>
                                   <a:latin typeface="Cambria Math" panose="02040503050406030204" pitchFamily="18" charset="0"/>
                                 </a:rPr>
-                                <m:t>𝑚</m:t>
+                                <m:t>𝜃</m:t>
                               </m:r>
                               <m:r>
                                 <a:rPr lang="en-US" sz="2400" b="0" i="1" dirty="0" smtClean="0">
@@ -31183,7 +31321,7 @@
                                   </a:solidFill>
                                   <a:latin typeface="Cambria Math" panose="02040503050406030204" pitchFamily="18" charset="0"/>
                                 </a:rPr>
-                                <m:t>  −</m:t>
+                                <m:t>−</m:t>
                               </m:r>
                               <m:sSub>
                                 <m:sSubPr>
@@ -31230,7 +31368,7 @@
             </p:txBody>
           </p:sp>
         </mc:Choice>
-        <mc:Fallback xmlns="">
+        <mc:Fallback>
           <p:sp>
             <p:nvSpPr>
               <p:cNvPr id="30" name="Rectangle 29">
@@ -31248,13 +31386,13 @@
             <p:spPr>
               <a:xfrm>
                 <a:off x="7883477" y="2214812"/>
-                <a:ext cx="2251129" cy="461665"/>
+                <a:ext cx="2035301" cy="461665"/>
               </a:xfrm>
               <a:prstGeom prst="rect">
                 <a:avLst/>
               </a:prstGeom>
               <a:blipFill>
-                <a:blip r:embed="rId16"/>
+                <a:blip r:embed="rId15"/>
                 <a:stretch>
                   <a:fillRect b="-10526"/>
                 </a:stretch>
@@ -31275,8 +31413,8 @@
           </p:sp>
         </mc:Fallback>
       </mc:AlternateContent>
-      <mc:AlternateContent xmlns:mc="http://schemas.openxmlformats.org/markup-compatibility/2006">
-        <mc:Choice xmlns:a14="http://schemas.microsoft.com/office/drawing/2010/main" Requires="a14">
+      <mc:AlternateContent xmlns:mc="http://schemas.openxmlformats.org/markup-compatibility/2006" xmlns:a14="http://schemas.microsoft.com/office/drawing/2010/main">
+        <mc:Choice Requires="a14">
           <p:sp>
             <p:nvSpPr>
               <p:cNvPr id="32" name="TextBox 31">
@@ -31332,7 +31470,7 @@
             </p:txBody>
           </p:sp>
         </mc:Choice>
-        <mc:Fallback>
+        <mc:Fallback xmlns="">
           <p:sp>
             <p:nvSpPr>
               <p:cNvPr id="32" name="TextBox 31">
@@ -31377,8 +31515,8 @@
           </p:sp>
         </mc:Fallback>
       </mc:AlternateContent>
-      <mc:AlternateContent xmlns:mc="http://schemas.openxmlformats.org/markup-compatibility/2006">
-        <mc:Choice xmlns:a14="http://schemas.microsoft.com/office/drawing/2010/main" Requires="a14">
+      <mc:AlternateContent xmlns:mc="http://schemas.openxmlformats.org/markup-compatibility/2006" xmlns:a14="http://schemas.microsoft.com/office/drawing/2010/main">
+        <mc:Choice Requires="a14">
           <p:sp>
             <p:nvSpPr>
               <p:cNvPr id="33" name="Rectangle 32">
@@ -31461,7 +31599,7 @@
             </p:txBody>
           </p:sp>
         </mc:Choice>
-        <mc:Fallback>
+        <mc:Fallback xmlns="">
           <p:sp>
             <p:nvSpPr>
               <p:cNvPr id="33" name="Rectangle 32">
@@ -31506,8 +31644,8 @@
           </p:sp>
         </mc:Fallback>
       </mc:AlternateContent>
-      <mc:AlternateContent xmlns:mc="http://schemas.openxmlformats.org/markup-compatibility/2006">
-        <mc:Choice xmlns:a14="http://schemas.microsoft.com/office/drawing/2010/main" Requires="a14">
+      <mc:AlternateContent xmlns:mc="http://schemas.openxmlformats.org/markup-compatibility/2006" xmlns:a14="http://schemas.microsoft.com/office/drawing/2010/main">
+        <mc:Choice Requires="a14">
           <p:sp>
             <p:nvSpPr>
               <p:cNvPr id="34" name="Rectangle 33">
@@ -31590,7 +31728,7 @@
             </p:txBody>
           </p:sp>
         </mc:Choice>
-        <mc:Fallback>
+        <mc:Fallback xmlns="">
           <p:sp>
             <p:nvSpPr>
               <p:cNvPr id="34" name="Rectangle 33">
@@ -31678,7 +31816,7 @@
                             </p:stCondLst>
                             <p:childTnLst>
                               <p:par>
-                                <p:cTn id="5" presetID="22" presetClass="entr" presetSubtype="8" fill="hold" nodeType="clickEffect">
+                                <p:cTn id="5" presetID="42" presetClass="entr" presetSubtype="0" fill="hold" grpId="0" nodeType="clickEffect">
                                   <p:stCondLst>
                                     <p:cond delay="0"/>
                                   </p:stCondLst>
@@ -31686,6 +31824,105 @@
                                     <p:set>
                                       <p:cBhvr>
                                         <p:cTn id="6" dur="1" fill="hold">
+                                          <p:stCondLst>
+                                            <p:cond delay="0"/>
+                                          </p:stCondLst>
+                                        </p:cTn>
+                                        <p:tgtEl>
+                                          <p:spTgt spid="8"/>
+                                        </p:tgtEl>
+                                        <p:attrNameLst>
+                                          <p:attrName>style.visibility</p:attrName>
+                                        </p:attrNameLst>
+                                      </p:cBhvr>
+                                      <p:to>
+                                        <p:strVal val="visible"/>
+                                      </p:to>
+                                    </p:set>
+                                    <p:animEffect transition="in" filter="fade">
+                                      <p:cBhvr>
+                                        <p:cTn id="7" dur="1000"/>
+                                        <p:tgtEl>
+                                          <p:spTgt spid="8"/>
+                                        </p:tgtEl>
+                                      </p:cBhvr>
+                                    </p:animEffect>
+                                    <p:anim calcmode="lin" valueType="num">
+                                      <p:cBhvr>
+                                        <p:cTn id="8" dur="1000" fill="hold"/>
+                                        <p:tgtEl>
+                                          <p:spTgt spid="8"/>
+                                        </p:tgtEl>
+                                        <p:attrNameLst>
+                                          <p:attrName>ppt_x</p:attrName>
+                                        </p:attrNameLst>
+                                      </p:cBhvr>
+                                      <p:tavLst>
+                                        <p:tav tm="0">
+                                          <p:val>
+                                            <p:strVal val="#ppt_x"/>
+                                          </p:val>
+                                        </p:tav>
+                                        <p:tav tm="100000">
+                                          <p:val>
+                                            <p:strVal val="#ppt_x"/>
+                                          </p:val>
+                                        </p:tav>
+                                      </p:tavLst>
+                                    </p:anim>
+                                    <p:anim calcmode="lin" valueType="num">
+                                      <p:cBhvr>
+                                        <p:cTn id="9" dur="1000" fill="hold"/>
+                                        <p:tgtEl>
+                                          <p:spTgt spid="8"/>
+                                        </p:tgtEl>
+                                        <p:attrNameLst>
+                                          <p:attrName>ppt_y</p:attrName>
+                                        </p:attrNameLst>
+                                      </p:cBhvr>
+                                      <p:tavLst>
+                                        <p:tav tm="0">
+                                          <p:val>
+                                            <p:strVal val="#ppt_y+.1"/>
+                                          </p:val>
+                                        </p:tav>
+                                        <p:tav tm="100000">
+                                          <p:val>
+                                            <p:strVal val="#ppt_y"/>
+                                          </p:val>
+                                        </p:tav>
+                                      </p:tavLst>
+                                    </p:anim>
+                                  </p:childTnLst>
+                                </p:cTn>
+                              </p:par>
+                            </p:childTnLst>
+                          </p:cTn>
+                        </p:par>
+                      </p:childTnLst>
+                    </p:cTn>
+                  </p:par>
+                  <p:par>
+                    <p:cTn id="10" fill="hold">
+                      <p:stCondLst>
+                        <p:cond delay="indefinite"/>
+                      </p:stCondLst>
+                      <p:childTnLst>
+                        <p:par>
+                          <p:cTn id="11" fill="hold">
+                            <p:stCondLst>
+                              <p:cond delay="0"/>
+                            </p:stCondLst>
+                            <p:childTnLst>
+                              <p:par>
+                                <p:cTn id="12" presetID="22" presetClass="entr" presetSubtype="8" fill="hold" nodeType="clickEffect">
+                                  <p:stCondLst>
+                                    <p:cond delay="0"/>
+                                  </p:stCondLst>
+                                  <p:childTnLst>
+                                    <p:set>
+                                      <p:cBhvr>
+                                        <p:cTn id="13" dur="1" fill="hold">
                                           <p:stCondLst>
                                             <p:cond delay="0"/>
                                           </p:stCondLst>
@@ -31703,7 +31940,7 @@
                                     </p:set>
                                     <p:animEffect transition="in" filter="wipe(left)">
                                       <p:cBhvr>
-                                        <p:cTn id="7" dur="1000"/>
+                                        <p:cTn id="14" dur="1000"/>
                                         <p:tgtEl>
                                           <p:spTgt spid="3"/>
                                         </p:tgtEl>
@@ -31713,14 +31950,14 @@
                                 </p:cTn>
                               </p:par>
                               <p:par>
-                                <p:cTn id="8" presetID="22" presetClass="entr" presetSubtype="8" fill="hold" grpId="0" nodeType="withEffect">
+                                <p:cTn id="15" presetID="22" presetClass="entr" presetSubtype="8" fill="hold" grpId="0" nodeType="withEffect">
                                   <p:stCondLst>
                                     <p:cond delay="0"/>
                                   </p:stCondLst>
                                   <p:childTnLst>
                                     <p:set>
                                       <p:cBhvr>
-                                        <p:cTn id="9" dur="1" fill="hold">
+                                        <p:cTn id="16" dur="1" fill="hold">
                                           <p:stCondLst>
                                             <p:cond delay="0"/>
                                           </p:stCondLst>
@@ -31738,7 +31975,7 @@
                                     </p:set>
                                     <p:animEffect transition="in" filter="wipe(left)">
                                       <p:cBhvr>
-                                        <p:cTn id="10" dur="1000"/>
+                                        <p:cTn id="17" dur="1000"/>
                                         <p:tgtEl>
                                           <p:spTgt spid="26"/>
                                         </p:tgtEl>
@@ -31754,26 +31991,26 @@
                     </p:cTn>
                   </p:par>
                   <p:par>
-                    <p:cTn id="11" fill="hold">
+                    <p:cTn id="18" fill="hold">
                       <p:stCondLst>
                         <p:cond delay="indefinite"/>
                       </p:stCondLst>
                       <p:childTnLst>
                         <p:par>
-                          <p:cTn id="12" fill="hold">
+                          <p:cTn id="19" fill="hold">
                             <p:stCondLst>
                               <p:cond delay="0"/>
                             </p:stCondLst>
                             <p:childTnLst>
                               <p:par>
-                                <p:cTn id="13" presetID="23" presetClass="entr" presetSubtype="16" fill="hold" grpId="0" nodeType="clickEffect">
+                                <p:cTn id="20" presetID="23" presetClass="entr" presetSubtype="16" fill="hold" grpId="0" nodeType="clickEffect">
                                   <p:stCondLst>
                                     <p:cond delay="0"/>
                                   </p:stCondLst>
                                   <p:childTnLst>
                                     <p:set>
                                       <p:cBhvr>
-                                        <p:cTn id="14" dur="1" fill="hold">
+                                        <p:cTn id="21" dur="1" fill="hold">
                                           <p:stCondLst>
                                             <p:cond delay="0"/>
                                           </p:stCondLst>
@@ -31791,7 +32028,7 @@
                                     </p:set>
                                     <p:anim calcmode="lin" valueType="num">
                                       <p:cBhvr>
-                                        <p:cTn id="15" dur="500" fill="hold"/>
+                                        <p:cTn id="22" dur="500" fill="hold"/>
                                         <p:tgtEl>
                                           <p:spTgt spid="23"/>
                                         </p:tgtEl>
@@ -31814,7 +32051,7 @@
                                     </p:anim>
                                     <p:anim calcmode="lin" valueType="num">
                                       <p:cBhvr>
-                                        <p:cTn id="16" dur="500" fill="hold"/>
+                                        <p:cTn id="23" dur="500" fill="hold"/>
                                         <p:tgtEl>
                                           <p:spTgt spid="23"/>
                                         </p:tgtEl>
@@ -31839,14 +32076,14 @@
                                 </p:cTn>
                               </p:par>
                               <p:par>
-                                <p:cTn id="17" presetID="23" presetClass="entr" presetSubtype="16" fill="hold" grpId="0" nodeType="withEffect">
+                                <p:cTn id="24" presetID="23" presetClass="entr" presetSubtype="16" fill="hold" grpId="0" nodeType="withEffect">
                                   <p:stCondLst>
                                     <p:cond delay="0"/>
                                   </p:stCondLst>
                                   <p:childTnLst>
                                     <p:set>
                                       <p:cBhvr>
-                                        <p:cTn id="18" dur="1" fill="hold">
+                                        <p:cTn id="25" dur="1" fill="hold">
                                           <p:stCondLst>
                                             <p:cond delay="0"/>
                                           </p:stCondLst>
@@ -31864,7 +32101,7 @@
                                     </p:set>
                                     <p:anim calcmode="lin" valueType="num">
                                       <p:cBhvr>
-                                        <p:cTn id="19" dur="500" fill="hold"/>
+                                        <p:cTn id="26" dur="500" fill="hold"/>
                                         <p:tgtEl>
                                           <p:spTgt spid="31"/>
                                         </p:tgtEl>
@@ -31887,7 +32124,7 @@
                                     </p:anim>
                                     <p:anim calcmode="lin" valueType="num">
                                       <p:cBhvr>
-                                        <p:cTn id="20" dur="500" fill="hold"/>
+                                        <p:cTn id="27" dur="500" fill="hold"/>
                                         <p:tgtEl>
                                           <p:spTgt spid="31"/>
                                         </p:tgtEl>
@@ -31942,6 +32179,7 @@
       <p:bldP spid="23" grpId="0"/>
       <p:bldP spid="31" grpId="0"/>
       <p:bldP spid="26" grpId="0"/>
+      <p:bldP spid="8" grpId="0"/>
     </p:bldLst>
   </p:timing>
 </p:sld>
@@ -32843,176 +33081,6 @@
               </a:prstGeom>
               <a:blipFill>
                 <a:blip r:embed="rId7"/>
-                <a:stretch>
-                  <a:fillRect/>
-                </a:stretch>
-              </a:blipFill>
-            </p:spPr>
-            <p:txBody>
-              <a:bodyPr/>
-              <a:lstStyle/>
-              <a:p>
-                <a:r>
-                  <a:rPr lang="en-US">
-                    <a:noFill/>
-                  </a:rPr>
-                  <a:t> </a:t>
-                </a:r>
-              </a:p>
-            </p:txBody>
-          </p:sp>
-        </mc:Fallback>
-      </mc:AlternateContent>
-      <mc:AlternateContent xmlns:mc="http://schemas.openxmlformats.org/markup-compatibility/2006" xmlns:a14="http://schemas.microsoft.com/office/drawing/2010/main">
-        <mc:Choice Requires="a14">
-          <p:sp>
-            <p:nvSpPr>
-              <p:cNvPr id="26" name="Rectangle 25">
-                <a:extLst>
-                  <a:ext uri="{FF2B5EF4-FFF2-40B4-BE49-F238E27FC236}">
-                    <a16:creationId xmlns:a16="http://schemas.microsoft.com/office/drawing/2014/main" id="{18CA9BB0-A58D-4F90-86C0-43D34B6AF1BD}"/>
-                  </a:ext>
-                </a:extLst>
-              </p:cNvPr>
-              <p:cNvSpPr/>
-              <p:nvPr/>
-            </p:nvSpPr>
-            <p:spPr>
-              <a:xfrm>
-                <a:off x="10120219" y="1320767"/>
-                <a:ext cx="1490664" cy="613117"/>
-              </a:xfrm>
-              <a:prstGeom prst="rect">
-                <a:avLst/>
-              </a:prstGeom>
-            </p:spPr>
-            <p:txBody>
-              <a:bodyPr wrap="none">
-                <a:spAutoFit/>
-              </a:bodyPr>
-              <a:lstStyle/>
-              <a:p>
-                <a14:m>
-                  <m:oMath xmlns:m="http://schemas.openxmlformats.org/officeDocument/2006/math">
-                    <m:r>
-                      <a:rPr lang="en-US" sz="2400" i="1" smtClean="0">
-                        <a:solidFill>
-                          <a:srgbClr val="00B050"/>
-                        </a:solidFill>
-                        <a:latin typeface="Cambria Math" panose="02040503050406030204" pitchFamily="18" charset="0"/>
-                        <a:ea typeface="Cambria Math" panose="02040503050406030204" pitchFamily="18" charset="0"/>
-                      </a:rPr>
-                      <m:t>∴</m:t>
-                    </m:r>
-                  </m:oMath>
-                </a14:m>
-                <a:r>
-                  <a:rPr lang="en-US" sz="2400" dirty="0">
-                    <a:solidFill>
-                      <a:srgbClr val="00B050"/>
-                    </a:solidFill>
-                  </a:rPr>
-                  <a:t> </a:t>
-                </a:r>
-                <a14:m>
-                  <m:oMath xmlns:m="http://schemas.openxmlformats.org/officeDocument/2006/math">
-                    <m:r>
-                      <a:rPr lang="en-US" sz="2400" b="0" i="1" dirty="0" smtClean="0">
-                        <a:solidFill>
-                          <a:srgbClr val="00B050"/>
-                        </a:solidFill>
-                        <a:latin typeface="Cambria Math" panose="02040503050406030204" pitchFamily="18" charset="0"/>
-                      </a:rPr>
-                      <m:t>𝑦</m:t>
-                    </m:r>
-                    <m:r>
-                      <a:rPr lang="en-US" sz="2400" b="0" i="1" dirty="0" smtClean="0">
-                        <a:solidFill>
-                          <a:srgbClr val="00B050"/>
-                        </a:solidFill>
-                        <a:latin typeface="Cambria Math" panose="02040503050406030204" pitchFamily="18" charset="0"/>
-                      </a:rPr>
-                      <m:t>=</m:t>
-                    </m:r>
-                    <m:f>
-                      <m:fPr>
-                        <m:ctrlPr>
-                          <a:rPr lang="en-US" sz="2400" b="0" i="1" dirty="0" smtClean="0">
-                            <a:solidFill>
-                              <a:srgbClr val="00B050"/>
-                            </a:solidFill>
-                            <a:latin typeface="Cambria Math" panose="02040503050406030204" pitchFamily="18" charset="0"/>
-                          </a:rPr>
-                        </m:ctrlPr>
-                      </m:fPr>
-                      <m:num>
-                        <m:r>
-                          <a:rPr lang="en-US" sz="2400" b="0" i="1" dirty="0" smtClean="0">
-                            <a:solidFill>
-                              <a:srgbClr val="00B050"/>
-                            </a:solidFill>
-                            <a:latin typeface="Cambria Math" panose="02040503050406030204" pitchFamily="18" charset="0"/>
-                          </a:rPr>
-                          <m:t>4</m:t>
-                        </m:r>
-                      </m:num>
-                      <m:den>
-                        <m:r>
-                          <a:rPr lang="en-US" sz="2400" b="0" i="1" dirty="0" smtClean="0">
-                            <a:solidFill>
-                              <a:srgbClr val="00B050"/>
-                            </a:solidFill>
-                            <a:latin typeface="Cambria Math" panose="02040503050406030204" pitchFamily="18" charset="0"/>
-                          </a:rPr>
-                          <m:t>12</m:t>
-                        </m:r>
-                      </m:den>
-                    </m:f>
-                    <m:r>
-                      <a:rPr lang="en-US" sz="2400" b="0" i="1" dirty="0" smtClean="0">
-                        <a:solidFill>
-                          <a:srgbClr val="00B050"/>
-                        </a:solidFill>
-                        <a:latin typeface="Cambria Math" panose="02040503050406030204" pitchFamily="18" charset="0"/>
-                      </a:rPr>
-                      <m:t>𝑥</m:t>
-                    </m:r>
-                  </m:oMath>
-                </a14:m>
-                <a:endParaRPr lang="en-US" sz="2400" dirty="0">
-                  <a:solidFill>
-                    <a:srgbClr val="00B050"/>
-                  </a:solidFill>
-                </a:endParaRPr>
-              </a:p>
-            </p:txBody>
-          </p:sp>
-        </mc:Choice>
-        <mc:Fallback xmlns="">
-          <p:sp>
-            <p:nvSpPr>
-              <p:cNvPr id="26" name="Rectangle 25">
-                <a:extLst>
-                  <a:ext uri="{FF2B5EF4-FFF2-40B4-BE49-F238E27FC236}">
-                    <a16:creationId xmlns:a16="http://schemas.microsoft.com/office/drawing/2014/main" id="{18CA9BB0-A58D-4F90-86C0-43D34B6AF1BD}"/>
-                  </a:ext>
-                </a:extLst>
-              </p:cNvPr>
-              <p:cNvSpPr>
-                <a:spLocks noRot="1" noChangeAspect="1" noMove="1" noResize="1" noEditPoints="1" noAdjustHandles="1" noChangeArrowheads="1" noChangeShapeType="1" noTextEdit="1"/>
-              </p:cNvSpPr>
-              <p:nvPr/>
-            </p:nvSpPr>
-            <p:spPr>
-              <a:xfrm>
-                <a:off x="10120219" y="1320767"/>
-                <a:ext cx="1490664" cy="613117"/>
-              </a:xfrm>
-              <a:prstGeom prst="rect">
-                <a:avLst/>
-              </a:prstGeom>
-              <a:blipFill>
-                <a:blip r:embed="rId9"/>
                 <a:stretch>
                   <a:fillRect/>
                 </a:stretch>
@@ -33569,8 +33637,8 @@
           </a:p>
         </p:txBody>
       </p:sp>
-      <mc:AlternateContent xmlns:mc="http://schemas.openxmlformats.org/markup-compatibility/2006">
-        <mc:Choice xmlns:a14="http://schemas.microsoft.com/office/drawing/2010/main" Requires="a14">
+      <mc:AlternateContent xmlns:mc="http://schemas.openxmlformats.org/markup-compatibility/2006" xmlns:a14="http://schemas.microsoft.com/office/drawing/2010/main">
+        <mc:Choice Requires="a14">
           <p:sp>
             <p:nvSpPr>
               <p:cNvPr id="29" name="TextBox 28">
@@ -33626,7 +33694,7 @@
             </p:txBody>
           </p:sp>
         </mc:Choice>
-        <mc:Fallback>
+        <mc:Fallback xmlns="">
           <p:sp>
             <p:nvSpPr>
               <p:cNvPr id="29" name="TextBox 28">
@@ -33671,8 +33739,8 @@
           </p:sp>
         </mc:Fallback>
       </mc:AlternateContent>
-      <mc:AlternateContent xmlns:mc="http://schemas.openxmlformats.org/markup-compatibility/2006">
-        <mc:Choice xmlns:a14="http://schemas.microsoft.com/office/drawing/2010/main" Requires="a14">
+      <mc:AlternateContent xmlns:mc="http://schemas.openxmlformats.org/markup-compatibility/2006" xmlns:a14="http://schemas.microsoft.com/office/drawing/2010/main">
+        <mc:Choice Requires="a14">
           <p:sp>
             <p:nvSpPr>
               <p:cNvPr id="31" name="Rectangle 30">
@@ -33755,7 +33823,7 @@
             </p:txBody>
           </p:sp>
         </mc:Choice>
-        <mc:Fallback>
+        <mc:Fallback xmlns="">
           <p:sp>
             <p:nvSpPr>
               <p:cNvPr id="31" name="Rectangle 30">
@@ -33800,8 +33868,8 @@
           </p:sp>
         </mc:Fallback>
       </mc:AlternateContent>
-      <mc:AlternateContent xmlns:mc="http://schemas.openxmlformats.org/markup-compatibility/2006">
-        <mc:Choice xmlns:a14="http://schemas.microsoft.com/office/drawing/2010/main" Requires="a14">
+      <mc:AlternateContent xmlns:mc="http://schemas.openxmlformats.org/markup-compatibility/2006" xmlns:a14="http://schemas.microsoft.com/office/drawing/2010/main">
+        <mc:Choice Requires="a14">
           <p:sp>
             <p:nvSpPr>
               <p:cNvPr id="33" name="Rectangle 32">
@@ -33884,7 +33952,7 @@
             </p:txBody>
           </p:sp>
         </mc:Choice>
-        <mc:Fallback>
+        <mc:Fallback xmlns="">
           <p:sp>
             <p:nvSpPr>
               <p:cNvPr id="33" name="Rectangle 32">
@@ -33911,6 +33979,176 @@
                 <a:blip r:embed="rId12"/>
                 <a:stretch>
                   <a:fillRect b="-10526"/>
+                </a:stretch>
+              </a:blipFill>
+            </p:spPr>
+            <p:txBody>
+              <a:bodyPr/>
+              <a:lstStyle/>
+              <a:p>
+                <a:r>
+                  <a:rPr lang="en-US">
+                    <a:noFill/>
+                  </a:rPr>
+                  <a:t> </a:t>
+                </a:r>
+              </a:p>
+            </p:txBody>
+          </p:sp>
+        </mc:Fallback>
+      </mc:AlternateContent>
+      <mc:AlternateContent xmlns:mc="http://schemas.openxmlformats.org/markup-compatibility/2006">
+        <mc:Choice xmlns:a14="http://schemas.microsoft.com/office/drawing/2010/main" Requires="a14">
+          <p:sp>
+            <p:nvSpPr>
+              <p:cNvPr id="23" name="Rectangle 22">
+                <a:extLst>
+                  <a:ext uri="{FF2B5EF4-FFF2-40B4-BE49-F238E27FC236}">
+                    <a16:creationId xmlns:a16="http://schemas.microsoft.com/office/drawing/2014/main" id="{DF40368B-1607-47A0-9CB3-97636BF6EE15}"/>
+                  </a:ext>
+                </a:extLst>
+              </p:cNvPr>
+              <p:cNvSpPr/>
+              <p:nvPr/>
+            </p:nvSpPr>
+            <p:spPr>
+              <a:xfrm>
+                <a:off x="9982360" y="1320767"/>
+                <a:ext cx="1628523" cy="613117"/>
+              </a:xfrm>
+              <a:prstGeom prst="rect">
+                <a:avLst/>
+              </a:prstGeom>
+            </p:spPr>
+            <p:txBody>
+              <a:bodyPr wrap="none">
+                <a:spAutoFit/>
+              </a:bodyPr>
+              <a:lstStyle/>
+              <a:p>
+                <a14:m>
+                  <m:oMath xmlns:m="http://schemas.openxmlformats.org/officeDocument/2006/math">
+                    <m:r>
+                      <a:rPr lang="en-US" sz="2400" i="1" smtClean="0">
+                        <a:solidFill>
+                          <a:srgbClr val="00B050"/>
+                        </a:solidFill>
+                        <a:latin typeface="Cambria Math" panose="02040503050406030204" pitchFamily="18" charset="0"/>
+                        <a:ea typeface="Cambria Math" panose="02040503050406030204" pitchFamily="18" charset="0"/>
+                      </a:rPr>
+                      <m:t>∴</m:t>
+                    </m:r>
+                  </m:oMath>
+                </a14:m>
+                <a:r>
+                  <a:rPr lang="en-US" sz="2400" dirty="0">
+                    <a:solidFill>
+                      <a:srgbClr val="00B050"/>
+                    </a:solidFill>
+                  </a:rPr>
+                  <a:t>   </a:t>
+                </a:r>
+                <a14:m>
+                  <m:oMath xmlns:m="http://schemas.openxmlformats.org/officeDocument/2006/math">
+                    <m:r>
+                      <a:rPr lang="en-US" sz="2400" b="0" i="1" dirty="0" smtClean="0">
+                        <a:solidFill>
+                          <a:srgbClr val="00B050"/>
+                        </a:solidFill>
+                        <a:latin typeface="Cambria Math" panose="02040503050406030204" pitchFamily="18" charset="0"/>
+                      </a:rPr>
+                      <m:t>𝑦</m:t>
+                    </m:r>
+                    <m:r>
+                      <a:rPr lang="en-US" sz="2400" b="0" i="1" dirty="0" smtClean="0">
+                        <a:solidFill>
+                          <a:srgbClr val="00B050"/>
+                        </a:solidFill>
+                        <a:latin typeface="Cambria Math" panose="02040503050406030204" pitchFamily="18" charset="0"/>
+                      </a:rPr>
+                      <m:t>=</m:t>
+                    </m:r>
+                    <m:f>
+                      <m:fPr>
+                        <m:ctrlPr>
+                          <a:rPr lang="en-US" sz="2400" b="0" i="1" dirty="0" smtClean="0">
+                            <a:solidFill>
+                              <a:srgbClr val="00B050"/>
+                            </a:solidFill>
+                            <a:latin typeface="Cambria Math" panose="02040503050406030204" pitchFamily="18" charset="0"/>
+                          </a:rPr>
+                        </m:ctrlPr>
+                      </m:fPr>
+                      <m:num>
+                        <m:r>
+                          <a:rPr lang="en-US" sz="2400" b="0" i="1" dirty="0" smtClean="0">
+                            <a:solidFill>
+                              <a:srgbClr val="00B050"/>
+                            </a:solidFill>
+                            <a:latin typeface="Cambria Math" panose="02040503050406030204" pitchFamily="18" charset="0"/>
+                          </a:rPr>
+                          <m:t>4</m:t>
+                        </m:r>
+                      </m:num>
+                      <m:den>
+                        <m:r>
+                          <a:rPr lang="en-US" sz="2400" b="0" i="1" dirty="0" smtClean="0">
+                            <a:solidFill>
+                              <a:srgbClr val="00B050"/>
+                            </a:solidFill>
+                            <a:latin typeface="Cambria Math" panose="02040503050406030204" pitchFamily="18" charset="0"/>
+                          </a:rPr>
+                          <m:t>12</m:t>
+                        </m:r>
+                      </m:den>
+                    </m:f>
+                    <m:r>
+                      <a:rPr lang="en-US" sz="2400" b="0" i="1" dirty="0" smtClean="0">
+                        <a:solidFill>
+                          <a:srgbClr val="00B050"/>
+                        </a:solidFill>
+                        <a:latin typeface="Cambria Math" panose="02040503050406030204" pitchFamily="18" charset="0"/>
+                      </a:rPr>
+                      <m:t>𝑥</m:t>
+                    </m:r>
+                  </m:oMath>
+                </a14:m>
+                <a:endParaRPr lang="en-US" sz="2400" dirty="0">
+                  <a:solidFill>
+                    <a:srgbClr val="00B050"/>
+                  </a:solidFill>
+                </a:endParaRPr>
+              </a:p>
+            </p:txBody>
+          </p:sp>
+        </mc:Choice>
+        <mc:Fallback>
+          <p:sp>
+            <p:nvSpPr>
+              <p:cNvPr id="23" name="Rectangle 22">
+                <a:extLst>
+                  <a:ext uri="{FF2B5EF4-FFF2-40B4-BE49-F238E27FC236}">
+                    <a16:creationId xmlns:a16="http://schemas.microsoft.com/office/drawing/2014/main" id="{DF40368B-1607-47A0-9CB3-97636BF6EE15}"/>
+                  </a:ext>
+                </a:extLst>
+              </p:cNvPr>
+              <p:cNvSpPr>
+                <a:spLocks noRot="1" noChangeAspect="1" noMove="1" noResize="1" noEditPoints="1" noAdjustHandles="1" noChangeArrowheads="1" noChangeShapeType="1" noTextEdit="1"/>
+              </p:cNvSpPr>
+              <p:nvPr/>
+            </p:nvSpPr>
+            <p:spPr>
+              <a:xfrm>
+                <a:off x="9982360" y="1320767"/>
+                <a:ext cx="1628523" cy="613117"/>
+              </a:xfrm>
+              <a:prstGeom prst="rect">
+                <a:avLst/>
+              </a:prstGeom>
+              <a:blipFill>
+                <a:blip r:embed="rId13"/>
+                <a:stretch>
+                  <a:fillRect/>
                 </a:stretch>
               </a:blipFill>
             </p:spPr>
@@ -34558,8 +34796,8 @@
           </p:sp>
         </mc:Fallback>
       </mc:AlternateContent>
-      <mc:AlternateContent xmlns:mc="http://schemas.openxmlformats.org/markup-compatibility/2006">
-        <mc:Choice xmlns:a14="http://schemas.microsoft.com/office/drawing/2010/main" Requires="a14">
+      <mc:AlternateContent xmlns:mc="http://schemas.openxmlformats.org/markup-compatibility/2006" xmlns:a14="http://schemas.microsoft.com/office/drawing/2010/main">
+        <mc:Choice Requires="a14">
           <p:sp>
             <p:nvSpPr>
               <p:cNvPr id="39" name="TextBox 38">
@@ -34605,13 +34843,7 @@
                         <a:rPr lang="en-US" sz="4400" b="0" i="1" smtClean="0">
                           <a:latin typeface="Cambria Math" panose="02040503050406030204" pitchFamily="18" charset="0"/>
                         </a:rPr>
-                        <m:t>=</m:t>
-                      </m:r>
-                      <m:r>
-                        <a:rPr lang="en-US" sz="4400" b="0" i="1" smtClean="0">
-                          <a:latin typeface="Cambria Math" panose="02040503050406030204" pitchFamily="18" charset="0"/>
-                        </a:rPr>
-                        <m:t>2</m:t>
+                        <m:t>=2</m:t>
                       </m:r>
                     </m:oMath>
                   </m:oMathPara>
@@ -34621,7 +34853,7 @@
             </p:txBody>
           </p:sp>
         </mc:Choice>
-        <mc:Fallback>
+        <mc:Fallback xmlns="">
           <p:sp>
             <p:nvSpPr>
               <p:cNvPr id="39" name="TextBox 38">
@@ -34666,8 +34898,8 @@
           </p:sp>
         </mc:Fallback>
       </mc:AlternateContent>
-      <mc:AlternateContent xmlns:mc="http://schemas.openxmlformats.org/markup-compatibility/2006">
-        <mc:Choice xmlns:a14="http://schemas.microsoft.com/office/drawing/2010/main" Requires="a14">
+      <mc:AlternateContent xmlns:mc="http://schemas.openxmlformats.org/markup-compatibility/2006" xmlns:a14="http://schemas.microsoft.com/office/drawing/2010/main">
+        <mc:Choice Requires="a14">
           <p:sp>
             <p:nvSpPr>
               <p:cNvPr id="40" name="Rectangle 39">
@@ -34750,7 +34982,7 @@
             </p:txBody>
           </p:sp>
         </mc:Choice>
-        <mc:Fallback>
+        <mc:Fallback xmlns="">
           <p:sp>
             <p:nvSpPr>
               <p:cNvPr id="40" name="Rectangle 39">
@@ -34795,8 +35027,8 @@
           </p:sp>
         </mc:Fallback>
       </mc:AlternateContent>
-      <mc:AlternateContent xmlns:mc="http://schemas.openxmlformats.org/markup-compatibility/2006">
-        <mc:Choice xmlns:a14="http://schemas.microsoft.com/office/drawing/2010/main" Requires="a14">
+      <mc:AlternateContent xmlns:mc="http://schemas.openxmlformats.org/markup-compatibility/2006" xmlns:a14="http://schemas.microsoft.com/office/drawing/2010/main">
+        <mc:Choice Requires="a14">
           <p:sp>
             <p:nvSpPr>
               <p:cNvPr id="41" name="Rectangle 40">
@@ -34879,7 +35111,7 @@
             </p:txBody>
           </p:sp>
         </mc:Choice>
-        <mc:Fallback>
+        <mc:Fallback xmlns="">
           <p:sp>
             <p:nvSpPr>
               <p:cNvPr id="41" name="Rectangle 40">

--- a/slides/02_ML_Linear_modelsA.pptx
+++ b/slides/02_ML_Linear_modelsA.pptx
@@ -229,7 +229,7 @@
           <a:p>
             <a:fld id="{83A43D8E-262F-43F1-B0CF-97ED6AAA9912}" type="datetimeFigureOut">
               <a:rPr lang="en-US" smtClean="0"/>
-              <a:t>2/11/2020</a:t>
+              <a:t>2/13/2020</a:t>
             </a:fld>
             <a:endParaRPr lang="en-US"/>
           </a:p>
@@ -406,7 +406,7 @@
           <a:p>
             <a:fld id="{03B42920-386F-4187-8314-27C56E157030}" type="datetimeFigureOut">
               <a:rPr lang="en-US" smtClean="0"/>
-              <a:t>2/11/2020</a:t>
+              <a:t>2/13/2020</a:t>
             </a:fld>
             <a:endParaRPr lang="en-US"/>
           </a:p>
@@ -1116,6 +1116,230 @@
                   <a:t>Why matrix form is important? Because it makes notations easier, it helps to abstract up theory, it’s the preferred way to compute since there is compiler speed up for vectorized form, in contrast to (for) loops.</a:t>
                 </a:r>
               </a:p>
+              <a:p>
+                <a:endParaRPr lang="en-US" dirty="0"/>
+              </a:p>
+              <a:p>
+                <a:r>
+                  <a:rPr lang="en-US" dirty="0"/>
+                  <a:t>What could be a matrix form to compute </a:t>
+                </a:r>
+                <a14:m>
+                  <m:oMath xmlns:m="http://schemas.openxmlformats.org/officeDocument/2006/math">
+                    <m:r>
+                      <a:rPr lang="en-US" b="0" i="1" smtClean="0">
+                        <a:latin typeface="Cambria Math" panose="02040503050406030204" pitchFamily="18" charset="0"/>
+                      </a:rPr>
+                      <m:t>𝜃</m:t>
+                    </m:r>
+                  </m:oMath>
+                </a14:m>
+                <a:r>
+                  <a:rPr lang="en-US" dirty="0"/>
+                  <a:t>?</a:t>
+                </a:r>
+                <a:r>
+                  <a:rPr lang="en-US" baseline="0" dirty="0"/>
+                  <a:t> There are 2 ways (</a:t>
+                </a:r>
+                <a14:m>
+                  <m:oMath xmlns:m="http://schemas.openxmlformats.org/officeDocument/2006/math">
+                    <m:r>
+                      <a:rPr lang="en-US" b="1" i="1" baseline="0" smtClean="0">
+                        <a:latin typeface="Cambria Math" panose="02040503050406030204" pitchFamily="18" charset="0"/>
+                      </a:rPr>
+                      <m:t>𝒙</m:t>
+                    </m:r>
+                  </m:oMath>
+                </a14:m>
+                <a:r>
+                  <a:rPr lang="en-US" baseline="0" dirty="0"/>
+                  <a:t>, </a:t>
+                </a:r>
+                <a14:m>
+                  <m:oMath xmlns:m="http://schemas.openxmlformats.org/officeDocument/2006/math">
+                    <m:r>
+                      <a:rPr lang="en-US" b="1" i="1" baseline="0" smtClean="0">
+                        <a:latin typeface="Cambria Math" panose="02040503050406030204" pitchFamily="18" charset="0"/>
+                      </a:rPr>
+                      <m:t>𝒚</m:t>
+                    </m:r>
+                  </m:oMath>
+                </a14:m>
+                <a:r>
+                  <a:rPr lang="en-US" baseline="0" dirty="0"/>
+                  <a:t> or </a:t>
+                </a:r>
+                <a14:m>
+                  <m:oMath xmlns:m="http://schemas.openxmlformats.org/officeDocument/2006/math">
+                    <m:sSub>
+                      <m:sSubPr>
+                        <m:ctrlPr>
+                          <a:rPr lang="en-US" b="0" i="1" baseline="0" smtClean="0">
+                            <a:latin typeface="Cambria Math" panose="02040503050406030204" pitchFamily="18" charset="0"/>
+                          </a:rPr>
+                        </m:ctrlPr>
+                      </m:sSubPr>
+                      <m:e>
+                        <m:r>
+                          <a:rPr lang="en-US" b="1" i="1" baseline="0" smtClean="0">
+                            <a:latin typeface="Cambria Math" panose="02040503050406030204" pitchFamily="18" charset="0"/>
+                          </a:rPr>
+                          <m:t>𝒙</m:t>
+                        </m:r>
+                      </m:e>
+                      <m:sub>
+                        <m:r>
+                          <a:rPr lang="en-US" b="0" i="1" baseline="0" smtClean="0">
+                            <a:latin typeface="Cambria Math" panose="02040503050406030204" pitchFamily="18" charset="0"/>
+                          </a:rPr>
+                          <m:t>1</m:t>
+                        </m:r>
+                      </m:sub>
+                    </m:sSub>
+                  </m:oMath>
+                </a14:m>
+                <a:r>
+                  <a:rPr lang="en-US" baseline="0" dirty="0"/>
+                  <a:t>, </a:t>
+                </a:r>
+                <a14:m>
+                  <m:oMath xmlns:m="http://schemas.openxmlformats.org/officeDocument/2006/math">
+                    <m:sSub>
+                      <m:sSubPr>
+                        <m:ctrlPr>
+                          <a:rPr lang="en-US" b="0" i="1" baseline="0" smtClean="0">
+                            <a:latin typeface="Cambria Math" panose="02040503050406030204" pitchFamily="18" charset="0"/>
+                          </a:rPr>
+                        </m:ctrlPr>
+                      </m:sSubPr>
+                      <m:e>
+                        <m:r>
+                          <a:rPr lang="en-US" b="1" i="1" baseline="0" smtClean="0">
+                            <a:latin typeface="Cambria Math" panose="02040503050406030204" pitchFamily="18" charset="0"/>
+                          </a:rPr>
+                          <m:t>𝒙</m:t>
+                        </m:r>
+                      </m:e>
+                      <m:sub>
+                        <m:r>
+                          <a:rPr lang="en-US" b="0" i="1" baseline="0" smtClean="0">
+                            <a:latin typeface="Cambria Math" panose="02040503050406030204" pitchFamily="18" charset="0"/>
+                          </a:rPr>
+                          <m:t>2</m:t>
+                        </m:r>
+                      </m:sub>
+                    </m:sSub>
+                  </m:oMath>
+                </a14:m>
+                <a:r>
+                  <a:rPr lang="en-US" baseline="0" dirty="0"/>
+                  <a:t>), </a:t>
+                </a:r>
+                <a:r>
+                  <a:rPr lang="en-US" baseline="0" dirty="0" err="1"/>
+                  <a:t>i</a:t>
+                </a:r>
+                <a:r>
+                  <a:rPr lang="en-US" baseline="0" dirty="0"/>
+                  <a:t>. e., if the data set is in a table/tabular form, then we could slice by rows (</a:t>
+                </a:r>
+                <a14:m>
+                  <m:oMath xmlns:m="http://schemas.openxmlformats.org/officeDocument/2006/math">
+                    <m:sSub>
+                      <m:sSubPr>
+                        <m:ctrlPr>
+                          <a:rPr lang="en-US" b="0" i="1" baseline="0" smtClean="0">
+                            <a:latin typeface="Cambria Math" panose="02040503050406030204" pitchFamily="18" charset="0"/>
+                          </a:rPr>
+                        </m:ctrlPr>
+                      </m:sSubPr>
+                      <m:e>
+                        <m:r>
+                          <a:rPr lang="en-US" b="1" i="1" baseline="0" smtClean="0">
+                            <a:latin typeface="Cambria Math" panose="02040503050406030204" pitchFamily="18" charset="0"/>
+                          </a:rPr>
+                          <m:t>𝒙</m:t>
+                        </m:r>
+                      </m:e>
+                      <m:sub>
+                        <m:r>
+                          <a:rPr lang="en-US" b="0" i="1" baseline="0" smtClean="0">
+                            <a:latin typeface="Cambria Math" panose="02040503050406030204" pitchFamily="18" charset="0"/>
+                          </a:rPr>
+                          <m:t>1</m:t>
+                        </m:r>
+                      </m:sub>
+                    </m:sSub>
+                  </m:oMath>
+                </a14:m>
+                <a:r>
+                  <a:rPr lang="en-US" baseline="0" dirty="0"/>
+                  <a:t>, </a:t>
+                </a:r>
+                <a14:m>
+                  <m:oMath xmlns:m="http://schemas.openxmlformats.org/officeDocument/2006/math">
+                    <m:sSub>
+                      <m:sSubPr>
+                        <m:ctrlPr>
+                          <a:rPr lang="en-US" b="0" i="1" baseline="0" smtClean="0">
+                            <a:latin typeface="Cambria Math" panose="02040503050406030204" pitchFamily="18" charset="0"/>
+                          </a:rPr>
+                        </m:ctrlPr>
+                      </m:sSubPr>
+                      <m:e>
+                        <m:r>
+                          <a:rPr lang="en-US" b="1" i="1" baseline="0" smtClean="0">
+                            <a:latin typeface="Cambria Math" panose="02040503050406030204" pitchFamily="18" charset="0"/>
+                          </a:rPr>
+                          <m:t>𝒙</m:t>
+                        </m:r>
+                      </m:e>
+                      <m:sub>
+                        <m:r>
+                          <a:rPr lang="en-US" b="0" i="1" baseline="0" smtClean="0">
+                            <a:latin typeface="Cambria Math" panose="02040503050406030204" pitchFamily="18" charset="0"/>
+                          </a:rPr>
+                          <m:t>2</m:t>
+                        </m:r>
+                      </m:sub>
+                    </m:sSub>
+                  </m:oMath>
+                </a14:m>
+                <a:r>
+                  <a:rPr lang="en-US" baseline="0" dirty="0"/>
+                  <a:t>) or by columns (</a:t>
+                </a:r>
+                <a14:m>
+                  <m:oMath xmlns:m="http://schemas.openxmlformats.org/officeDocument/2006/math">
+                    <m:r>
+                      <a:rPr lang="en-US" b="1" i="1" baseline="0" smtClean="0">
+                        <a:latin typeface="Cambria Math" panose="02040503050406030204" pitchFamily="18" charset="0"/>
+                      </a:rPr>
+                      <m:t>𝒙</m:t>
+                    </m:r>
+                  </m:oMath>
+                </a14:m>
+                <a:r>
+                  <a:rPr lang="en-US" baseline="0" dirty="0"/>
+                  <a:t>, </a:t>
+                </a:r>
+                <a14:m>
+                  <m:oMath xmlns:m="http://schemas.openxmlformats.org/officeDocument/2006/math">
+                    <m:r>
+                      <a:rPr lang="en-US" b="1" i="1" baseline="0" smtClean="0">
+                        <a:latin typeface="Cambria Math" panose="02040503050406030204" pitchFamily="18" charset="0"/>
+                      </a:rPr>
+                      <m:t>𝒚</m:t>
+                    </m:r>
+                  </m:oMath>
+                </a14:m>
+                <a:r>
+                  <a:rPr lang="en-US" baseline="0" dirty="0"/>
+                  <a:t>).</a:t>
+                </a:r>
+                <a:endParaRPr lang="en-US" dirty="0"/>
+              </a:p>
             </p:txBody>
           </p:sp>
         </mc:Choice>
@@ -1271,10 +1495,7 @@
               <a:bodyPr/>
               <a:lstStyle/>
               <a:p>
-                <a:r>
-                  <a:rPr lang="en-US" dirty="0"/>
-                  <a:t>Why matrix form is important? Because it makes notations easier, it helps to abstract up theory, it’s the preferred way to compute since there is compiler speed up for vectorized form, in contrast to (for) loops.</a:t>
-                </a:r>
+                <a:endParaRPr lang="en-US" dirty="0"/>
               </a:p>
             </p:txBody>
           </p:sp>
@@ -1490,6 +1711,59 @@
                   <a:rPr lang="en-US" dirty="0"/>
                   <a:t>.</a:t>
                 </a:r>
+              </a:p>
+              <a:p>
+                <a:endParaRPr lang="en-US" dirty="0"/>
+              </a:p>
+              <a:p>
+                <a:pPr marL="0" marR="0" lvl="0" indent="0" algn="l" defTabSz="914400" rtl="0" eaLnBrk="1" fontAlgn="auto" latinLnBrk="0" hangingPunct="1">
+                  <a:lnSpc>
+                    <a:spcPct val="100000"/>
+                  </a:lnSpc>
+                  <a:spcBef>
+                    <a:spcPts val="0"/>
+                  </a:spcBef>
+                  <a:spcAft>
+                    <a:spcPts val="0"/>
+                  </a:spcAft>
+                  <a:buClrTx/>
+                  <a:buSzTx/>
+                  <a:buFontTx/>
+                  <a:buNone/>
+                  <a:tabLst/>
+                  <a:defRPr/>
+                </a:pPr>
+                <a:r>
+                  <a:rPr lang="en-US" dirty="0"/>
+                  <a:t>ToDo: In Python,</a:t>
+                </a:r>
+                <a:r>
+                  <a:rPr lang="en-US" baseline="0" dirty="0"/>
+                  <a:t> c</a:t>
+                </a:r>
+                <a:r>
+                  <a:rPr lang="en-US" dirty="0"/>
+                  <a:t>ompute the</a:t>
+                </a:r>
+                <a:r>
+                  <a:rPr lang="en-US" baseline="0" dirty="0"/>
+                  <a:t> </a:t>
+                </a:r>
+                <a:r>
+                  <a:rPr lang="en-US" dirty="0"/>
+                  <a:t>error </a:t>
+                </a:r>
+                <a14:m>
+                  <m:oMath xmlns:m="http://schemas.openxmlformats.org/officeDocument/2006/math">
+                    <m:r>
+                      <a:rPr lang="en-US" b="0" i="1" smtClean="0">
+                        <a:latin typeface="Cambria Math" panose="02040503050406030204" pitchFamily="18" charset="0"/>
+                      </a:rPr>
+                      <m:t>𝜀</m:t>
+                    </m:r>
+                  </m:oMath>
+                </a14:m>
+                <a:endParaRPr lang="en-US" dirty="0"/>
               </a:p>
               <a:p>
                 <a:endParaRPr lang="en-US" dirty="0"/>
@@ -2904,6 +3178,43 @@
                 </a:r>
                 <a:r>
                   <a:rPr lang="en-US" dirty="0"/>
+                  <a:t>: In Python,</a:t>
+                </a:r>
+                <a:r>
+                  <a:rPr lang="en-US" baseline="0" dirty="0"/>
+                  <a:t> c</a:t>
+                </a:r>
+                <a:r>
+                  <a:rPr lang="en-US" dirty="0"/>
+                  <a:t>ompute the</a:t>
+                </a:r>
+                <a:r>
+                  <a:rPr lang="en-US" baseline="0" dirty="0"/>
+                  <a:t> </a:t>
+                </a:r>
+                <a:r>
+                  <a:rPr lang="en-US" dirty="0"/>
+                  <a:t>error </a:t>
+                </a:r>
+                <a14:m>
+                  <m:oMath xmlns:m="http://schemas.openxmlformats.org/officeDocument/2006/math">
+                    <m:r>
+                      <a:rPr lang="en-US" b="0" i="1" smtClean="0">
+                        <a:latin typeface="Cambria Math" panose="02040503050406030204" pitchFamily="18" charset="0"/>
+                      </a:rPr>
+                      <m:t>𝜀</m:t>
+                    </m:r>
+                  </m:oMath>
+                </a14:m>
+                <a:endParaRPr lang="en-US" dirty="0"/>
+              </a:p>
+              <a:p>
+                <a:r>
+                  <a:rPr lang="en-US" dirty="0" err="1"/>
+                  <a:t>ToDo</a:t>
+                </a:r>
+                <a:r>
+                  <a:rPr lang="en-US" dirty="0"/>
                   <a:t>: Create an interactive plot (charts.js?) with a slider to change the slope </a:t>
                 </a:r>
                 <a14:m>
@@ -3714,7 +4025,7 @@
           <a:p>
             <a:fld id="{FE070745-F5EF-4AE3-92EF-0934EDED1862}" type="datetimeFigureOut">
               <a:rPr lang="en-US" smtClean="0"/>
-              <a:t>2/11/2020</a:t>
+              <a:t>2/13/2020</a:t>
             </a:fld>
             <a:endParaRPr lang="en-US"/>
           </a:p>
@@ -3884,7 +4195,7 @@
           <a:p>
             <a:fld id="{FE070745-F5EF-4AE3-92EF-0934EDED1862}" type="datetimeFigureOut">
               <a:rPr lang="en-US" smtClean="0"/>
-              <a:t>2/11/2020</a:t>
+              <a:t>2/13/2020</a:t>
             </a:fld>
             <a:endParaRPr lang="en-US"/>
           </a:p>
@@ -4064,7 +4375,7 @@
           <a:p>
             <a:fld id="{FE070745-F5EF-4AE3-92EF-0934EDED1862}" type="datetimeFigureOut">
               <a:rPr lang="en-US" smtClean="0"/>
-              <a:t>2/11/2020</a:t>
+              <a:t>2/13/2020</a:t>
             </a:fld>
             <a:endParaRPr lang="en-US"/>
           </a:p>
@@ -4234,7 +4545,7 @@
           <a:p>
             <a:fld id="{FE070745-F5EF-4AE3-92EF-0934EDED1862}" type="datetimeFigureOut">
               <a:rPr lang="en-US" smtClean="0"/>
-              <a:t>2/11/2020</a:t>
+              <a:t>2/13/2020</a:t>
             </a:fld>
             <a:endParaRPr lang="en-US"/>
           </a:p>
@@ -4480,7 +4791,7 @@
           <a:p>
             <a:fld id="{FE070745-F5EF-4AE3-92EF-0934EDED1862}" type="datetimeFigureOut">
               <a:rPr lang="en-US" smtClean="0"/>
-              <a:t>2/11/2020</a:t>
+              <a:t>2/13/2020</a:t>
             </a:fld>
             <a:endParaRPr lang="en-US"/>
           </a:p>
@@ -4712,7 +5023,7 @@
           <a:p>
             <a:fld id="{FE070745-F5EF-4AE3-92EF-0934EDED1862}" type="datetimeFigureOut">
               <a:rPr lang="en-US" smtClean="0"/>
-              <a:t>2/11/2020</a:t>
+              <a:t>2/13/2020</a:t>
             </a:fld>
             <a:endParaRPr lang="en-US"/>
           </a:p>
@@ -5079,7 +5390,7 @@
           <a:p>
             <a:fld id="{FE070745-F5EF-4AE3-92EF-0934EDED1862}" type="datetimeFigureOut">
               <a:rPr lang="en-US" smtClean="0"/>
-              <a:t>2/11/2020</a:t>
+              <a:t>2/13/2020</a:t>
             </a:fld>
             <a:endParaRPr lang="en-US"/>
           </a:p>
@@ -5197,7 +5508,7 @@
           <a:p>
             <a:fld id="{FE070745-F5EF-4AE3-92EF-0934EDED1862}" type="datetimeFigureOut">
               <a:rPr lang="en-US" smtClean="0"/>
-              <a:t>2/11/2020</a:t>
+              <a:t>2/13/2020</a:t>
             </a:fld>
             <a:endParaRPr lang="en-US"/>
           </a:p>
@@ -5292,7 +5603,7 @@
           <a:p>
             <a:fld id="{FE070745-F5EF-4AE3-92EF-0934EDED1862}" type="datetimeFigureOut">
               <a:rPr lang="en-US" smtClean="0"/>
-              <a:t>2/11/2020</a:t>
+              <a:t>2/13/2020</a:t>
             </a:fld>
             <a:endParaRPr lang="en-US"/>
           </a:p>
@@ -5569,7 +5880,7 @@
           <a:p>
             <a:fld id="{FE070745-F5EF-4AE3-92EF-0934EDED1862}" type="datetimeFigureOut">
               <a:rPr lang="en-US" smtClean="0"/>
-              <a:t>2/11/2020</a:t>
+              <a:t>2/13/2020</a:t>
             </a:fld>
             <a:endParaRPr lang="en-US"/>
           </a:p>
@@ -5826,7 +6137,7 @@
           <a:p>
             <a:fld id="{FE070745-F5EF-4AE3-92EF-0934EDED1862}" type="datetimeFigureOut">
               <a:rPr lang="en-US" smtClean="0"/>
-              <a:t>2/11/2020</a:t>
+              <a:t>2/13/2020</a:t>
             </a:fld>
             <a:endParaRPr lang="en-US"/>
           </a:p>
@@ -6039,7 +6350,7 @@
           <a:p>
             <a:fld id="{FE070745-F5EF-4AE3-92EF-0934EDED1862}" type="datetimeFigureOut">
               <a:rPr lang="en-US" smtClean="0"/>
-              <a:t>2/11/2020</a:t>
+              <a:t>2/13/2020</a:t>
             </a:fld>
             <a:endParaRPr lang="en-US"/>
           </a:p>
@@ -22220,7 +22531,7 @@
         </p:blipFill>
         <p:spPr>
           <a:xfrm>
-            <a:off x="4764875" y="1491296"/>
+            <a:off x="5644769" y="3920719"/>
             <a:ext cx="4322853" cy="2937281"/>
           </a:xfrm>
           <a:prstGeom prst="rect">
@@ -22228,8 +22539,8 @@
           </a:prstGeom>
         </p:spPr>
       </p:pic>
-      <mc:AlternateContent xmlns:mc="http://schemas.openxmlformats.org/markup-compatibility/2006" xmlns:a14="http://schemas.microsoft.com/office/drawing/2010/main">
-        <mc:Choice Requires="a14">
+      <mc:AlternateContent xmlns:mc="http://schemas.openxmlformats.org/markup-compatibility/2006">
+        <mc:Choice xmlns:a14="http://schemas.microsoft.com/office/drawing/2010/main" Requires="a14">
           <p:sp>
             <p:nvSpPr>
               <p:cNvPr id="4" name="TextBox 3">
@@ -22244,7 +22555,7 @@
             </p:nvSpPr>
             <p:spPr>
               <a:xfrm>
-                <a:off x="838200" y="1958070"/>
+                <a:off x="1718094" y="4387493"/>
                 <a:ext cx="2452120" cy="461665"/>
               </a:xfrm>
               <a:prstGeom prst="rect">
@@ -22267,18 +22578,27 @@
                     <m:oMath xmlns:m="http://schemas.openxmlformats.org/officeDocument/2006/math">
                       <m:r>
                         <a:rPr lang="en-US" sz="2400" b="0" i="1" smtClean="0">
+                          <a:solidFill>
+                            <a:srgbClr val="0070C0"/>
+                          </a:solidFill>
                           <a:latin typeface="Cambria Math" panose="02040503050406030204" pitchFamily="18" charset="0"/>
                         </a:rPr>
                         <m:t>𝑦</m:t>
                       </m:r>
                       <m:r>
                         <a:rPr lang="en-US" sz="2400" b="0" i="1" smtClean="0">
+                          <a:solidFill>
+                            <a:srgbClr val="0070C0"/>
+                          </a:solidFill>
                           <a:latin typeface="Cambria Math" panose="02040503050406030204" pitchFamily="18" charset="0"/>
                         </a:rPr>
                         <m:t>=</m:t>
                       </m:r>
                       <m:r>
                         <a:rPr lang="en-US" sz="2400" b="0" i="1" smtClean="0">
+                          <a:solidFill>
+                            <a:srgbClr val="0070C0"/>
+                          </a:solidFill>
                           <a:latin typeface="Cambria Math" panose="02040503050406030204" pitchFamily="18" charset="0"/>
                         </a:rPr>
                         <m:t>𝐴</m:t>
@@ -22287,6 +22607,9 @@
                         <m:funcPr>
                           <m:ctrlPr>
                             <a:rPr lang="en-US" sz="2400" b="0" i="1" smtClean="0">
+                              <a:solidFill>
+                                <a:srgbClr val="0070C0"/>
+                              </a:solidFill>
                               <a:latin typeface="Cambria Math" panose="02040503050406030204" pitchFamily="18" charset="0"/>
                             </a:rPr>
                           </m:ctrlPr>
@@ -22297,6 +22620,9 @@
                               <m:sty m:val="p"/>
                             </m:rPr>
                             <a:rPr lang="en-US" sz="2400" b="0" i="0" smtClean="0">
+                              <a:solidFill>
+                                <a:srgbClr val="0070C0"/>
+                              </a:solidFill>
                               <a:latin typeface="Cambria Math" panose="02040503050406030204" pitchFamily="18" charset="0"/>
                             </a:rPr>
                             <m:t>sin</m:t>
@@ -22305,18 +22631,27 @@
                         <m:e>
                           <m:r>
                             <a:rPr lang="en-US" sz="2400" b="0" i="1" smtClean="0">
+                              <a:solidFill>
+                                <a:srgbClr val="0070C0"/>
+                              </a:solidFill>
                               <a:latin typeface="Cambria Math" panose="02040503050406030204" pitchFamily="18" charset="0"/>
                             </a:rPr>
                             <m:t>(</m:t>
                           </m:r>
                           <m:r>
                             <a:rPr lang="en-US" sz="2400" b="0" i="1" smtClean="0">
+                              <a:solidFill>
+                                <a:srgbClr val="0070C0"/>
+                              </a:solidFill>
                               <a:latin typeface="Cambria Math" panose="02040503050406030204" pitchFamily="18" charset="0"/>
                             </a:rPr>
                             <m:t>𝑥</m:t>
                           </m:r>
                           <m:r>
                             <a:rPr lang="en-US" sz="2400" b="0" i="1" smtClean="0">
+                              <a:solidFill>
+                                <a:srgbClr val="0070C0"/>
+                              </a:solidFill>
                               <a:latin typeface="Cambria Math" panose="02040503050406030204" pitchFamily="18" charset="0"/>
                             </a:rPr>
                             <m:t>)</m:t>
@@ -22326,12 +22661,16 @@
                     </m:oMath>
                   </m:oMathPara>
                 </a14:m>
-                <a:endParaRPr lang="en-US" sz="2400" dirty="0"/>
+                <a:endParaRPr lang="en-US" sz="2400" dirty="0">
+                  <a:solidFill>
+                    <a:srgbClr val="0070C0"/>
+                  </a:solidFill>
+                </a:endParaRPr>
               </a:p>
             </p:txBody>
           </p:sp>
         </mc:Choice>
-        <mc:Fallback xmlns="">
+        <mc:Fallback>
           <p:sp>
             <p:nvSpPr>
               <p:cNvPr id="4" name="TextBox 3">
@@ -22348,7 +22687,7 @@
             </p:nvSpPr>
             <p:spPr>
               <a:xfrm>
-                <a:off x="838200" y="1958070"/>
+                <a:off x="1718094" y="4387493"/>
                 <a:ext cx="2452120" cy="461665"/>
               </a:xfrm>
               <a:prstGeom prst="rect">
@@ -22357,7 +22696,7 @@
               <a:blipFill>
                 <a:blip r:embed="rId3"/>
                 <a:stretch>
-                  <a:fillRect b="-17105"/>
+                  <a:fillRect b="-18667"/>
                 </a:stretch>
               </a:blipFill>
             </p:spPr>
@@ -22392,7 +22731,7 @@
         </p:nvSpPr>
         <p:spPr>
           <a:xfrm>
-            <a:off x="8322298" y="3337560"/>
+            <a:off x="9202192" y="5766983"/>
             <a:ext cx="182880" cy="182880"/>
           </a:xfrm>
           <a:prstGeom prst="ellipse">
@@ -22440,7 +22779,7 @@
         </p:nvSpPr>
         <p:spPr>
           <a:xfrm>
-            <a:off x="4899279" y="2959937"/>
+            <a:off x="5779173" y="5389360"/>
             <a:ext cx="182880" cy="182880"/>
           </a:xfrm>
           <a:prstGeom prst="ellipse">
@@ -22488,7 +22827,7 @@
         </p:nvSpPr>
         <p:spPr>
           <a:xfrm>
-            <a:off x="5970768" y="2112478"/>
+            <a:off x="6850662" y="4541901"/>
             <a:ext cx="182880" cy="182880"/>
           </a:xfrm>
           <a:prstGeom prst="ellipse">
@@ -22536,7 +22875,7 @@
         </p:nvSpPr>
         <p:spPr>
           <a:xfrm>
-            <a:off x="7042258" y="2959937"/>
+            <a:off x="7922152" y="5389360"/>
             <a:ext cx="182880" cy="182880"/>
           </a:xfrm>
           <a:prstGeom prst="ellipse">
@@ -22565,6 +22904,215 @@
           <a:p>
             <a:pPr algn="ctr"/>
             <a:endParaRPr lang="en-US"/>
+          </a:p>
+        </p:txBody>
+      </p:sp>
+      <mc:AlternateContent xmlns:mc="http://schemas.openxmlformats.org/markup-compatibility/2006">
+        <mc:Choice xmlns:a14="http://schemas.microsoft.com/office/drawing/2010/main" Requires="a14">
+          <p:sp>
+            <p:nvSpPr>
+              <p:cNvPr id="9" name="TextBox 8">
+                <a:extLst>
+                  <a:ext uri="{FF2B5EF4-FFF2-40B4-BE49-F238E27FC236}">
+                    <a16:creationId xmlns:a16="http://schemas.microsoft.com/office/drawing/2014/main" id="{A65197FB-5F43-4E06-87A6-FDB4B2D8BA19}"/>
+                  </a:ext>
+                </a:extLst>
+              </p:cNvPr>
+              <p:cNvSpPr txBox="1"/>
+              <p:nvPr/>
+            </p:nvSpPr>
+            <p:spPr>
+              <a:xfrm>
+                <a:off x="1718094" y="1897619"/>
+                <a:ext cx="2452120" cy="461665"/>
+              </a:xfrm>
+              <a:prstGeom prst="rect">
+                <a:avLst/>
+              </a:prstGeom>
+              <a:noFill/>
+            </p:spPr>
+            <p:txBody>
+              <a:bodyPr wrap="square" rtlCol="0">
+                <a:spAutoFit/>
+              </a:bodyPr>
+              <a:lstStyle/>
+              <a:p>
+                <a:pPr/>
+                <a14:m>
+                  <m:oMathPara xmlns:m="http://schemas.openxmlformats.org/officeDocument/2006/math">
+                    <m:oMathParaPr>
+                      <m:jc m:val="centerGroup"/>
+                    </m:oMathParaPr>
+                    <m:oMath xmlns:m="http://schemas.openxmlformats.org/officeDocument/2006/math">
+                      <m:r>
+                        <a:rPr lang="en-US" sz="2400" b="0" i="1" smtClean="0">
+                          <a:solidFill>
+                            <a:srgbClr val="0070C0"/>
+                          </a:solidFill>
+                          <a:latin typeface="Cambria Math" panose="02040503050406030204" pitchFamily="18" charset="0"/>
+                        </a:rPr>
+                        <m:t>𝑦</m:t>
+                      </m:r>
+                      <m:r>
+                        <a:rPr lang="en-US" sz="2400" b="0" i="1" smtClean="0">
+                          <a:solidFill>
+                            <a:srgbClr val="0070C0"/>
+                          </a:solidFill>
+                          <a:latin typeface="Cambria Math" panose="02040503050406030204" pitchFamily="18" charset="0"/>
+                        </a:rPr>
+                        <m:t>=</m:t>
+                      </m:r>
+                      <m:r>
+                        <a:rPr lang="en-US" sz="2400" b="0" i="1" smtClean="0">
+                          <a:solidFill>
+                            <a:srgbClr val="0070C0"/>
+                          </a:solidFill>
+                          <a:latin typeface="Cambria Math" panose="02040503050406030204" pitchFamily="18" charset="0"/>
+                        </a:rPr>
+                        <m:t>𝜃</m:t>
+                      </m:r>
+                      <m:r>
+                        <a:rPr lang="en-US" sz="2400" b="0" i="1" smtClean="0">
+                          <a:solidFill>
+                            <a:srgbClr val="0070C0"/>
+                          </a:solidFill>
+                          <a:latin typeface="Cambria Math" panose="02040503050406030204" pitchFamily="18" charset="0"/>
+                        </a:rPr>
+                        <m:t>𝑥</m:t>
+                      </m:r>
+                      <m:r>
+                        <a:rPr lang="en-US" sz="2400" b="0" i="1" smtClean="0">
+                          <a:solidFill>
+                            <a:srgbClr val="0070C0"/>
+                          </a:solidFill>
+                          <a:latin typeface="Cambria Math" panose="02040503050406030204" pitchFamily="18" charset="0"/>
+                        </a:rPr>
+                        <m:t>+5</m:t>
+                      </m:r>
+                    </m:oMath>
+                  </m:oMathPara>
+                </a14:m>
+                <a:endParaRPr lang="en-US" sz="2400" dirty="0">
+                  <a:solidFill>
+                    <a:srgbClr val="0070C0"/>
+                  </a:solidFill>
+                </a:endParaRPr>
+              </a:p>
+            </p:txBody>
+          </p:sp>
+        </mc:Choice>
+        <mc:Fallback>
+          <p:sp>
+            <p:nvSpPr>
+              <p:cNvPr id="9" name="TextBox 8">
+                <a:extLst>
+                  <a:ext uri="{FF2B5EF4-FFF2-40B4-BE49-F238E27FC236}">
+                    <a16:creationId xmlns:a16="http://schemas.microsoft.com/office/drawing/2014/main" id="{A65197FB-5F43-4E06-87A6-FDB4B2D8BA19}"/>
+                  </a:ext>
+                </a:extLst>
+              </p:cNvPr>
+              <p:cNvSpPr txBox="1">
+                <a:spLocks noRot="1" noChangeAspect="1" noMove="1" noResize="1" noEditPoints="1" noAdjustHandles="1" noChangeArrowheads="1" noChangeShapeType="1" noTextEdit="1"/>
+              </p:cNvSpPr>
+              <p:nvPr/>
+            </p:nvSpPr>
+            <p:spPr>
+              <a:xfrm>
+                <a:off x="1718094" y="1897619"/>
+                <a:ext cx="2452120" cy="461665"/>
+              </a:xfrm>
+              <a:prstGeom prst="rect">
+                <a:avLst/>
+              </a:prstGeom>
+              <a:blipFill>
+                <a:blip r:embed="rId4"/>
+                <a:stretch>
+                  <a:fillRect b="-10526"/>
+                </a:stretch>
+              </a:blipFill>
+            </p:spPr>
+            <p:txBody>
+              <a:bodyPr/>
+              <a:lstStyle/>
+              <a:p>
+                <a:r>
+                  <a:rPr lang="en-US">
+                    <a:noFill/>
+                  </a:rPr>
+                  <a:t> </a:t>
+                </a:r>
+              </a:p>
+            </p:txBody>
+          </p:sp>
+        </mc:Fallback>
+      </mc:AlternateContent>
+      <p:sp>
+        <p:nvSpPr>
+          <p:cNvPr id="10" name="TextBox 9">
+            <a:extLst>
+              <a:ext uri="{FF2B5EF4-FFF2-40B4-BE49-F238E27FC236}">
+                <a16:creationId xmlns:a16="http://schemas.microsoft.com/office/drawing/2014/main" id="{07E860FA-3660-43AA-B6AE-D7F2B659970D}"/>
+              </a:ext>
+            </a:extLst>
+          </p:cNvPr>
+          <p:cNvSpPr txBox="1"/>
+          <p:nvPr/>
+        </p:nvSpPr>
+        <p:spPr>
+          <a:xfrm>
+            <a:off x="294735" y="1897619"/>
+            <a:ext cx="1086929" cy="461665"/>
+          </a:xfrm>
+          <a:prstGeom prst="rect">
+            <a:avLst/>
+          </a:prstGeom>
+          <a:noFill/>
+        </p:spPr>
+        <p:txBody>
+          <a:bodyPr wrap="square" rtlCol="0">
+            <a:spAutoFit/>
+          </a:bodyPr>
+          <a:lstStyle/>
+          <a:p>
+            <a:r>
+              <a:rPr lang="en-US" sz="2400" dirty="0"/>
+              <a:t>1.</a:t>
+            </a:r>
+          </a:p>
+        </p:txBody>
+      </p:sp>
+      <p:sp>
+        <p:nvSpPr>
+          <p:cNvPr id="11" name="TextBox 10">
+            <a:extLst>
+              <a:ext uri="{FF2B5EF4-FFF2-40B4-BE49-F238E27FC236}">
+                <a16:creationId xmlns:a16="http://schemas.microsoft.com/office/drawing/2014/main" id="{1CDE5121-E248-4A7D-B398-DE1F5AF4A852}"/>
+              </a:ext>
+            </a:extLst>
+          </p:cNvPr>
+          <p:cNvSpPr txBox="1"/>
+          <p:nvPr/>
+        </p:nvSpPr>
+        <p:spPr>
+          <a:xfrm>
+            <a:off x="294735" y="4311068"/>
+            <a:ext cx="1086929" cy="461665"/>
+          </a:xfrm>
+          <a:prstGeom prst="rect">
+            <a:avLst/>
+          </a:prstGeom>
+          <a:noFill/>
+        </p:spPr>
+        <p:txBody>
+          <a:bodyPr wrap="square" rtlCol="0">
+            <a:spAutoFit/>
+          </a:bodyPr>
+          <a:lstStyle/>
+          <a:p>
+            <a:r>
+              <a:rPr lang="en-US" sz="2400" dirty="0"/>
+              <a:t>2.</a:t>
+            </a:r>
           </a:p>
         </p:txBody>
       </p:sp>
@@ -26019,8 +26567,8 @@
           </p:sp>
         </mc:Fallback>
       </mc:AlternateContent>
-      <mc:AlternateContent xmlns:mc="http://schemas.openxmlformats.org/markup-compatibility/2006">
-        <mc:Choice xmlns:a14="http://schemas.microsoft.com/office/drawing/2010/main" Requires="a14">
+      <mc:AlternateContent xmlns:mc="http://schemas.openxmlformats.org/markup-compatibility/2006" xmlns:a14="http://schemas.microsoft.com/office/drawing/2010/main">
+        <mc:Choice Requires="a14">
           <p:sp>
             <p:nvSpPr>
               <p:cNvPr id="39" name="Rectangle 38">
@@ -26258,7 +26806,7 @@
             </p:txBody>
           </p:sp>
         </mc:Choice>
-        <mc:Fallback>
+        <mc:Fallback xmlns="">
           <p:sp>
             <p:nvSpPr>
               <p:cNvPr id="39" name="Rectangle 38">
@@ -26761,8 +27309,8 @@
           </p:sp>
         </mc:Fallback>
       </mc:AlternateContent>
-      <mc:AlternateContent xmlns:mc="http://schemas.openxmlformats.org/markup-compatibility/2006">
-        <mc:Choice xmlns:a14="http://schemas.microsoft.com/office/drawing/2010/main" Requires="a14">
+      <mc:AlternateContent xmlns:mc="http://schemas.openxmlformats.org/markup-compatibility/2006" xmlns:a14="http://schemas.microsoft.com/office/drawing/2010/main">
+        <mc:Choice Requires="a14">
           <p:sp>
             <p:nvSpPr>
               <p:cNvPr id="22" name="TextBox 21">
@@ -26825,7 +27373,7 @@
             </p:txBody>
           </p:sp>
         </mc:Choice>
-        <mc:Fallback>
+        <mc:Fallback xmlns="">
           <p:sp>
             <p:nvSpPr>
               <p:cNvPr id="22" name="TextBox 21">
@@ -29735,8 +30283,8 @@
           </a:p>
         </p:txBody>
       </p:sp>
-      <mc:AlternateContent xmlns:mc="http://schemas.openxmlformats.org/markup-compatibility/2006">
-        <mc:Choice xmlns:a14="http://schemas.microsoft.com/office/drawing/2010/main" Requires="a14">
+      <mc:AlternateContent xmlns:mc="http://schemas.openxmlformats.org/markup-compatibility/2006" xmlns:a14="http://schemas.microsoft.com/office/drawing/2010/main">
+        <mc:Choice Requires="a14">
           <p:sp>
             <p:nvSpPr>
               <p:cNvPr id="22" name="Rectangle 21">
@@ -29842,7 +30390,7 @@
             </p:txBody>
           </p:sp>
         </mc:Choice>
-        <mc:Fallback>
+        <mc:Fallback xmlns="">
           <p:sp>
             <p:nvSpPr>
               <p:cNvPr id="22" name="Rectangle 21">
@@ -29887,8 +30435,8 @@
           </p:sp>
         </mc:Fallback>
       </mc:AlternateContent>
-      <mc:AlternateContent xmlns:mc="http://schemas.openxmlformats.org/markup-compatibility/2006">
-        <mc:Choice xmlns:a14="http://schemas.microsoft.com/office/drawing/2010/main" Requires="a14">
+      <mc:AlternateContent xmlns:mc="http://schemas.openxmlformats.org/markup-compatibility/2006" xmlns:a14="http://schemas.microsoft.com/office/drawing/2010/main">
+        <mc:Choice Requires="a14">
           <p:sp>
             <p:nvSpPr>
               <p:cNvPr id="23" name="Rectangle 22">
@@ -30029,7 +30577,7 @@
             </p:txBody>
           </p:sp>
         </mc:Choice>
-        <mc:Fallback>
+        <mc:Fallback xmlns="">
           <p:sp>
             <p:nvSpPr>
               <p:cNvPr id="23" name="Rectangle 22">
@@ -30342,8 +30890,8 @@
           </a:fontRef>
         </p:style>
       </p:cxnSp>
-      <mc:AlternateContent xmlns:mc="http://schemas.openxmlformats.org/markup-compatibility/2006">
-        <mc:Choice xmlns:a14="http://schemas.microsoft.com/office/drawing/2010/main" Requires="a14">
+      <mc:AlternateContent xmlns:mc="http://schemas.openxmlformats.org/markup-compatibility/2006" xmlns:a14="http://schemas.microsoft.com/office/drawing/2010/main">
+        <mc:Choice Requires="a14">
           <p:sp>
             <p:nvSpPr>
               <p:cNvPr id="29" name="TextBox 28">
@@ -30372,6 +30920,7 @@
               </a:bodyPr>
               <a:lstStyle/>
               <a:p>
+                <a:pPr/>
                 <a14:m>
                   <m:oMathPara xmlns:m="http://schemas.openxmlformats.org/officeDocument/2006/math">
                     <m:oMathParaPr>
@@ -30425,13 +30974,7 @@
                         <a:rPr lang="en-US" sz="2400" b="0" i="1" smtClean="0">
                           <a:latin typeface="Cambria Math" panose="02040503050406030204" pitchFamily="18" charset="0"/>
                         </a:rPr>
-                        <m:t>=</m:t>
-                      </m:r>
-                      <m:r>
-                        <a:rPr lang="en-US" sz="2400" b="0" i="1" smtClean="0">
-                          <a:latin typeface="Cambria Math" panose="02040503050406030204" pitchFamily="18" charset="0"/>
-                        </a:rPr>
-                        <m:t>0</m:t>
+                        <m:t>=0</m:t>
                       </m:r>
                     </m:oMath>
                   </m:oMathPara>
@@ -30441,7 +30984,7 @@
             </p:txBody>
           </p:sp>
         </mc:Choice>
-        <mc:Fallback>
+        <mc:Fallback xmlns="">
           <p:sp>
             <p:nvSpPr>
               <p:cNvPr id="29" name="TextBox 28">
@@ -30486,8 +31029,8 @@
           </p:sp>
         </mc:Fallback>
       </mc:AlternateContent>
-      <mc:AlternateContent xmlns:mc="http://schemas.openxmlformats.org/markup-compatibility/2006">
-        <mc:Choice xmlns:a14="http://schemas.microsoft.com/office/drawing/2010/main" Requires="a14">
+      <mc:AlternateContent xmlns:mc="http://schemas.openxmlformats.org/markup-compatibility/2006" xmlns:a14="http://schemas.microsoft.com/office/drawing/2010/main">
+        <mc:Choice Requires="a14">
           <p:sp>
             <p:nvSpPr>
               <p:cNvPr id="31" name="Rectangle 30">
@@ -30580,7 +31123,7 @@
             </p:txBody>
           </p:sp>
         </mc:Choice>
-        <mc:Fallback>
+        <mc:Fallback xmlns="">
           <p:sp>
             <p:nvSpPr>
               <p:cNvPr id="31" name="Rectangle 30">
@@ -30829,8 +31372,8 @@
           </p:sp>
         </mc:Fallback>
       </mc:AlternateContent>
-      <mc:AlternateContent xmlns:mc="http://schemas.openxmlformats.org/markup-compatibility/2006">
-        <mc:Choice xmlns:a14="http://schemas.microsoft.com/office/drawing/2010/main" Requires="a14">
+      <mc:AlternateContent xmlns:mc="http://schemas.openxmlformats.org/markup-compatibility/2006" xmlns:a14="http://schemas.microsoft.com/office/drawing/2010/main">
+        <mc:Choice Requires="a14">
           <p:sp>
             <p:nvSpPr>
               <p:cNvPr id="26" name="Rectangle 25">
@@ -30954,7 +31497,7 @@
             </p:txBody>
           </p:sp>
         </mc:Choice>
-        <mc:Fallback>
+        <mc:Fallback xmlns="">
           <p:sp>
             <p:nvSpPr>
               <p:cNvPr id="26" name="Rectangle 25">
@@ -31042,8 +31585,8 @@
           </a:fontRef>
         </p:style>
       </p:cxnSp>
-      <mc:AlternateContent xmlns:mc="http://schemas.openxmlformats.org/markup-compatibility/2006">
-        <mc:Choice xmlns:a14="http://schemas.microsoft.com/office/drawing/2010/main" Requires="a14">
+      <mc:AlternateContent xmlns:mc="http://schemas.openxmlformats.org/markup-compatibility/2006" xmlns:a14="http://schemas.microsoft.com/office/drawing/2010/main">
+        <mc:Choice Requires="a14">
           <p:sp>
             <p:nvSpPr>
               <p:cNvPr id="8" name="Rectangle 7">
@@ -31071,7 +31614,6 @@
               </a:bodyPr>
               <a:lstStyle/>
               <a:p>
-                <a:pPr/>
                 <a:r>
                   <a:rPr lang="en-US" sz="2400" dirty="0"/>
                   <a:t> </a:t>
@@ -31104,13 +31646,7 @@
                       <a:rPr lang="en-US" sz="2400" i="1" dirty="0">
                         <a:latin typeface="Cambria Math" panose="02040503050406030204" pitchFamily="18" charset="0"/>
                       </a:rPr>
-                      <m:t>=4/12</m:t>
-                    </m:r>
-                    <m:r>
-                      <a:rPr lang="en-US" sz="2400" i="1" dirty="0">
-                        <a:latin typeface="Cambria Math" panose="02040503050406030204" pitchFamily="18" charset="0"/>
-                      </a:rPr>
-                      <m:t>=</m:t>
+                      <m:t>=4/12=</m:t>
                     </m:r>
                     <m:sSub>
                       <m:sSubPr>
@@ -31175,7 +31711,7 @@
             </p:txBody>
           </p:sp>
         </mc:Choice>
-        <mc:Fallback>
+        <mc:Fallback xmlns="">
           <p:sp>
             <p:nvSpPr>
               <p:cNvPr id="8" name="Rectangle 7">
@@ -31220,8 +31756,8 @@
           </p:sp>
         </mc:Fallback>
       </mc:AlternateContent>
-      <mc:AlternateContent xmlns:mc="http://schemas.openxmlformats.org/markup-compatibility/2006">
-        <mc:Choice xmlns:a14="http://schemas.microsoft.com/office/drawing/2010/main" Requires="a14">
+      <mc:AlternateContent xmlns:mc="http://schemas.openxmlformats.org/markup-compatibility/2006" xmlns:a14="http://schemas.microsoft.com/office/drawing/2010/main">
+        <mc:Choice Requires="a14">
           <p:sp>
             <p:nvSpPr>
               <p:cNvPr id="30" name="Rectangle 29">
@@ -31368,7 +31904,7 @@
             </p:txBody>
           </p:sp>
         </mc:Choice>
-        <mc:Fallback>
+        <mc:Fallback xmlns="">
           <p:sp>
             <p:nvSpPr>
               <p:cNvPr id="30" name="Rectangle 29">
@@ -33997,8 +34533,8 @@
           </p:sp>
         </mc:Fallback>
       </mc:AlternateContent>
-      <mc:AlternateContent xmlns:mc="http://schemas.openxmlformats.org/markup-compatibility/2006">
-        <mc:Choice xmlns:a14="http://schemas.microsoft.com/office/drawing/2010/main" Requires="a14">
+      <mc:AlternateContent xmlns:mc="http://schemas.openxmlformats.org/markup-compatibility/2006" xmlns:a14="http://schemas.microsoft.com/office/drawing/2010/main">
+        <mc:Choice Requires="a14">
           <p:sp>
             <p:nvSpPr>
               <p:cNvPr id="23" name="Rectangle 22">
@@ -34122,7 +34658,7 @@
             </p:txBody>
           </p:sp>
         </mc:Choice>
-        <mc:Fallback>
+        <mc:Fallback xmlns="">
           <p:sp>
             <p:nvSpPr>
               <p:cNvPr id="23" name="Rectangle 22">

--- a/slides/02_ML_Linear_modelsA.pptx
+++ b/slides/02_ML_Linear_modelsA.pptx
@@ -229,7 +229,7 @@
           <a:p>
             <a:fld id="{83A43D8E-262F-43F1-B0CF-97ED6AAA9912}" type="datetimeFigureOut">
               <a:rPr lang="en-US" smtClean="0"/>
-              <a:t>2/13/2020</a:t>
+              <a:t>3/19/2020</a:t>
             </a:fld>
             <a:endParaRPr lang="en-US"/>
           </a:p>
@@ -406,7 +406,7 @@
           <a:p>
             <a:fld id="{03B42920-386F-4187-8314-27C56E157030}" type="datetimeFigureOut">
               <a:rPr lang="en-US" smtClean="0"/>
-              <a:t>2/13/2020</a:t>
+              <a:t>3/19/2020</a:t>
             </a:fld>
             <a:endParaRPr lang="en-US"/>
           </a:p>
@@ -1336,7 +1336,15 @@
                 </a14:m>
                 <a:r>
                   <a:rPr lang="en-US" baseline="0" dirty="0"/>
-                  <a:t>).</a:t>
+                  <a:t>). Create a </a:t>
+                </a:r>
+                <a:r>
+                  <a:rPr lang="en-US" baseline="0" dirty="0" err="1"/>
+                  <a:t>pandas.DataFrame</a:t>
+                </a:r>
+                <a:r>
+                  <a:rPr lang="en-US" baseline="0" dirty="0"/>
+                  <a:t> and slice</a:t>
                 </a:r>
                 <a:endParaRPr lang="en-US" dirty="0"/>
               </a:p>
@@ -1710,6 +1718,29 @@
                 <a:r>
                   <a:rPr lang="en-US" dirty="0"/>
                   <a:t>.</a:t>
+                </a:r>
+              </a:p>
+              <a:p>
+                <a:endParaRPr lang="en-US" dirty="0"/>
+              </a:p>
+              <a:p>
+                <a:r>
+                  <a:rPr lang="en-US" dirty="0"/>
+                  <a:t>Compute the total error </a:t>
+                </a:r>
+                <a14:m>
+                  <m:oMath xmlns:m="http://schemas.openxmlformats.org/officeDocument/2006/math">
+                    <m:r>
+                      <a:rPr lang="en-US" b="0" i="1" smtClean="0">
+                        <a:latin typeface="Cambria Math" panose="02040503050406030204" pitchFamily="18" charset="0"/>
+                      </a:rPr>
+                      <m:t>𝜀</m:t>
+                    </m:r>
+                  </m:oMath>
+                </a14:m>
+                <a:r>
+                  <a:rPr lang="en-US" dirty="0"/>
+                  <a:t> by hand.</a:t>
                 </a:r>
               </a:p>
               <a:p>
@@ -3413,63 +3444,7 @@
               <a:bodyPr/>
               <a:lstStyle/>
               <a:p>
-                <a:r>
-                  <a:rPr lang="en-US" dirty="0"/>
-                  <a:t>How many colors do we see in the image? What do you think each color represents?</a:t>
-                </a:r>
-              </a:p>
-              <a:p>
                 <a:endParaRPr lang="en-US" dirty="0"/>
-              </a:p>
-              <a:p>
-                <a:r>
-                  <a:rPr lang="en-US" dirty="0" err="1"/>
-                  <a:t>ToDo</a:t>
-                </a:r>
-                <a:r>
-                  <a:rPr lang="en-US" dirty="0"/>
-                  <a:t>: Create an interactive plot (charts.js?) with a slider to change the slope </a:t>
-                </a:r>
-                <a14:m>
-                  <m:oMath xmlns:m="http://schemas.openxmlformats.org/officeDocument/2006/math">
-                    <m:r>
-                      <a:rPr lang="en-US" b="0" i="1" smtClean="0">
-                        <a:latin typeface="Cambria Math" panose="02040503050406030204" pitchFamily="18" charset="0"/>
-                      </a:rPr>
-                      <m:t>𝑚</m:t>
-                    </m:r>
-                  </m:oMath>
-                </a14:m>
-                <a:r>
-                  <a:rPr lang="en-US" dirty="0"/>
-                  <a:t> of the line in order to</a:t>
-                </a:r>
-                <a:r>
-                  <a:rPr lang="en-US" baseline="0" dirty="0"/>
-                  <a:t> visualize the error variation with respect to  this </a:t>
-                </a:r>
-                <a:r>
-                  <a:rPr lang="en-US" baseline="0" dirty="0" err="1"/>
-                  <a:t>varaible</a:t>
-                </a:r>
-                <a:r>
-                  <a:rPr lang="en-US" baseline="0" dirty="0"/>
-                  <a:t> </a:t>
-                </a:r>
-                <a14:m>
-                  <m:oMath xmlns:m="http://schemas.openxmlformats.org/officeDocument/2006/math">
-                    <m:r>
-                      <a:rPr lang="en-US" b="0" i="1" baseline="0" smtClean="0">
-                        <a:latin typeface="Cambria Math" panose="02040503050406030204" pitchFamily="18" charset="0"/>
-                      </a:rPr>
-                      <m:t>𝑚</m:t>
-                    </m:r>
-                  </m:oMath>
-                </a14:m>
-                <a:r>
-                  <a:rPr lang="en-US" dirty="0"/>
-                  <a:t>.</a:t>
-                </a:r>
               </a:p>
             </p:txBody>
           </p:sp>
@@ -4025,7 +4000,7 @@
           <a:p>
             <a:fld id="{FE070745-F5EF-4AE3-92EF-0934EDED1862}" type="datetimeFigureOut">
               <a:rPr lang="en-US" smtClean="0"/>
-              <a:t>2/13/2020</a:t>
+              <a:t>3/19/2020</a:t>
             </a:fld>
             <a:endParaRPr lang="en-US"/>
           </a:p>
@@ -4195,7 +4170,7 @@
           <a:p>
             <a:fld id="{FE070745-F5EF-4AE3-92EF-0934EDED1862}" type="datetimeFigureOut">
               <a:rPr lang="en-US" smtClean="0"/>
-              <a:t>2/13/2020</a:t>
+              <a:t>3/19/2020</a:t>
             </a:fld>
             <a:endParaRPr lang="en-US"/>
           </a:p>
@@ -4375,7 +4350,7 @@
           <a:p>
             <a:fld id="{FE070745-F5EF-4AE3-92EF-0934EDED1862}" type="datetimeFigureOut">
               <a:rPr lang="en-US" smtClean="0"/>
-              <a:t>2/13/2020</a:t>
+              <a:t>3/19/2020</a:t>
             </a:fld>
             <a:endParaRPr lang="en-US"/>
           </a:p>
@@ -4545,7 +4520,7 @@
           <a:p>
             <a:fld id="{FE070745-F5EF-4AE3-92EF-0934EDED1862}" type="datetimeFigureOut">
               <a:rPr lang="en-US" smtClean="0"/>
-              <a:t>2/13/2020</a:t>
+              <a:t>3/19/2020</a:t>
             </a:fld>
             <a:endParaRPr lang="en-US"/>
           </a:p>
@@ -4791,7 +4766,7 @@
           <a:p>
             <a:fld id="{FE070745-F5EF-4AE3-92EF-0934EDED1862}" type="datetimeFigureOut">
               <a:rPr lang="en-US" smtClean="0"/>
-              <a:t>2/13/2020</a:t>
+              <a:t>3/19/2020</a:t>
             </a:fld>
             <a:endParaRPr lang="en-US"/>
           </a:p>
@@ -5023,7 +4998,7 @@
           <a:p>
             <a:fld id="{FE070745-F5EF-4AE3-92EF-0934EDED1862}" type="datetimeFigureOut">
               <a:rPr lang="en-US" smtClean="0"/>
-              <a:t>2/13/2020</a:t>
+              <a:t>3/19/2020</a:t>
             </a:fld>
             <a:endParaRPr lang="en-US"/>
           </a:p>
@@ -5390,7 +5365,7 @@
           <a:p>
             <a:fld id="{FE070745-F5EF-4AE3-92EF-0934EDED1862}" type="datetimeFigureOut">
               <a:rPr lang="en-US" smtClean="0"/>
-              <a:t>2/13/2020</a:t>
+              <a:t>3/19/2020</a:t>
             </a:fld>
             <a:endParaRPr lang="en-US"/>
           </a:p>
@@ -5508,7 +5483,7 @@
           <a:p>
             <a:fld id="{FE070745-F5EF-4AE3-92EF-0934EDED1862}" type="datetimeFigureOut">
               <a:rPr lang="en-US" smtClean="0"/>
-              <a:t>2/13/2020</a:t>
+              <a:t>3/19/2020</a:t>
             </a:fld>
             <a:endParaRPr lang="en-US"/>
           </a:p>
@@ -5603,7 +5578,7 @@
           <a:p>
             <a:fld id="{FE070745-F5EF-4AE3-92EF-0934EDED1862}" type="datetimeFigureOut">
               <a:rPr lang="en-US" smtClean="0"/>
-              <a:t>2/13/2020</a:t>
+              <a:t>3/19/2020</a:t>
             </a:fld>
             <a:endParaRPr lang="en-US"/>
           </a:p>
@@ -5880,7 +5855,7 @@
           <a:p>
             <a:fld id="{FE070745-F5EF-4AE3-92EF-0934EDED1862}" type="datetimeFigureOut">
               <a:rPr lang="en-US" smtClean="0"/>
-              <a:t>2/13/2020</a:t>
+              <a:t>3/19/2020</a:t>
             </a:fld>
             <a:endParaRPr lang="en-US"/>
           </a:p>
@@ -6137,7 +6112,7 @@
           <a:p>
             <a:fld id="{FE070745-F5EF-4AE3-92EF-0934EDED1862}" type="datetimeFigureOut">
               <a:rPr lang="en-US" smtClean="0"/>
-              <a:t>2/13/2020</a:t>
+              <a:t>3/19/2020</a:t>
             </a:fld>
             <a:endParaRPr lang="en-US"/>
           </a:p>
@@ -6350,7 +6325,7 @@
           <a:p>
             <a:fld id="{FE070745-F5EF-4AE3-92EF-0934EDED1862}" type="datetimeFigureOut">
               <a:rPr lang="en-US" smtClean="0"/>
-              <a:t>2/13/2020</a:t>
+              <a:t>3/19/2020</a:t>
             </a:fld>
             <a:endParaRPr lang="en-US"/>
           </a:p>
@@ -16777,7 +16752,7 @@
                 </a:solidFill>
                 <a:latin typeface="Consolas" panose="020B0609020204030204" pitchFamily="49" charset="0"/>
               </a:rPr>
-              <a:t>xi = </a:t>
+              <a:t>xi=</a:t>
             </a:r>
             <a:r>
               <a:rPr lang="en-US" sz="2400" dirty="0" err="1">
@@ -16893,7 +16868,7 @@
                 </a:solidFill>
                 <a:latin typeface="Consolas" panose="020B0609020204030204" pitchFamily="49" charset="0"/>
               </a:rPr>
-              <a:t> = </a:t>
+              <a:t>=</a:t>
             </a:r>
             <a:r>
               <a:rPr lang="en-US" sz="2400" dirty="0" err="1">
@@ -16958,7 +16933,7 @@
                 </a:solidFill>
                 <a:latin typeface="Consolas" panose="020B0609020204030204" pitchFamily="49" charset="0"/>
               </a:rPr>
-              <a:t>theta = sum(xi * </a:t>
+              <a:t>theta=sum(xi*</a:t>
             </a:r>
             <a:r>
               <a:rPr lang="en-US" sz="2400" dirty="0" err="1">
@@ -16976,7 +16951,7 @@
                 </a:solidFill>
                 <a:latin typeface="Consolas" panose="020B0609020204030204" pitchFamily="49" charset="0"/>
               </a:rPr>
-              <a:t>) / sum(xi**</a:t>
+              <a:t>)/sum(xi**</a:t>
             </a:r>
             <a:r>
               <a:rPr lang="en-US" sz="2400" dirty="0">
@@ -17060,7 +17035,7 @@
                 </a:solidFill>
                 <a:latin typeface="Consolas" panose="020B0609020204030204" pitchFamily="49" charset="0"/>
               </a:rPr>
-              <a:t>x = </a:t>
+              <a:t>x=</a:t>
             </a:r>
             <a:r>
               <a:rPr lang="en-US" sz="2400" dirty="0" err="1">
@@ -17078,7 +17053,7 @@
                 </a:solidFill>
                 <a:latin typeface="Consolas" panose="020B0609020204030204" pitchFamily="49" charset="0"/>
               </a:rPr>
-              <a:t>(min(xi), max(xi), num = </a:t>
+              <a:t>(min(xi),max(xi),num=</a:t>
             </a:r>
             <a:r>
               <a:rPr lang="en-US" sz="2400" dirty="0">
@@ -17090,13 +17065,22 @@
               <a:t>5</a:t>
             </a:r>
             <a:r>
+              <a:rPr lang="en-US" sz="2400">
+                <a:solidFill>
+                  <a:srgbClr val="D4D4D4"/>
+                </a:solidFill>
+                <a:latin typeface="Consolas" panose="020B0609020204030204" pitchFamily="49" charset="0"/>
+              </a:rPr>
+              <a:t>) y=theta</a:t>
+            </a:r>
+            <a:r>
               <a:rPr lang="en-US" sz="2400" dirty="0">
                 <a:solidFill>
                   <a:srgbClr val="D4D4D4"/>
                 </a:solidFill>
                 <a:latin typeface="Consolas" panose="020B0609020204030204" pitchFamily="49" charset="0"/>
               </a:rPr>
-              <a:t>) y = theta * x</a:t>
+              <a:t>*x</a:t>
             </a:r>
           </a:p>
           <a:p>
@@ -22539,8 +22523,8 @@
           </a:prstGeom>
         </p:spPr>
       </p:pic>
-      <mc:AlternateContent xmlns:mc="http://schemas.openxmlformats.org/markup-compatibility/2006">
-        <mc:Choice xmlns:a14="http://schemas.microsoft.com/office/drawing/2010/main" Requires="a14">
+      <mc:AlternateContent xmlns:mc="http://schemas.openxmlformats.org/markup-compatibility/2006" xmlns:a14="http://schemas.microsoft.com/office/drawing/2010/main">
+        <mc:Choice Requires="a14">
           <p:sp>
             <p:nvSpPr>
               <p:cNvPr id="4" name="TextBox 3">
@@ -22670,7 +22654,7 @@
             </p:txBody>
           </p:sp>
         </mc:Choice>
-        <mc:Fallback>
+        <mc:Fallback xmlns="">
           <p:sp>
             <p:nvSpPr>
               <p:cNvPr id="4" name="TextBox 3">
@@ -22907,8 +22891,8 @@
           </a:p>
         </p:txBody>
       </p:sp>
-      <mc:AlternateContent xmlns:mc="http://schemas.openxmlformats.org/markup-compatibility/2006">
-        <mc:Choice xmlns:a14="http://schemas.microsoft.com/office/drawing/2010/main" Requires="a14">
+      <mc:AlternateContent xmlns:mc="http://schemas.openxmlformats.org/markup-compatibility/2006" xmlns:a14="http://schemas.microsoft.com/office/drawing/2010/main">
+        <mc:Choice Requires="a14">
           <p:sp>
             <p:nvSpPr>
               <p:cNvPr id="9" name="TextBox 8">
@@ -23001,7 +22985,7 @@
             </p:txBody>
           </p:sp>
         </mc:Choice>
-        <mc:Fallback>
+        <mc:Fallback xmlns="">
           <p:sp>
             <p:nvSpPr>
               <p:cNvPr id="9" name="TextBox 8">
@@ -25391,8 +25375,8 @@
           </p:sp>
         </mc:Fallback>
       </mc:AlternateContent>
-      <mc:AlternateContent xmlns:mc="http://schemas.openxmlformats.org/markup-compatibility/2006" xmlns:a14="http://schemas.microsoft.com/office/drawing/2010/main">
-        <mc:Choice Requires="a14">
+      <mc:AlternateContent xmlns:mc="http://schemas.openxmlformats.org/markup-compatibility/2006">
+        <mc:Choice xmlns:a14="http://schemas.microsoft.com/office/drawing/2010/main" Requires="a14">
           <p:sp>
             <p:nvSpPr>
               <p:cNvPr id="18" name="TextBox 17">
@@ -25408,7 +25392,7 @@
             <p:spPr>
               <a:xfrm>
                 <a:off x="6093206" y="3931211"/>
-                <a:ext cx="802464" cy="369332"/>
+                <a:ext cx="871392" cy="369332"/>
               </a:xfrm>
               <a:prstGeom prst="rect">
                 <a:avLst/>
@@ -25449,13 +25433,13 @@
                       <a:srgbClr val="0070C0"/>
                     </a:solidFill>
                   </a:rPr>
-                  <a:t>10</a:t>
+                  <a:t> 10</a:t>
                 </a:r>
               </a:p>
             </p:txBody>
           </p:sp>
         </mc:Choice>
-        <mc:Fallback xmlns="">
+        <mc:Fallback>
           <p:sp>
             <p:nvSpPr>
               <p:cNvPr id="18" name="TextBox 17">
@@ -25473,7 +25457,7 @@
             <p:spPr>
               <a:xfrm>
                 <a:off x="6093206" y="3931211"/>
-                <a:ext cx="802464" cy="369332"/>
+                <a:ext cx="871392" cy="369332"/>
               </a:xfrm>
               <a:prstGeom prst="rect">
                 <a:avLst/>
@@ -25481,7 +25465,7 @@
               <a:blipFill>
                 <a:blip r:embed="rId9"/>
                 <a:stretch>
-                  <a:fillRect l="-13740" t="-26667" r="-22137" b="-50000"/>
+                  <a:fillRect l="-12676" t="-26667" r="-20423" b="-50000"/>
                 </a:stretch>
               </a:blipFill>
             </p:spPr>
@@ -27309,8 +27293,8 @@
           </p:sp>
         </mc:Fallback>
       </mc:AlternateContent>
-      <mc:AlternateContent xmlns:mc="http://schemas.openxmlformats.org/markup-compatibility/2006" xmlns:a14="http://schemas.microsoft.com/office/drawing/2010/main">
-        <mc:Choice Requires="a14">
+      <mc:AlternateContent xmlns:mc="http://schemas.openxmlformats.org/markup-compatibility/2006">
+        <mc:Choice xmlns:a14="http://schemas.microsoft.com/office/drawing/2010/main" Requires="a14">
           <p:sp>
             <p:nvSpPr>
               <p:cNvPr id="22" name="TextBox 21">
@@ -27326,7 +27310,7 @@
             <p:spPr>
               <a:xfrm>
                 <a:off x="6093206" y="3931211"/>
-                <a:ext cx="802464" cy="369332"/>
+                <a:ext cx="871392" cy="369332"/>
               </a:xfrm>
               <a:prstGeom prst="rect">
                 <a:avLst/>
@@ -27367,13 +27351,13 @@
                       <a:srgbClr val="0070C0"/>
                     </a:solidFill>
                   </a:rPr>
-                  <a:t>10</a:t>
+                  <a:t> 10</a:t>
                 </a:r>
               </a:p>
             </p:txBody>
           </p:sp>
         </mc:Choice>
-        <mc:Fallback xmlns="">
+        <mc:Fallback>
           <p:sp>
             <p:nvSpPr>
               <p:cNvPr id="22" name="TextBox 21">
@@ -27391,7 +27375,7 @@
             <p:spPr>
               <a:xfrm>
                 <a:off x="6093206" y="3931211"/>
-                <a:ext cx="802464" cy="369332"/>
+                <a:ext cx="871392" cy="369332"/>
               </a:xfrm>
               <a:prstGeom prst="rect">
                 <a:avLst/>
@@ -27399,7 +27383,7 @@
               <a:blipFill>
                 <a:blip r:embed="rId9"/>
                 <a:stretch>
-                  <a:fillRect l="-13740" t="-26667" r="-22137" b="-50000"/>
+                  <a:fillRect l="-12676" t="-26667" r="-20423" b="-50000"/>
                 </a:stretch>
               </a:blipFill>
             </p:spPr>

--- a/slides/02_ML_Linear_modelsA.pptx
+++ b/slides/02_ML_Linear_modelsA.pptx
@@ -229,7 +229,7 @@
           <a:p>
             <a:fld id="{83A43D8E-262F-43F1-B0CF-97ED6AAA9912}" type="datetimeFigureOut">
               <a:rPr lang="en-US" smtClean="0"/>
-              <a:t>3/19/2020</a:t>
+              <a:t>3/21/2020</a:t>
             </a:fld>
             <a:endParaRPr lang="en-US"/>
           </a:p>
@@ -406,7 +406,7 @@
           <a:p>
             <a:fld id="{03B42920-386F-4187-8314-27C56E157030}" type="datetimeFigureOut">
               <a:rPr lang="en-US" smtClean="0"/>
-              <a:t>3/19/2020</a:t>
+              <a:t>3/21/2020</a:t>
             </a:fld>
             <a:endParaRPr lang="en-US"/>
           </a:p>
@@ -1740,7 +1740,7 @@
                 </a14:m>
                 <a:r>
                   <a:rPr lang="en-US" dirty="0"/>
-                  <a:t> by hand.</a:t>
+                  <a:t> first by hand., then, using Numpy</a:t>
                 </a:r>
               </a:p>
               <a:p>
@@ -4000,7 +4000,7 @@
           <a:p>
             <a:fld id="{FE070745-F5EF-4AE3-92EF-0934EDED1862}" type="datetimeFigureOut">
               <a:rPr lang="en-US" smtClean="0"/>
-              <a:t>3/19/2020</a:t>
+              <a:t>3/21/2020</a:t>
             </a:fld>
             <a:endParaRPr lang="en-US"/>
           </a:p>
@@ -4170,7 +4170,7 @@
           <a:p>
             <a:fld id="{FE070745-F5EF-4AE3-92EF-0934EDED1862}" type="datetimeFigureOut">
               <a:rPr lang="en-US" smtClean="0"/>
-              <a:t>3/19/2020</a:t>
+              <a:t>3/21/2020</a:t>
             </a:fld>
             <a:endParaRPr lang="en-US"/>
           </a:p>
@@ -4350,7 +4350,7 @@
           <a:p>
             <a:fld id="{FE070745-F5EF-4AE3-92EF-0934EDED1862}" type="datetimeFigureOut">
               <a:rPr lang="en-US" smtClean="0"/>
-              <a:t>3/19/2020</a:t>
+              <a:t>3/21/2020</a:t>
             </a:fld>
             <a:endParaRPr lang="en-US"/>
           </a:p>
@@ -4520,7 +4520,7 @@
           <a:p>
             <a:fld id="{FE070745-F5EF-4AE3-92EF-0934EDED1862}" type="datetimeFigureOut">
               <a:rPr lang="en-US" smtClean="0"/>
-              <a:t>3/19/2020</a:t>
+              <a:t>3/21/2020</a:t>
             </a:fld>
             <a:endParaRPr lang="en-US"/>
           </a:p>
@@ -4766,7 +4766,7 @@
           <a:p>
             <a:fld id="{FE070745-F5EF-4AE3-92EF-0934EDED1862}" type="datetimeFigureOut">
               <a:rPr lang="en-US" smtClean="0"/>
-              <a:t>3/19/2020</a:t>
+              <a:t>3/21/2020</a:t>
             </a:fld>
             <a:endParaRPr lang="en-US"/>
           </a:p>
@@ -4998,7 +4998,7 @@
           <a:p>
             <a:fld id="{FE070745-F5EF-4AE3-92EF-0934EDED1862}" type="datetimeFigureOut">
               <a:rPr lang="en-US" smtClean="0"/>
-              <a:t>3/19/2020</a:t>
+              <a:t>3/21/2020</a:t>
             </a:fld>
             <a:endParaRPr lang="en-US"/>
           </a:p>
@@ -5365,7 +5365,7 @@
           <a:p>
             <a:fld id="{FE070745-F5EF-4AE3-92EF-0934EDED1862}" type="datetimeFigureOut">
               <a:rPr lang="en-US" smtClean="0"/>
-              <a:t>3/19/2020</a:t>
+              <a:t>3/21/2020</a:t>
             </a:fld>
             <a:endParaRPr lang="en-US"/>
           </a:p>
@@ -5483,7 +5483,7 @@
           <a:p>
             <a:fld id="{FE070745-F5EF-4AE3-92EF-0934EDED1862}" type="datetimeFigureOut">
               <a:rPr lang="en-US" smtClean="0"/>
-              <a:t>3/19/2020</a:t>
+              <a:t>3/21/2020</a:t>
             </a:fld>
             <a:endParaRPr lang="en-US"/>
           </a:p>
@@ -5578,7 +5578,7 @@
           <a:p>
             <a:fld id="{FE070745-F5EF-4AE3-92EF-0934EDED1862}" type="datetimeFigureOut">
               <a:rPr lang="en-US" smtClean="0"/>
-              <a:t>3/19/2020</a:t>
+              <a:t>3/21/2020</a:t>
             </a:fld>
             <a:endParaRPr lang="en-US"/>
           </a:p>
@@ -5855,7 +5855,7 @@
           <a:p>
             <a:fld id="{FE070745-F5EF-4AE3-92EF-0934EDED1862}" type="datetimeFigureOut">
               <a:rPr lang="en-US" smtClean="0"/>
-              <a:t>3/19/2020</a:t>
+              <a:t>3/21/2020</a:t>
             </a:fld>
             <a:endParaRPr lang="en-US"/>
           </a:p>
@@ -6112,7 +6112,7 @@
           <a:p>
             <a:fld id="{FE070745-F5EF-4AE3-92EF-0934EDED1862}" type="datetimeFigureOut">
               <a:rPr lang="en-US" smtClean="0"/>
-              <a:t>3/19/2020</a:t>
+              <a:t>3/21/2020</a:t>
             </a:fld>
             <a:endParaRPr lang="en-US"/>
           </a:p>
@@ -6325,7 +6325,7 @@
           <a:p>
             <a:fld id="{FE070745-F5EF-4AE3-92EF-0934EDED1862}" type="datetimeFigureOut">
               <a:rPr lang="en-US" smtClean="0"/>
-              <a:t>3/19/2020</a:t>
+              <a:t>3/21/2020</a:t>
             </a:fld>
             <a:endParaRPr lang="en-US"/>
           </a:p>
@@ -25375,8 +25375,8 @@
           </p:sp>
         </mc:Fallback>
       </mc:AlternateContent>
-      <mc:AlternateContent xmlns:mc="http://schemas.openxmlformats.org/markup-compatibility/2006">
-        <mc:Choice xmlns:a14="http://schemas.microsoft.com/office/drawing/2010/main" Requires="a14">
+      <mc:AlternateContent xmlns:mc="http://schemas.openxmlformats.org/markup-compatibility/2006" xmlns:a14="http://schemas.microsoft.com/office/drawing/2010/main">
+        <mc:Choice Requires="a14">
           <p:sp>
             <p:nvSpPr>
               <p:cNvPr id="18" name="TextBox 17">
@@ -25439,7 +25439,7 @@
             </p:txBody>
           </p:sp>
         </mc:Choice>
-        <mc:Fallback>
+        <mc:Fallback xmlns="">
           <p:sp>
             <p:nvSpPr>
               <p:cNvPr id="18" name="TextBox 17">
@@ -27293,8 +27293,8 @@
           </p:sp>
         </mc:Fallback>
       </mc:AlternateContent>
-      <mc:AlternateContent xmlns:mc="http://schemas.openxmlformats.org/markup-compatibility/2006">
-        <mc:Choice xmlns:a14="http://schemas.microsoft.com/office/drawing/2010/main" Requires="a14">
+      <mc:AlternateContent xmlns:mc="http://schemas.openxmlformats.org/markup-compatibility/2006" xmlns:a14="http://schemas.microsoft.com/office/drawing/2010/main">
+        <mc:Choice Requires="a14">
           <p:sp>
             <p:nvSpPr>
               <p:cNvPr id="22" name="TextBox 21">
@@ -27357,7 +27357,7 @@
             </p:txBody>
           </p:sp>
         </mc:Choice>
-        <mc:Fallback>
+        <mc:Fallback xmlns="">
           <p:sp>
             <p:nvSpPr>
               <p:cNvPr id="22" name="TextBox 21">

--- a/slides/02_ML_Linear_modelsA.pptx
+++ b/slides/02_ML_Linear_modelsA.pptx
@@ -5,10 +5,10 @@
     <p:sldMasterId id="2147483673" r:id="rId1"/>
   </p:sldMasterIdLst>
   <p:notesMasterIdLst>
-    <p:notesMasterId r:id="rId20"/>
+    <p:notesMasterId r:id="rId21"/>
   </p:notesMasterIdLst>
   <p:handoutMasterIdLst>
-    <p:handoutMasterId r:id="rId21"/>
+    <p:handoutMasterId r:id="rId22"/>
   </p:handoutMasterIdLst>
   <p:sldIdLst>
     <p:sldId id="365" r:id="rId2"/>
@@ -21,14 +21,15 @@
     <p:sldId id="396" r:id="rId9"/>
     <p:sldId id="402" r:id="rId10"/>
     <p:sldId id="406" r:id="rId11"/>
-    <p:sldId id="407" r:id="rId12"/>
-    <p:sldId id="409" r:id="rId13"/>
-    <p:sldId id="408" r:id="rId14"/>
-    <p:sldId id="404" r:id="rId15"/>
-    <p:sldId id="405" r:id="rId16"/>
-    <p:sldId id="411" r:id="rId17"/>
-    <p:sldId id="410" r:id="rId18"/>
-    <p:sldId id="385" r:id="rId19"/>
+    <p:sldId id="412" r:id="rId12"/>
+    <p:sldId id="407" r:id="rId13"/>
+    <p:sldId id="409" r:id="rId14"/>
+    <p:sldId id="408" r:id="rId15"/>
+    <p:sldId id="404" r:id="rId16"/>
+    <p:sldId id="405" r:id="rId17"/>
+    <p:sldId id="411" r:id="rId18"/>
+    <p:sldId id="410" r:id="rId19"/>
+    <p:sldId id="385" r:id="rId20"/>
   </p:sldIdLst>
   <p:sldSz cx="12192000" cy="6858000"/>
   <p:notesSz cx="9144000" cy="6858000"/>
@@ -229,7 +230,7 @@
           <a:p>
             <a:fld id="{83A43D8E-262F-43F1-B0CF-97ED6AAA9912}" type="datetimeFigureOut">
               <a:rPr lang="en-US" smtClean="0"/>
-              <a:t>3/21/2020</a:t>
+              <a:t>4/30/2020</a:t>
             </a:fld>
             <a:endParaRPr lang="en-US"/>
           </a:p>
@@ -406,7 +407,7 @@
           <a:p>
             <a:fld id="{03B42920-386F-4187-8314-27C56E157030}" type="datetimeFigureOut">
               <a:rPr lang="en-US" smtClean="0"/>
-              <a:t>3/21/2020</a:t>
+              <a:t>4/29/2020</a:t>
             </a:fld>
             <a:endParaRPr lang="en-US"/>
           </a:p>
@@ -937,6 +938,93 @@
         </p:nvSpPr>
         <p:spPr/>
       </p:sp>
+      <p:sp>
+        <p:nvSpPr>
+          <p:cNvPr id="3" name="Notes Placeholder 2"/>
+          <p:cNvSpPr>
+            <a:spLocks noGrp="1"/>
+          </p:cNvSpPr>
+          <p:nvPr>
+            <p:ph type="body" idx="1"/>
+          </p:nvPr>
+        </p:nvSpPr>
+        <p:spPr/>
+        <p:txBody>
+          <a:bodyPr/>
+          <a:lstStyle/>
+          <a:p>
+            <a:r>
+              <a:rPr lang="en-US" dirty="0"/>
+              <a:t>Error = cost function = loss function. This notation is used in Deep learning</a:t>
+            </a:r>
+          </a:p>
+        </p:txBody>
+      </p:sp>
+      <p:sp>
+        <p:nvSpPr>
+          <p:cNvPr id="4" name="Slide Number Placeholder 3"/>
+          <p:cNvSpPr>
+            <a:spLocks noGrp="1"/>
+          </p:cNvSpPr>
+          <p:nvPr>
+            <p:ph type="sldNum" sz="quarter" idx="5"/>
+          </p:nvPr>
+        </p:nvSpPr>
+        <p:spPr/>
+        <p:txBody>
+          <a:bodyPr/>
+          <a:lstStyle/>
+          <a:p>
+            <a:fld id="{4C9AD59C-94C8-4AAB-AEDF-FDE77349626C}" type="slidenum">
+              <a:rPr lang="en-US" smtClean="0"/>
+              <a:t>11</a:t>
+            </a:fld>
+            <a:endParaRPr lang="en-US"/>
+          </a:p>
+        </p:txBody>
+      </p:sp>
+    </p:spTree>
+    <p:extLst>
+      <p:ext uri="{BB962C8B-B14F-4D97-AF65-F5344CB8AC3E}">
+        <p14:creationId xmlns:p14="http://schemas.microsoft.com/office/powerpoint/2010/main" val="3040100846"/>
+      </p:ext>
+    </p:extLst>
+  </p:cSld>
+  <p:clrMapOvr>
+    <a:masterClrMapping/>
+  </p:clrMapOvr>
+</p:notes>
+</file>
+
+<file path=ppt/notesSlides/notesSlide11.xml><?xml version="1.0" encoding="utf-8"?>
+<p:notes xmlns:a="http://schemas.openxmlformats.org/drawingml/2006/main" xmlns:r="http://schemas.openxmlformats.org/officeDocument/2006/relationships" xmlns:p="http://schemas.openxmlformats.org/presentationml/2006/main">
+  <p:cSld>
+    <p:spTree>
+      <p:nvGrpSpPr>
+        <p:cNvPr id="1" name=""/>
+        <p:cNvGrpSpPr/>
+        <p:nvPr/>
+      </p:nvGrpSpPr>
+      <p:grpSpPr>
+        <a:xfrm>
+          <a:off x="0" y="0"/>
+          <a:ext cx="0" cy="0"/>
+          <a:chOff x="0" y="0"/>
+          <a:chExt cx="0" cy="0"/>
+        </a:xfrm>
+      </p:grpSpPr>
+      <p:sp>
+        <p:nvSpPr>
+          <p:cNvPr id="2" name="Slide Image Placeholder 1"/>
+          <p:cNvSpPr>
+            <a:spLocks noGrp="1" noRot="1" noChangeAspect="1"/>
+          </p:cNvSpPr>
+          <p:nvPr>
+            <p:ph type="sldImg"/>
+          </p:nvPr>
+        </p:nvSpPr>
+        <p:spPr/>
+      </p:sp>
       <mc:AlternateContent xmlns:mc="http://schemas.openxmlformats.org/markup-compatibility/2006" xmlns:a14="http://schemas.microsoft.com/office/drawing/2010/main">
         <mc:Choice Requires="a14">
           <p:sp>
@@ -1046,7 +1134,7 @@
           <a:p>
             <a:fld id="{4C9AD59C-94C8-4AAB-AEDF-FDE77349626C}" type="slidenum">
               <a:rPr lang="en-US" smtClean="0"/>
-              <a:t>11</a:t>
+              <a:t>12</a:t>
             </a:fld>
             <a:endParaRPr lang="en-US"/>
           </a:p>
@@ -1065,7 +1153,7 @@
 </p:notes>
 </file>
 
-<file path=ppt/notesSlides/notesSlide11.xml><?xml version="1.0" encoding="utf-8"?>
+<file path=ppt/notesSlides/notesSlide12.xml><?xml version="1.0" encoding="utf-8"?>
 <p:notes xmlns:a="http://schemas.openxmlformats.org/drawingml/2006/main" xmlns:r="http://schemas.openxmlformats.org/officeDocument/2006/relationships" xmlns:p="http://schemas.openxmlformats.org/presentationml/2006/main">
   <p:cSld>
     <p:spTree>
@@ -1438,7 +1526,7 @@
           <a:p>
             <a:fld id="{4C9AD59C-94C8-4AAB-AEDF-FDE77349626C}" type="slidenum">
               <a:rPr lang="en-US" smtClean="0"/>
-              <a:t>12</a:t>
+              <a:t>13</a:t>
             </a:fld>
             <a:endParaRPr lang="en-US"/>
           </a:p>
@@ -1457,7 +1545,7 @@
 </p:notes>
 </file>
 
-<file path=ppt/notesSlides/notesSlide12.xml><?xml version="1.0" encoding="utf-8"?>
+<file path=ppt/notesSlides/notesSlide13.xml><?xml version="1.0" encoding="utf-8"?>
 <p:notes xmlns:a="http://schemas.openxmlformats.org/drawingml/2006/main" xmlns:r="http://schemas.openxmlformats.org/officeDocument/2006/relationships" xmlns:p="http://schemas.openxmlformats.org/presentationml/2006/main">
   <p:cSld>
     <p:spTree>
@@ -1595,7 +1683,7 @@
           <a:p>
             <a:fld id="{4C9AD59C-94C8-4AAB-AEDF-FDE77349626C}" type="slidenum">
               <a:rPr lang="en-US" smtClean="0"/>
-              <a:t>13</a:t>
+              <a:t>14</a:t>
             </a:fld>
             <a:endParaRPr lang="en-US"/>
           </a:p>
@@ -1614,7 +1702,7 @@
 </p:notes>
 </file>
 
-<file path=ppt/notesSlides/notesSlide13.xml><?xml version="1.0" encoding="utf-8"?>
+<file path=ppt/notesSlides/notesSlide14.xml><?xml version="1.0" encoding="utf-8"?>
 <p:notes xmlns:a="http://schemas.openxmlformats.org/drawingml/2006/main" xmlns:r="http://schemas.openxmlformats.org/officeDocument/2006/relationships" xmlns:p="http://schemas.openxmlformats.org/presentationml/2006/main">
   <p:cSld>
     <p:spTree>
@@ -1889,7 +1977,7 @@
           <a:p>
             <a:fld id="{4C9AD59C-94C8-4AAB-AEDF-FDE77349626C}" type="slidenum">
               <a:rPr lang="en-US" smtClean="0"/>
-              <a:t>14</a:t>
+              <a:t>15</a:t>
             </a:fld>
             <a:endParaRPr lang="en-US"/>
           </a:p>
@@ -1899,166 +1987,6 @@
     <p:extLst>
       <p:ext uri="{BB962C8B-B14F-4D97-AF65-F5344CB8AC3E}">
         <p14:creationId xmlns:p14="http://schemas.microsoft.com/office/powerpoint/2010/main" val="1567902101"/>
-      </p:ext>
-    </p:extLst>
-  </p:cSld>
-  <p:clrMapOvr>
-    <a:masterClrMapping/>
-  </p:clrMapOvr>
-</p:notes>
-</file>
-
-<file path=ppt/notesSlides/notesSlide14.xml><?xml version="1.0" encoding="utf-8"?>
-<p:notes xmlns:a="http://schemas.openxmlformats.org/drawingml/2006/main" xmlns:r="http://schemas.openxmlformats.org/officeDocument/2006/relationships" xmlns:p="http://schemas.openxmlformats.org/presentationml/2006/main">
-  <p:cSld>
-    <p:spTree>
-      <p:nvGrpSpPr>
-        <p:cNvPr id="1" name=""/>
-        <p:cNvGrpSpPr/>
-        <p:nvPr/>
-      </p:nvGrpSpPr>
-      <p:grpSpPr>
-        <a:xfrm>
-          <a:off x="0" y="0"/>
-          <a:ext cx="0" cy="0"/>
-          <a:chOff x="0" y="0"/>
-          <a:chExt cx="0" cy="0"/>
-        </a:xfrm>
-      </p:grpSpPr>
-      <p:sp>
-        <p:nvSpPr>
-          <p:cNvPr id="2" name="Slide Image Placeholder 1"/>
-          <p:cNvSpPr>
-            <a:spLocks noGrp="1" noRot="1" noChangeAspect="1"/>
-          </p:cNvSpPr>
-          <p:nvPr>
-            <p:ph type="sldImg"/>
-          </p:nvPr>
-        </p:nvSpPr>
-        <p:spPr/>
-      </p:sp>
-      <mc:AlternateContent xmlns:mc="http://schemas.openxmlformats.org/markup-compatibility/2006" xmlns:a14="http://schemas.microsoft.com/office/drawing/2010/main">
-        <mc:Choice Requires="a14">
-          <p:sp>
-            <p:nvSpPr>
-              <p:cNvPr id="3" name="Notes Placeholder 2"/>
-              <p:cNvSpPr>
-                <a:spLocks noGrp="1"/>
-              </p:cNvSpPr>
-              <p:nvPr>
-                <p:ph type="body" idx="1"/>
-              </p:nvPr>
-            </p:nvSpPr>
-            <p:spPr/>
-            <p:txBody>
-              <a:bodyPr/>
-              <a:lstStyle/>
-              <a:p>
-                <a:r>
-                  <a:rPr lang="en-US" dirty="0"/>
-                  <a:t>Why matrix form is important? Because it makes notations easier, it helps to abstract up theory, it’s the preferred way to compute since there is compiler speed up for vectorized form, in contrast to (for) loops.</a:t>
-                </a:r>
-              </a:p>
-            </p:txBody>
-          </p:sp>
-        </mc:Choice>
-        <mc:Fallback xmlns="">
-          <p:sp>
-            <p:nvSpPr>
-              <p:cNvPr id="3" name="Notes Placeholder 2"/>
-              <p:cNvSpPr>
-                <a:spLocks noGrp="1"/>
-              </p:cNvSpPr>
-              <p:nvPr>
-                <p:ph type="body" idx="1"/>
-              </p:nvPr>
-            </p:nvSpPr>
-            <p:spPr/>
-            <p:txBody>
-              <a:bodyPr/>
-              <a:lstStyle/>
-              <a:p>
-                <a:r>
-                  <a:rPr lang="en-US" dirty="0"/>
-                  <a:t>How many colors do we see in the image? What do you think each color represents?</a:t>
-                </a:r>
-              </a:p>
-              <a:p>
-                <a:endParaRPr lang="en-US" dirty="0"/>
-              </a:p>
-              <a:p>
-                <a:r>
-                  <a:rPr lang="en-US" dirty="0" err="1"/>
-                  <a:t>ToDo</a:t>
-                </a:r>
-                <a:r>
-                  <a:rPr lang="en-US" dirty="0"/>
-                  <a:t>: Create an interactive plot (charts.js?) with a slider to change the slope </a:t>
-                </a:r>
-                <a:r>
-                  <a:rPr lang="en-US" b="0" i="0">
-                    <a:latin typeface="Cambria Math" panose="02040503050406030204" pitchFamily="18" charset="0"/>
-                  </a:rPr>
-                  <a:t>𝑚</a:t>
-                </a:r>
-                <a:r>
-                  <a:rPr lang="en-US" dirty="0"/>
-                  <a:t> of the line in order to</a:t>
-                </a:r>
-                <a:r>
-                  <a:rPr lang="en-US" baseline="0" dirty="0"/>
-                  <a:t> visualize the error variation with respect to  this </a:t>
-                </a:r>
-                <a:r>
-                  <a:rPr lang="en-US" baseline="0" dirty="0" err="1"/>
-                  <a:t>varaible</a:t>
-                </a:r>
-                <a:r>
-                  <a:rPr lang="en-US" baseline="0" dirty="0"/>
-                  <a:t> </a:t>
-                </a:r>
-                <a:r>
-                  <a:rPr lang="en-US" b="0" i="0" baseline="0">
-                    <a:latin typeface="Cambria Math" panose="02040503050406030204" pitchFamily="18" charset="0"/>
-                  </a:rPr>
-                  <a:t>𝑚</a:t>
-                </a:r>
-                <a:r>
-                  <a:rPr lang="en-US" dirty="0"/>
-                  <a:t>.</a:t>
-                </a:r>
-              </a:p>
-            </p:txBody>
-          </p:sp>
-        </mc:Fallback>
-      </mc:AlternateContent>
-      <p:sp>
-        <p:nvSpPr>
-          <p:cNvPr id="4" name="Slide Number Placeholder 3"/>
-          <p:cNvSpPr>
-            <a:spLocks noGrp="1"/>
-          </p:cNvSpPr>
-          <p:nvPr>
-            <p:ph type="sldNum" sz="quarter" idx="5"/>
-          </p:nvPr>
-        </p:nvSpPr>
-        <p:spPr/>
-        <p:txBody>
-          <a:bodyPr/>
-          <a:lstStyle/>
-          <a:p>
-            <a:fld id="{4C9AD59C-94C8-4AAB-AEDF-FDE77349626C}" type="slidenum">
-              <a:rPr lang="en-US" smtClean="0"/>
-              <a:t>15</a:t>
-            </a:fld>
-            <a:endParaRPr lang="en-US"/>
-          </a:p>
-        </p:txBody>
-      </p:sp>
-    </p:spTree>
-    <p:extLst>
-      <p:ext uri="{BB962C8B-B14F-4D97-AF65-F5344CB8AC3E}">
-        <p14:creationId xmlns:p14="http://schemas.microsoft.com/office/powerpoint/2010/main" val="1475533518"/>
       </p:ext>
     </p:extLst>
   </p:cSld>
@@ -2218,7 +2146,7 @@
     </p:spTree>
     <p:extLst>
       <p:ext uri="{BB962C8B-B14F-4D97-AF65-F5344CB8AC3E}">
-        <p14:creationId xmlns:p14="http://schemas.microsoft.com/office/powerpoint/2010/main" val="1319138010"/>
+        <p14:creationId xmlns:p14="http://schemas.microsoft.com/office/powerpoint/2010/main" val="1475533518"/>
       </p:ext>
     </p:extLst>
   </p:cSld>
@@ -2370,6 +2298,166 @@
             <a:fld id="{4C9AD59C-94C8-4AAB-AEDF-FDE77349626C}" type="slidenum">
               <a:rPr lang="en-US" smtClean="0"/>
               <a:t>17</a:t>
+            </a:fld>
+            <a:endParaRPr lang="en-US"/>
+          </a:p>
+        </p:txBody>
+      </p:sp>
+    </p:spTree>
+    <p:extLst>
+      <p:ext uri="{BB962C8B-B14F-4D97-AF65-F5344CB8AC3E}">
+        <p14:creationId xmlns:p14="http://schemas.microsoft.com/office/powerpoint/2010/main" val="1319138010"/>
+      </p:ext>
+    </p:extLst>
+  </p:cSld>
+  <p:clrMapOvr>
+    <a:masterClrMapping/>
+  </p:clrMapOvr>
+</p:notes>
+</file>
+
+<file path=ppt/notesSlides/notesSlide17.xml><?xml version="1.0" encoding="utf-8"?>
+<p:notes xmlns:a="http://schemas.openxmlformats.org/drawingml/2006/main" xmlns:r="http://schemas.openxmlformats.org/officeDocument/2006/relationships" xmlns:p="http://schemas.openxmlformats.org/presentationml/2006/main">
+  <p:cSld>
+    <p:spTree>
+      <p:nvGrpSpPr>
+        <p:cNvPr id="1" name=""/>
+        <p:cNvGrpSpPr/>
+        <p:nvPr/>
+      </p:nvGrpSpPr>
+      <p:grpSpPr>
+        <a:xfrm>
+          <a:off x="0" y="0"/>
+          <a:ext cx="0" cy="0"/>
+          <a:chOff x="0" y="0"/>
+          <a:chExt cx="0" cy="0"/>
+        </a:xfrm>
+      </p:grpSpPr>
+      <p:sp>
+        <p:nvSpPr>
+          <p:cNvPr id="2" name="Slide Image Placeholder 1"/>
+          <p:cNvSpPr>
+            <a:spLocks noGrp="1" noRot="1" noChangeAspect="1"/>
+          </p:cNvSpPr>
+          <p:nvPr>
+            <p:ph type="sldImg"/>
+          </p:nvPr>
+        </p:nvSpPr>
+        <p:spPr/>
+      </p:sp>
+      <mc:AlternateContent xmlns:mc="http://schemas.openxmlformats.org/markup-compatibility/2006" xmlns:a14="http://schemas.microsoft.com/office/drawing/2010/main">
+        <mc:Choice Requires="a14">
+          <p:sp>
+            <p:nvSpPr>
+              <p:cNvPr id="3" name="Notes Placeholder 2"/>
+              <p:cNvSpPr>
+                <a:spLocks noGrp="1"/>
+              </p:cNvSpPr>
+              <p:nvPr>
+                <p:ph type="body" idx="1"/>
+              </p:nvPr>
+            </p:nvSpPr>
+            <p:spPr/>
+            <p:txBody>
+              <a:bodyPr/>
+              <a:lstStyle/>
+              <a:p>
+                <a:r>
+                  <a:rPr lang="en-US" dirty="0"/>
+                  <a:t>Why matrix form is important? Because it makes notations easier, it helps to abstract up theory, it’s the preferred way to compute since there is compiler speed up for vectorized form, in contrast to (for) loops.</a:t>
+                </a:r>
+              </a:p>
+            </p:txBody>
+          </p:sp>
+        </mc:Choice>
+        <mc:Fallback xmlns="">
+          <p:sp>
+            <p:nvSpPr>
+              <p:cNvPr id="3" name="Notes Placeholder 2"/>
+              <p:cNvSpPr>
+                <a:spLocks noGrp="1"/>
+              </p:cNvSpPr>
+              <p:nvPr>
+                <p:ph type="body" idx="1"/>
+              </p:nvPr>
+            </p:nvSpPr>
+            <p:spPr/>
+            <p:txBody>
+              <a:bodyPr/>
+              <a:lstStyle/>
+              <a:p>
+                <a:r>
+                  <a:rPr lang="en-US" dirty="0"/>
+                  <a:t>How many colors do we see in the image? What do you think each color represents?</a:t>
+                </a:r>
+              </a:p>
+              <a:p>
+                <a:endParaRPr lang="en-US" dirty="0"/>
+              </a:p>
+              <a:p>
+                <a:r>
+                  <a:rPr lang="en-US" dirty="0" err="1"/>
+                  <a:t>ToDo</a:t>
+                </a:r>
+                <a:r>
+                  <a:rPr lang="en-US" dirty="0"/>
+                  <a:t>: Create an interactive plot (charts.js?) with a slider to change the slope </a:t>
+                </a:r>
+                <a:r>
+                  <a:rPr lang="en-US" b="0" i="0">
+                    <a:latin typeface="Cambria Math" panose="02040503050406030204" pitchFamily="18" charset="0"/>
+                  </a:rPr>
+                  <a:t>𝑚</a:t>
+                </a:r>
+                <a:r>
+                  <a:rPr lang="en-US" dirty="0"/>
+                  <a:t> of the line in order to</a:t>
+                </a:r>
+                <a:r>
+                  <a:rPr lang="en-US" baseline="0" dirty="0"/>
+                  <a:t> visualize the error variation with respect to  this </a:t>
+                </a:r>
+                <a:r>
+                  <a:rPr lang="en-US" baseline="0" dirty="0" err="1"/>
+                  <a:t>varaible</a:t>
+                </a:r>
+                <a:r>
+                  <a:rPr lang="en-US" baseline="0" dirty="0"/>
+                  <a:t> </a:t>
+                </a:r>
+                <a:r>
+                  <a:rPr lang="en-US" b="0" i="0" baseline="0">
+                    <a:latin typeface="Cambria Math" panose="02040503050406030204" pitchFamily="18" charset="0"/>
+                  </a:rPr>
+                  <a:t>𝑚</a:t>
+                </a:r>
+                <a:r>
+                  <a:rPr lang="en-US" dirty="0"/>
+                  <a:t>.</a:t>
+                </a:r>
+              </a:p>
+            </p:txBody>
+          </p:sp>
+        </mc:Fallback>
+      </mc:AlternateContent>
+      <p:sp>
+        <p:nvSpPr>
+          <p:cNvPr id="4" name="Slide Number Placeholder 3"/>
+          <p:cNvSpPr>
+            <a:spLocks noGrp="1"/>
+          </p:cNvSpPr>
+          <p:nvPr>
+            <p:ph type="sldNum" sz="quarter" idx="5"/>
+          </p:nvPr>
+        </p:nvSpPr>
+        <p:spPr/>
+        <p:txBody>
+          <a:bodyPr/>
+          <a:lstStyle/>
+          <a:p>
+            <a:fld id="{4C9AD59C-94C8-4AAB-AEDF-FDE77349626C}" type="slidenum">
+              <a:rPr lang="en-US" smtClean="0"/>
+              <a:t>18</a:t>
             </a:fld>
             <a:endParaRPr lang="en-US"/>
           </a:p>
@@ -4000,7 +4088,7 @@
           <a:p>
             <a:fld id="{FE070745-F5EF-4AE3-92EF-0934EDED1862}" type="datetimeFigureOut">
               <a:rPr lang="en-US" smtClean="0"/>
-              <a:t>3/21/2020</a:t>
+              <a:t>4/29/2020</a:t>
             </a:fld>
             <a:endParaRPr lang="en-US"/>
           </a:p>
@@ -4170,7 +4258,7 @@
           <a:p>
             <a:fld id="{FE070745-F5EF-4AE3-92EF-0934EDED1862}" type="datetimeFigureOut">
               <a:rPr lang="en-US" smtClean="0"/>
-              <a:t>3/21/2020</a:t>
+              <a:t>4/29/2020</a:t>
             </a:fld>
             <a:endParaRPr lang="en-US"/>
           </a:p>
@@ -4350,7 +4438,7 @@
           <a:p>
             <a:fld id="{FE070745-F5EF-4AE3-92EF-0934EDED1862}" type="datetimeFigureOut">
               <a:rPr lang="en-US" smtClean="0"/>
-              <a:t>3/21/2020</a:t>
+              <a:t>4/29/2020</a:t>
             </a:fld>
             <a:endParaRPr lang="en-US"/>
           </a:p>
@@ -4520,7 +4608,7 @@
           <a:p>
             <a:fld id="{FE070745-F5EF-4AE3-92EF-0934EDED1862}" type="datetimeFigureOut">
               <a:rPr lang="en-US" smtClean="0"/>
-              <a:t>3/21/2020</a:t>
+              <a:t>4/29/2020</a:t>
             </a:fld>
             <a:endParaRPr lang="en-US"/>
           </a:p>
@@ -4766,7 +4854,7 @@
           <a:p>
             <a:fld id="{FE070745-F5EF-4AE3-92EF-0934EDED1862}" type="datetimeFigureOut">
               <a:rPr lang="en-US" smtClean="0"/>
-              <a:t>3/21/2020</a:t>
+              <a:t>4/29/2020</a:t>
             </a:fld>
             <a:endParaRPr lang="en-US"/>
           </a:p>
@@ -4998,7 +5086,7 @@
           <a:p>
             <a:fld id="{FE070745-F5EF-4AE3-92EF-0934EDED1862}" type="datetimeFigureOut">
               <a:rPr lang="en-US" smtClean="0"/>
-              <a:t>3/21/2020</a:t>
+              <a:t>4/29/2020</a:t>
             </a:fld>
             <a:endParaRPr lang="en-US"/>
           </a:p>
@@ -5365,7 +5453,7 @@
           <a:p>
             <a:fld id="{FE070745-F5EF-4AE3-92EF-0934EDED1862}" type="datetimeFigureOut">
               <a:rPr lang="en-US" smtClean="0"/>
-              <a:t>3/21/2020</a:t>
+              <a:t>4/29/2020</a:t>
             </a:fld>
             <a:endParaRPr lang="en-US"/>
           </a:p>
@@ -5483,7 +5571,7 @@
           <a:p>
             <a:fld id="{FE070745-F5EF-4AE3-92EF-0934EDED1862}" type="datetimeFigureOut">
               <a:rPr lang="en-US" smtClean="0"/>
-              <a:t>3/21/2020</a:t>
+              <a:t>4/29/2020</a:t>
             </a:fld>
             <a:endParaRPr lang="en-US"/>
           </a:p>
@@ -5578,7 +5666,7 @@
           <a:p>
             <a:fld id="{FE070745-F5EF-4AE3-92EF-0934EDED1862}" type="datetimeFigureOut">
               <a:rPr lang="en-US" smtClean="0"/>
-              <a:t>3/21/2020</a:t>
+              <a:t>4/29/2020</a:t>
             </a:fld>
             <a:endParaRPr lang="en-US"/>
           </a:p>
@@ -5855,7 +5943,7 @@
           <a:p>
             <a:fld id="{FE070745-F5EF-4AE3-92EF-0934EDED1862}" type="datetimeFigureOut">
               <a:rPr lang="en-US" smtClean="0"/>
-              <a:t>3/21/2020</a:t>
+              <a:t>4/29/2020</a:t>
             </a:fld>
             <a:endParaRPr lang="en-US"/>
           </a:p>
@@ -6112,7 +6200,7 @@
           <a:p>
             <a:fld id="{FE070745-F5EF-4AE3-92EF-0934EDED1862}" type="datetimeFigureOut">
               <a:rPr lang="en-US" smtClean="0"/>
-              <a:t>3/21/2020</a:t>
+              <a:t>4/29/2020</a:t>
             </a:fld>
             <a:endParaRPr lang="en-US"/>
           </a:p>
@@ -6325,7 +6413,7 @@
           <a:p>
             <a:fld id="{FE070745-F5EF-4AE3-92EF-0934EDED1862}" type="datetimeFigureOut">
               <a:rPr lang="en-US" smtClean="0"/>
-              <a:t>3/21/2020</a:t>
+              <a:t>4/29/2020</a:t>
             </a:fld>
             <a:endParaRPr lang="en-US"/>
           </a:p>
@@ -8210,6 +8298,2190 @@
           <a:chExt cx="0" cy="0"/>
         </a:xfrm>
       </p:grpSpPr>
+      <p:pic>
+        <p:nvPicPr>
+          <p:cNvPr id="22" name="Picture 21" descr="A close up of a mans face&#10;&#10;Description automatically generated">
+            <a:extLst>
+              <a:ext uri="{FF2B5EF4-FFF2-40B4-BE49-F238E27FC236}">
+                <a16:creationId xmlns:a16="http://schemas.microsoft.com/office/drawing/2014/main" id="{5F96B093-E65A-4035-8266-984C54DA0D5E}"/>
+              </a:ext>
+            </a:extLst>
+          </p:cNvPr>
+          <p:cNvPicPr>
+            <a:picLocks noChangeAspect="1"/>
+          </p:cNvPicPr>
+          <p:nvPr/>
+        </p:nvPicPr>
+        <p:blipFill>
+          <a:blip r:embed="rId3">
+            <a:extLst>
+              <a:ext uri="{28A0092B-C50C-407E-A947-70E740481C1C}">
+                <a14:useLocalDpi xmlns:a14="http://schemas.microsoft.com/office/drawing/2010/main" val="0"/>
+              </a:ext>
+            </a:extLst>
+          </a:blip>
+          <a:stretch>
+            <a:fillRect/>
+          </a:stretch>
+        </p:blipFill>
+        <p:spPr>
+          <a:xfrm>
+            <a:off x="5638451" y="-45735"/>
+            <a:ext cx="5852172" cy="4370841"/>
+          </a:xfrm>
+          <a:prstGeom prst="rect">
+            <a:avLst/>
+          </a:prstGeom>
+        </p:spPr>
+      </p:pic>
+      <p:sp>
+        <p:nvSpPr>
+          <p:cNvPr id="3" name="Rectangle 2">
+            <a:extLst>
+              <a:ext uri="{FF2B5EF4-FFF2-40B4-BE49-F238E27FC236}">
+                <a16:creationId xmlns:a16="http://schemas.microsoft.com/office/drawing/2014/main" id="{637A1949-A11A-4E98-819E-7B2C5F61AAFF}"/>
+              </a:ext>
+            </a:extLst>
+          </p:cNvPr>
+          <p:cNvSpPr/>
+          <p:nvPr/>
+        </p:nvSpPr>
+        <p:spPr>
+          <a:xfrm>
+            <a:off x="3314033" y="4295067"/>
+            <a:ext cx="8624220" cy="2308324"/>
+          </a:xfrm>
+          <a:prstGeom prst="rect">
+            <a:avLst/>
+          </a:prstGeom>
+          <a:solidFill>
+            <a:srgbClr val="1E1E1E"/>
+          </a:solidFill>
+        </p:spPr>
+        <p:txBody>
+          <a:bodyPr wrap="square">
+            <a:spAutoFit/>
+          </a:bodyPr>
+          <a:lstStyle/>
+          <a:p>
+            <a:r>
+              <a:rPr lang="en-US" sz="2400" dirty="0">
+                <a:solidFill>
+                  <a:srgbClr val="D4D4D4"/>
+                </a:solidFill>
+                <a:latin typeface="Consolas" panose="020B0609020204030204" pitchFamily="49" charset="0"/>
+              </a:rPr>
+              <a:t>x=</a:t>
+            </a:r>
+            <a:r>
+              <a:rPr lang="en-US" sz="2400" dirty="0" err="1">
+                <a:solidFill>
+                  <a:srgbClr val="D4D4D4"/>
+                </a:solidFill>
+                <a:latin typeface="Consolas" panose="020B0609020204030204" pitchFamily="49" charset="0"/>
+              </a:rPr>
+              <a:t>np.array</a:t>
+            </a:r>
+            <a:r>
+              <a:rPr lang="en-US" sz="2400" dirty="0">
+                <a:solidFill>
+                  <a:srgbClr val="D4D4D4"/>
+                </a:solidFill>
+                <a:latin typeface="Consolas" panose="020B0609020204030204" pitchFamily="49" charset="0"/>
+              </a:rPr>
+              <a:t>([</a:t>
+            </a:r>
+            <a:r>
+              <a:rPr lang="en-US" sz="2400" dirty="0">
+                <a:solidFill>
+                  <a:srgbClr val="B5CEA8"/>
+                </a:solidFill>
+                <a:latin typeface="Consolas" panose="020B0609020204030204" pitchFamily="49" charset="0"/>
+              </a:rPr>
+              <a:t>12</a:t>
+            </a:r>
+            <a:r>
+              <a:rPr lang="en-US" sz="2400" dirty="0">
+                <a:solidFill>
+                  <a:srgbClr val="D4D4D4"/>
+                </a:solidFill>
+                <a:latin typeface="Consolas" panose="020B0609020204030204" pitchFamily="49" charset="0"/>
+              </a:rPr>
+              <a:t>,</a:t>
+            </a:r>
+            <a:r>
+              <a:rPr lang="en-US" sz="2400" dirty="0">
+                <a:solidFill>
+                  <a:srgbClr val="B5CEA8"/>
+                </a:solidFill>
+                <a:latin typeface="Consolas" panose="020B0609020204030204" pitchFamily="49" charset="0"/>
+              </a:rPr>
+              <a:t>3</a:t>
+            </a:r>
+            <a:r>
+              <a:rPr lang="en-US" sz="2400" dirty="0">
+                <a:solidFill>
+                  <a:srgbClr val="D4D4D4"/>
+                </a:solidFill>
+                <a:latin typeface="Consolas" panose="020B0609020204030204" pitchFamily="49" charset="0"/>
+              </a:rPr>
+              <a:t>])</a:t>
+            </a:r>
+          </a:p>
+          <a:p>
+            <a:r>
+              <a:rPr lang="en-US" sz="2400" dirty="0">
+                <a:solidFill>
+                  <a:srgbClr val="D4D4D4"/>
+                </a:solidFill>
+                <a:latin typeface="Consolas" panose="020B0609020204030204" pitchFamily="49" charset="0"/>
+              </a:rPr>
+              <a:t>y=</a:t>
+            </a:r>
+            <a:r>
+              <a:rPr lang="en-US" sz="2400" dirty="0" err="1">
+                <a:solidFill>
+                  <a:srgbClr val="D4D4D4"/>
+                </a:solidFill>
+                <a:latin typeface="Consolas" panose="020B0609020204030204" pitchFamily="49" charset="0"/>
+              </a:rPr>
+              <a:t>np.array</a:t>
+            </a:r>
+            <a:r>
+              <a:rPr lang="en-US" sz="2400" dirty="0">
+                <a:solidFill>
+                  <a:srgbClr val="D4D4D4"/>
+                </a:solidFill>
+                <a:latin typeface="Consolas" panose="020B0609020204030204" pitchFamily="49" charset="0"/>
+              </a:rPr>
+              <a:t>([</a:t>
+            </a:r>
+            <a:r>
+              <a:rPr lang="en-US" sz="2400" dirty="0">
+                <a:solidFill>
+                  <a:srgbClr val="B5CEA8"/>
+                </a:solidFill>
+                <a:latin typeface="Consolas" panose="020B0609020204030204" pitchFamily="49" charset="0"/>
+              </a:rPr>
+              <a:t>4</a:t>
+            </a:r>
+            <a:r>
+              <a:rPr lang="en-US" sz="2400" dirty="0">
+                <a:solidFill>
+                  <a:srgbClr val="D4D4D4"/>
+                </a:solidFill>
+                <a:latin typeface="Consolas" panose="020B0609020204030204" pitchFamily="49" charset="0"/>
+              </a:rPr>
+              <a:t>,</a:t>
+            </a:r>
+            <a:r>
+              <a:rPr lang="en-US" sz="2400" dirty="0">
+                <a:solidFill>
+                  <a:srgbClr val="B5CEA8"/>
+                </a:solidFill>
+                <a:latin typeface="Consolas" panose="020B0609020204030204" pitchFamily="49" charset="0"/>
+              </a:rPr>
+              <a:t>9</a:t>
+            </a:r>
+            <a:r>
+              <a:rPr lang="en-US" sz="2400" dirty="0">
+                <a:solidFill>
+                  <a:srgbClr val="D4D4D4"/>
+                </a:solidFill>
+                <a:latin typeface="Consolas" panose="020B0609020204030204" pitchFamily="49" charset="0"/>
+              </a:rPr>
+              <a:t>])</a:t>
+            </a:r>
+          </a:p>
+          <a:p>
+            <a:r>
+              <a:rPr lang="en-US" sz="2400" dirty="0">
+                <a:solidFill>
+                  <a:srgbClr val="D4D4D4"/>
+                </a:solidFill>
+                <a:latin typeface="Consolas" panose="020B0609020204030204" pitchFamily="49" charset="0"/>
+              </a:rPr>
+              <a:t>theta=</a:t>
+            </a:r>
+            <a:r>
+              <a:rPr lang="en-US" sz="2400" dirty="0" err="1">
+                <a:solidFill>
+                  <a:srgbClr val="D4D4D4"/>
+                </a:solidFill>
+                <a:latin typeface="Consolas" panose="020B0609020204030204" pitchFamily="49" charset="0"/>
+              </a:rPr>
+              <a:t>np.linspace</a:t>
+            </a:r>
+            <a:r>
+              <a:rPr lang="en-US" sz="2400" dirty="0">
+                <a:solidFill>
+                  <a:srgbClr val="D4D4D4"/>
+                </a:solidFill>
+                <a:latin typeface="Consolas" panose="020B0609020204030204" pitchFamily="49" charset="0"/>
+              </a:rPr>
+              <a:t>(-</a:t>
+            </a:r>
+            <a:r>
+              <a:rPr lang="en-US" sz="2400" dirty="0">
+                <a:solidFill>
+                  <a:srgbClr val="B5CEA8"/>
+                </a:solidFill>
+                <a:latin typeface="Consolas" panose="020B0609020204030204" pitchFamily="49" charset="0"/>
+              </a:rPr>
+              <a:t>1</a:t>
+            </a:r>
+            <a:r>
+              <a:rPr lang="en-US" sz="2400" dirty="0">
+                <a:solidFill>
+                  <a:srgbClr val="D4D4D4"/>
+                </a:solidFill>
+                <a:latin typeface="Consolas" panose="020B0609020204030204" pitchFamily="49" charset="0"/>
+              </a:rPr>
+              <a:t>, </a:t>
+            </a:r>
+            <a:r>
+              <a:rPr lang="en-US" sz="2400" dirty="0">
+                <a:solidFill>
+                  <a:srgbClr val="B5CEA8"/>
+                </a:solidFill>
+                <a:latin typeface="Consolas" panose="020B0609020204030204" pitchFamily="49" charset="0"/>
+              </a:rPr>
+              <a:t>1</a:t>
+            </a:r>
+            <a:r>
+              <a:rPr lang="en-US" sz="2400" dirty="0">
+                <a:solidFill>
+                  <a:srgbClr val="D4D4D4"/>
+                </a:solidFill>
+                <a:latin typeface="Consolas" panose="020B0609020204030204" pitchFamily="49" charset="0"/>
+              </a:rPr>
+              <a:t>)</a:t>
+            </a:r>
+          </a:p>
+          <a:p>
+            <a:r>
+              <a:rPr lang="en-US" sz="2400" dirty="0">
+                <a:solidFill>
+                  <a:srgbClr val="D4D4D4"/>
+                </a:solidFill>
+                <a:latin typeface="Consolas" panose="020B0609020204030204" pitchFamily="49" charset="0"/>
+              </a:rPr>
+              <a:t>error=</a:t>
+            </a:r>
+            <a:r>
+              <a:rPr lang="en-US" sz="2400" dirty="0">
+                <a:solidFill>
+                  <a:srgbClr val="B5CEA8"/>
+                </a:solidFill>
+                <a:latin typeface="Consolas" panose="020B0609020204030204" pitchFamily="49" charset="0"/>
+              </a:rPr>
+              <a:t>2</a:t>
+            </a:r>
+            <a:r>
+              <a:rPr lang="en-US" sz="2400" dirty="0">
+                <a:solidFill>
+                  <a:srgbClr val="D4D4D4"/>
+                </a:solidFill>
+                <a:latin typeface="Consolas" panose="020B0609020204030204" pitchFamily="49" charset="0"/>
+              </a:rPr>
+              <a:t>*</a:t>
+            </a:r>
+            <a:r>
+              <a:rPr lang="en-US" sz="2400" dirty="0" err="1">
+                <a:solidFill>
+                  <a:srgbClr val="D4D4D4"/>
+                </a:solidFill>
+                <a:latin typeface="Consolas" panose="020B0609020204030204" pitchFamily="49" charset="0"/>
+              </a:rPr>
+              <a:t>np.sum</a:t>
+            </a:r>
+            <a:r>
+              <a:rPr lang="en-US" sz="2400" dirty="0">
+                <a:solidFill>
+                  <a:srgbClr val="D4D4D4"/>
+                </a:solidFill>
+                <a:latin typeface="Consolas" panose="020B0609020204030204" pitchFamily="49" charset="0"/>
+              </a:rPr>
+              <a:t>(x**</a:t>
+            </a:r>
+            <a:r>
+              <a:rPr lang="en-US" sz="2400" dirty="0">
+                <a:solidFill>
+                  <a:srgbClr val="B5CEA8"/>
+                </a:solidFill>
+                <a:latin typeface="Consolas" panose="020B0609020204030204" pitchFamily="49" charset="0"/>
+              </a:rPr>
+              <a:t>2</a:t>
+            </a:r>
+            <a:r>
+              <a:rPr lang="en-US" sz="2400" dirty="0">
+                <a:solidFill>
+                  <a:srgbClr val="D4D4D4"/>
+                </a:solidFill>
+                <a:latin typeface="Consolas" panose="020B0609020204030204" pitchFamily="49" charset="0"/>
+              </a:rPr>
+              <a:t>)*theta**</a:t>
+            </a:r>
+            <a:r>
+              <a:rPr lang="en-US" sz="2400" dirty="0">
+                <a:solidFill>
+                  <a:srgbClr val="B5CEA8"/>
+                </a:solidFill>
+                <a:latin typeface="Consolas" panose="020B0609020204030204" pitchFamily="49" charset="0"/>
+              </a:rPr>
+              <a:t>2</a:t>
+            </a:r>
+            <a:r>
+              <a:rPr lang="en-US" sz="2400" dirty="0">
+                <a:solidFill>
+                  <a:srgbClr val="D4D4D4"/>
+                </a:solidFill>
+                <a:latin typeface="Consolas" panose="020B0609020204030204" pitchFamily="49" charset="0"/>
+              </a:rPr>
+              <a:t>-</a:t>
+            </a:r>
+            <a:r>
+              <a:rPr lang="en-US" sz="2400" dirty="0">
+                <a:solidFill>
+                  <a:srgbClr val="B5CEA8"/>
+                </a:solidFill>
+                <a:latin typeface="Consolas" panose="020B0609020204030204" pitchFamily="49" charset="0"/>
+              </a:rPr>
+              <a:t>2</a:t>
+            </a:r>
+            <a:r>
+              <a:rPr lang="en-US" sz="2400" dirty="0">
+                <a:solidFill>
+                  <a:srgbClr val="D4D4D4"/>
+                </a:solidFill>
+                <a:latin typeface="Consolas" panose="020B0609020204030204" pitchFamily="49" charset="0"/>
+              </a:rPr>
+              <a:t>*</a:t>
+            </a:r>
+            <a:r>
+              <a:rPr lang="en-US" sz="2400" dirty="0" err="1">
+                <a:solidFill>
+                  <a:srgbClr val="D4D4D4"/>
+                </a:solidFill>
+                <a:latin typeface="Consolas" panose="020B0609020204030204" pitchFamily="49" charset="0"/>
+              </a:rPr>
+              <a:t>np.sum</a:t>
+            </a:r>
+            <a:r>
+              <a:rPr lang="en-US" sz="2400" dirty="0">
+                <a:solidFill>
+                  <a:srgbClr val="D4D4D4"/>
+                </a:solidFill>
+                <a:latin typeface="Consolas" panose="020B0609020204030204" pitchFamily="49" charset="0"/>
+              </a:rPr>
+              <a:t>(x*y)*theta</a:t>
+            </a:r>
+          </a:p>
+          <a:p>
+            <a:r>
+              <a:rPr lang="en-US" sz="2400" dirty="0" err="1">
+                <a:solidFill>
+                  <a:srgbClr val="D4D4D4"/>
+                </a:solidFill>
+                <a:latin typeface="Consolas" panose="020B0609020204030204" pitchFamily="49" charset="0"/>
+              </a:rPr>
+              <a:t>plt.plot</a:t>
+            </a:r>
+            <a:r>
+              <a:rPr lang="en-US" sz="2400" dirty="0">
+                <a:solidFill>
+                  <a:srgbClr val="D4D4D4"/>
+                </a:solidFill>
+                <a:latin typeface="Consolas" panose="020B0609020204030204" pitchFamily="49" charset="0"/>
+              </a:rPr>
+              <a:t>(</a:t>
+            </a:r>
+            <a:r>
+              <a:rPr lang="en-US" sz="2400" dirty="0" err="1">
+                <a:solidFill>
+                  <a:srgbClr val="D4D4D4"/>
+                </a:solidFill>
+                <a:latin typeface="Consolas" panose="020B0609020204030204" pitchFamily="49" charset="0"/>
+              </a:rPr>
+              <a:t>theta,cost,</a:t>
+            </a:r>
+            <a:r>
+              <a:rPr lang="en-US" sz="2400" dirty="0" err="1">
+                <a:solidFill>
+                  <a:srgbClr val="CE9178"/>
+                </a:solidFill>
+                <a:latin typeface="Consolas" panose="020B0609020204030204" pitchFamily="49" charset="0"/>
+              </a:rPr>
+              <a:t>'b</a:t>
+            </a:r>
+            <a:r>
+              <a:rPr lang="en-US" sz="2400" dirty="0">
+                <a:solidFill>
+                  <a:srgbClr val="CE9178"/>
+                </a:solidFill>
+                <a:latin typeface="Consolas" panose="020B0609020204030204" pitchFamily="49" charset="0"/>
+              </a:rPr>
+              <a:t>-'</a:t>
+            </a:r>
+            <a:r>
+              <a:rPr lang="en-US" sz="2400" dirty="0">
+                <a:solidFill>
+                  <a:srgbClr val="D4D4D4"/>
+                </a:solidFill>
+                <a:latin typeface="Consolas" panose="020B0609020204030204" pitchFamily="49" charset="0"/>
+              </a:rPr>
+              <a:t>)</a:t>
+            </a:r>
+          </a:p>
+          <a:p>
+            <a:r>
+              <a:rPr lang="en-US" sz="2400" dirty="0" err="1">
+                <a:solidFill>
+                  <a:srgbClr val="D4D4D4"/>
+                </a:solidFill>
+                <a:latin typeface="Consolas" panose="020B0609020204030204" pitchFamily="49" charset="0"/>
+              </a:rPr>
+              <a:t>plt.show</a:t>
+            </a:r>
+            <a:r>
+              <a:rPr lang="en-US" sz="2400" dirty="0">
+                <a:solidFill>
+                  <a:srgbClr val="D4D4D4"/>
+                </a:solidFill>
+                <a:latin typeface="Consolas" panose="020B0609020204030204" pitchFamily="49" charset="0"/>
+              </a:rPr>
+              <a:t>()</a:t>
+            </a:r>
+            <a:endParaRPr lang="en-US" sz="2400" b="0" dirty="0">
+              <a:solidFill>
+                <a:srgbClr val="D4D4D4"/>
+              </a:solidFill>
+              <a:effectLst/>
+              <a:latin typeface="Consolas" panose="020B0609020204030204" pitchFamily="49" charset="0"/>
+            </a:endParaRPr>
+          </a:p>
+        </p:txBody>
+      </p:sp>
+      <mc:AlternateContent xmlns:mc="http://schemas.openxmlformats.org/markup-compatibility/2006">
+        <mc:Choice xmlns:a14="http://schemas.microsoft.com/office/drawing/2010/main" Requires="a14">
+          <p:sp>
+            <p:nvSpPr>
+              <p:cNvPr id="5" name="TextBox 4">
+                <a:extLst>
+                  <a:ext uri="{FF2B5EF4-FFF2-40B4-BE49-F238E27FC236}">
+                    <a16:creationId xmlns:a16="http://schemas.microsoft.com/office/drawing/2014/main" id="{33395FD7-5A46-4823-90AF-824E270CB66D}"/>
+                  </a:ext>
+                </a:extLst>
+              </p:cNvPr>
+              <p:cNvSpPr txBox="1"/>
+              <p:nvPr/>
+            </p:nvSpPr>
+            <p:spPr>
+              <a:xfrm>
+                <a:off x="6569304" y="567398"/>
+                <a:ext cx="3965563" cy="461665"/>
+              </a:xfrm>
+              <a:prstGeom prst="rect">
+                <a:avLst/>
+              </a:prstGeom>
+              <a:noFill/>
+              <a:ln>
+                <a:noFill/>
+              </a:ln>
+            </p:spPr>
+            <p:txBody>
+              <a:bodyPr wrap="square" rtlCol="0">
+                <a:spAutoFit/>
+              </a:bodyPr>
+              <a:lstStyle/>
+              <a:p>
+                <a:pPr/>
+                <a14:m>
+                  <m:oMathPara xmlns:m="http://schemas.openxmlformats.org/officeDocument/2006/math">
+                    <m:oMathParaPr>
+                      <m:jc m:val="centerGroup"/>
+                    </m:oMathParaPr>
+                    <m:oMath xmlns:m="http://schemas.openxmlformats.org/officeDocument/2006/math">
+                      <m:r>
+                        <a:rPr lang="en-US" sz="2400" b="0" i="1" smtClean="0">
+                          <a:solidFill>
+                            <a:srgbClr val="FF0000"/>
+                          </a:solidFill>
+                          <a:latin typeface="Cambria Math" panose="02040503050406030204" pitchFamily="18" charset="0"/>
+                        </a:rPr>
+                        <m:t>𝜀</m:t>
+                      </m:r>
+                      <m:r>
+                        <a:rPr lang="en-US" sz="2400" b="0" i="1" smtClean="0">
+                          <a:latin typeface="Cambria Math" panose="02040503050406030204" pitchFamily="18" charset="0"/>
+                        </a:rPr>
+                        <m:t>=   </m:t>
+                      </m:r>
+                      <m:sSup>
+                        <m:sSupPr>
+                          <m:ctrlPr>
+                            <a:rPr lang="en-US" sz="2400" b="0" i="1" smtClean="0">
+                              <a:latin typeface="Cambria Math" panose="02040503050406030204" pitchFamily="18" charset="0"/>
+                            </a:rPr>
+                          </m:ctrlPr>
+                        </m:sSupPr>
+                        <m:e>
+                          <m:d>
+                            <m:dPr>
+                              <m:ctrlPr>
+                                <a:rPr lang="en-US" sz="2400" b="0" i="1" smtClean="0">
+                                  <a:latin typeface="Cambria Math" panose="02040503050406030204" pitchFamily="18" charset="0"/>
+                                </a:rPr>
+                              </m:ctrlPr>
+                            </m:dPr>
+                            <m:e>
+                              <m:r>
+                                <a:rPr lang="en-US" sz="2400" i="1" smtClean="0">
+                                  <a:solidFill>
+                                    <a:srgbClr val="0070C0"/>
+                                  </a:solidFill>
+                                  <a:latin typeface="Cambria Math" panose="02040503050406030204" pitchFamily="18" charset="0"/>
+                                </a:rPr>
+                                <m:t>𝜃</m:t>
+                              </m:r>
+                              <m:sSub>
+                                <m:sSubPr>
+                                  <m:ctrlPr>
+                                    <a:rPr lang="en-US" sz="2400" b="0" i="1" smtClean="0">
+                                      <a:latin typeface="Cambria Math" panose="02040503050406030204" pitchFamily="18" charset="0"/>
+                                    </a:rPr>
+                                  </m:ctrlPr>
+                                </m:sSubPr>
+                                <m:e>
+                                  <m:r>
+                                    <a:rPr lang="en-US" sz="2400" b="0" i="1" smtClean="0">
+                                      <a:latin typeface="Cambria Math" panose="02040503050406030204" pitchFamily="18" charset="0"/>
+                                    </a:rPr>
+                                    <m:t>𝑥</m:t>
+                                  </m:r>
+                                </m:e>
+                                <m:sub>
+                                  <m:r>
+                                    <a:rPr lang="en-US" sz="2400" b="0" i="1" smtClean="0">
+                                      <a:latin typeface="Cambria Math" panose="02040503050406030204" pitchFamily="18" charset="0"/>
+                                    </a:rPr>
+                                    <m:t>1</m:t>
+                                  </m:r>
+                                </m:sub>
+                              </m:sSub>
+                              <m:r>
+                                <a:rPr lang="en-US" sz="2400" b="0" i="1" smtClean="0">
+                                  <a:latin typeface="Cambria Math" panose="02040503050406030204" pitchFamily="18" charset="0"/>
+                                </a:rPr>
+                                <m:t> −</m:t>
+                              </m:r>
+                              <m:sSub>
+                                <m:sSubPr>
+                                  <m:ctrlPr>
+                                    <a:rPr lang="en-US" sz="2400" b="0" i="1" smtClean="0">
+                                      <a:latin typeface="Cambria Math" panose="02040503050406030204" pitchFamily="18" charset="0"/>
+                                    </a:rPr>
+                                  </m:ctrlPr>
+                                </m:sSubPr>
+                                <m:e>
+                                  <m:r>
+                                    <a:rPr lang="en-US" sz="2400" b="0" i="1" smtClean="0">
+                                      <a:latin typeface="Cambria Math" panose="02040503050406030204" pitchFamily="18" charset="0"/>
+                                    </a:rPr>
+                                    <m:t>𝑦</m:t>
+                                  </m:r>
+                                </m:e>
+                                <m:sub>
+                                  <m:r>
+                                    <a:rPr lang="en-US" sz="2400" b="0" i="1" smtClean="0">
+                                      <a:latin typeface="Cambria Math" panose="02040503050406030204" pitchFamily="18" charset="0"/>
+                                    </a:rPr>
+                                    <m:t>1</m:t>
+                                  </m:r>
+                                </m:sub>
+                              </m:sSub>
+                              <m:r>
+                                <a:rPr lang="en-US" sz="2400" b="0" i="1" smtClean="0">
+                                  <a:latin typeface="Cambria Math" panose="02040503050406030204" pitchFamily="18" charset="0"/>
+                                </a:rPr>
+                                <m:t> </m:t>
+                              </m:r>
+                            </m:e>
+                          </m:d>
+                        </m:e>
+                        <m:sup>
+                          <m:r>
+                            <a:rPr lang="en-US" sz="2400" b="0" i="1" smtClean="0">
+                              <a:latin typeface="Cambria Math" panose="02040503050406030204" pitchFamily="18" charset="0"/>
+                            </a:rPr>
+                            <m:t>2</m:t>
+                          </m:r>
+                        </m:sup>
+                      </m:sSup>
+                    </m:oMath>
+                  </m:oMathPara>
+                </a14:m>
+                <a:endParaRPr lang="en-US" sz="2400" dirty="0"/>
+              </a:p>
+            </p:txBody>
+          </p:sp>
+        </mc:Choice>
+        <mc:Fallback>
+          <p:sp>
+            <p:nvSpPr>
+              <p:cNvPr id="5" name="TextBox 4">
+                <a:extLst>
+                  <a:ext uri="{FF2B5EF4-FFF2-40B4-BE49-F238E27FC236}">
+                    <a16:creationId xmlns:a16="http://schemas.microsoft.com/office/drawing/2014/main" id="{33395FD7-5A46-4823-90AF-824E270CB66D}"/>
+                  </a:ext>
+                </a:extLst>
+              </p:cNvPr>
+              <p:cNvSpPr txBox="1">
+                <a:spLocks noRot="1" noChangeAspect="1" noMove="1" noResize="1" noEditPoints="1" noAdjustHandles="1" noChangeArrowheads="1" noChangeShapeType="1" noTextEdit="1"/>
+              </p:cNvSpPr>
+              <p:nvPr/>
+            </p:nvSpPr>
+            <p:spPr>
+              <a:xfrm>
+                <a:off x="6569304" y="567398"/>
+                <a:ext cx="3965563" cy="461665"/>
+              </a:xfrm>
+              <a:prstGeom prst="rect">
+                <a:avLst/>
+              </a:prstGeom>
+              <a:blipFill>
+                <a:blip r:embed="rId4"/>
+                <a:stretch>
+                  <a:fillRect b="-10526"/>
+                </a:stretch>
+              </a:blipFill>
+              <a:ln>
+                <a:noFill/>
+              </a:ln>
+            </p:spPr>
+            <p:txBody>
+              <a:bodyPr/>
+              <a:lstStyle/>
+              <a:p>
+                <a:r>
+                  <a:rPr lang="en-US">
+                    <a:noFill/>
+                  </a:rPr>
+                  <a:t> </a:t>
+                </a:r>
+              </a:p>
+            </p:txBody>
+          </p:sp>
+        </mc:Fallback>
+      </mc:AlternateContent>
+      <p:cxnSp>
+        <p:nvCxnSpPr>
+          <p:cNvPr id="6" name="Straight Arrow Connector 5">
+            <a:extLst>
+              <a:ext uri="{FF2B5EF4-FFF2-40B4-BE49-F238E27FC236}">
+                <a16:creationId xmlns:a16="http://schemas.microsoft.com/office/drawing/2014/main" id="{B2AB355F-D939-4C28-879B-E7C672AD76B8}"/>
+              </a:ext>
+            </a:extLst>
+          </p:cNvPr>
+          <p:cNvCxnSpPr/>
+          <p:nvPr/>
+        </p:nvCxnSpPr>
+        <p:spPr>
+          <a:xfrm flipV="1">
+            <a:off x="971787" y="1698537"/>
+            <a:ext cx="0" cy="3657600"/>
+          </a:xfrm>
+          <a:prstGeom prst="straightConnector1">
+            <a:avLst/>
+          </a:prstGeom>
+          <a:ln w="38100">
+            <a:solidFill>
+              <a:schemeClr val="bg1">
+                <a:lumMod val="65000"/>
+              </a:schemeClr>
+            </a:solidFill>
+            <a:tailEnd type="triangle"/>
+          </a:ln>
+        </p:spPr>
+        <p:style>
+          <a:lnRef idx="1">
+            <a:schemeClr val="accent1"/>
+          </a:lnRef>
+          <a:fillRef idx="0">
+            <a:schemeClr val="accent1"/>
+          </a:fillRef>
+          <a:effectRef idx="0">
+            <a:schemeClr val="accent1"/>
+          </a:effectRef>
+          <a:fontRef idx="minor">
+            <a:schemeClr val="tx1"/>
+          </a:fontRef>
+        </p:style>
+      </p:cxnSp>
+      <p:cxnSp>
+        <p:nvCxnSpPr>
+          <p:cNvPr id="7" name="Straight Arrow Connector 6">
+            <a:extLst>
+              <a:ext uri="{FF2B5EF4-FFF2-40B4-BE49-F238E27FC236}">
+                <a16:creationId xmlns:a16="http://schemas.microsoft.com/office/drawing/2014/main" id="{FA3AE1EA-3ED5-47FB-8673-A8765D0CAD38}"/>
+              </a:ext>
+            </a:extLst>
+          </p:cNvPr>
+          <p:cNvCxnSpPr>
+            <a:cxnSpLocks/>
+          </p:cNvCxnSpPr>
+          <p:nvPr/>
+        </p:nvCxnSpPr>
+        <p:spPr>
+          <a:xfrm>
+            <a:off x="392956" y="4719684"/>
+            <a:ext cx="3657600" cy="0"/>
+          </a:xfrm>
+          <a:prstGeom prst="straightConnector1">
+            <a:avLst/>
+          </a:prstGeom>
+          <a:ln w="38100">
+            <a:solidFill>
+              <a:schemeClr val="bg1">
+                <a:lumMod val="65000"/>
+              </a:schemeClr>
+            </a:solidFill>
+            <a:tailEnd type="triangle"/>
+          </a:ln>
+        </p:spPr>
+        <p:style>
+          <a:lnRef idx="1">
+            <a:schemeClr val="accent1"/>
+          </a:lnRef>
+          <a:fillRef idx="0">
+            <a:schemeClr val="accent1"/>
+          </a:fillRef>
+          <a:effectRef idx="0">
+            <a:schemeClr val="accent1"/>
+          </a:effectRef>
+          <a:fontRef idx="minor">
+            <a:schemeClr val="tx1"/>
+          </a:fontRef>
+        </p:style>
+      </p:cxnSp>
+      <p:sp>
+        <p:nvSpPr>
+          <p:cNvPr id="8" name="Oval 7">
+            <a:extLst>
+              <a:ext uri="{FF2B5EF4-FFF2-40B4-BE49-F238E27FC236}">
+                <a16:creationId xmlns:a16="http://schemas.microsoft.com/office/drawing/2014/main" id="{1CC6AD00-8EE7-4066-A8E1-EDD7D17CA8C2}"/>
+              </a:ext>
+            </a:extLst>
+          </p:cNvPr>
+          <p:cNvSpPr>
+            <a:spLocks noChangeAspect="1"/>
+          </p:cNvSpPr>
+          <p:nvPr/>
+        </p:nvSpPr>
+        <p:spPr>
+          <a:xfrm>
+            <a:off x="3770424" y="3589458"/>
+            <a:ext cx="182880" cy="182880"/>
+          </a:xfrm>
+          <a:prstGeom prst="ellipse">
+            <a:avLst/>
+          </a:prstGeom>
+          <a:solidFill>
+            <a:schemeClr val="tx1"/>
+          </a:solidFill>
+          <a:ln>
+            <a:noFill/>
+          </a:ln>
+        </p:spPr>
+        <p:style>
+          <a:lnRef idx="2">
+            <a:schemeClr val="accent1">
+              <a:shade val="50000"/>
+            </a:schemeClr>
+          </a:lnRef>
+          <a:fillRef idx="1">
+            <a:schemeClr val="accent1"/>
+          </a:fillRef>
+          <a:effectRef idx="0">
+            <a:schemeClr val="accent1"/>
+          </a:effectRef>
+          <a:fontRef idx="minor">
+            <a:schemeClr val="lt1"/>
+          </a:fontRef>
+        </p:style>
+        <p:txBody>
+          <a:bodyPr rtlCol="0" anchor="ctr"/>
+          <a:lstStyle/>
+          <a:p>
+            <a:pPr algn="ctr"/>
+            <a:endParaRPr lang="en-US"/>
+          </a:p>
+        </p:txBody>
+      </p:sp>
+      <p:cxnSp>
+        <p:nvCxnSpPr>
+          <p:cNvPr id="9" name="Straight Connector 8">
+            <a:extLst>
+              <a:ext uri="{FF2B5EF4-FFF2-40B4-BE49-F238E27FC236}">
+                <a16:creationId xmlns:a16="http://schemas.microsoft.com/office/drawing/2014/main" id="{37598292-1082-43DF-B0DF-3B101D79D0DE}"/>
+              </a:ext>
+            </a:extLst>
+          </p:cNvPr>
+          <p:cNvCxnSpPr>
+            <a:cxnSpLocks/>
+          </p:cNvCxnSpPr>
+          <p:nvPr/>
+        </p:nvCxnSpPr>
+        <p:spPr>
+          <a:xfrm flipV="1">
+            <a:off x="180457" y="2029062"/>
+            <a:ext cx="3010486" cy="3608706"/>
+          </a:xfrm>
+          <a:prstGeom prst="line">
+            <a:avLst/>
+          </a:prstGeom>
+          <a:ln w="38100"/>
+        </p:spPr>
+        <p:style>
+          <a:lnRef idx="1">
+            <a:schemeClr val="accent1"/>
+          </a:lnRef>
+          <a:fillRef idx="0">
+            <a:schemeClr val="accent1"/>
+          </a:fillRef>
+          <a:effectRef idx="0">
+            <a:schemeClr val="accent1"/>
+          </a:effectRef>
+          <a:fontRef idx="minor">
+            <a:schemeClr val="tx1"/>
+          </a:fontRef>
+        </p:style>
+      </p:cxnSp>
+      <p:cxnSp>
+        <p:nvCxnSpPr>
+          <p:cNvPr id="10" name="Straight Connector 9">
+            <a:extLst>
+              <a:ext uri="{FF2B5EF4-FFF2-40B4-BE49-F238E27FC236}">
+                <a16:creationId xmlns:a16="http://schemas.microsoft.com/office/drawing/2014/main" id="{F1875561-2448-4CC4-A1AB-D04C8B4738F3}"/>
+              </a:ext>
+            </a:extLst>
+          </p:cNvPr>
+          <p:cNvCxnSpPr>
+            <a:cxnSpLocks/>
+          </p:cNvCxnSpPr>
+          <p:nvPr/>
+        </p:nvCxnSpPr>
+        <p:spPr>
+          <a:xfrm>
+            <a:off x="4547745" y="3016107"/>
+            <a:ext cx="0" cy="0"/>
+          </a:xfrm>
+          <a:prstGeom prst="line">
+            <a:avLst/>
+          </a:prstGeom>
+        </p:spPr>
+        <p:style>
+          <a:lnRef idx="1">
+            <a:schemeClr val="accent1"/>
+          </a:lnRef>
+          <a:fillRef idx="0">
+            <a:schemeClr val="accent1"/>
+          </a:fillRef>
+          <a:effectRef idx="0">
+            <a:schemeClr val="accent1"/>
+          </a:effectRef>
+          <a:fontRef idx="minor">
+            <a:schemeClr val="tx1"/>
+          </a:fontRef>
+        </p:style>
+      </p:cxnSp>
+      <mc:AlternateContent xmlns:mc="http://schemas.openxmlformats.org/markup-compatibility/2006">
+        <mc:Choice xmlns:a14="http://schemas.microsoft.com/office/drawing/2010/main" Requires="a14">
+          <p:sp>
+            <p:nvSpPr>
+              <p:cNvPr id="11" name="Rectangle 10">
+                <a:extLst>
+                  <a:ext uri="{FF2B5EF4-FFF2-40B4-BE49-F238E27FC236}">
+                    <a16:creationId xmlns:a16="http://schemas.microsoft.com/office/drawing/2014/main" id="{0E35F5A7-E8CB-47F8-BC36-AF82AC34AAFA}"/>
+                  </a:ext>
+                </a:extLst>
+              </p:cNvPr>
+              <p:cNvSpPr/>
+              <p:nvPr/>
+            </p:nvSpPr>
+            <p:spPr>
+              <a:xfrm>
+                <a:off x="2716318" y="2984217"/>
+                <a:ext cx="1828770" cy="461665"/>
+              </a:xfrm>
+              <a:prstGeom prst="rect">
+                <a:avLst/>
+              </a:prstGeom>
+            </p:spPr>
+            <p:txBody>
+              <a:bodyPr wrap="none">
+                <a:spAutoFit/>
+              </a:bodyPr>
+              <a:lstStyle/>
+              <a:p>
+                <a:pPr/>
+                <a14:m>
+                  <m:oMathPara xmlns:m="http://schemas.openxmlformats.org/officeDocument/2006/math">
+                    <m:oMathParaPr>
+                      <m:jc m:val="centerGroup"/>
+                    </m:oMathParaPr>
+                    <m:oMath xmlns:m="http://schemas.openxmlformats.org/officeDocument/2006/math">
+                      <m:sSub>
+                        <m:sSubPr>
+                          <m:ctrlPr>
+                            <a:rPr lang="en-US" sz="2400" b="0" i="1" smtClean="0">
+                              <a:latin typeface="Cambria Math" panose="02040503050406030204" pitchFamily="18" charset="0"/>
+                            </a:rPr>
+                          </m:ctrlPr>
+                        </m:sSubPr>
+                        <m:e>
+                          <m:r>
+                            <a:rPr lang="en-US" sz="2400" b="0" i="1" smtClean="0">
+                              <a:latin typeface="Cambria Math" panose="02040503050406030204" pitchFamily="18" charset="0"/>
+                            </a:rPr>
+                            <m:t>𝑥</m:t>
+                          </m:r>
+                        </m:e>
+                        <m:sub>
+                          <m:r>
+                            <a:rPr lang="en-US" sz="2400" b="0" i="1" smtClean="0">
+                              <a:latin typeface="Cambria Math" panose="02040503050406030204" pitchFamily="18" charset="0"/>
+                            </a:rPr>
+                            <m:t>1</m:t>
+                          </m:r>
+                        </m:sub>
+                      </m:sSub>
+                      <m:r>
+                        <a:rPr lang="en-US" sz="2400" b="0" i="1" smtClean="0">
+                          <a:latin typeface="Cambria Math" panose="02040503050406030204" pitchFamily="18" charset="0"/>
+                        </a:rPr>
+                        <m:t>=</m:t>
+                      </m:r>
+                      <m:d>
+                        <m:dPr>
+                          <m:ctrlPr>
+                            <a:rPr lang="en-US" sz="2400" b="0" i="1" smtClean="0">
+                              <a:latin typeface="Cambria Math" panose="02040503050406030204" pitchFamily="18" charset="0"/>
+                            </a:rPr>
+                          </m:ctrlPr>
+                        </m:dPr>
+                        <m:e>
+                          <m:r>
+                            <a:rPr lang="en-US" sz="2400" b="0" i="1" smtClean="0">
+                              <a:latin typeface="Cambria Math" panose="02040503050406030204" pitchFamily="18" charset="0"/>
+                            </a:rPr>
+                            <m:t>12, 4</m:t>
+                          </m:r>
+                        </m:e>
+                      </m:d>
+                    </m:oMath>
+                  </m:oMathPara>
+                </a14:m>
+                <a:endParaRPr lang="en-US" sz="2400" dirty="0"/>
+              </a:p>
+            </p:txBody>
+          </p:sp>
+        </mc:Choice>
+        <mc:Fallback>
+          <p:sp>
+            <p:nvSpPr>
+              <p:cNvPr id="11" name="Rectangle 10">
+                <a:extLst>
+                  <a:ext uri="{FF2B5EF4-FFF2-40B4-BE49-F238E27FC236}">
+                    <a16:creationId xmlns:a16="http://schemas.microsoft.com/office/drawing/2014/main" id="{0E35F5A7-E8CB-47F8-BC36-AF82AC34AAFA}"/>
+                  </a:ext>
+                </a:extLst>
+              </p:cNvPr>
+              <p:cNvSpPr>
+                <a:spLocks noRot="1" noChangeAspect="1" noMove="1" noResize="1" noEditPoints="1" noAdjustHandles="1" noChangeArrowheads="1" noChangeShapeType="1" noTextEdit="1"/>
+              </p:cNvSpPr>
+              <p:nvPr/>
+            </p:nvSpPr>
+            <p:spPr>
+              <a:xfrm>
+                <a:off x="2716318" y="2984217"/>
+                <a:ext cx="1828770" cy="461665"/>
+              </a:xfrm>
+              <a:prstGeom prst="rect">
+                <a:avLst/>
+              </a:prstGeom>
+              <a:blipFill>
+                <a:blip r:embed="rId5"/>
+                <a:stretch>
+                  <a:fillRect b="-1333"/>
+                </a:stretch>
+              </a:blipFill>
+            </p:spPr>
+            <p:txBody>
+              <a:bodyPr/>
+              <a:lstStyle/>
+              <a:p>
+                <a:r>
+                  <a:rPr lang="en-US">
+                    <a:noFill/>
+                  </a:rPr>
+                  <a:t> </a:t>
+                </a:r>
+              </a:p>
+            </p:txBody>
+          </p:sp>
+        </mc:Fallback>
+      </mc:AlternateContent>
+      <p:sp>
+        <p:nvSpPr>
+          <p:cNvPr id="12" name="Oval 11">
+            <a:extLst>
+              <a:ext uri="{FF2B5EF4-FFF2-40B4-BE49-F238E27FC236}">
+                <a16:creationId xmlns:a16="http://schemas.microsoft.com/office/drawing/2014/main" id="{E8E65A3E-CF3A-4244-8812-32D984653C80}"/>
+              </a:ext>
+            </a:extLst>
+          </p:cNvPr>
+          <p:cNvSpPr>
+            <a:spLocks noChangeAspect="1"/>
+          </p:cNvSpPr>
+          <p:nvPr/>
+        </p:nvSpPr>
+        <p:spPr>
+          <a:xfrm>
+            <a:off x="1685700" y="2521212"/>
+            <a:ext cx="182880" cy="182880"/>
+          </a:xfrm>
+          <a:prstGeom prst="ellipse">
+            <a:avLst/>
+          </a:prstGeom>
+          <a:solidFill>
+            <a:schemeClr val="tx1"/>
+          </a:solidFill>
+          <a:ln>
+            <a:noFill/>
+          </a:ln>
+        </p:spPr>
+        <p:style>
+          <a:lnRef idx="2">
+            <a:schemeClr val="accent1">
+              <a:shade val="50000"/>
+            </a:schemeClr>
+          </a:lnRef>
+          <a:fillRef idx="1">
+            <a:schemeClr val="accent1"/>
+          </a:fillRef>
+          <a:effectRef idx="0">
+            <a:schemeClr val="accent1"/>
+          </a:effectRef>
+          <a:fontRef idx="minor">
+            <a:schemeClr val="lt1"/>
+          </a:fontRef>
+        </p:style>
+        <p:txBody>
+          <a:bodyPr rtlCol="0" anchor="ctr"/>
+          <a:lstStyle/>
+          <a:p>
+            <a:pPr algn="ctr"/>
+            <a:endParaRPr lang="en-US"/>
+          </a:p>
+        </p:txBody>
+      </p:sp>
+      <p:cxnSp>
+        <p:nvCxnSpPr>
+          <p:cNvPr id="13" name="Straight Connector 12">
+            <a:extLst>
+              <a:ext uri="{FF2B5EF4-FFF2-40B4-BE49-F238E27FC236}">
+                <a16:creationId xmlns:a16="http://schemas.microsoft.com/office/drawing/2014/main" id="{33191E0E-0121-46FD-8353-EE7B35EFE6EC}"/>
+              </a:ext>
+            </a:extLst>
+          </p:cNvPr>
+          <p:cNvCxnSpPr>
+            <a:cxnSpLocks/>
+          </p:cNvCxnSpPr>
+          <p:nvPr/>
+        </p:nvCxnSpPr>
+        <p:spPr>
+          <a:xfrm>
+            <a:off x="2497385" y="2993271"/>
+            <a:ext cx="0" cy="0"/>
+          </a:xfrm>
+          <a:prstGeom prst="line">
+            <a:avLst/>
+          </a:prstGeom>
+        </p:spPr>
+        <p:style>
+          <a:lnRef idx="1">
+            <a:schemeClr val="accent1"/>
+          </a:lnRef>
+          <a:fillRef idx="0">
+            <a:schemeClr val="accent1"/>
+          </a:fillRef>
+          <a:effectRef idx="0">
+            <a:schemeClr val="accent1"/>
+          </a:effectRef>
+          <a:fontRef idx="minor">
+            <a:schemeClr val="tx1"/>
+          </a:fontRef>
+        </p:style>
+      </p:cxnSp>
+      <mc:AlternateContent xmlns:mc="http://schemas.openxmlformats.org/markup-compatibility/2006">
+        <mc:Choice xmlns:a14="http://schemas.microsoft.com/office/drawing/2010/main" Requires="a14">
+          <p:sp>
+            <p:nvSpPr>
+              <p:cNvPr id="14" name="Rectangle 13">
+                <a:extLst>
+                  <a:ext uri="{FF2B5EF4-FFF2-40B4-BE49-F238E27FC236}">
+                    <a16:creationId xmlns:a16="http://schemas.microsoft.com/office/drawing/2014/main" id="{FA75F9FE-3C11-4C28-81E9-DC158CC3D3DD}"/>
+                  </a:ext>
+                </a:extLst>
+              </p:cNvPr>
+              <p:cNvSpPr/>
+              <p:nvPr/>
+            </p:nvSpPr>
+            <p:spPr>
+              <a:xfrm>
+                <a:off x="1182643" y="2024371"/>
+                <a:ext cx="1665969" cy="461665"/>
+              </a:xfrm>
+              <a:prstGeom prst="rect">
+                <a:avLst/>
+              </a:prstGeom>
+            </p:spPr>
+            <p:txBody>
+              <a:bodyPr wrap="none">
+                <a:spAutoFit/>
+              </a:bodyPr>
+              <a:lstStyle/>
+              <a:p>
+                <a:pPr/>
+                <a14:m>
+                  <m:oMathPara xmlns:m="http://schemas.openxmlformats.org/officeDocument/2006/math">
+                    <m:oMathParaPr>
+                      <m:jc m:val="centerGroup"/>
+                    </m:oMathParaPr>
+                    <m:oMath xmlns:m="http://schemas.openxmlformats.org/officeDocument/2006/math">
+                      <m:sSub>
+                        <m:sSubPr>
+                          <m:ctrlPr>
+                            <a:rPr lang="en-US" sz="2400" b="0" i="1" smtClean="0">
+                              <a:latin typeface="Cambria Math" panose="02040503050406030204" pitchFamily="18" charset="0"/>
+                            </a:rPr>
+                          </m:ctrlPr>
+                        </m:sSubPr>
+                        <m:e>
+                          <m:r>
+                            <a:rPr lang="en-US" sz="2400" b="0" i="1" smtClean="0">
+                              <a:latin typeface="Cambria Math" panose="02040503050406030204" pitchFamily="18" charset="0"/>
+                            </a:rPr>
+                            <m:t>𝑥</m:t>
+                          </m:r>
+                        </m:e>
+                        <m:sub>
+                          <m:r>
+                            <a:rPr lang="en-US" sz="2400" b="0" i="1" smtClean="0">
+                              <a:latin typeface="Cambria Math" panose="02040503050406030204" pitchFamily="18" charset="0"/>
+                            </a:rPr>
+                            <m:t>2</m:t>
+                          </m:r>
+                        </m:sub>
+                      </m:sSub>
+                      <m:r>
+                        <a:rPr lang="en-US" sz="2400" b="0" i="1" smtClean="0">
+                          <a:latin typeface="Cambria Math" panose="02040503050406030204" pitchFamily="18" charset="0"/>
+                        </a:rPr>
+                        <m:t>=</m:t>
+                      </m:r>
+                      <m:d>
+                        <m:dPr>
+                          <m:ctrlPr>
+                            <a:rPr lang="en-US" sz="2400" b="0" i="1" smtClean="0">
+                              <a:latin typeface="Cambria Math" panose="02040503050406030204" pitchFamily="18" charset="0"/>
+                            </a:rPr>
+                          </m:ctrlPr>
+                        </m:dPr>
+                        <m:e>
+                          <m:r>
+                            <a:rPr lang="en-US" sz="2400" b="0" i="1" smtClean="0">
+                              <a:latin typeface="Cambria Math" panose="02040503050406030204" pitchFamily="18" charset="0"/>
+                            </a:rPr>
+                            <m:t>3, 9</m:t>
+                          </m:r>
+                        </m:e>
+                      </m:d>
+                    </m:oMath>
+                  </m:oMathPara>
+                </a14:m>
+                <a:endParaRPr lang="en-US" sz="2400" dirty="0"/>
+              </a:p>
+            </p:txBody>
+          </p:sp>
+        </mc:Choice>
+        <mc:Fallback>
+          <p:sp>
+            <p:nvSpPr>
+              <p:cNvPr id="14" name="Rectangle 13">
+                <a:extLst>
+                  <a:ext uri="{FF2B5EF4-FFF2-40B4-BE49-F238E27FC236}">
+                    <a16:creationId xmlns:a16="http://schemas.microsoft.com/office/drawing/2014/main" id="{FA75F9FE-3C11-4C28-81E9-DC158CC3D3DD}"/>
+                  </a:ext>
+                </a:extLst>
+              </p:cNvPr>
+              <p:cNvSpPr>
+                <a:spLocks noRot="1" noChangeAspect="1" noMove="1" noResize="1" noEditPoints="1" noAdjustHandles="1" noChangeArrowheads="1" noChangeShapeType="1" noTextEdit="1"/>
+              </p:cNvSpPr>
+              <p:nvPr/>
+            </p:nvSpPr>
+            <p:spPr>
+              <a:xfrm>
+                <a:off x="1182643" y="2024371"/>
+                <a:ext cx="1665969" cy="461665"/>
+              </a:xfrm>
+              <a:prstGeom prst="rect">
+                <a:avLst/>
+              </a:prstGeom>
+              <a:blipFill>
+                <a:blip r:embed="rId6"/>
+                <a:stretch>
+                  <a:fillRect b="-1316"/>
+                </a:stretch>
+              </a:blipFill>
+            </p:spPr>
+            <p:txBody>
+              <a:bodyPr/>
+              <a:lstStyle/>
+              <a:p>
+                <a:r>
+                  <a:rPr lang="en-US">
+                    <a:noFill/>
+                  </a:rPr>
+                  <a:t> </a:t>
+                </a:r>
+              </a:p>
+            </p:txBody>
+          </p:sp>
+        </mc:Fallback>
+      </mc:AlternateContent>
+      <mc:AlternateContent xmlns:mc="http://schemas.openxmlformats.org/markup-compatibility/2006">
+        <mc:Choice xmlns:a14="http://schemas.microsoft.com/office/drawing/2010/main" Requires="a14">
+          <p:sp>
+            <p:nvSpPr>
+              <p:cNvPr id="15" name="Rectangle 14">
+                <a:extLst>
+                  <a:ext uri="{FF2B5EF4-FFF2-40B4-BE49-F238E27FC236}">
+                    <a16:creationId xmlns:a16="http://schemas.microsoft.com/office/drawing/2014/main" id="{FA878533-CD89-4AAB-A330-26019B9574BF}"/>
+                  </a:ext>
+                </a:extLst>
+              </p:cNvPr>
+              <p:cNvSpPr/>
+              <p:nvPr/>
+            </p:nvSpPr>
+            <p:spPr>
+              <a:xfrm>
+                <a:off x="7687701" y="1037600"/>
+                <a:ext cx="2132994" cy="461665"/>
+              </a:xfrm>
+              <a:prstGeom prst="rect">
+                <a:avLst/>
+              </a:prstGeom>
+            </p:spPr>
+            <p:txBody>
+              <a:bodyPr wrap="square">
+                <a:spAutoFit/>
+              </a:bodyPr>
+              <a:lstStyle/>
+              <a:p>
+                <a:pPr/>
+                <a14:m>
+                  <m:oMathPara xmlns:m="http://schemas.openxmlformats.org/officeDocument/2006/math">
+                    <m:oMathParaPr>
+                      <m:jc m:val="centerGroup"/>
+                    </m:oMathParaPr>
+                    <m:oMath xmlns:m="http://schemas.openxmlformats.org/officeDocument/2006/math">
+                      <m:sSup>
+                        <m:sSupPr>
+                          <m:ctrlPr>
+                            <a:rPr lang="en-US" sz="2400" i="1" smtClean="0">
+                              <a:latin typeface="Cambria Math" panose="02040503050406030204" pitchFamily="18" charset="0"/>
+                            </a:rPr>
+                          </m:ctrlPr>
+                        </m:sSupPr>
+                        <m:e>
+                          <m:r>
+                            <a:rPr lang="en-US" sz="2400" b="0" i="1" smtClean="0">
+                              <a:latin typeface="Cambria Math" panose="02040503050406030204" pitchFamily="18" charset="0"/>
+                            </a:rPr>
+                            <m:t>+</m:t>
+                          </m:r>
+                          <m:d>
+                            <m:dPr>
+                              <m:ctrlPr>
+                                <a:rPr lang="en-US" sz="2400" i="1">
+                                  <a:latin typeface="Cambria Math" panose="02040503050406030204" pitchFamily="18" charset="0"/>
+                                </a:rPr>
+                              </m:ctrlPr>
+                            </m:dPr>
+                            <m:e>
+                              <m:r>
+                                <a:rPr lang="en-US" sz="2400" i="1" smtClean="0">
+                                  <a:solidFill>
+                                    <a:srgbClr val="0070C0"/>
+                                  </a:solidFill>
+                                  <a:latin typeface="Cambria Math" panose="02040503050406030204" pitchFamily="18" charset="0"/>
+                                </a:rPr>
+                                <m:t>𝜃</m:t>
+                              </m:r>
+                              <m:sSub>
+                                <m:sSubPr>
+                                  <m:ctrlPr>
+                                    <a:rPr lang="en-US" sz="2400" i="1">
+                                      <a:latin typeface="Cambria Math" panose="02040503050406030204" pitchFamily="18" charset="0"/>
+                                    </a:rPr>
+                                  </m:ctrlPr>
+                                </m:sSubPr>
+                                <m:e>
+                                  <m:r>
+                                    <a:rPr lang="en-US" sz="2400" i="1">
+                                      <a:latin typeface="Cambria Math" panose="02040503050406030204" pitchFamily="18" charset="0"/>
+                                    </a:rPr>
+                                    <m:t>𝑥</m:t>
+                                  </m:r>
+                                </m:e>
+                                <m:sub>
+                                  <m:r>
+                                    <a:rPr lang="en-US" sz="2400" i="1">
+                                      <a:latin typeface="Cambria Math" panose="02040503050406030204" pitchFamily="18" charset="0"/>
+                                    </a:rPr>
+                                    <m:t>2</m:t>
+                                  </m:r>
+                                </m:sub>
+                              </m:sSub>
+                              <m:r>
+                                <a:rPr lang="en-US" sz="2400" i="1">
+                                  <a:latin typeface="Cambria Math" panose="02040503050406030204" pitchFamily="18" charset="0"/>
+                                </a:rPr>
+                                <m:t> −</m:t>
+                              </m:r>
+                              <m:sSub>
+                                <m:sSubPr>
+                                  <m:ctrlPr>
+                                    <a:rPr lang="en-US" sz="2400" i="1">
+                                      <a:latin typeface="Cambria Math" panose="02040503050406030204" pitchFamily="18" charset="0"/>
+                                    </a:rPr>
+                                  </m:ctrlPr>
+                                </m:sSubPr>
+                                <m:e>
+                                  <m:r>
+                                    <a:rPr lang="en-US" sz="2400" i="1">
+                                      <a:latin typeface="Cambria Math" panose="02040503050406030204" pitchFamily="18" charset="0"/>
+                                    </a:rPr>
+                                    <m:t>𝑦</m:t>
+                                  </m:r>
+                                </m:e>
+                                <m:sub>
+                                  <m:r>
+                                    <a:rPr lang="en-US" sz="2400" i="1">
+                                      <a:latin typeface="Cambria Math" panose="02040503050406030204" pitchFamily="18" charset="0"/>
+                                    </a:rPr>
+                                    <m:t>2</m:t>
+                                  </m:r>
+                                </m:sub>
+                              </m:sSub>
+                              <m:r>
+                                <a:rPr lang="en-US" sz="2400" i="1">
+                                  <a:latin typeface="Cambria Math" panose="02040503050406030204" pitchFamily="18" charset="0"/>
+                                </a:rPr>
+                                <m:t> </m:t>
+                              </m:r>
+                            </m:e>
+                          </m:d>
+                        </m:e>
+                        <m:sup>
+                          <m:r>
+                            <a:rPr lang="en-US" sz="2400" i="1">
+                              <a:latin typeface="Cambria Math" panose="02040503050406030204" pitchFamily="18" charset="0"/>
+                            </a:rPr>
+                            <m:t>2</m:t>
+                          </m:r>
+                        </m:sup>
+                      </m:sSup>
+                    </m:oMath>
+                  </m:oMathPara>
+                </a14:m>
+                <a:endParaRPr lang="en-US" sz="2400" dirty="0"/>
+              </a:p>
+            </p:txBody>
+          </p:sp>
+        </mc:Choice>
+        <mc:Fallback>
+          <p:sp>
+            <p:nvSpPr>
+              <p:cNvPr id="15" name="Rectangle 14">
+                <a:extLst>
+                  <a:ext uri="{FF2B5EF4-FFF2-40B4-BE49-F238E27FC236}">
+                    <a16:creationId xmlns:a16="http://schemas.microsoft.com/office/drawing/2014/main" id="{FA878533-CD89-4AAB-A330-26019B9574BF}"/>
+                  </a:ext>
+                </a:extLst>
+              </p:cNvPr>
+              <p:cNvSpPr>
+                <a:spLocks noRot="1" noChangeAspect="1" noMove="1" noResize="1" noEditPoints="1" noAdjustHandles="1" noChangeArrowheads="1" noChangeShapeType="1" noTextEdit="1"/>
+              </p:cNvSpPr>
+              <p:nvPr/>
+            </p:nvSpPr>
+            <p:spPr>
+              <a:xfrm>
+                <a:off x="7687701" y="1037600"/>
+                <a:ext cx="2132994" cy="461665"/>
+              </a:xfrm>
+              <a:prstGeom prst="rect">
+                <a:avLst/>
+              </a:prstGeom>
+              <a:blipFill>
+                <a:blip r:embed="rId7"/>
+                <a:stretch>
+                  <a:fillRect b="-10526"/>
+                </a:stretch>
+              </a:blipFill>
+            </p:spPr>
+            <p:txBody>
+              <a:bodyPr/>
+              <a:lstStyle/>
+              <a:p>
+                <a:r>
+                  <a:rPr lang="en-US">
+                    <a:noFill/>
+                  </a:rPr>
+                  <a:t> </a:t>
+                </a:r>
+              </a:p>
+            </p:txBody>
+          </p:sp>
+        </mc:Fallback>
+      </mc:AlternateContent>
+      <mc:AlternateContent xmlns:mc="http://schemas.openxmlformats.org/markup-compatibility/2006">
+        <mc:Choice xmlns:a14="http://schemas.microsoft.com/office/drawing/2010/main" Requires="a14">
+          <p:sp>
+            <p:nvSpPr>
+              <p:cNvPr id="16" name="TextBox 15">
+                <a:extLst>
+                  <a:ext uri="{FF2B5EF4-FFF2-40B4-BE49-F238E27FC236}">
+                    <a16:creationId xmlns:a16="http://schemas.microsoft.com/office/drawing/2014/main" id="{210B2DBE-412B-48BA-9F82-BE1126206CD9}"/>
+                  </a:ext>
+                </a:extLst>
+              </p:cNvPr>
+              <p:cNvSpPr txBox="1"/>
+              <p:nvPr/>
+            </p:nvSpPr>
+            <p:spPr>
+              <a:xfrm>
+                <a:off x="3406435" y="199999"/>
+                <a:ext cx="1801331" cy="769441"/>
+              </a:xfrm>
+              <a:prstGeom prst="rect">
+                <a:avLst/>
+              </a:prstGeom>
+              <a:noFill/>
+            </p:spPr>
+            <p:txBody>
+              <a:bodyPr wrap="square" rtlCol="0">
+                <a:spAutoFit/>
+              </a:bodyPr>
+              <a:lstStyle/>
+              <a:p>
+                <a:pPr/>
+                <a14:m>
+                  <m:oMathPara xmlns:m="http://schemas.openxmlformats.org/officeDocument/2006/math">
+                    <m:oMathParaPr>
+                      <m:jc m:val="centerGroup"/>
+                    </m:oMathParaPr>
+                    <m:oMath xmlns:m="http://schemas.openxmlformats.org/officeDocument/2006/math">
+                      <m:r>
+                        <a:rPr lang="en-US" sz="4400" b="0" i="1" smtClean="0">
+                          <a:latin typeface="Cambria Math" panose="02040503050406030204" pitchFamily="18" charset="0"/>
+                        </a:rPr>
+                        <m:t>𝑚</m:t>
+                      </m:r>
+                      <m:r>
+                        <a:rPr lang="en-US" sz="4400" b="0" i="1" smtClean="0">
+                          <a:latin typeface="Cambria Math" panose="02040503050406030204" pitchFamily="18" charset="0"/>
+                        </a:rPr>
+                        <m:t>=2</m:t>
+                      </m:r>
+                    </m:oMath>
+                  </m:oMathPara>
+                </a14:m>
+                <a:endParaRPr lang="en-US" sz="4400" dirty="0"/>
+              </a:p>
+            </p:txBody>
+          </p:sp>
+        </mc:Choice>
+        <mc:Fallback>
+          <p:sp>
+            <p:nvSpPr>
+              <p:cNvPr id="16" name="TextBox 15">
+                <a:extLst>
+                  <a:ext uri="{FF2B5EF4-FFF2-40B4-BE49-F238E27FC236}">
+                    <a16:creationId xmlns:a16="http://schemas.microsoft.com/office/drawing/2014/main" id="{210B2DBE-412B-48BA-9F82-BE1126206CD9}"/>
+                  </a:ext>
+                </a:extLst>
+              </p:cNvPr>
+              <p:cNvSpPr txBox="1">
+                <a:spLocks noRot="1" noChangeAspect="1" noMove="1" noResize="1" noEditPoints="1" noAdjustHandles="1" noChangeArrowheads="1" noChangeShapeType="1" noTextEdit="1"/>
+              </p:cNvSpPr>
+              <p:nvPr/>
+            </p:nvSpPr>
+            <p:spPr>
+              <a:xfrm>
+                <a:off x="3406435" y="199999"/>
+                <a:ext cx="1801331" cy="769441"/>
+              </a:xfrm>
+              <a:prstGeom prst="rect">
+                <a:avLst/>
+              </a:prstGeom>
+              <a:blipFill>
+                <a:blip r:embed="rId8"/>
+                <a:stretch>
+                  <a:fillRect/>
+                </a:stretch>
+              </a:blipFill>
+            </p:spPr>
+            <p:txBody>
+              <a:bodyPr/>
+              <a:lstStyle/>
+              <a:p>
+                <a:r>
+                  <a:rPr lang="en-US">
+                    <a:noFill/>
+                  </a:rPr>
+                  <a:t> </a:t>
+                </a:r>
+              </a:p>
+            </p:txBody>
+          </p:sp>
+        </mc:Fallback>
+      </mc:AlternateContent>
+      <mc:AlternateContent xmlns:mc="http://schemas.openxmlformats.org/markup-compatibility/2006">
+        <mc:Choice xmlns:a14="http://schemas.microsoft.com/office/drawing/2010/main" Requires="a14">
+          <p:sp>
+            <p:nvSpPr>
+              <p:cNvPr id="17" name="Rectangle 16">
+                <a:extLst>
+                  <a:ext uri="{FF2B5EF4-FFF2-40B4-BE49-F238E27FC236}">
+                    <a16:creationId xmlns:a16="http://schemas.microsoft.com/office/drawing/2014/main" id="{DF664F29-DF35-41FA-B3D1-2A39129B4FB4}"/>
+                  </a:ext>
+                </a:extLst>
+              </p:cNvPr>
+              <p:cNvSpPr/>
+              <p:nvPr/>
+            </p:nvSpPr>
+            <p:spPr>
+              <a:xfrm>
+                <a:off x="968214" y="199999"/>
+                <a:ext cx="2007536" cy="769441"/>
+              </a:xfrm>
+              <a:prstGeom prst="rect">
+                <a:avLst/>
+              </a:prstGeom>
+            </p:spPr>
+            <p:txBody>
+              <a:bodyPr wrap="none">
+                <a:spAutoFit/>
+              </a:bodyPr>
+              <a:lstStyle/>
+              <a:p>
+                <a:pPr/>
+                <a14:m>
+                  <m:oMathPara xmlns:m="http://schemas.openxmlformats.org/officeDocument/2006/math">
+                    <m:oMathParaPr>
+                      <m:jc m:val="centerGroup"/>
+                    </m:oMathParaPr>
+                    <m:oMath xmlns:m="http://schemas.openxmlformats.org/officeDocument/2006/math">
+                      <m:r>
+                        <a:rPr lang="en-US" sz="4400" i="1" smtClean="0">
+                          <a:solidFill>
+                            <a:srgbClr val="0070C0"/>
+                          </a:solidFill>
+                          <a:latin typeface="Cambria Math" panose="02040503050406030204" pitchFamily="18" charset="0"/>
+                        </a:rPr>
+                        <m:t>𝑦</m:t>
+                      </m:r>
+                      <m:r>
+                        <a:rPr lang="en-US" sz="4400" i="1" smtClean="0">
+                          <a:solidFill>
+                            <a:srgbClr val="0070C0"/>
+                          </a:solidFill>
+                          <a:latin typeface="Cambria Math" panose="02040503050406030204" pitchFamily="18" charset="0"/>
+                        </a:rPr>
+                        <m:t>=</m:t>
+                      </m:r>
+                      <m:r>
+                        <a:rPr lang="en-US" sz="4400" b="0" i="1" smtClean="0">
+                          <a:solidFill>
+                            <a:srgbClr val="0070C0"/>
+                          </a:solidFill>
+                          <a:latin typeface="Cambria Math" panose="02040503050406030204" pitchFamily="18" charset="0"/>
+                        </a:rPr>
+                        <m:t>𝜃</m:t>
+                      </m:r>
+                      <m:r>
+                        <a:rPr lang="en-US" sz="4400" i="1" smtClean="0">
+                          <a:solidFill>
+                            <a:srgbClr val="0070C0"/>
+                          </a:solidFill>
+                          <a:latin typeface="Cambria Math" panose="02040503050406030204" pitchFamily="18" charset="0"/>
+                        </a:rPr>
+                        <m:t>𝑥</m:t>
+                      </m:r>
+                    </m:oMath>
+                  </m:oMathPara>
+                </a14:m>
+                <a:endParaRPr lang="en-US" sz="4400" dirty="0">
+                  <a:solidFill>
+                    <a:srgbClr val="0070C0"/>
+                  </a:solidFill>
+                </a:endParaRPr>
+              </a:p>
+            </p:txBody>
+          </p:sp>
+        </mc:Choice>
+        <mc:Fallback>
+          <p:sp>
+            <p:nvSpPr>
+              <p:cNvPr id="17" name="Rectangle 16">
+                <a:extLst>
+                  <a:ext uri="{FF2B5EF4-FFF2-40B4-BE49-F238E27FC236}">
+                    <a16:creationId xmlns:a16="http://schemas.microsoft.com/office/drawing/2014/main" id="{DF664F29-DF35-41FA-B3D1-2A39129B4FB4}"/>
+                  </a:ext>
+                </a:extLst>
+              </p:cNvPr>
+              <p:cNvSpPr>
+                <a:spLocks noRot="1" noChangeAspect="1" noMove="1" noResize="1" noEditPoints="1" noAdjustHandles="1" noChangeArrowheads="1" noChangeShapeType="1" noTextEdit="1"/>
+              </p:cNvSpPr>
+              <p:nvPr/>
+            </p:nvSpPr>
+            <p:spPr>
+              <a:xfrm>
+                <a:off x="968214" y="199999"/>
+                <a:ext cx="2007536" cy="769441"/>
+              </a:xfrm>
+              <a:prstGeom prst="rect">
+                <a:avLst/>
+              </a:prstGeom>
+              <a:blipFill>
+                <a:blip r:embed="rId9"/>
+                <a:stretch>
+                  <a:fillRect/>
+                </a:stretch>
+              </a:blipFill>
+            </p:spPr>
+            <p:txBody>
+              <a:bodyPr/>
+              <a:lstStyle/>
+              <a:p>
+                <a:r>
+                  <a:rPr lang="en-US">
+                    <a:noFill/>
+                  </a:rPr>
+                  <a:t> </a:t>
+                </a:r>
+              </a:p>
+            </p:txBody>
+          </p:sp>
+        </mc:Fallback>
+      </mc:AlternateContent>
+      <mc:AlternateContent xmlns:mc="http://schemas.openxmlformats.org/markup-compatibility/2006">
+        <mc:Choice xmlns:a14="http://schemas.microsoft.com/office/drawing/2010/main" Requires="a14">
+          <p:sp>
+            <p:nvSpPr>
+              <p:cNvPr id="18" name="Rectangle 17">
+                <a:extLst>
+                  <a:ext uri="{FF2B5EF4-FFF2-40B4-BE49-F238E27FC236}">
+                    <a16:creationId xmlns:a16="http://schemas.microsoft.com/office/drawing/2014/main" id="{B72C0D5A-E383-4695-8237-1D4B4C78D336}"/>
+                  </a:ext>
+                </a:extLst>
+              </p:cNvPr>
+              <p:cNvSpPr/>
+              <p:nvPr/>
+            </p:nvSpPr>
+            <p:spPr>
+              <a:xfrm>
+                <a:off x="3261461" y="1562706"/>
+                <a:ext cx="1176476" cy="461665"/>
+              </a:xfrm>
+              <a:prstGeom prst="rect">
+                <a:avLst/>
+              </a:prstGeom>
+            </p:spPr>
+            <p:txBody>
+              <a:bodyPr wrap="none">
+                <a:spAutoFit/>
+              </a:bodyPr>
+              <a:lstStyle/>
+              <a:p>
+                <a:pPr/>
+                <a14:m>
+                  <m:oMathPara xmlns:m="http://schemas.openxmlformats.org/officeDocument/2006/math">
+                    <m:oMathParaPr>
+                      <m:jc m:val="centerGroup"/>
+                    </m:oMathParaPr>
+                    <m:oMath xmlns:m="http://schemas.openxmlformats.org/officeDocument/2006/math">
+                      <m:r>
+                        <a:rPr lang="en-US" sz="2400" i="1" smtClean="0">
+                          <a:solidFill>
+                            <a:srgbClr val="0070C0"/>
+                          </a:solidFill>
+                          <a:latin typeface="Cambria Math" panose="02040503050406030204" pitchFamily="18" charset="0"/>
+                        </a:rPr>
+                        <m:t>𝑦</m:t>
+                      </m:r>
+                      <m:r>
+                        <a:rPr lang="en-US" sz="2400" i="1" smtClean="0">
+                          <a:solidFill>
+                            <a:srgbClr val="0070C0"/>
+                          </a:solidFill>
+                          <a:latin typeface="Cambria Math" panose="02040503050406030204" pitchFamily="18" charset="0"/>
+                        </a:rPr>
+                        <m:t>=</m:t>
+                      </m:r>
+                      <m:r>
+                        <a:rPr lang="en-US" sz="2400" b="0" i="1" smtClean="0">
+                          <a:solidFill>
+                            <a:srgbClr val="0070C0"/>
+                          </a:solidFill>
+                          <a:latin typeface="Cambria Math" panose="02040503050406030204" pitchFamily="18" charset="0"/>
+                        </a:rPr>
+                        <m:t>𝜃</m:t>
+                      </m:r>
+                      <m:r>
+                        <a:rPr lang="en-US" sz="2400" i="1" smtClean="0">
+                          <a:solidFill>
+                            <a:srgbClr val="0070C0"/>
+                          </a:solidFill>
+                          <a:latin typeface="Cambria Math" panose="02040503050406030204" pitchFamily="18" charset="0"/>
+                        </a:rPr>
+                        <m:t>𝑥</m:t>
+                      </m:r>
+                    </m:oMath>
+                  </m:oMathPara>
+                </a14:m>
+                <a:endParaRPr lang="en-US" sz="2400" dirty="0">
+                  <a:solidFill>
+                    <a:srgbClr val="0070C0"/>
+                  </a:solidFill>
+                </a:endParaRPr>
+              </a:p>
+            </p:txBody>
+          </p:sp>
+        </mc:Choice>
+        <mc:Fallback>
+          <p:sp>
+            <p:nvSpPr>
+              <p:cNvPr id="18" name="Rectangle 17">
+                <a:extLst>
+                  <a:ext uri="{FF2B5EF4-FFF2-40B4-BE49-F238E27FC236}">
+                    <a16:creationId xmlns:a16="http://schemas.microsoft.com/office/drawing/2014/main" id="{B72C0D5A-E383-4695-8237-1D4B4C78D336}"/>
+                  </a:ext>
+                </a:extLst>
+              </p:cNvPr>
+              <p:cNvSpPr>
+                <a:spLocks noRot="1" noChangeAspect="1" noMove="1" noResize="1" noEditPoints="1" noAdjustHandles="1" noChangeArrowheads="1" noChangeShapeType="1" noTextEdit="1"/>
+              </p:cNvSpPr>
+              <p:nvPr/>
+            </p:nvSpPr>
+            <p:spPr>
+              <a:xfrm>
+                <a:off x="3261461" y="1562706"/>
+                <a:ext cx="1176476" cy="461665"/>
+              </a:xfrm>
+              <a:prstGeom prst="rect">
+                <a:avLst/>
+              </a:prstGeom>
+              <a:blipFill>
+                <a:blip r:embed="rId10"/>
+                <a:stretch>
+                  <a:fillRect b="-10526"/>
+                </a:stretch>
+              </a:blipFill>
+            </p:spPr>
+            <p:txBody>
+              <a:bodyPr/>
+              <a:lstStyle/>
+              <a:p>
+                <a:r>
+                  <a:rPr lang="en-US">
+                    <a:noFill/>
+                  </a:rPr>
+                  <a:t> </a:t>
+                </a:r>
+              </a:p>
+            </p:txBody>
+          </p:sp>
+        </mc:Fallback>
+      </mc:AlternateContent>
+      <mc:AlternateContent xmlns:mc="http://schemas.openxmlformats.org/markup-compatibility/2006">
+        <mc:Choice xmlns:a14="http://schemas.microsoft.com/office/drawing/2010/main" Requires="a14">
+          <p:sp>
+            <p:nvSpPr>
+              <p:cNvPr id="23" name="Rectangle 22">
+                <a:extLst>
+                  <a:ext uri="{FF2B5EF4-FFF2-40B4-BE49-F238E27FC236}">
+                    <a16:creationId xmlns:a16="http://schemas.microsoft.com/office/drawing/2014/main" id="{BCFC5B40-EC28-43C7-8BB6-79732F6BF625}"/>
+                  </a:ext>
+                </a:extLst>
+              </p:cNvPr>
+              <p:cNvSpPr/>
+              <p:nvPr/>
+            </p:nvSpPr>
+            <p:spPr>
+              <a:xfrm>
+                <a:off x="7729268" y="1582342"/>
+                <a:ext cx="4424501" cy="1100558"/>
+              </a:xfrm>
+              <a:prstGeom prst="rect">
+                <a:avLst/>
+              </a:prstGeom>
+            </p:spPr>
+            <p:txBody>
+              <a:bodyPr wrap="square">
+                <a:spAutoFit/>
+              </a:bodyPr>
+              <a:lstStyle/>
+              <a:p>
+                <a:pPr/>
+                <a14:m>
+                  <m:oMathPara xmlns:m="http://schemas.openxmlformats.org/officeDocument/2006/math">
+                    <m:oMathParaPr>
+                      <m:jc m:val="centerGroup"/>
+                    </m:oMathParaPr>
+                    <m:oMath xmlns:m="http://schemas.openxmlformats.org/officeDocument/2006/math">
+                      <m:r>
+                        <a:rPr lang="en-US" sz="2400" b="0" i="1" smtClean="0">
+                          <a:latin typeface="Cambria Math" panose="02040503050406030204" pitchFamily="18" charset="0"/>
+                        </a:rPr>
+                        <m:t>=</m:t>
+                      </m:r>
+                      <m:d>
+                        <m:dPr>
+                          <m:ctrlPr>
+                            <a:rPr lang="en-US" sz="2400" b="0" i="1" smtClean="0">
+                              <a:latin typeface="Cambria Math" panose="02040503050406030204" pitchFamily="18" charset="0"/>
+                            </a:rPr>
+                          </m:ctrlPr>
+                        </m:dPr>
+                        <m:e>
+                          <m:r>
+                            <a:rPr lang="en-US" sz="2400" b="0" i="1" smtClean="0">
+                              <a:latin typeface="Cambria Math" panose="02040503050406030204" pitchFamily="18" charset="0"/>
+                            </a:rPr>
+                            <m:t>2</m:t>
+                          </m:r>
+                          <m:nary>
+                            <m:naryPr>
+                              <m:chr m:val="∑"/>
+                              <m:ctrlPr>
+                                <a:rPr lang="en-US" sz="2400" b="0" i="1" smtClean="0">
+                                  <a:latin typeface="Cambria Math" panose="02040503050406030204" pitchFamily="18" charset="0"/>
+                                </a:rPr>
+                              </m:ctrlPr>
+                            </m:naryPr>
+                            <m:sub>
+                              <m:r>
+                                <a:rPr lang="en-US" sz="2400" b="0" i="1" smtClean="0">
+                                  <a:latin typeface="Cambria Math" panose="02040503050406030204" pitchFamily="18" charset="0"/>
+                                </a:rPr>
+                                <m:t>𝑖</m:t>
+                              </m:r>
+                              <m:r>
+                                <a:rPr lang="en-US" sz="2400" b="0" i="1" smtClean="0">
+                                  <a:latin typeface="Cambria Math" panose="02040503050406030204" pitchFamily="18" charset="0"/>
+                                </a:rPr>
+                                <m:t>=1</m:t>
+                              </m:r>
+                            </m:sub>
+                            <m:sup>
+                              <m:r>
+                                <a:rPr lang="en-US" sz="2400" b="0" i="1" smtClean="0">
+                                  <a:latin typeface="Cambria Math" panose="02040503050406030204" pitchFamily="18" charset="0"/>
+                                </a:rPr>
+                                <m:t>𝑚</m:t>
+                              </m:r>
+                            </m:sup>
+                            <m:e>
+                              <m:sSubSup>
+                                <m:sSubSupPr>
+                                  <m:ctrlPr>
+                                    <a:rPr lang="en-US" sz="2400" b="0" i="1" smtClean="0">
+                                      <a:latin typeface="Cambria Math" panose="02040503050406030204" pitchFamily="18" charset="0"/>
+                                    </a:rPr>
+                                  </m:ctrlPr>
+                                </m:sSubSupPr>
+                                <m:e>
+                                  <m:r>
+                                    <a:rPr lang="en-US" sz="2400" b="0" i="1" smtClean="0">
+                                      <a:latin typeface="Cambria Math" panose="02040503050406030204" pitchFamily="18" charset="0"/>
+                                    </a:rPr>
+                                    <m:t>𝑥</m:t>
+                                  </m:r>
+                                </m:e>
+                                <m:sub>
+                                  <m:r>
+                                    <a:rPr lang="en-US" sz="2400" b="0" i="1" smtClean="0">
+                                      <a:latin typeface="Cambria Math" panose="02040503050406030204" pitchFamily="18" charset="0"/>
+                                    </a:rPr>
+                                    <m:t>𝑖</m:t>
+                                  </m:r>
+                                </m:sub>
+                                <m:sup>
+                                  <m:r>
+                                    <a:rPr lang="en-US" sz="2400" b="0" i="1" smtClean="0">
+                                      <a:latin typeface="Cambria Math" panose="02040503050406030204" pitchFamily="18" charset="0"/>
+                                    </a:rPr>
+                                    <m:t>2</m:t>
+                                  </m:r>
+                                </m:sup>
+                              </m:sSubSup>
+                            </m:e>
+                          </m:nary>
+                        </m:e>
+                      </m:d>
+                      <m:sSup>
+                        <m:sSupPr>
+                          <m:ctrlPr>
+                            <a:rPr lang="en-US" sz="2400" b="0" i="1" smtClean="0">
+                              <a:latin typeface="Cambria Math" panose="02040503050406030204" pitchFamily="18" charset="0"/>
+                            </a:rPr>
+                          </m:ctrlPr>
+                        </m:sSupPr>
+                        <m:e>
+                          <m:r>
+                            <a:rPr lang="en-US" sz="2400" b="0" i="1" smtClean="0">
+                              <a:solidFill>
+                                <a:srgbClr val="0070C0"/>
+                              </a:solidFill>
+                              <a:latin typeface="Cambria Math" panose="02040503050406030204" pitchFamily="18" charset="0"/>
+                            </a:rPr>
+                            <m:t>𝜃</m:t>
+                          </m:r>
+                        </m:e>
+                        <m:sup>
+                          <m:r>
+                            <a:rPr lang="en-US" sz="2400" b="0" i="1" smtClean="0">
+                              <a:latin typeface="Cambria Math" panose="02040503050406030204" pitchFamily="18" charset="0"/>
+                            </a:rPr>
+                            <m:t>2</m:t>
+                          </m:r>
+                        </m:sup>
+                      </m:sSup>
+                      <m:r>
+                        <a:rPr lang="en-US" sz="2400" b="0" i="1" smtClean="0">
+                          <a:latin typeface="Cambria Math" panose="02040503050406030204" pitchFamily="18" charset="0"/>
+                        </a:rPr>
+                        <m:t>−</m:t>
+                      </m:r>
+                      <m:d>
+                        <m:dPr>
+                          <m:ctrlPr>
+                            <a:rPr lang="en-US" sz="2400" b="0" i="1" smtClean="0">
+                              <a:latin typeface="Cambria Math" panose="02040503050406030204" pitchFamily="18" charset="0"/>
+                            </a:rPr>
+                          </m:ctrlPr>
+                        </m:dPr>
+                        <m:e>
+                          <m:r>
+                            <a:rPr lang="en-US" sz="2400" b="0" i="1" smtClean="0">
+                              <a:latin typeface="Cambria Math" panose="02040503050406030204" pitchFamily="18" charset="0"/>
+                            </a:rPr>
+                            <m:t>2</m:t>
+                          </m:r>
+                          <m:nary>
+                            <m:naryPr>
+                              <m:chr m:val="∑"/>
+                              <m:ctrlPr>
+                                <a:rPr lang="en-US" sz="2400" b="0" i="1" smtClean="0">
+                                  <a:latin typeface="Cambria Math" panose="02040503050406030204" pitchFamily="18" charset="0"/>
+                                </a:rPr>
+                              </m:ctrlPr>
+                            </m:naryPr>
+                            <m:sub>
+                              <m:r>
+                                <a:rPr lang="en-US" sz="2400" b="0" i="1" smtClean="0">
+                                  <a:latin typeface="Cambria Math" panose="02040503050406030204" pitchFamily="18" charset="0"/>
+                                </a:rPr>
+                                <m:t>𝑖</m:t>
+                              </m:r>
+                              <m:r>
+                                <a:rPr lang="en-US" sz="2400" b="0" i="1" smtClean="0">
+                                  <a:latin typeface="Cambria Math" panose="02040503050406030204" pitchFamily="18" charset="0"/>
+                                </a:rPr>
+                                <m:t>=1</m:t>
+                              </m:r>
+                            </m:sub>
+                            <m:sup>
+                              <m:r>
+                                <a:rPr lang="en-US" sz="2400" b="0" i="1" smtClean="0">
+                                  <a:latin typeface="Cambria Math" panose="02040503050406030204" pitchFamily="18" charset="0"/>
+                                </a:rPr>
+                                <m:t>𝑚</m:t>
+                              </m:r>
+                            </m:sup>
+                            <m:e>
+                              <m:sSub>
+                                <m:sSubPr>
+                                  <m:ctrlPr>
+                                    <a:rPr lang="en-US" sz="2400" b="0" i="1" smtClean="0">
+                                      <a:latin typeface="Cambria Math" panose="02040503050406030204" pitchFamily="18" charset="0"/>
+                                    </a:rPr>
+                                  </m:ctrlPr>
+                                </m:sSubPr>
+                                <m:e>
+                                  <m:r>
+                                    <a:rPr lang="en-US" sz="2400" b="0" i="1" smtClean="0">
+                                      <a:latin typeface="Cambria Math" panose="02040503050406030204" pitchFamily="18" charset="0"/>
+                                    </a:rPr>
+                                    <m:t>𝑥</m:t>
+                                  </m:r>
+                                </m:e>
+                                <m:sub>
+                                  <m:r>
+                                    <a:rPr lang="en-US" sz="2400" b="0" i="1" smtClean="0">
+                                      <a:latin typeface="Cambria Math" panose="02040503050406030204" pitchFamily="18" charset="0"/>
+                                    </a:rPr>
+                                    <m:t>𝑖</m:t>
+                                  </m:r>
+                                </m:sub>
+                              </m:sSub>
+                              <m:sSub>
+                                <m:sSubPr>
+                                  <m:ctrlPr>
+                                    <a:rPr lang="en-US" sz="2400" b="0" i="1" smtClean="0">
+                                      <a:latin typeface="Cambria Math" panose="02040503050406030204" pitchFamily="18" charset="0"/>
+                                    </a:rPr>
+                                  </m:ctrlPr>
+                                </m:sSubPr>
+                                <m:e>
+                                  <m:r>
+                                    <a:rPr lang="en-US" sz="2400" b="0" i="1" smtClean="0">
+                                      <a:latin typeface="Cambria Math" panose="02040503050406030204" pitchFamily="18" charset="0"/>
+                                    </a:rPr>
+                                    <m:t>𝑦</m:t>
+                                  </m:r>
+                                </m:e>
+                                <m:sub>
+                                  <m:r>
+                                    <a:rPr lang="en-US" sz="2400" b="0" i="1" smtClean="0">
+                                      <a:latin typeface="Cambria Math" panose="02040503050406030204" pitchFamily="18" charset="0"/>
+                                    </a:rPr>
+                                    <m:t>𝑖</m:t>
+                                  </m:r>
+                                </m:sub>
+                              </m:sSub>
+                            </m:e>
+                          </m:nary>
+                        </m:e>
+                      </m:d>
+                      <m:r>
+                        <a:rPr lang="en-US" sz="2400" b="0" i="1" smtClean="0">
+                          <a:solidFill>
+                            <a:srgbClr val="0070C0"/>
+                          </a:solidFill>
+                          <a:latin typeface="Cambria Math" panose="02040503050406030204" pitchFamily="18" charset="0"/>
+                        </a:rPr>
+                        <m:t>𝜃</m:t>
+                      </m:r>
+                    </m:oMath>
+                  </m:oMathPara>
+                </a14:m>
+                <a:endParaRPr lang="en-US" sz="2400" dirty="0"/>
+              </a:p>
+            </p:txBody>
+          </p:sp>
+        </mc:Choice>
+        <mc:Fallback>
+          <p:sp>
+            <p:nvSpPr>
+              <p:cNvPr id="23" name="Rectangle 22">
+                <a:extLst>
+                  <a:ext uri="{FF2B5EF4-FFF2-40B4-BE49-F238E27FC236}">
+                    <a16:creationId xmlns:a16="http://schemas.microsoft.com/office/drawing/2014/main" id="{BCFC5B40-EC28-43C7-8BB6-79732F6BF625}"/>
+                  </a:ext>
+                </a:extLst>
+              </p:cNvPr>
+              <p:cNvSpPr>
+                <a:spLocks noRot="1" noChangeAspect="1" noMove="1" noResize="1" noEditPoints="1" noAdjustHandles="1" noChangeArrowheads="1" noChangeShapeType="1" noTextEdit="1"/>
+              </p:cNvSpPr>
+              <p:nvPr/>
+            </p:nvSpPr>
+            <p:spPr>
+              <a:xfrm>
+                <a:off x="7729268" y="1582342"/>
+                <a:ext cx="4424501" cy="1100558"/>
+              </a:xfrm>
+              <a:prstGeom prst="rect">
+                <a:avLst/>
+              </a:prstGeom>
+              <a:blipFill>
+                <a:blip r:embed="rId11"/>
+                <a:stretch>
+                  <a:fillRect/>
+                </a:stretch>
+              </a:blipFill>
+            </p:spPr>
+            <p:txBody>
+              <a:bodyPr/>
+              <a:lstStyle/>
+              <a:p>
+                <a:r>
+                  <a:rPr lang="en-US">
+                    <a:noFill/>
+                  </a:rPr>
+                  <a:t> </a:t>
+                </a:r>
+              </a:p>
+            </p:txBody>
+          </p:sp>
+        </mc:Fallback>
+      </mc:AlternateContent>
+    </p:spTree>
+    <p:extLst>
+      <p:ext uri="{BB962C8B-B14F-4D97-AF65-F5344CB8AC3E}">
+        <p14:creationId xmlns:p14="http://schemas.microsoft.com/office/powerpoint/2010/main" val="2154513507"/>
+      </p:ext>
+    </p:extLst>
+  </p:cSld>
+  <p:clrMapOvr>
+    <a:masterClrMapping/>
+  </p:clrMapOvr>
+  <mc:AlternateContent xmlns:mc="http://schemas.openxmlformats.org/markup-compatibility/2006">
+    <mc:Choice xmlns:p159="http://schemas.microsoft.com/office/powerpoint/2015/09/main" Requires="p159">
+      <p:transition xmlns:p14="http://schemas.microsoft.com/office/powerpoint/2010/main" spd="slow" p14:dur="2000">
+        <p159:morph option="byObject"/>
+      </p:transition>
+    </mc:Choice>
+    <mc:Fallback>
+      <p:transition spd="slow">
+        <p:fade/>
+      </p:transition>
+    </mc:Fallback>
+  </mc:AlternateContent>
+</p:sld>
+</file>
+
+<file path=ppt/slides/slide12.xml><?xml version="1.0" encoding="utf-8"?>
+<p:sld xmlns:a="http://schemas.openxmlformats.org/drawingml/2006/main" xmlns:r="http://schemas.openxmlformats.org/officeDocument/2006/relationships" xmlns:p="http://schemas.openxmlformats.org/presentationml/2006/main">
+  <p:cSld>
+    <p:spTree>
+      <p:nvGrpSpPr>
+        <p:cNvPr id="1" name=""/>
+        <p:cNvGrpSpPr/>
+        <p:nvPr/>
+      </p:nvGrpSpPr>
+      <p:grpSpPr>
+        <a:xfrm>
+          <a:off x="0" y="0"/>
+          <a:ext cx="0" cy="0"/>
+          <a:chOff x="0" y="0"/>
+          <a:chExt cx="0" cy="0"/>
+        </a:xfrm>
+      </p:grpSpPr>
       <mc:AlternateContent xmlns:mc="http://schemas.openxmlformats.org/markup-compatibility/2006" xmlns:a14="http://schemas.microsoft.com/office/drawing/2010/main">
         <mc:Choice Requires="a14">
           <p:sp>
@@ -10033,7 +12305,7 @@
 </p:sld>
 </file>
 
-<file path=ppt/slides/slide12.xml><?xml version="1.0" encoding="utf-8"?>
+<file path=ppt/slides/slide13.xml><?xml version="1.0" encoding="utf-8"?>
 <p:sld xmlns:a="http://schemas.openxmlformats.org/drawingml/2006/main" xmlns:r="http://schemas.openxmlformats.org/officeDocument/2006/relationships" xmlns:p="http://schemas.openxmlformats.org/presentationml/2006/main">
   <p:cSld>
     <p:spTree>
@@ -11944,7 +14216,7 @@
 </p:sld>
 </file>
 
-<file path=ppt/slides/slide13.xml><?xml version="1.0" encoding="utf-8"?>
+<file path=ppt/slides/slide14.xml><?xml version="1.0" encoding="utf-8"?>
 <p:sld xmlns:a="http://schemas.openxmlformats.org/drawingml/2006/main" xmlns:r="http://schemas.openxmlformats.org/officeDocument/2006/relationships" xmlns:p="http://schemas.openxmlformats.org/presentationml/2006/main">
   <p:cSld>
     <p:spTree>
@@ -15066,7 +17338,7 @@
 </p:sld>
 </file>
 
-<file path=ppt/slides/slide14.xml><?xml version="1.0" encoding="utf-8"?>
+<file path=ppt/slides/slide15.xml><?xml version="1.0" encoding="utf-8"?>
 <p:sld xmlns:a="http://schemas.openxmlformats.org/drawingml/2006/main" xmlns:r="http://schemas.openxmlformats.org/officeDocument/2006/relationships" xmlns:p="http://schemas.openxmlformats.org/presentationml/2006/main">
   <p:cSld>
     <p:spTree>
@@ -17065,22 +19337,13 @@
               <a:t>5</a:t>
             </a:r>
             <a:r>
-              <a:rPr lang="en-US" sz="2400">
-                <a:solidFill>
-                  <a:srgbClr val="D4D4D4"/>
-                </a:solidFill>
-                <a:latin typeface="Consolas" panose="020B0609020204030204" pitchFamily="49" charset="0"/>
-              </a:rPr>
-              <a:t>) y=theta</a:t>
-            </a:r>
-            <a:r>
               <a:rPr lang="en-US" sz="2400" dirty="0">
                 <a:solidFill>
                   <a:srgbClr val="D4D4D4"/>
                 </a:solidFill>
                 <a:latin typeface="Consolas" panose="020B0609020204030204" pitchFamily="49" charset="0"/>
               </a:rPr>
-              <a:t>*x</a:t>
+              <a:t>) y=theta*x</a:t>
             </a:r>
           </a:p>
           <a:p>
@@ -17188,7 +19451,7 @@
 </p:sld>
 </file>
 
-<file path=ppt/slides/slide15.xml><?xml version="1.0" encoding="utf-8"?>
+<file path=ppt/slides/slide16.xml><?xml version="1.0" encoding="utf-8"?>
 <p:sld xmlns:a="http://schemas.openxmlformats.org/drawingml/2006/main" xmlns:r="http://schemas.openxmlformats.org/officeDocument/2006/relationships" xmlns:p="http://schemas.openxmlformats.org/presentationml/2006/main">
   <p:cSld>
     <p:spTree>
@@ -18068,7 +20331,7 @@
 </p:sld>
 </file>
 
-<file path=ppt/slides/slide16.xml><?xml version="1.0" encoding="utf-8"?>
+<file path=ppt/slides/slide17.xml><?xml version="1.0" encoding="utf-8"?>
 <p:sld xmlns:a="http://schemas.openxmlformats.org/drawingml/2006/main" xmlns:r="http://schemas.openxmlformats.org/officeDocument/2006/relationships" xmlns:p="http://schemas.openxmlformats.org/presentationml/2006/main">
   <p:cSld>
     <p:spTree>
@@ -19647,7 +21910,7 @@
 </p:sld>
 </file>
 
-<file path=ppt/slides/slide17.xml><?xml version="1.0" encoding="utf-8"?>
+<file path=ppt/slides/slide18.xml><?xml version="1.0" encoding="utf-8"?>
 <p:sld xmlns:a="http://schemas.openxmlformats.org/drawingml/2006/main" xmlns:r="http://schemas.openxmlformats.org/officeDocument/2006/relationships" xmlns:p="http://schemas.openxmlformats.org/presentationml/2006/main">
   <p:cSld>
     <p:spTree>
@@ -22448,7 +24711,7 @@
 </p:sld>
 </file>
 
-<file path=ppt/slides/slide18.xml><?xml version="1.0" encoding="utf-8"?>
+<file path=ppt/slides/slide19.xml><?xml version="1.0" encoding="utf-8"?>
 <p:sld xmlns:a="http://schemas.openxmlformats.org/drawingml/2006/main" xmlns:r="http://schemas.openxmlformats.org/officeDocument/2006/relationships" xmlns:p="http://schemas.openxmlformats.org/presentationml/2006/main">
   <p:cSld>
     <p:spTree>

--- a/slides/02_ML_Linear_modelsA.pptx
+++ b/slides/02_ML_Linear_modelsA.pptx
@@ -5,10 +5,10 @@
     <p:sldMasterId id="2147483673" r:id="rId1"/>
   </p:sldMasterIdLst>
   <p:notesMasterIdLst>
-    <p:notesMasterId r:id="rId21"/>
+    <p:notesMasterId r:id="rId22"/>
   </p:notesMasterIdLst>
   <p:handoutMasterIdLst>
-    <p:handoutMasterId r:id="rId22"/>
+    <p:handoutMasterId r:id="rId23"/>
   </p:handoutMasterIdLst>
   <p:sldIdLst>
     <p:sldId id="365" r:id="rId2"/>
@@ -26,10 +26,11 @@
     <p:sldId id="409" r:id="rId14"/>
     <p:sldId id="408" r:id="rId15"/>
     <p:sldId id="404" r:id="rId16"/>
-    <p:sldId id="405" r:id="rId17"/>
-    <p:sldId id="411" r:id="rId18"/>
-    <p:sldId id="410" r:id="rId19"/>
-    <p:sldId id="385" r:id="rId20"/>
+    <p:sldId id="413" r:id="rId17"/>
+    <p:sldId id="405" r:id="rId18"/>
+    <p:sldId id="411" r:id="rId19"/>
+    <p:sldId id="410" r:id="rId20"/>
+    <p:sldId id="385" r:id="rId21"/>
   </p:sldIdLst>
   <p:sldSz cx="12192000" cy="6858000"/>
   <p:notesSz cx="9144000" cy="6858000"/>
@@ -230,7 +231,7 @@
           <a:p>
             <a:fld id="{83A43D8E-262F-43F1-B0CF-97ED6AAA9912}" type="datetimeFigureOut">
               <a:rPr lang="en-US" smtClean="0"/>
-              <a:t>4/30/2020</a:t>
+              <a:t>6/2/2020</a:t>
             </a:fld>
             <a:endParaRPr lang="en-US"/>
           </a:p>
@@ -407,7 +408,7 @@
           <a:p>
             <a:fld id="{03B42920-386F-4187-8314-27C56E157030}" type="datetimeFigureOut">
               <a:rPr lang="en-US" smtClean="0"/>
-              <a:t>4/29/2020</a:t>
+              <a:t>6/2/2020</a:t>
             </a:fld>
             <a:endParaRPr lang="en-US"/>
           </a:p>
@@ -2137,7 +2138,7 @@
           <a:p>
             <a:fld id="{4C9AD59C-94C8-4AAB-AEDF-FDE77349626C}" type="slidenum">
               <a:rPr lang="en-US" smtClean="0"/>
-              <a:t>16</a:t>
+              <a:t>17</a:t>
             </a:fld>
             <a:endParaRPr lang="en-US"/>
           </a:p>
@@ -2297,7 +2298,7 @@
           <a:p>
             <a:fld id="{4C9AD59C-94C8-4AAB-AEDF-FDE77349626C}" type="slidenum">
               <a:rPr lang="en-US" smtClean="0"/>
-              <a:t>17</a:t>
+              <a:t>18</a:t>
             </a:fld>
             <a:endParaRPr lang="en-US"/>
           </a:p>
@@ -2457,7 +2458,7 @@
           <a:p>
             <a:fld id="{4C9AD59C-94C8-4AAB-AEDF-FDE77349626C}" type="slidenum">
               <a:rPr lang="en-US" smtClean="0"/>
-              <a:t>18</a:t>
+              <a:t>19</a:t>
             </a:fld>
             <a:endParaRPr lang="en-US"/>
           </a:p>
@@ -4088,7 +4089,7 @@
           <a:p>
             <a:fld id="{FE070745-F5EF-4AE3-92EF-0934EDED1862}" type="datetimeFigureOut">
               <a:rPr lang="en-US" smtClean="0"/>
-              <a:t>4/29/2020</a:t>
+              <a:t>6/2/2020</a:t>
             </a:fld>
             <a:endParaRPr lang="en-US"/>
           </a:p>
@@ -4258,7 +4259,7 @@
           <a:p>
             <a:fld id="{FE070745-F5EF-4AE3-92EF-0934EDED1862}" type="datetimeFigureOut">
               <a:rPr lang="en-US" smtClean="0"/>
-              <a:t>4/29/2020</a:t>
+              <a:t>6/2/2020</a:t>
             </a:fld>
             <a:endParaRPr lang="en-US"/>
           </a:p>
@@ -4438,7 +4439,7 @@
           <a:p>
             <a:fld id="{FE070745-F5EF-4AE3-92EF-0934EDED1862}" type="datetimeFigureOut">
               <a:rPr lang="en-US" smtClean="0"/>
-              <a:t>4/29/2020</a:t>
+              <a:t>6/2/2020</a:t>
             </a:fld>
             <a:endParaRPr lang="en-US"/>
           </a:p>
@@ -4608,7 +4609,7 @@
           <a:p>
             <a:fld id="{FE070745-F5EF-4AE3-92EF-0934EDED1862}" type="datetimeFigureOut">
               <a:rPr lang="en-US" smtClean="0"/>
-              <a:t>4/29/2020</a:t>
+              <a:t>6/2/2020</a:t>
             </a:fld>
             <a:endParaRPr lang="en-US"/>
           </a:p>
@@ -4854,7 +4855,7 @@
           <a:p>
             <a:fld id="{FE070745-F5EF-4AE3-92EF-0934EDED1862}" type="datetimeFigureOut">
               <a:rPr lang="en-US" smtClean="0"/>
-              <a:t>4/29/2020</a:t>
+              <a:t>6/2/2020</a:t>
             </a:fld>
             <a:endParaRPr lang="en-US"/>
           </a:p>
@@ -5086,7 +5087,7 @@
           <a:p>
             <a:fld id="{FE070745-F5EF-4AE3-92EF-0934EDED1862}" type="datetimeFigureOut">
               <a:rPr lang="en-US" smtClean="0"/>
-              <a:t>4/29/2020</a:t>
+              <a:t>6/2/2020</a:t>
             </a:fld>
             <a:endParaRPr lang="en-US"/>
           </a:p>
@@ -5453,7 +5454,7 @@
           <a:p>
             <a:fld id="{FE070745-F5EF-4AE3-92EF-0934EDED1862}" type="datetimeFigureOut">
               <a:rPr lang="en-US" smtClean="0"/>
-              <a:t>4/29/2020</a:t>
+              <a:t>6/2/2020</a:t>
             </a:fld>
             <a:endParaRPr lang="en-US"/>
           </a:p>
@@ -5571,7 +5572,7 @@
           <a:p>
             <a:fld id="{FE070745-F5EF-4AE3-92EF-0934EDED1862}" type="datetimeFigureOut">
               <a:rPr lang="en-US" smtClean="0"/>
-              <a:t>4/29/2020</a:t>
+              <a:t>6/2/2020</a:t>
             </a:fld>
             <a:endParaRPr lang="en-US"/>
           </a:p>
@@ -5666,7 +5667,7 @@
           <a:p>
             <a:fld id="{FE070745-F5EF-4AE3-92EF-0934EDED1862}" type="datetimeFigureOut">
               <a:rPr lang="en-US" smtClean="0"/>
-              <a:t>4/29/2020</a:t>
+              <a:t>6/2/2020</a:t>
             </a:fld>
             <a:endParaRPr lang="en-US"/>
           </a:p>
@@ -5943,7 +5944,7 @@
           <a:p>
             <a:fld id="{FE070745-F5EF-4AE3-92EF-0934EDED1862}" type="datetimeFigureOut">
               <a:rPr lang="en-US" smtClean="0"/>
-              <a:t>4/29/2020</a:t>
+              <a:t>6/2/2020</a:t>
             </a:fld>
             <a:endParaRPr lang="en-US"/>
           </a:p>
@@ -6200,7 +6201,7 @@
           <a:p>
             <a:fld id="{FE070745-F5EF-4AE3-92EF-0934EDED1862}" type="datetimeFigureOut">
               <a:rPr lang="en-US" smtClean="0"/>
-              <a:t>4/29/2020</a:t>
+              <a:t>6/2/2020</a:t>
             </a:fld>
             <a:endParaRPr lang="en-US"/>
           </a:p>
@@ -6413,7 +6414,7 @@
           <a:p>
             <a:fld id="{FE070745-F5EF-4AE3-92EF-0934EDED1862}" type="datetimeFigureOut">
               <a:rPr lang="en-US" smtClean="0"/>
-              <a:t>4/29/2020</a:t>
+              <a:t>6/2/2020</a:t>
             </a:fld>
             <a:endParaRPr lang="en-US"/>
           </a:p>
@@ -8762,8 +8763,8 @@
           </a:p>
         </p:txBody>
       </p:sp>
-      <mc:AlternateContent xmlns:mc="http://schemas.openxmlformats.org/markup-compatibility/2006">
-        <mc:Choice xmlns:a14="http://schemas.microsoft.com/office/drawing/2010/main" Requires="a14">
+      <mc:AlternateContent xmlns:mc="http://schemas.openxmlformats.org/markup-compatibility/2006" xmlns:a14="http://schemas.microsoft.com/office/drawing/2010/main">
+        <mc:Choice Requires="a14">
           <p:sp>
             <p:nvSpPr>
               <p:cNvPr id="5" name="TextBox 4">
@@ -8926,7 +8927,7 @@
             </p:txBody>
           </p:sp>
         </mc:Choice>
-        <mc:Fallback>
+        <mc:Fallback xmlns="">
           <p:sp>
             <p:nvSpPr>
               <p:cNvPr id="5" name="TextBox 4">
@@ -9195,8 +9196,8 @@
           </a:fontRef>
         </p:style>
       </p:cxnSp>
-      <mc:AlternateContent xmlns:mc="http://schemas.openxmlformats.org/markup-compatibility/2006">
-        <mc:Choice xmlns:a14="http://schemas.microsoft.com/office/drawing/2010/main" Requires="a14">
+      <mc:AlternateContent xmlns:mc="http://schemas.openxmlformats.org/markup-compatibility/2006" xmlns:a14="http://schemas.microsoft.com/office/drawing/2010/main">
+        <mc:Choice Requires="a14">
           <p:sp>
             <p:nvSpPr>
               <p:cNvPr id="11" name="Rectangle 10">
@@ -9287,7 +9288,7 @@
             </p:txBody>
           </p:sp>
         </mc:Choice>
-        <mc:Fallback>
+        <mc:Fallback xmlns="">
           <p:sp>
             <p:nvSpPr>
               <p:cNvPr id="11" name="Rectangle 10">
@@ -9424,8 +9425,8 @@
           </a:fontRef>
         </p:style>
       </p:cxnSp>
-      <mc:AlternateContent xmlns:mc="http://schemas.openxmlformats.org/markup-compatibility/2006">
-        <mc:Choice xmlns:a14="http://schemas.microsoft.com/office/drawing/2010/main" Requires="a14">
+      <mc:AlternateContent xmlns:mc="http://schemas.openxmlformats.org/markup-compatibility/2006" xmlns:a14="http://schemas.microsoft.com/office/drawing/2010/main">
+        <mc:Choice Requires="a14">
           <p:sp>
             <p:nvSpPr>
               <p:cNvPr id="14" name="Rectangle 13">
@@ -9516,7 +9517,7 @@
             </p:txBody>
           </p:sp>
         </mc:Choice>
-        <mc:Fallback>
+        <mc:Fallback xmlns="">
           <p:sp>
             <p:nvSpPr>
               <p:cNvPr id="14" name="Rectangle 13">
@@ -9561,8 +9562,8 @@
           </p:sp>
         </mc:Fallback>
       </mc:AlternateContent>
-      <mc:AlternateContent xmlns:mc="http://schemas.openxmlformats.org/markup-compatibility/2006">
-        <mc:Choice xmlns:a14="http://schemas.microsoft.com/office/drawing/2010/main" Requires="a14">
+      <mc:AlternateContent xmlns:mc="http://schemas.openxmlformats.org/markup-compatibility/2006" xmlns:a14="http://schemas.microsoft.com/office/drawing/2010/main">
+        <mc:Choice Requires="a14">
           <p:sp>
             <p:nvSpPr>
               <p:cNvPr id="15" name="Rectangle 14">
@@ -9712,7 +9713,7 @@
             </p:txBody>
           </p:sp>
         </mc:Choice>
-        <mc:Fallback>
+        <mc:Fallback xmlns="">
           <p:sp>
             <p:nvSpPr>
               <p:cNvPr id="15" name="Rectangle 14">
@@ -9757,8 +9758,8 @@
           </p:sp>
         </mc:Fallback>
       </mc:AlternateContent>
-      <mc:AlternateContent xmlns:mc="http://schemas.openxmlformats.org/markup-compatibility/2006">
-        <mc:Choice xmlns:a14="http://schemas.microsoft.com/office/drawing/2010/main" Requires="a14">
+      <mc:AlternateContent xmlns:mc="http://schemas.openxmlformats.org/markup-compatibility/2006" xmlns:a14="http://schemas.microsoft.com/office/drawing/2010/main">
+        <mc:Choice Requires="a14">
           <p:sp>
             <p:nvSpPr>
               <p:cNvPr id="16" name="TextBox 15">
@@ -9814,7 +9815,7 @@
             </p:txBody>
           </p:sp>
         </mc:Choice>
-        <mc:Fallback>
+        <mc:Fallback xmlns="">
           <p:sp>
             <p:nvSpPr>
               <p:cNvPr id="16" name="TextBox 15">
@@ -9859,8 +9860,8 @@
           </p:sp>
         </mc:Fallback>
       </mc:AlternateContent>
-      <mc:AlternateContent xmlns:mc="http://schemas.openxmlformats.org/markup-compatibility/2006">
-        <mc:Choice xmlns:a14="http://schemas.microsoft.com/office/drawing/2010/main" Requires="a14">
+      <mc:AlternateContent xmlns:mc="http://schemas.openxmlformats.org/markup-compatibility/2006" xmlns:a14="http://schemas.microsoft.com/office/drawing/2010/main">
+        <mc:Choice Requires="a14">
           <p:sp>
             <p:nvSpPr>
               <p:cNvPr id="17" name="Rectangle 16">
@@ -9943,7 +9944,7 @@
             </p:txBody>
           </p:sp>
         </mc:Choice>
-        <mc:Fallback>
+        <mc:Fallback xmlns="">
           <p:sp>
             <p:nvSpPr>
               <p:cNvPr id="17" name="Rectangle 16">
@@ -9988,8 +9989,8 @@
           </p:sp>
         </mc:Fallback>
       </mc:AlternateContent>
-      <mc:AlternateContent xmlns:mc="http://schemas.openxmlformats.org/markup-compatibility/2006">
-        <mc:Choice xmlns:a14="http://schemas.microsoft.com/office/drawing/2010/main" Requires="a14">
+      <mc:AlternateContent xmlns:mc="http://schemas.openxmlformats.org/markup-compatibility/2006" xmlns:a14="http://schemas.microsoft.com/office/drawing/2010/main">
+        <mc:Choice Requires="a14">
           <p:sp>
             <p:nvSpPr>
               <p:cNvPr id="18" name="Rectangle 17">
@@ -10072,7 +10073,7 @@
             </p:txBody>
           </p:sp>
         </mc:Choice>
-        <mc:Fallback>
+        <mc:Fallback xmlns="">
           <p:sp>
             <p:nvSpPr>
               <p:cNvPr id="18" name="Rectangle 17">
@@ -10117,8 +10118,8 @@
           </p:sp>
         </mc:Fallback>
       </mc:AlternateContent>
-      <mc:AlternateContent xmlns:mc="http://schemas.openxmlformats.org/markup-compatibility/2006">
-        <mc:Choice xmlns:a14="http://schemas.microsoft.com/office/drawing/2010/main" Requires="a14">
+      <mc:AlternateContent xmlns:mc="http://schemas.openxmlformats.org/markup-compatibility/2006" xmlns:a14="http://schemas.microsoft.com/office/drawing/2010/main">
+        <mc:Choice Requires="a14">
           <p:sp>
             <p:nvSpPr>
               <p:cNvPr id="23" name="Rectangle 22">
@@ -10395,7 +10396,7 @@
             </p:txBody>
           </p:sp>
         </mc:Choice>
-        <mc:Fallback>
+        <mc:Fallback xmlns="">
           <p:sp>
             <p:nvSpPr>
               <p:cNvPr id="23" name="Rectangle 22">
@@ -10450,13 +10451,13 @@
   <p:clrMapOvr>
     <a:masterClrMapping/>
   </p:clrMapOvr>
-  <mc:AlternateContent xmlns:mc="http://schemas.openxmlformats.org/markup-compatibility/2006">
-    <mc:Choice xmlns:p159="http://schemas.microsoft.com/office/powerpoint/2015/09/main" Requires="p159">
+  <mc:AlternateContent xmlns:mc="http://schemas.openxmlformats.org/markup-compatibility/2006" xmlns:p159="http://schemas.microsoft.com/office/powerpoint/2015/09/main">
+    <mc:Choice Requires="p159">
       <p:transition xmlns:p14="http://schemas.microsoft.com/office/powerpoint/2010/main" spd="slow" p14:dur="2000">
         <p159:morph option="byObject"/>
       </p:transition>
     </mc:Choice>
-    <mc:Fallback>
+    <mc:Fallback xmlns="">
       <p:transition spd="slow">
         <p:fade/>
       </p:transition>
@@ -19468,6 +19469,265 @@
           <a:chExt cx="0" cy="0"/>
         </a:xfrm>
       </p:grpSpPr>
+      <p:sp>
+        <p:nvSpPr>
+          <p:cNvPr id="2" name="Title 1">
+            <a:extLst>
+              <a:ext uri="{FF2B5EF4-FFF2-40B4-BE49-F238E27FC236}">
+                <a16:creationId xmlns:a16="http://schemas.microsoft.com/office/drawing/2014/main" id="{2F43DED6-23AF-4CC0-9ACD-DABDE2C4F045}"/>
+              </a:ext>
+            </a:extLst>
+          </p:cNvPr>
+          <p:cNvSpPr>
+            <a:spLocks noGrp="1"/>
+          </p:cNvSpPr>
+          <p:nvPr>
+            <p:ph type="title"/>
+          </p:nvPr>
+        </p:nvSpPr>
+        <p:spPr/>
+        <p:txBody>
+          <a:bodyPr/>
+          <a:lstStyle/>
+          <a:p>
+            <a:r>
+              <a:rPr lang="en-US" dirty="0"/>
+              <a:t>Model Evaluation. Pearson correlation coefficient</a:t>
+            </a:r>
+          </a:p>
+        </p:txBody>
+      </p:sp>
+      <p:pic>
+        <p:nvPicPr>
+          <p:cNvPr id="1026" name="Picture 2" descr="Pearson Correlation Coefficient (Formula, Example) | Calculate ...">
+            <a:extLst>
+              <a:ext uri="{FF2B5EF4-FFF2-40B4-BE49-F238E27FC236}">
+                <a16:creationId xmlns:a16="http://schemas.microsoft.com/office/drawing/2014/main" id="{60BB8ECA-11A2-4AF4-9944-4F8B31A21C52}"/>
+              </a:ext>
+            </a:extLst>
+          </p:cNvPr>
+          <p:cNvPicPr>
+            <a:picLocks noChangeAspect="1" noChangeArrowheads="1"/>
+          </p:cNvPicPr>
+          <p:nvPr/>
+        </p:nvPicPr>
+        <p:blipFill>
+          <a:blip r:embed="rId2">
+            <a:extLst>
+              <a:ext uri="{28A0092B-C50C-407E-A947-70E740481C1C}">
+                <a14:useLocalDpi xmlns:a14="http://schemas.microsoft.com/office/drawing/2010/main" val="0"/>
+              </a:ext>
+            </a:extLst>
+          </a:blip>
+          <a:srcRect/>
+          <a:stretch>
+            <a:fillRect/>
+          </a:stretch>
+        </p:blipFill>
+        <p:spPr bwMode="auto">
+          <a:xfrm>
+            <a:off x="184030" y="2051598"/>
+            <a:ext cx="5440392" cy="2449239"/>
+          </a:xfrm>
+          <a:prstGeom prst="rect">
+            <a:avLst/>
+          </a:prstGeom>
+          <a:noFill/>
+          <a:extLst>
+            <a:ext uri="{909E8E84-426E-40DD-AFC4-6F175D3DCCD1}">
+              <a14:hiddenFill xmlns:a14="http://schemas.microsoft.com/office/drawing/2010/main">
+                <a:solidFill>
+                  <a:srgbClr val="FFFFFF"/>
+                </a:solidFill>
+              </a14:hiddenFill>
+            </a:ext>
+          </a:extLst>
+        </p:spPr>
+      </p:pic>
+      <p:pic>
+        <p:nvPicPr>
+          <p:cNvPr id="1028" name="Picture 4" descr="Pearson Correlation Coefficient (r) | Intro to Statistical Methods">
+            <a:extLst>
+              <a:ext uri="{FF2B5EF4-FFF2-40B4-BE49-F238E27FC236}">
+                <a16:creationId xmlns:a16="http://schemas.microsoft.com/office/drawing/2014/main" id="{0B7F3B14-5B23-487A-95D7-1AF8B0DFA0BE}"/>
+              </a:ext>
+            </a:extLst>
+          </p:cNvPr>
+          <p:cNvPicPr>
+            <a:picLocks noChangeAspect="1" noChangeArrowheads="1"/>
+          </p:cNvPicPr>
+          <p:nvPr/>
+        </p:nvPicPr>
+        <p:blipFill>
+          <a:blip r:embed="rId3">
+            <a:extLst>
+              <a:ext uri="{28A0092B-C50C-407E-A947-70E740481C1C}">
+                <a14:useLocalDpi xmlns:a14="http://schemas.microsoft.com/office/drawing/2010/main" val="0"/>
+              </a:ext>
+            </a:extLst>
+          </a:blip>
+          <a:srcRect/>
+          <a:stretch>
+            <a:fillRect/>
+          </a:stretch>
+        </p:blipFill>
+        <p:spPr bwMode="auto">
+          <a:xfrm>
+            <a:off x="6096000" y="1027906"/>
+            <a:ext cx="5881281" cy="3911052"/>
+          </a:xfrm>
+          <a:prstGeom prst="rect">
+            <a:avLst/>
+          </a:prstGeom>
+          <a:noFill/>
+          <a:extLst>
+            <a:ext uri="{909E8E84-426E-40DD-AFC4-6F175D3DCCD1}">
+              <a14:hiddenFill xmlns:a14="http://schemas.microsoft.com/office/drawing/2010/main">
+                <a:solidFill>
+                  <a:srgbClr val="FFFFFF"/>
+                </a:solidFill>
+              </a14:hiddenFill>
+            </a:ext>
+          </a:extLst>
+        </p:spPr>
+      </p:pic>
+      <p:pic>
+        <p:nvPicPr>
+          <p:cNvPr id="1030" name="Picture 6" descr="Pearson Correlation Coefficient (Statistics) - YouTube">
+            <a:extLst>
+              <a:ext uri="{FF2B5EF4-FFF2-40B4-BE49-F238E27FC236}">
+                <a16:creationId xmlns:a16="http://schemas.microsoft.com/office/drawing/2014/main" id="{525503F3-8B59-45EE-B428-CA7F2892770D}"/>
+              </a:ext>
+            </a:extLst>
+          </p:cNvPr>
+          <p:cNvPicPr>
+            <a:picLocks noChangeAspect="1" noChangeArrowheads="1"/>
+          </p:cNvPicPr>
+          <p:nvPr/>
+        </p:nvPicPr>
+        <p:blipFill>
+          <a:blip r:embed="rId4">
+            <a:extLst>
+              <a:ext uri="{28A0092B-C50C-407E-A947-70E740481C1C}">
+                <a14:useLocalDpi xmlns:a14="http://schemas.microsoft.com/office/drawing/2010/main" val="0"/>
+              </a:ext>
+            </a:extLst>
+          </a:blip>
+          <a:srcRect/>
+          <a:stretch>
+            <a:fillRect/>
+          </a:stretch>
+        </p:blipFill>
+        <p:spPr bwMode="auto">
+          <a:xfrm>
+            <a:off x="2904226" y="3762479"/>
+            <a:ext cx="5466272" cy="3074778"/>
+          </a:xfrm>
+          <a:prstGeom prst="rect">
+            <a:avLst/>
+          </a:prstGeom>
+          <a:noFill/>
+          <a:extLst>
+            <a:ext uri="{909E8E84-426E-40DD-AFC4-6F175D3DCCD1}">
+              <a14:hiddenFill xmlns:a14="http://schemas.microsoft.com/office/drawing/2010/main">
+                <a:solidFill>
+                  <a:srgbClr val="FFFFFF"/>
+                </a:solidFill>
+              </a14:hiddenFill>
+            </a:ext>
+          </a:extLst>
+        </p:spPr>
+      </p:pic>
+      <p:pic>
+        <p:nvPicPr>
+          <p:cNvPr id="5" name="Picture 4">
+            <a:extLst>
+              <a:ext uri="{FF2B5EF4-FFF2-40B4-BE49-F238E27FC236}">
+                <a16:creationId xmlns:a16="http://schemas.microsoft.com/office/drawing/2014/main" id="{23B50B75-2239-42BD-A529-7B93C1154B71}"/>
+              </a:ext>
+            </a:extLst>
+          </p:cNvPr>
+          <p:cNvPicPr>
+            <a:picLocks noChangeAspect="1"/>
+          </p:cNvPicPr>
+          <p:nvPr/>
+        </p:nvPicPr>
+        <p:blipFill>
+          <a:blip r:embed="rId5"/>
+          <a:stretch>
+            <a:fillRect/>
+          </a:stretch>
+        </p:blipFill>
+        <p:spPr>
+          <a:xfrm>
+            <a:off x="508791" y="4106399"/>
+            <a:ext cx="3686689" cy="2105319"/>
+          </a:xfrm>
+          <a:prstGeom prst="rect">
+            <a:avLst/>
+          </a:prstGeom>
+        </p:spPr>
+      </p:pic>
+      <p:pic>
+        <p:nvPicPr>
+          <p:cNvPr id="6" name="Picture 5">
+            <a:extLst>
+              <a:ext uri="{FF2B5EF4-FFF2-40B4-BE49-F238E27FC236}">
+                <a16:creationId xmlns:a16="http://schemas.microsoft.com/office/drawing/2014/main" id="{4A65DAA4-8748-4FE0-AE3B-D7530E18C0EC}"/>
+              </a:ext>
+            </a:extLst>
+          </p:cNvPr>
+          <p:cNvPicPr>
+            <a:picLocks noChangeAspect="1"/>
+          </p:cNvPicPr>
+          <p:nvPr/>
+        </p:nvPicPr>
+        <p:blipFill>
+          <a:blip r:embed="rId6"/>
+          <a:stretch>
+            <a:fillRect/>
+          </a:stretch>
+        </p:blipFill>
+        <p:spPr>
+          <a:xfrm>
+            <a:off x="4904475" y="3495719"/>
+            <a:ext cx="6449325" cy="2886478"/>
+          </a:xfrm>
+          <a:prstGeom prst="rect">
+            <a:avLst/>
+          </a:prstGeom>
+        </p:spPr>
+      </p:pic>
+    </p:spTree>
+    <p:extLst>
+      <p:ext uri="{BB962C8B-B14F-4D97-AF65-F5344CB8AC3E}">
+        <p14:creationId xmlns:p14="http://schemas.microsoft.com/office/powerpoint/2010/main" val="1730601374"/>
+      </p:ext>
+    </p:extLst>
+  </p:cSld>
+  <p:clrMapOvr>
+    <a:masterClrMapping/>
+  </p:clrMapOvr>
+</p:sld>
+</file>
+
+<file path=ppt/slides/slide17.xml><?xml version="1.0" encoding="utf-8"?>
+<p:sld xmlns:a="http://schemas.openxmlformats.org/drawingml/2006/main" xmlns:r="http://schemas.openxmlformats.org/officeDocument/2006/relationships" xmlns:p="http://schemas.openxmlformats.org/presentationml/2006/main">
+  <p:cSld>
+    <p:spTree>
+      <p:nvGrpSpPr>
+        <p:cNvPr id="1" name=""/>
+        <p:cNvGrpSpPr/>
+        <p:nvPr/>
+      </p:nvGrpSpPr>
+      <p:grpSpPr>
+        <a:xfrm>
+          <a:off x="0" y="0"/>
+          <a:ext cx="0" cy="0"/>
+          <a:chOff x="0" y="0"/>
+          <a:chExt cx="0" cy="0"/>
+        </a:xfrm>
+      </p:grpSpPr>
       <p:cxnSp>
         <p:nvCxnSpPr>
           <p:cNvPr id="10" name="Straight Arrow Connector 9">
@@ -20331,7 +20591,7 @@
 </p:sld>
 </file>
 
-<file path=ppt/slides/slide17.xml><?xml version="1.0" encoding="utf-8"?>
+<file path=ppt/slides/slide18.xml><?xml version="1.0" encoding="utf-8"?>
 <p:sld xmlns:a="http://schemas.openxmlformats.org/drawingml/2006/main" xmlns:r="http://schemas.openxmlformats.org/officeDocument/2006/relationships" xmlns:p="http://schemas.openxmlformats.org/presentationml/2006/main">
   <p:cSld>
     <p:spTree>
@@ -21910,7 +22170,7 @@
 </p:sld>
 </file>
 
-<file path=ppt/slides/slide18.xml><?xml version="1.0" encoding="utf-8"?>
+<file path=ppt/slides/slide19.xml><?xml version="1.0" encoding="utf-8"?>
 <p:sld xmlns:a="http://schemas.openxmlformats.org/drawingml/2006/main" xmlns:r="http://schemas.openxmlformats.org/officeDocument/2006/relationships" xmlns:p="http://schemas.openxmlformats.org/presentationml/2006/main">
   <p:cSld>
     <p:spTree>
@@ -24711,671 +24971,6 @@
 </p:sld>
 </file>
 
-<file path=ppt/slides/slide19.xml><?xml version="1.0" encoding="utf-8"?>
-<p:sld xmlns:a="http://schemas.openxmlformats.org/drawingml/2006/main" xmlns:r="http://schemas.openxmlformats.org/officeDocument/2006/relationships" xmlns:p="http://schemas.openxmlformats.org/presentationml/2006/main">
-  <p:cSld>
-    <p:spTree>
-      <p:nvGrpSpPr>
-        <p:cNvPr id="1" name=""/>
-        <p:cNvGrpSpPr/>
-        <p:nvPr/>
-      </p:nvGrpSpPr>
-      <p:grpSpPr>
-        <a:xfrm>
-          <a:off x="0" y="0"/>
-          <a:ext cx="0" cy="0"/>
-          <a:chOff x="0" y="0"/>
-          <a:chExt cx="0" cy="0"/>
-        </a:xfrm>
-      </p:grpSpPr>
-      <p:sp>
-        <p:nvSpPr>
-          <p:cNvPr id="2" name="Title 1">
-            <a:extLst>
-              <a:ext uri="{FF2B5EF4-FFF2-40B4-BE49-F238E27FC236}">
-                <a16:creationId xmlns:a16="http://schemas.microsoft.com/office/drawing/2014/main" id="{AA34BFD4-F6C3-4BC0-9F74-F593E1745637}"/>
-              </a:ext>
-            </a:extLst>
-          </p:cNvPr>
-          <p:cNvSpPr>
-            <a:spLocks noGrp="1"/>
-          </p:cNvSpPr>
-          <p:nvPr>
-            <p:ph type="title"/>
-          </p:nvPr>
-        </p:nvSpPr>
-        <p:spPr/>
-        <p:txBody>
-          <a:bodyPr/>
-          <a:lstStyle/>
-          <a:p>
-            <a:r>
-              <a:rPr lang="en-US" dirty="0"/>
-              <a:t>Your turn</a:t>
-            </a:r>
-          </a:p>
-        </p:txBody>
-      </p:sp>
-      <p:pic>
-        <p:nvPicPr>
-          <p:cNvPr id="3" name="Picture 2">
-            <a:extLst>
-              <a:ext uri="{FF2B5EF4-FFF2-40B4-BE49-F238E27FC236}">
-                <a16:creationId xmlns:a16="http://schemas.microsoft.com/office/drawing/2014/main" id="{5114B4C6-434C-440D-B659-BD30D8086AF1}"/>
-              </a:ext>
-            </a:extLst>
-          </p:cNvPr>
-          <p:cNvPicPr>
-            <a:picLocks noChangeAspect="1"/>
-          </p:cNvPicPr>
-          <p:nvPr/>
-        </p:nvPicPr>
-        <p:blipFill>
-          <a:blip r:embed="rId2"/>
-          <a:stretch>
-            <a:fillRect/>
-          </a:stretch>
-        </p:blipFill>
-        <p:spPr>
-          <a:xfrm>
-            <a:off x="5644769" y="3920719"/>
-            <a:ext cx="4322853" cy="2937281"/>
-          </a:xfrm>
-          <a:prstGeom prst="rect">
-            <a:avLst/>
-          </a:prstGeom>
-        </p:spPr>
-      </p:pic>
-      <mc:AlternateContent xmlns:mc="http://schemas.openxmlformats.org/markup-compatibility/2006" xmlns:a14="http://schemas.microsoft.com/office/drawing/2010/main">
-        <mc:Choice Requires="a14">
-          <p:sp>
-            <p:nvSpPr>
-              <p:cNvPr id="4" name="TextBox 3">
-                <a:extLst>
-                  <a:ext uri="{FF2B5EF4-FFF2-40B4-BE49-F238E27FC236}">
-                    <a16:creationId xmlns:a16="http://schemas.microsoft.com/office/drawing/2014/main" id="{8EC0A4B4-56C5-468C-8830-C70278FA9294}"/>
-                  </a:ext>
-                </a:extLst>
-              </p:cNvPr>
-              <p:cNvSpPr txBox="1"/>
-              <p:nvPr/>
-            </p:nvSpPr>
-            <p:spPr>
-              <a:xfrm>
-                <a:off x="1718094" y="4387493"/>
-                <a:ext cx="2452120" cy="461665"/>
-              </a:xfrm>
-              <a:prstGeom prst="rect">
-                <a:avLst/>
-              </a:prstGeom>
-              <a:noFill/>
-            </p:spPr>
-            <p:txBody>
-              <a:bodyPr wrap="square" rtlCol="0">
-                <a:spAutoFit/>
-              </a:bodyPr>
-              <a:lstStyle/>
-              <a:p>
-                <a:pPr/>
-                <a14:m>
-                  <m:oMathPara xmlns:m="http://schemas.openxmlformats.org/officeDocument/2006/math">
-                    <m:oMathParaPr>
-                      <m:jc m:val="centerGroup"/>
-                    </m:oMathParaPr>
-                    <m:oMath xmlns:m="http://schemas.openxmlformats.org/officeDocument/2006/math">
-                      <m:r>
-                        <a:rPr lang="en-US" sz="2400" b="0" i="1" smtClean="0">
-                          <a:solidFill>
-                            <a:srgbClr val="0070C0"/>
-                          </a:solidFill>
-                          <a:latin typeface="Cambria Math" panose="02040503050406030204" pitchFamily="18" charset="0"/>
-                        </a:rPr>
-                        <m:t>𝑦</m:t>
-                      </m:r>
-                      <m:r>
-                        <a:rPr lang="en-US" sz="2400" b="0" i="1" smtClean="0">
-                          <a:solidFill>
-                            <a:srgbClr val="0070C0"/>
-                          </a:solidFill>
-                          <a:latin typeface="Cambria Math" panose="02040503050406030204" pitchFamily="18" charset="0"/>
-                        </a:rPr>
-                        <m:t>=</m:t>
-                      </m:r>
-                      <m:r>
-                        <a:rPr lang="en-US" sz="2400" b="0" i="1" smtClean="0">
-                          <a:solidFill>
-                            <a:srgbClr val="0070C0"/>
-                          </a:solidFill>
-                          <a:latin typeface="Cambria Math" panose="02040503050406030204" pitchFamily="18" charset="0"/>
-                        </a:rPr>
-                        <m:t>𝐴</m:t>
-                      </m:r>
-                      <m:func>
-                        <m:funcPr>
-                          <m:ctrlPr>
-                            <a:rPr lang="en-US" sz="2400" b="0" i="1" smtClean="0">
-                              <a:solidFill>
-                                <a:srgbClr val="0070C0"/>
-                              </a:solidFill>
-                              <a:latin typeface="Cambria Math" panose="02040503050406030204" pitchFamily="18" charset="0"/>
-                            </a:rPr>
-                          </m:ctrlPr>
-                        </m:funcPr>
-                        <m:fName>
-                          <m:r>
-                            <m:rPr>
-                              <m:sty m:val="p"/>
-                            </m:rPr>
-                            <a:rPr lang="en-US" sz="2400" b="0" i="0" smtClean="0">
-                              <a:solidFill>
-                                <a:srgbClr val="0070C0"/>
-                              </a:solidFill>
-                              <a:latin typeface="Cambria Math" panose="02040503050406030204" pitchFamily="18" charset="0"/>
-                            </a:rPr>
-                            <m:t>sin</m:t>
-                          </m:r>
-                        </m:fName>
-                        <m:e>
-                          <m:r>
-                            <a:rPr lang="en-US" sz="2400" b="0" i="1" smtClean="0">
-                              <a:solidFill>
-                                <a:srgbClr val="0070C0"/>
-                              </a:solidFill>
-                              <a:latin typeface="Cambria Math" panose="02040503050406030204" pitchFamily="18" charset="0"/>
-                            </a:rPr>
-                            <m:t>(</m:t>
-                          </m:r>
-                          <m:r>
-                            <a:rPr lang="en-US" sz="2400" b="0" i="1" smtClean="0">
-                              <a:solidFill>
-                                <a:srgbClr val="0070C0"/>
-                              </a:solidFill>
-                              <a:latin typeface="Cambria Math" panose="02040503050406030204" pitchFamily="18" charset="0"/>
-                            </a:rPr>
-                            <m:t>𝑥</m:t>
-                          </m:r>
-                          <m:r>
-                            <a:rPr lang="en-US" sz="2400" b="0" i="1" smtClean="0">
-                              <a:solidFill>
-                                <a:srgbClr val="0070C0"/>
-                              </a:solidFill>
-                              <a:latin typeface="Cambria Math" panose="02040503050406030204" pitchFamily="18" charset="0"/>
-                            </a:rPr>
-                            <m:t>)</m:t>
-                          </m:r>
-                        </m:e>
-                      </m:func>
-                    </m:oMath>
-                  </m:oMathPara>
-                </a14:m>
-                <a:endParaRPr lang="en-US" sz="2400" dirty="0">
-                  <a:solidFill>
-                    <a:srgbClr val="0070C0"/>
-                  </a:solidFill>
-                </a:endParaRPr>
-              </a:p>
-            </p:txBody>
-          </p:sp>
-        </mc:Choice>
-        <mc:Fallback xmlns="">
-          <p:sp>
-            <p:nvSpPr>
-              <p:cNvPr id="4" name="TextBox 3">
-                <a:extLst>
-                  <a:ext uri="{FF2B5EF4-FFF2-40B4-BE49-F238E27FC236}">
-                    <a16:creationId xmlns:a16="http://schemas.microsoft.com/office/drawing/2014/main" id="{8EC0A4B4-56C5-468C-8830-C70278FA9294}"/>
-                  </a:ext>
-                </a:extLst>
-              </p:cNvPr>
-              <p:cNvSpPr txBox="1">
-                <a:spLocks noRot="1" noChangeAspect="1" noMove="1" noResize="1" noEditPoints="1" noAdjustHandles="1" noChangeArrowheads="1" noChangeShapeType="1" noTextEdit="1"/>
-              </p:cNvSpPr>
-              <p:nvPr/>
-            </p:nvSpPr>
-            <p:spPr>
-              <a:xfrm>
-                <a:off x="1718094" y="4387493"/>
-                <a:ext cx="2452120" cy="461665"/>
-              </a:xfrm>
-              <a:prstGeom prst="rect">
-                <a:avLst/>
-              </a:prstGeom>
-              <a:blipFill>
-                <a:blip r:embed="rId3"/>
-                <a:stretch>
-                  <a:fillRect b="-18667"/>
-                </a:stretch>
-              </a:blipFill>
-            </p:spPr>
-            <p:txBody>
-              <a:bodyPr/>
-              <a:lstStyle/>
-              <a:p>
-                <a:r>
-                  <a:rPr lang="en-US">
-                    <a:noFill/>
-                  </a:rPr>
-                  <a:t> </a:t>
-                </a:r>
-              </a:p>
-            </p:txBody>
-          </p:sp>
-        </mc:Fallback>
-      </mc:AlternateContent>
-      <p:sp>
-        <p:nvSpPr>
-          <p:cNvPr id="5" name="Oval 4">
-            <a:extLst>
-              <a:ext uri="{FF2B5EF4-FFF2-40B4-BE49-F238E27FC236}">
-                <a16:creationId xmlns:a16="http://schemas.microsoft.com/office/drawing/2014/main" id="{38B64D5C-E4F5-45E6-B8AA-BBB8EDF7EABA}"/>
-              </a:ext>
-            </a:extLst>
-          </p:cNvPr>
-          <p:cNvSpPr>
-            <a:spLocks noChangeAspect="1"/>
-          </p:cNvSpPr>
-          <p:nvPr/>
-        </p:nvSpPr>
-        <p:spPr>
-          <a:xfrm>
-            <a:off x="9202192" y="5766983"/>
-            <a:ext cx="182880" cy="182880"/>
-          </a:xfrm>
-          <a:prstGeom prst="ellipse">
-            <a:avLst/>
-          </a:prstGeom>
-        </p:spPr>
-        <p:style>
-          <a:lnRef idx="2">
-            <a:schemeClr val="accent1">
-              <a:shade val="50000"/>
-            </a:schemeClr>
-          </a:lnRef>
-          <a:fillRef idx="1">
-            <a:schemeClr val="accent1"/>
-          </a:fillRef>
-          <a:effectRef idx="0">
-            <a:schemeClr val="accent1"/>
-          </a:effectRef>
-          <a:fontRef idx="minor">
-            <a:schemeClr val="lt1"/>
-          </a:fontRef>
-        </p:style>
-        <p:txBody>
-          <a:bodyPr rtlCol="0" anchor="ctr"/>
-          <a:lstStyle/>
-          <a:p>
-            <a:pPr algn="ctr"/>
-            <a:endParaRPr lang="en-US"/>
-          </a:p>
-        </p:txBody>
-      </p:sp>
-      <p:sp>
-        <p:nvSpPr>
-          <p:cNvPr id="6" name="Oval 5">
-            <a:extLst>
-              <a:ext uri="{FF2B5EF4-FFF2-40B4-BE49-F238E27FC236}">
-                <a16:creationId xmlns:a16="http://schemas.microsoft.com/office/drawing/2014/main" id="{31390398-AA52-42C8-A180-440147E4400A}"/>
-              </a:ext>
-            </a:extLst>
-          </p:cNvPr>
-          <p:cNvSpPr>
-            <a:spLocks noChangeAspect="1"/>
-          </p:cNvSpPr>
-          <p:nvPr/>
-        </p:nvSpPr>
-        <p:spPr>
-          <a:xfrm>
-            <a:off x="5779173" y="5389360"/>
-            <a:ext cx="182880" cy="182880"/>
-          </a:xfrm>
-          <a:prstGeom prst="ellipse">
-            <a:avLst/>
-          </a:prstGeom>
-        </p:spPr>
-        <p:style>
-          <a:lnRef idx="2">
-            <a:schemeClr val="accent1">
-              <a:shade val="50000"/>
-            </a:schemeClr>
-          </a:lnRef>
-          <a:fillRef idx="1">
-            <a:schemeClr val="accent1"/>
-          </a:fillRef>
-          <a:effectRef idx="0">
-            <a:schemeClr val="accent1"/>
-          </a:effectRef>
-          <a:fontRef idx="minor">
-            <a:schemeClr val="lt1"/>
-          </a:fontRef>
-        </p:style>
-        <p:txBody>
-          <a:bodyPr rtlCol="0" anchor="ctr"/>
-          <a:lstStyle/>
-          <a:p>
-            <a:pPr algn="ctr"/>
-            <a:endParaRPr lang="en-US"/>
-          </a:p>
-        </p:txBody>
-      </p:sp>
-      <p:sp>
-        <p:nvSpPr>
-          <p:cNvPr id="7" name="Oval 6">
-            <a:extLst>
-              <a:ext uri="{FF2B5EF4-FFF2-40B4-BE49-F238E27FC236}">
-                <a16:creationId xmlns:a16="http://schemas.microsoft.com/office/drawing/2014/main" id="{D3BE2E8A-7863-42F5-91E9-95160E036E0E}"/>
-              </a:ext>
-            </a:extLst>
-          </p:cNvPr>
-          <p:cNvSpPr>
-            <a:spLocks noChangeAspect="1"/>
-          </p:cNvSpPr>
-          <p:nvPr/>
-        </p:nvSpPr>
-        <p:spPr>
-          <a:xfrm>
-            <a:off x="6850662" y="4541901"/>
-            <a:ext cx="182880" cy="182880"/>
-          </a:xfrm>
-          <a:prstGeom prst="ellipse">
-            <a:avLst/>
-          </a:prstGeom>
-        </p:spPr>
-        <p:style>
-          <a:lnRef idx="2">
-            <a:schemeClr val="accent1">
-              <a:shade val="50000"/>
-            </a:schemeClr>
-          </a:lnRef>
-          <a:fillRef idx="1">
-            <a:schemeClr val="accent1"/>
-          </a:fillRef>
-          <a:effectRef idx="0">
-            <a:schemeClr val="accent1"/>
-          </a:effectRef>
-          <a:fontRef idx="minor">
-            <a:schemeClr val="lt1"/>
-          </a:fontRef>
-        </p:style>
-        <p:txBody>
-          <a:bodyPr rtlCol="0" anchor="ctr"/>
-          <a:lstStyle/>
-          <a:p>
-            <a:pPr algn="ctr"/>
-            <a:endParaRPr lang="en-US"/>
-          </a:p>
-        </p:txBody>
-      </p:sp>
-      <p:sp>
-        <p:nvSpPr>
-          <p:cNvPr id="8" name="Oval 7">
-            <a:extLst>
-              <a:ext uri="{FF2B5EF4-FFF2-40B4-BE49-F238E27FC236}">
-                <a16:creationId xmlns:a16="http://schemas.microsoft.com/office/drawing/2014/main" id="{4A67CCF5-588A-41CF-AAAA-83E5BDBABD02}"/>
-              </a:ext>
-            </a:extLst>
-          </p:cNvPr>
-          <p:cNvSpPr>
-            <a:spLocks noChangeAspect="1"/>
-          </p:cNvSpPr>
-          <p:nvPr/>
-        </p:nvSpPr>
-        <p:spPr>
-          <a:xfrm>
-            <a:off x="7922152" y="5389360"/>
-            <a:ext cx="182880" cy="182880"/>
-          </a:xfrm>
-          <a:prstGeom prst="ellipse">
-            <a:avLst/>
-          </a:prstGeom>
-        </p:spPr>
-        <p:style>
-          <a:lnRef idx="2">
-            <a:schemeClr val="accent1">
-              <a:shade val="50000"/>
-            </a:schemeClr>
-          </a:lnRef>
-          <a:fillRef idx="1">
-            <a:schemeClr val="accent1"/>
-          </a:fillRef>
-          <a:effectRef idx="0">
-            <a:schemeClr val="accent1"/>
-          </a:effectRef>
-          <a:fontRef idx="minor">
-            <a:schemeClr val="lt1"/>
-          </a:fontRef>
-        </p:style>
-        <p:txBody>
-          <a:bodyPr rtlCol="0" anchor="ctr"/>
-          <a:lstStyle/>
-          <a:p>
-            <a:pPr algn="ctr"/>
-            <a:endParaRPr lang="en-US"/>
-          </a:p>
-        </p:txBody>
-      </p:sp>
-      <mc:AlternateContent xmlns:mc="http://schemas.openxmlformats.org/markup-compatibility/2006" xmlns:a14="http://schemas.microsoft.com/office/drawing/2010/main">
-        <mc:Choice Requires="a14">
-          <p:sp>
-            <p:nvSpPr>
-              <p:cNvPr id="9" name="TextBox 8">
-                <a:extLst>
-                  <a:ext uri="{FF2B5EF4-FFF2-40B4-BE49-F238E27FC236}">
-                    <a16:creationId xmlns:a16="http://schemas.microsoft.com/office/drawing/2014/main" id="{A65197FB-5F43-4E06-87A6-FDB4B2D8BA19}"/>
-                  </a:ext>
-                </a:extLst>
-              </p:cNvPr>
-              <p:cNvSpPr txBox="1"/>
-              <p:nvPr/>
-            </p:nvSpPr>
-            <p:spPr>
-              <a:xfrm>
-                <a:off x="1718094" y="1897619"/>
-                <a:ext cx="2452120" cy="461665"/>
-              </a:xfrm>
-              <a:prstGeom prst="rect">
-                <a:avLst/>
-              </a:prstGeom>
-              <a:noFill/>
-            </p:spPr>
-            <p:txBody>
-              <a:bodyPr wrap="square" rtlCol="0">
-                <a:spAutoFit/>
-              </a:bodyPr>
-              <a:lstStyle/>
-              <a:p>
-                <a:pPr/>
-                <a14:m>
-                  <m:oMathPara xmlns:m="http://schemas.openxmlformats.org/officeDocument/2006/math">
-                    <m:oMathParaPr>
-                      <m:jc m:val="centerGroup"/>
-                    </m:oMathParaPr>
-                    <m:oMath xmlns:m="http://schemas.openxmlformats.org/officeDocument/2006/math">
-                      <m:r>
-                        <a:rPr lang="en-US" sz="2400" b="0" i="1" smtClean="0">
-                          <a:solidFill>
-                            <a:srgbClr val="0070C0"/>
-                          </a:solidFill>
-                          <a:latin typeface="Cambria Math" panose="02040503050406030204" pitchFamily="18" charset="0"/>
-                        </a:rPr>
-                        <m:t>𝑦</m:t>
-                      </m:r>
-                      <m:r>
-                        <a:rPr lang="en-US" sz="2400" b="0" i="1" smtClean="0">
-                          <a:solidFill>
-                            <a:srgbClr val="0070C0"/>
-                          </a:solidFill>
-                          <a:latin typeface="Cambria Math" panose="02040503050406030204" pitchFamily="18" charset="0"/>
-                        </a:rPr>
-                        <m:t>=</m:t>
-                      </m:r>
-                      <m:r>
-                        <a:rPr lang="en-US" sz="2400" b="0" i="1" smtClean="0">
-                          <a:solidFill>
-                            <a:srgbClr val="0070C0"/>
-                          </a:solidFill>
-                          <a:latin typeface="Cambria Math" panose="02040503050406030204" pitchFamily="18" charset="0"/>
-                        </a:rPr>
-                        <m:t>𝜃</m:t>
-                      </m:r>
-                      <m:r>
-                        <a:rPr lang="en-US" sz="2400" b="0" i="1" smtClean="0">
-                          <a:solidFill>
-                            <a:srgbClr val="0070C0"/>
-                          </a:solidFill>
-                          <a:latin typeface="Cambria Math" panose="02040503050406030204" pitchFamily="18" charset="0"/>
-                        </a:rPr>
-                        <m:t>𝑥</m:t>
-                      </m:r>
-                      <m:r>
-                        <a:rPr lang="en-US" sz="2400" b="0" i="1" smtClean="0">
-                          <a:solidFill>
-                            <a:srgbClr val="0070C0"/>
-                          </a:solidFill>
-                          <a:latin typeface="Cambria Math" panose="02040503050406030204" pitchFamily="18" charset="0"/>
-                        </a:rPr>
-                        <m:t>+5</m:t>
-                      </m:r>
-                    </m:oMath>
-                  </m:oMathPara>
-                </a14:m>
-                <a:endParaRPr lang="en-US" sz="2400" dirty="0">
-                  <a:solidFill>
-                    <a:srgbClr val="0070C0"/>
-                  </a:solidFill>
-                </a:endParaRPr>
-              </a:p>
-            </p:txBody>
-          </p:sp>
-        </mc:Choice>
-        <mc:Fallback xmlns="">
-          <p:sp>
-            <p:nvSpPr>
-              <p:cNvPr id="9" name="TextBox 8">
-                <a:extLst>
-                  <a:ext uri="{FF2B5EF4-FFF2-40B4-BE49-F238E27FC236}">
-                    <a16:creationId xmlns:a16="http://schemas.microsoft.com/office/drawing/2014/main" id="{A65197FB-5F43-4E06-87A6-FDB4B2D8BA19}"/>
-                  </a:ext>
-                </a:extLst>
-              </p:cNvPr>
-              <p:cNvSpPr txBox="1">
-                <a:spLocks noRot="1" noChangeAspect="1" noMove="1" noResize="1" noEditPoints="1" noAdjustHandles="1" noChangeArrowheads="1" noChangeShapeType="1" noTextEdit="1"/>
-              </p:cNvSpPr>
-              <p:nvPr/>
-            </p:nvSpPr>
-            <p:spPr>
-              <a:xfrm>
-                <a:off x="1718094" y="1897619"/>
-                <a:ext cx="2452120" cy="461665"/>
-              </a:xfrm>
-              <a:prstGeom prst="rect">
-                <a:avLst/>
-              </a:prstGeom>
-              <a:blipFill>
-                <a:blip r:embed="rId4"/>
-                <a:stretch>
-                  <a:fillRect b="-10526"/>
-                </a:stretch>
-              </a:blipFill>
-            </p:spPr>
-            <p:txBody>
-              <a:bodyPr/>
-              <a:lstStyle/>
-              <a:p>
-                <a:r>
-                  <a:rPr lang="en-US">
-                    <a:noFill/>
-                  </a:rPr>
-                  <a:t> </a:t>
-                </a:r>
-              </a:p>
-            </p:txBody>
-          </p:sp>
-        </mc:Fallback>
-      </mc:AlternateContent>
-      <p:sp>
-        <p:nvSpPr>
-          <p:cNvPr id="10" name="TextBox 9">
-            <a:extLst>
-              <a:ext uri="{FF2B5EF4-FFF2-40B4-BE49-F238E27FC236}">
-                <a16:creationId xmlns:a16="http://schemas.microsoft.com/office/drawing/2014/main" id="{07E860FA-3660-43AA-B6AE-D7F2B659970D}"/>
-              </a:ext>
-            </a:extLst>
-          </p:cNvPr>
-          <p:cNvSpPr txBox="1"/>
-          <p:nvPr/>
-        </p:nvSpPr>
-        <p:spPr>
-          <a:xfrm>
-            <a:off x="294735" y="1897619"/>
-            <a:ext cx="1086929" cy="461665"/>
-          </a:xfrm>
-          <a:prstGeom prst="rect">
-            <a:avLst/>
-          </a:prstGeom>
-          <a:noFill/>
-        </p:spPr>
-        <p:txBody>
-          <a:bodyPr wrap="square" rtlCol="0">
-            <a:spAutoFit/>
-          </a:bodyPr>
-          <a:lstStyle/>
-          <a:p>
-            <a:r>
-              <a:rPr lang="en-US" sz="2400" dirty="0"/>
-              <a:t>1.</a:t>
-            </a:r>
-          </a:p>
-        </p:txBody>
-      </p:sp>
-      <p:sp>
-        <p:nvSpPr>
-          <p:cNvPr id="11" name="TextBox 10">
-            <a:extLst>
-              <a:ext uri="{FF2B5EF4-FFF2-40B4-BE49-F238E27FC236}">
-                <a16:creationId xmlns:a16="http://schemas.microsoft.com/office/drawing/2014/main" id="{1CDE5121-E248-4A7D-B398-DE1F5AF4A852}"/>
-              </a:ext>
-            </a:extLst>
-          </p:cNvPr>
-          <p:cNvSpPr txBox="1"/>
-          <p:nvPr/>
-        </p:nvSpPr>
-        <p:spPr>
-          <a:xfrm>
-            <a:off x="294735" y="4311068"/>
-            <a:ext cx="1086929" cy="461665"/>
-          </a:xfrm>
-          <a:prstGeom prst="rect">
-            <a:avLst/>
-          </a:prstGeom>
-          <a:noFill/>
-        </p:spPr>
-        <p:txBody>
-          <a:bodyPr wrap="square" rtlCol="0">
-            <a:spAutoFit/>
-          </a:bodyPr>
-          <a:lstStyle/>
-          <a:p>
-            <a:r>
-              <a:rPr lang="en-US" sz="2400" dirty="0"/>
-              <a:t>2.</a:t>
-            </a:r>
-          </a:p>
-        </p:txBody>
-      </p:sp>
-    </p:spTree>
-    <p:extLst>
-      <p:ext uri="{BB962C8B-B14F-4D97-AF65-F5344CB8AC3E}">
-        <p14:creationId xmlns:p14="http://schemas.microsoft.com/office/powerpoint/2010/main" val="2131481561"/>
-      </p:ext>
-    </p:extLst>
-  </p:cSld>
-  <p:clrMapOvr>
-    <a:masterClrMapping/>
-  </p:clrMapOvr>
-</p:sld>
-</file>
-
 <file path=ppt/slides/slide2.xml><?xml version="1.0" encoding="utf-8"?>
 <p:sld xmlns:a="http://schemas.openxmlformats.org/drawingml/2006/main" xmlns:r="http://schemas.openxmlformats.org/officeDocument/2006/relationships" xmlns:p="http://schemas.openxmlformats.org/presentationml/2006/main">
   <p:cSld>
@@ -26359,6 +25954,671 @@
     <p:extLst>
       <p:ext uri="{BB962C8B-B14F-4D97-AF65-F5344CB8AC3E}">
         <p14:creationId xmlns:p14="http://schemas.microsoft.com/office/powerpoint/2010/main" val="2835488716"/>
+      </p:ext>
+    </p:extLst>
+  </p:cSld>
+  <p:clrMapOvr>
+    <a:masterClrMapping/>
+  </p:clrMapOvr>
+</p:sld>
+</file>
+
+<file path=ppt/slides/slide20.xml><?xml version="1.0" encoding="utf-8"?>
+<p:sld xmlns:a="http://schemas.openxmlformats.org/drawingml/2006/main" xmlns:r="http://schemas.openxmlformats.org/officeDocument/2006/relationships" xmlns:p="http://schemas.openxmlformats.org/presentationml/2006/main">
+  <p:cSld>
+    <p:spTree>
+      <p:nvGrpSpPr>
+        <p:cNvPr id="1" name=""/>
+        <p:cNvGrpSpPr/>
+        <p:nvPr/>
+      </p:nvGrpSpPr>
+      <p:grpSpPr>
+        <a:xfrm>
+          <a:off x="0" y="0"/>
+          <a:ext cx="0" cy="0"/>
+          <a:chOff x="0" y="0"/>
+          <a:chExt cx="0" cy="0"/>
+        </a:xfrm>
+      </p:grpSpPr>
+      <p:sp>
+        <p:nvSpPr>
+          <p:cNvPr id="2" name="Title 1">
+            <a:extLst>
+              <a:ext uri="{FF2B5EF4-FFF2-40B4-BE49-F238E27FC236}">
+                <a16:creationId xmlns:a16="http://schemas.microsoft.com/office/drawing/2014/main" id="{AA34BFD4-F6C3-4BC0-9F74-F593E1745637}"/>
+              </a:ext>
+            </a:extLst>
+          </p:cNvPr>
+          <p:cNvSpPr>
+            <a:spLocks noGrp="1"/>
+          </p:cNvSpPr>
+          <p:nvPr>
+            <p:ph type="title"/>
+          </p:nvPr>
+        </p:nvSpPr>
+        <p:spPr/>
+        <p:txBody>
+          <a:bodyPr/>
+          <a:lstStyle/>
+          <a:p>
+            <a:r>
+              <a:rPr lang="en-US" dirty="0"/>
+              <a:t>Your turn</a:t>
+            </a:r>
+          </a:p>
+        </p:txBody>
+      </p:sp>
+      <p:pic>
+        <p:nvPicPr>
+          <p:cNvPr id="3" name="Picture 2">
+            <a:extLst>
+              <a:ext uri="{FF2B5EF4-FFF2-40B4-BE49-F238E27FC236}">
+                <a16:creationId xmlns:a16="http://schemas.microsoft.com/office/drawing/2014/main" id="{5114B4C6-434C-440D-B659-BD30D8086AF1}"/>
+              </a:ext>
+            </a:extLst>
+          </p:cNvPr>
+          <p:cNvPicPr>
+            <a:picLocks noChangeAspect="1"/>
+          </p:cNvPicPr>
+          <p:nvPr/>
+        </p:nvPicPr>
+        <p:blipFill>
+          <a:blip r:embed="rId2"/>
+          <a:stretch>
+            <a:fillRect/>
+          </a:stretch>
+        </p:blipFill>
+        <p:spPr>
+          <a:xfrm>
+            <a:off x="5644769" y="3920719"/>
+            <a:ext cx="4322853" cy="2937281"/>
+          </a:xfrm>
+          <a:prstGeom prst="rect">
+            <a:avLst/>
+          </a:prstGeom>
+        </p:spPr>
+      </p:pic>
+      <mc:AlternateContent xmlns:mc="http://schemas.openxmlformats.org/markup-compatibility/2006" xmlns:a14="http://schemas.microsoft.com/office/drawing/2010/main">
+        <mc:Choice Requires="a14">
+          <p:sp>
+            <p:nvSpPr>
+              <p:cNvPr id="4" name="TextBox 3">
+                <a:extLst>
+                  <a:ext uri="{FF2B5EF4-FFF2-40B4-BE49-F238E27FC236}">
+                    <a16:creationId xmlns:a16="http://schemas.microsoft.com/office/drawing/2014/main" id="{8EC0A4B4-56C5-468C-8830-C70278FA9294}"/>
+                  </a:ext>
+                </a:extLst>
+              </p:cNvPr>
+              <p:cNvSpPr txBox="1"/>
+              <p:nvPr/>
+            </p:nvSpPr>
+            <p:spPr>
+              <a:xfrm>
+                <a:off x="1718094" y="4387493"/>
+                <a:ext cx="2452120" cy="461665"/>
+              </a:xfrm>
+              <a:prstGeom prst="rect">
+                <a:avLst/>
+              </a:prstGeom>
+              <a:noFill/>
+            </p:spPr>
+            <p:txBody>
+              <a:bodyPr wrap="square" rtlCol="0">
+                <a:spAutoFit/>
+              </a:bodyPr>
+              <a:lstStyle/>
+              <a:p>
+                <a:pPr/>
+                <a14:m>
+                  <m:oMathPara xmlns:m="http://schemas.openxmlformats.org/officeDocument/2006/math">
+                    <m:oMathParaPr>
+                      <m:jc m:val="centerGroup"/>
+                    </m:oMathParaPr>
+                    <m:oMath xmlns:m="http://schemas.openxmlformats.org/officeDocument/2006/math">
+                      <m:r>
+                        <a:rPr lang="en-US" sz="2400" b="0" i="1" smtClean="0">
+                          <a:solidFill>
+                            <a:srgbClr val="0070C0"/>
+                          </a:solidFill>
+                          <a:latin typeface="Cambria Math" panose="02040503050406030204" pitchFamily="18" charset="0"/>
+                        </a:rPr>
+                        <m:t>𝑦</m:t>
+                      </m:r>
+                      <m:r>
+                        <a:rPr lang="en-US" sz="2400" b="0" i="1" smtClean="0">
+                          <a:solidFill>
+                            <a:srgbClr val="0070C0"/>
+                          </a:solidFill>
+                          <a:latin typeface="Cambria Math" panose="02040503050406030204" pitchFamily="18" charset="0"/>
+                        </a:rPr>
+                        <m:t>=</m:t>
+                      </m:r>
+                      <m:r>
+                        <a:rPr lang="en-US" sz="2400" b="0" i="1" smtClean="0">
+                          <a:solidFill>
+                            <a:srgbClr val="0070C0"/>
+                          </a:solidFill>
+                          <a:latin typeface="Cambria Math" panose="02040503050406030204" pitchFamily="18" charset="0"/>
+                        </a:rPr>
+                        <m:t>𝐴</m:t>
+                      </m:r>
+                      <m:func>
+                        <m:funcPr>
+                          <m:ctrlPr>
+                            <a:rPr lang="en-US" sz="2400" b="0" i="1" smtClean="0">
+                              <a:solidFill>
+                                <a:srgbClr val="0070C0"/>
+                              </a:solidFill>
+                              <a:latin typeface="Cambria Math" panose="02040503050406030204" pitchFamily="18" charset="0"/>
+                            </a:rPr>
+                          </m:ctrlPr>
+                        </m:funcPr>
+                        <m:fName>
+                          <m:r>
+                            <m:rPr>
+                              <m:sty m:val="p"/>
+                            </m:rPr>
+                            <a:rPr lang="en-US" sz="2400" b="0" i="0" smtClean="0">
+                              <a:solidFill>
+                                <a:srgbClr val="0070C0"/>
+                              </a:solidFill>
+                              <a:latin typeface="Cambria Math" panose="02040503050406030204" pitchFamily="18" charset="0"/>
+                            </a:rPr>
+                            <m:t>sin</m:t>
+                          </m:r>
+                        </m:fName>
+                        <m:e>
+                          <m:r>
+                            <a:rPr lang="en-US" sz="2400" b="0" i="1" smtClean="0">
+                              <a:solidFill>
+                                <a:srgbClr val="0070C0"/>
+                              </a:solidFill>
+                              <a:latin typeface="Cambria Math" panose="02040503050406030204" pitchFamily="18" charset="0"/>
+                            </a:rPr>
+                            <m:t>(</m:t>
+                          </m:r>
+                          <m:r>
+                            <a:rPr lang="en-US" sz="2400" b="0" i="1" smtClean="0">
+                              <a:solidFill>
+                                <a:srgbClr val="0070C0"/>
+                              </a:solidFill>
+                              <a:latin typeface="Cambria Math" panose="02040503050406030204" pitchFamily="18" charset="0"/>
+                            </a:rPr>
+                            <m:t>𝑥</m:t>
+                          </m:r>
+                          <m:r>
+                            <a:rPr lang="en-US" sz="2400" b="0" i="1" smtClean="0">
+                              <a:solidFill>
+                                <a:srgbClr val="0070C0"/>
+                              </a:solidFill>
+                              <a:latin typeface="Cambria Math" panose="02040503050406030204" pitchFamily="18" charset="0"/>
+                            </a:rPr>
+                            <m:t>)</m:t>
+                          </m:r>
+                        </m:e>
+                      </m:func>
+                    </m:oMath>
+                  </m:oMathPara>
+                </a14:m>
+                <a:endParaRPr lang="en-US" sz="2400" dirty="0">
+                  <a:solidFill>
+                    <a:srgbClr val="0070C0"/>
+                  </a:solidFill>
+                </a:endParaRPr>
+              </a:p>
+            </p:txBody>
+          </p:sp>
+        </mc:Choice>
+        <mc:Fallback xmlns="">
+          <p:sp>
+            <p:nvSpPr>
+              <p:cNvPr id="4" name="TextBox 3">
+                <a:extLst>
+                  <a:ext uri="{FF2B5EF4-FFF2-40B4-BE49-F238E27FC236}">
+                    <a16:creationId xmlns:a16="http://schemas.microsoft.com/office/drawing/2014/main" id="{8EC0A4B4-56C5-468C-8830-C70278FA9294}"/>
+                  </a:ext>
+                </a:extLst>
+              </p:cNvPr>
+              <p:cNvSpPr txBox="1">
+                <a:spLocks noRot="1" noChangeAspect="1" noMove="1" noResize="1" noEditPoints="1" noAdjustHandles="1" noChangeArrowheads="1" noChangeShapeType="1" noTextEdit="1"/>
+              </p:cNvSpPr>
+              <p:nvPr/>
+            </p:nvSpPr>
+            <p:spPr>
+              <a:xfrm>
+                <a:off x="1718094" y="4387493"/>
+                <a:ext cx="2452120" cy="461665"/>
+              </a:xfrm>
+              <a:prstGeom prst="rect">
+                <a:avLst/>
+              </a:prstGeom>
+              <a:blipFill>
+                <a:blip r:embed="rId3"/>
+                <a:stretch>
+                  <a:fillRect b="-18667"/>
+                </a:stretch>
+              </a:blipFill>
+            </p:spPr>
+            <p:txBody>
+              <a:bodyPr/>
+              <a:lstStyle/>
+              <a:p>
+                <a:r>
+                  <a:rPr lang="en-US">
+                    <a:noFill/>
+                  </a:rPr>
+                  <a:t> </a:t>
+                </a:r>
+              </a:p>
+            </p:txBody>
+          </p:sp>
+        </mc:Fallback>
+      </mc:AlternateContent>
+      <p:sp>
+        <p:nvSpPr>
+          <p:cNvPr id="5" name="Oval 4">
+            <a:extLst>
+              <a:ext uri="{FF2B5EF4-FFF2-40B4-BE49-F238E27FC236}">
+                <a16:creationId xmlns:a16="http://schemas.microsoft.com/office/drawing/2014/main" id="{38B64D5C-E4F5-45E6-B8AA-BBB8EDF7EABA}"/>
+              </a:ext>
+            </a:extLst>
+          </p:cNvPr>
+          <p:cNvSpPr>
+            <a:spLocks noChangeAspect="1"/>
+          </p:cNvSpPr>
+          <p:nvPr/>
+        </p:nvSpPr>
+        <p:spPr>
+          <a:xfrm>
+            <a:off x="9202192" y="5766983"/>
+            <a:ext cx="182880" cy="182880"/>
+          </a:xfrm>
+          <a:prstGeom prst="ellipse">
+            <a:avLst/>
+          </a:prstGeom>
+        </p:spPr>
+        <p:style>
+          <a:lnRef idx="2">
+            <a:schemeClr val="accent1">
+              <a:shade val="50000"/>
+            </a:schemeClr>
+          </a:lnRef>
+          <a:fillRef idx="1">
+            <a:schemeClr val="accent1"/>
+          </a:fillRef>
+          <a:effectRef idx="0">
+            <a:schemeClr val="accent1"/>
+          </a:effectRef>
+          <a:fontRef idx="minor">
+            <a:schemeClr val="lt1"/>
+          </a:fontRef>
+        </p:style>
+        <p:txBody>
+          <a:bodyPr rtlCol="0" anchor="ctr"/>
+          <a:lstStyle/>
+          <a:p>
+            <a:pPr algn="ctr"/>
+            <a:endParaRPr lang="en-US"/>
+          </a:p>
+        </p:txBody>
+      </p:sp>
+      <p:sp>
+        <p:nvSpPr>
+          <p:cNvPr id="6" name="Oval 5">
+            <a:extLst>
+              <a:ext uri="{FF2B5EF4-FFF2-40B4-BE49-F238E27FC236}">
+                <a16:creationId xmlns:a16="http://schemas.microsoft.com/office/drawing/2014/main" id="{31390398-AA52-42C8-A180-440147E4400A}"/>
+              </a:ext>
+            </a:extLst>
+          </p:cNvPr>
+          <p:cNvSpPr>
+            <a:spLocks noChangeAspect="1"/>
+          </p:cNvSpPr>
+          <p:nvPr/>
+        </p:nvSpPr>
+        <p:spPr>
+          <a:xfrm>
+            <a:off x="5779173" y="5389360"/>
+            <a:ext cx="182880" cy="182880"/>
+          </a:xfrm>
+          <a:prstGeom prst="ellipse">
+            <a:avLst/>
+          </a:prstGeom>
+        </p:spPr>
+        <p:style>
+          <a:lnRef idx="2">
+            <a:schemeClr val="accent1">
+              <a:shade val="50000"/>
+            </a:schemeClr>
+          </a:lnRef>
+          <a:fillRef idx="1">
+            <a:schemeClr val="accent1"/>
+          </a:fillRef>
+          <a:effectRef idx="0">
+            <a:schemeClr val="accent1"/>
+          </a:effectRef>
+          <a:fontRef idx="minor">
+            <a:schemeClr val="lt1"/>
+          </a:fontRef>
+        </p:style>
+        <p:txBody>
+          <a:bodyPr rtlCol="0" anchor="ctr"/>
+          <a:lstStyle/>
+          <a:p>
+            <a:pPr algn="ctr"/>
+            <a:endParaRPr lang="en-US"/>
+          </a:p>
+        </p:txBody>
+      </p:sp>
+      <p:sp>
+        <p:nvSpPr>
+          <p:cNvPr id="7" name="Oval 6">
+            <a:extLst>
+              <a:ext uri="{FF2B5EF4-FFF2-40B4-BE49-F238E27FC236}">
+                <a16:creationId xmlns:a16="http://schemas.microsoft.com/office/drawing/2014/main" id="{D3BE2E8A-7863-42F5-91E9-95160E036E0E}"/>
+              </a:ext>
+            </a:extLst>
+          </p:cNvPr>
+          <p:cNvSpPr>
+            <a:spLocks noChangeAspect="1"/>
+          </p:cNvSpPr>
+          <p:nvPr/>
+        </p:nvSpPr>
+        <p:spPr>
+          <a:xfrm>
+            <a:off x="6850662" y="4541901"/>
+            <a:ext cx="182880" cy="182880"/>
+          </a:xfrm>
+          <a:prstGeom prst="ellipse">
+            <a:avLst/>
+          </a:prstGeom>
+        </p:spPr>
+        <p:style>
+          <a:lnRef idx="2">
+            <a:schemeClr val="accent1">
+              <a:shade val="50000"/>
+            </a:schemeClr>
+          </a:lnRef>
+          <a:fillRef idx="1">
+            <a:schemeClr val="accent1"/>
+          </a:fillRef>
+          <a:effectRef idx="0">
+            <a:schemeClr val="accent1"/>
+          </a:effectRef>
+          <a:fontRef idx="minor">
+            <a:schemeClr val="lt1"/>
+          </a:fontRef>
+        </p:style>
+        <p:txBody>
+          <a:bodyPr rtlCol="0" anchor="ctr"/>
+          <a:lstStyle/>
+          <a:p>
+            <a:pPr algn="ctr"/>
+            <a:endParaRPr lang="en-US"/>
+          </a:p>
+        </p:txBody>
+      </p:sp>
+      <p:sp>
+        <p:nvSpPr>
+          <p:cNvPr id="8" name="Oval 7">
+            <a:extLst>
+              <a:ext uri="{FF2B5EF4-FFF2-40B4-BE49-F238E27FC236}">
+                <a16:creationId xmlns:a16="http://schemas.microsoft.com/office/drawing/2014/main" id="{4A67CCF5-588A-41CF-AAAA-83E5BDBABD02}"/>
+              </a:ext>
+            </a:extLst>
+          </p:cNvPr>
+          <p:cNvSpPr>
+            <a:spLocks noChangeAspect="1"/>
+          </p:cNvSpPr>
+          <p:nvPr/>
+        </p:nvSpPr>
+        <p:spPr>
+          <a:xfrm>
+            <a:off x="7922152" y="5389360"/>
+            <a:ext cx="182880" cy="182880"/>
+          </a:xfrm>
+          <a:prstGeom prst="ellipse">
+            <a:avLst/>
+          </a:prstGeom>
+        </p:spPr>
+        <p:style>
+          <a:lnRef idx="2">
+            <a:schemeClr val="accent1">
+              <a:shade val="50000"/>
+            </a:schemeClr>
+          </a:lnRef>
+          <a:fillRef idx="1">
+            <a:schemeClr val="accent1"/>
+          </a:fillRef>
+          <a:effectRef idx="0">
+            <a:schemeClr val="accent1"/>
+          </a:effectRef>
+          <a:fontRef idx="minor">
+            <a:schemeClr val="lt1"/>
+          </a:fontRef>
+        </p:style>
+        <p:txBody>
+          <a:bodyPr rtlCol="0" anchor="ctr"/>
+          <a:lstStyle/>
+          <a:p>
+            <a:pPr algn="ctr"/>
+            <a:endParaRPr lang="en-US"/>
+          </a:p>
+        </p:txBody>
+      </p:sp>
+      <mc:AlternateContent xmlns:mc="http://schemas.openxmlformats.org/markup-compatibility/2006" xmlns:a14="http://schemas.microsoft.com/office/drawing/2010/main">
+        <mc:Choice Requires="a14">
+          <p:sp>
+            <p:nvSpPr>
+              <p:cNvPr id="9" name="TextBox 8">
+                <a:extLst>
+                  <a:ext uri="{FF2B5EF4-FFF2-40B4-BE49-F238E27FC236}">
+                    <a16:creationId xmlns:a16="http://schemas.microsoft.com/office/drawing/2014/main" id="{A65197FB-5F43-4E06-87A6-FDB4B2D8BA19}"/>
+                  </a:ext>
+                </a:extLst>
+              </p:cNvPr>
+              <p:cNvSpPr txBox="1"/>
+              <p:nvPr/>
+            </p:nvSpPr>
+            <p:spPr>
+              <a:xfrm>
+                <a:off x="1718094" y="1897619"/>
+                <a:ext cx="2452120" cy="461665"/>
+              </a:xfrm>
+              <a:prstGeom prst="rect">
+                <a:avLst/>
+              </a:prstGeom>
+              <a:noFill/>
+            </p:spPr>
+            <p:txBody>
+              <a:bodyPr wrap="square" rtlCol="0">
+                <a:spAutoFit/>
+              </a:bodyPr>
+              <a:lstStyle/>
+              <a:p>
+                <a:pPr/>
+                <a14:m>
+                  <m:oMathPara xmlns:m="http://schemas.openxmlformats.org/officeDocument/2006/math">
+                    <m:oMathParaPr>
+                      <m:jc m:val="centerGroup"/>
+                    </m:oMathParaPr>
+                    <m:oMath xmlns:m="http://schemas.openxmlformats.org/officeDocument/2006/math">
+                      <m:r>
+                        <a:rPr lang="en-US" sz="2400" b="0" i="1" smtClean="0">
+                          <a:solidFill>
+                            <a:srgbClr val="0070C0"/>
+                          </a:solidFill>
+                          <a:latin typeface="Cambria Math" panose="02040503050406030204" pitchFamily="18" charset="0"/>
+                        </a:rPr>
+                        <m:t>𝑦</m:t>
+                      </m:r>
+                      <m:r>
+                        <a:rPr lang="en-US" sz="2400" b="0" i="1" smtClean="0">
+                          <a:solidFill>
+                            <a:srgbClr val="0070C0"/>
+                          </a:solidFill>
+                          <a:latin typeface="Cambria Math" panose="02040503050406030204" pitchFamily="18" charset="0"/>
+                        </a:rPr>
+                        <m:t>=</m:t>
+                      </m:r>
+                      <m:r>
+                        <a:rPr lang="en-US" sz="2400" b="0" i="1" smtClean="0">
+                          <a:solidFill>
+                            <a:srgbClr val="0070C0"/>
+                          </a:solidFill>
+                          <a:latin typeface="Cambria Math" panose="02040503050406030204" pitchFamily="18" charset="0"/>
+                        </a:rPr>
+                        <m:t>𝜃</m:t>
+                      </m:r>
+                      <m:r>
+                        <a:rPr lang="en-US" sz="2400" b="0" i="1" smtClean="0">
+                          <a:solidFill>
+                            <a:srgbClr val="0070C0"/>
+                          </a:solidFill>
+                          <a:latin typeface="Cambria Math" panose="02040503050406030204" pitchFamily="18" charset="0"/>
+                        </a:rPr>
+                        <m:t>𝑥</m:t>
+                      </m:r>
+                      <m:r>
+                        <a:rPr lang="en-US" sz="2400" b="0" i="1" smtClean="0">
+                          <a:solidFill>
+                            <a:srgbClr val="0070C0"/>
+                          </a:solidFill>
+                          <a:latin typeface="Cambria Math" panose="02040503050406030204" pitchFamily="18" charset="0"/>
+                        </a:rPr>
+                        <m:t>+5</m:t>
+                      </m:r>
+                    </m:oMath>
+                  </m:oMathPara>
+                </a14:m>
+                <a:endParaRPr lang="en-US" sz="2400" dirty="0">
+                  <a:solidFill>
+                    <a:srgbClr val="0070C0"/>
+                  </a:solidFill>
+                </a:endParaRPr>
+              </a:p>
+            </p:txBody>
+          </p:sp>
+        </mc:Choice>
+        <mc:Fallback xmlns="">
+          <p:sp>
+            <p:nvSpPr>
+              <p:cNvPr id="9" name="TextBox 8">
+                <a:extLst>
+                  <a:ext uri="{FF2B5EF4-FFF2-40B4-BE49-F238E27FC236}">
+                    <a16:creationId xmlns:a16="http://schemas.microsoft.com/office/drawing/2014/main" id="{A65197FB-5F43-4E06-87A6-FDB4B2D8BA19}"/>
+                  </a:ext>
+                </a:extLst>
+              </p:cNvPr>
+              <p:cNvSpPr txBox="1">
+                <a:spLocks noRot="1" noChangeAspect="1" noMove="1" noResize="1" noEditPoints="1" noAdjustHandles="1" noChangeArrowheads="1" noChangeShapeType="1" noTextEdit="1"/>
+              </p:cNvSpPr>
+              <p:nvPr/>
+            </p:nvSpPr>
+            <p:spPr>
+              <a:xfrm>
+                <a:off x="1718094" y="1897619"/>
+                <a:ext cx="2452120" cy="461665"/>
+              </a:xfrm>
+              <a:prstGeom prst="rect">
+                <a:avLst/>
+              </a:prstGeom>
+              <a:blipFill>
+                <a:blip r:embed="rId4"/>
+                <a:stretch>
+                  <a:fillRect b="-10526"/>
+                </a:stretch>
+              </a:blipFill>
+            </p:spPr>
+            <p:txBody>
+              <a:bodyPr/>
+              <a:lstStyle/>
+              <a:p>
+                <a:r>
+                  <a:rPr lang="en-US">
+                    <a:noFill/>
+                  </a:rPr>
+                  <a:t> </a:t>
+                </a:r>
+              </a:p>
+            </p:txBody>
+          </p:sp>
+        </mc:Fallback>
+      </mc:AlternateContent>
+      <p:sp>
+        <p:nvSpPr>
+          <p:cNvPr id="10" name="TextBox 9">
+            <a:extLst>
+              <a:ext uri="{FF2B5EF4-FFF2-40B4-BE49-F238E27FC236}">
+                <a16:creationId xmlns:a16="http://schemas.microsoft.com/office/drawing/2014/main" id="{07E860FA-3660-43AA-B6AE-D7F2B659970D}"/>
+              </a:ext>
+            </a:extLst>
+          </p:cNvPr>
+          <p:cNvSpPr txBox="1"/>
+          <p:nvPr/>
+        </p:nvSpPr>
+        <p:spPr>
+          <a:xfrm>
+            <a:off x="294735" y="1897619"/>
+            <a:ext cx="1086929" cy="461665"/>
+          </a:xfrm>
+          <a:prstGeom prst="rect">
+            <a:avLst/>
+          </a:prstGeom>
+          <a:noFill/>
+        </p:spPr>
+        <p:txBody>
+          <a:bodyPr wrap="square" rtlCol="0">
+            <a:spAutoFit/>
+          </a:bodyPr>
+          <a:lstStyle/>
+          <a:p>
+            <a:r>
+              <a:rPr lang="en-US" sz="2400" dirty="0"/>
+              <a:t>1.</a:t>
+            </a:r>
+          </a:p>
+        </p:txBody>
+      </p:sp>
+      <p:sp>
+        <p:nvSpPr>
+          <p:cNvPr id="11" name="TextBox 10">
+            <a:extLst>
+              <a:ext uri="{FF2B5EF4-FFF2-40B4-BE49-F238E27FC236}">
+                <a16:creationId xmlns:a16="http://schemas.microsoft.com/office/drawing/2014/main" id="{1CDE5121-E248-4A7D-B398-DE1F5AF4A852}"/>
+              </a:ext>
+            </a:extLst>
+          </p:cNvPr>
+          <p:cNvSpPr txBox="1"/>
+          <p:nvPr/>
+        </p:nvSpPr>
+        <p:spPr>
+          <a:xfrm>
+            <a:off x="294735" y="4311068"/>
+            <a:ext cx="1086929" cy="461665"/>
+          </a:xfrm>
+          <a:prstGeom prst="rect">
+            <a:avLst/>
+          </a:prstGeom>
+          <a:noFill/>
+        </p:spPr>
+        <p:txBody>
+          <a:bodyPr wrap="square" rtlCol="0">
+            <a:spAutoFit/>
+          </a:bodyPr>
+          <a:lstStyle/>
+          <a:p>
+            <a:r>
+              <a:rPr lang="en-US" sz="2400" dirty="0"/>
+              <a:t>2.</a:t>
+            </a:r>
+          </a:p>
+        </p:txBody>
+      </p:sp>
+    </p:spTree>
+    <p:extLst>
+      <p:ext uri="{BB962C8B-B14F-4D97-AF65-F5344CB8AC3E}">
+        <p14:creationId xmlns:p14="http://schemas.microsoft.com/office/powerpoint/2010/main" val="2131481561"/>
       </p:ext>
     </p:extLst>
   </p:cSld>

--- a/slides/02_ML_Linear_modelsA.pptx
+++ b/slides/02_ML_Linear_modelsA.pptx
@@ -5,10 +5,10 @@
     <p:sldMasterId id="2147483673" r:id="rId1"/>
   </p:sldMasterIdLst>
   <p:notesMasterIdLst>
-    <p:notesMasterId r:id="rId22"/>
+    <p:notesMasterId r:id="rId26"/>
   </p:notesMasterIdLst>
   <p:handoutMasterIdLst>
-    <p:handoutMasterId r:id="rId23"/>
+    <p:handoutMasterId r:id="rId27"/>
   </p:handoutMasterIdLst>
   <p:sldIdLst>
     <p:sldId id="365" r:id="rId2"/>
@@ -27,10 +27,14 @@
     <p:sldId id="408" r:id="rId15"/>
     <p:sldId id="404" r:id="rId16"/>
     <p:sldId id="413" r:id="rId17"/>
-    <p:sldId id="405" r:id="rId18"/>
-    <p:sldId id="411" r:id="rId19"/>
-    <p:sldId id="410" r:id="rId20"/>
-    <p:sldId id="385" r:id="rId21"/>
+    <p:sldId id="414" r:id="rId18"/>
+    <p:sldId id="405" r:id="rId19"/>
+    <p:sldId id="411" r:id="rId20"/>
+    <p:sldId id="410" r:id="rId21"/>
+    <p:sldId id="385" r:id="rId22"/>
+    <p:sldId id="416" r:id="rId23"/>
+    <p:sldId id="417" r:id="rId24"/>
+    <p:sldId id="415" r:id="rId25"/>
   </p:sldIdLst>
   <p:sldSz cx="12192000" cy="6858000"/>
   <p:notesSz cx="9144000" cy="6858000"/>
@@ -231,7 +235,7 @@
           <a:p>
             <a:fld id="{83A43D8E-262F-43F1-B0CF-97ED6AAA9912}" type="datetimeFigureOut">
               <a:rPr lang="en-US" smtClean="0"/>
-              <a:t>6/2/2020</a:t>
+              <a:t>6/7/2020</a:t>
             </a:fld>
             <a:endParaRPr lang="en-US"/>
           </a:p>
@@ -408,7 +412,7 @@
           <a:p>
             <a:fld id="{03B42920-386F-4187-8314-27C56E157030}" type="datetimeFigureOut">
               <a:rPr lang="en-US" smtClean="0"/>
-              <a:t>6/2/2020</a:t>
+              <a:t>6/7/2020</a:t>
             </a:fld>
             <a:endParaRPr lang="en-US"/>
           </a:p>
@@ -2138,7 +2142,7 @@
           <a:p>
             <a:fld id="{4C9AD59C-94C8-4AAB-AEDF-FDE77349626C}" type="slidenum">
               <a:rPr lang="en-US" smtClean="0"/>
-              <a:t>17</a:t>
+              <a:t>18</a:t>
             </a:fld>
             <a:endParaRPr lang="en-US"/>
           </a:p>
@@ -2298,7 +2302,7 @@
           <a:p>
             <a:fld id="{4C9AD59C-94C8-4AAB-AEDF-FDE77349626C}" type="slidenum">
               <a:rPr lang="en-US" smtClean="0"/>
-              <a:t>18</a:t>
+              <a:t>19</a:t>
             </a:fld>
             <a:endParaRPr lang="en-US"/>
           </a:p>
@@ -2458,7 +2462,7 @@
           <a:p>
             <a:fld id="{4C9AD59C-94C8-4AAB-AEDF-FDE77349626C}" type="slidenum">
               <a:rPr lang="en-US" smtClean="0"/>
-              <a:t>19</a:t>
+              <a:t>20</a:t>
             </a:fld>
             <a:endParaRPr lang="en-US"/>
           </a:p>
@@ -4089,7 +4093,7 @@
           <a:p>
             <a:fld id="{FE070745-F5EF-4AE3-92EF-0934EDED1862}" type="datetimeFigureOut">
               <a:rPr lang="en-US" smtClean="0"/>
-              <a:t>6/2/2020</a:t>
+              <a:t>6/7/2020</a:t>
             </a:fld>
             <a:endParaRPr lang="en-US"/>
           </a:p>
@@ -4259,7 +4263,7 @@
           <a:p>
             <a:fld id="{FE070745-F5EF-4AE3-92EF-0934EDED1862}" type="datetimeFigureOut">
               <a:rPr lang="en-US" smtClean="0"/>
-              <a:t>6/2/2020</a:t>
+              <a:t>6/7/2020</a:t>
             </a:fld>
             <a:endParaRPr lang="en-US"/>
           </a:p>
@@ -4439,7 +4443,7 @@
           <a:p>
             <a:fld id="{FE070745-F5EF-4AE3-92EF-0934EDED1862}" type="datetimeFigureOut">
               <a:rPr lang="en-US" smtClean="0"/>
-              <a:t>6/2/2020</a:t>
+              <a:t>6/7/2020</a:t>
             </a:fld>
             <a:endParaRPr lang="en-US"/>
           </a:p>
@@ -4609,7 +4613,7 @@
           <a:p>
             <a:fld id="{FE070745-F5EF-4AE3-92EF-0934EDED1862}" type="datetimeFigureOut">
               <a:rPr lang="en-US" smtClean="0"/>
-              <a:t>6/2/2020</a:t>
+              <a:t>6/7/2020</a:t>
             </a:fld>
             <a:endParaRPr lang="en-US"/>
           </a:p>
@@ -4855,7 +4859,7 @@
           <a:p>
             <a:fld id="{FE070745-F5EF-4AE3-92EF-0934EDED1862}" type="datetimeFigureOut">
               <a:rPr lang="en-US" smtClean="0"/>
-              <a:t>6/2/2020</a:t>
+              <a:t>6/7/2020</a:t>
             </a:fld>
             <a:endParaRPr lang="en-US"/>
           </a:p>
@@ -5087,7 +5091,7 @@
           <a:p>
             <a:fld id="{FE070745-F5EF-4AE3-92EF-0934EDED1862}" type="datetimeFigureOut">
               <a:rPr lang="en-US" smtClean="0"/>
-              <a:t>6/2/2020</a:t>
+              <a:t>6/7/2020</a:t>
             </a:fld>
             <a:endParaRPr lang="en-US"/>
           </a:p>
@@ -5454,7 +5458,7 @@
           <a:p>
             <a:fld id="{FE070745-F5EF-4AE3-92EF-0934EDED1862}" type="datetimeFigureOut">
               <a:rPr lang="en-US" smtClean="0"/>
-              <a:t>6/2/2020</a:t>
+              <a:t>6/7/2020</a:t>
             </a:fld>
             <a:endParaRPr lang="en-US"/>
           </a:p>
@@ -5572,7 +5576,7 @@
           <a:p>
             <a:fld id="{FE070745-F5EF-4AE3-92EF-0934EDED1862}" type="datetimeFigureOut">
               <a:rPr lang="en-US" smtClean="0"/>
-              <a:t>6/2/2020</a:t>
+              <a:t>6/7/2020</a:t>
             </a:fld>
             <a:endParaRPr lang="en-US"/>
           </a:p>
@@ -5667,7 +5671,7 @@
           <a:p>
             <a:fld id="{FE070745-F5EF-4AE3-92EF-0934EDED1862}" type="datetimeFigureOut">
               <a:rPr lang="en-US" smtClean="0"/>
-              <a:t>6/2/2020</a:t>
+              <a:t>6/7/2020</a:t>
             </a:fld>
             <a:endParaRPr lang="en-US"/>
           </a:p>
@@ -5944,7 +5948,7 @@
           <a:p>
             <a:fld id="{FE070745-F5EF-4AE3-92EF-0934EDED1862}" type="datetimeFigureOut">
               <a:rPr lang="en-US" smtClean="0"/>
-              <a:t>6/2/2020</a:t>
+              <a:t>6/7/2020</a:t>
             </a:fld>
             <a:endParaRPr lang="en-US"/>
           </a:p>
@@ -6201,7 +6205,7 @@
           <a:p>
             <a:fld id="{FE070745-F5EF-4AE3-92EF-0934EDED1862}" type="datetimeFigureOut">
               <a:rPr lang="en-US" smtClean="0"/>
-              <a:t>6/2/2020</a:t>
+              <a:t>6/7/2020</a:t>
             </a:fld>
             <a:endParaRPr lang="en-US"/>
           </a:p>
@@ -6414,7 +6418,7 @@
           <a:p>
             <a:fld id="{FE070745-F5EF-4AE3-92EF-0934EDED1862}" type="datetimeFigureOut">
               <a:rPr lang="en-US" smtClean="0"/>
-              <a:t>6/2/2020</a:t>
+              <a:t>6/7/2020</a:t>
             </a:fld>
             <a:endParaRPr lang="en-US"/>
           </a:p>
@@ -19728,6 +19732,252 @@
           <a:chExt cx="0" cy="0"/>
         </a:xfrm>
       </p:grpSpPr>
+      <mc:AlternateContent xmlns:mc="http://schemas.openxmlformats.org/markup-compatibility/2006">
+        <mc:Choice xmlns:a14="http://schemas.microsoft.com/office/drawing/2010/main" Requires="a14">
+          <p:sp>
+            <p:nvSpPr>
+              <p:cNvPr id="2" name="Title 1">
+                <a:extLst>
+                  <a:ext uri="{FF2B5EF4-FFF2-40B4-BE49-F238E27FC236}">
+                    <a16:creationId xmlns:a16="http://schemas.microsoft.com/office/drawing/2014/main" id="{2F43DED6-23AF-4CC0-9ACD-DABDE2C4F045}"/>
+                  </a:ext>
+                </a:extLst>
+              </p:cNvPr>
+              <p:cNvSpPr>
+                <a:spLocks noGrp="1"/>
+              </p:cNvSpPr>
+              <p:nvPr>
+                <p:ph type="title"/>
+              </p:nvPr>
+            </p:nvSpPr>
+            <p:spPr/>
+            <p:txBody>
+              <a:bodyPr/>
+              <a:lstStyle/>
+              <a:p>
+                <a:r>
+                  <a:rPr lang="en-US" dirty="0"/>
+                  <a:t>Model Evaluation. </a:t>
+                </a:r>
+                <a14:m>
+                  <m:oMath xmlns:m="http://schemas.openxmlformats.org/officeDocument/2006/math">
+                    <m:sSup>
+                      <m:sSupPr>
+                        <m:ctrlPr>
+                          <a:rPr lang="en-US" b="0" i="1" smtClean="0">
+                            <a:latin typeface="Cambria Math" panose="02040503050406030204" pitchFamily="18" charset="0"/>
+                          </a:rPr>
+                        </m:ctrlPr>
+                      </m:sSupPr>
+                      <m:e>
+                        <m:r>
+                          <a:rPr lang="en-US" b="0" i="1" smtClean="0">
+                            <a:latin typeface="Cambria Math" panose="02040503050406030204" pitchFamily="18" charset="0"/>
+                          </a:rPr>
+                          <m:t>𝑅</m:t>
+                        </m:r>
+                      </m:e>
+                      <m:sup>
+                        <m:r>
+                          <a:rPr lang="en-US" b="0" i="1" smtClean="0">
+                            <a:latin typeface="Cambria Math" panose="02040503050406030204" pitchFamily="18" charset="0"/>
+                          </a:rPr>
+                          <m:t>2</m:t>
+                        </m:r>
+                      </m:sup>
+                    </m:sSup>
+                  </m:oMath>
+                </a14:m>
+                <a:r>
+                  <a:rPr lang="en-US" dirty="0"/>
+                  <a:t> Statistic</a:t>
+                </a:r>
+              </a:p>
+            </p:txBody>
+          </p:sp>
+        </mc:Choice>
+        <mc:Fallback>
+          <p:sp>
+            <p:nvSpPr>
+              <p:cNvPr id="2" name="Title 1">
+                <a:extLst>
+                  <a:ext uri="{FF2B5EF4-FFF2-40B4-BE49-F238E27FC236}">
+                    <a16:creationId xmlns:a16="http://schemas.microsoft.com/office/drawing/2014/main" id="{2F43DED6-23AF-4CC0-9ACD-DABDE2C4F045}"/>
+                  </a:ext>
+                </a:extLst>
+              </p:cNvPr>
+              <p:cNvSpPr>
+                <a:spLocks noGrp="1" noRot="1" noChangeAspect="1" noMove="1" noResize="1" noEditPoints="1" noAdjustHandles="1" noChangeArrowheads="1" noChangeShapeType="1" noTextEdit="1"/>
+              </p:cNvSpPr>
+              <p:nvPr>
+                <p:ph type="title"/>
+              </p:nvPr>
+            </p:nvSpPr>
+            <p:spPr>
+              <a:blipFill>
+                <a:blip r:embed="rId2"/>
+                <a:stretch>
+                  <a:fillRect l="-2377"/>
+                </a:stretch>
+              </a:blipFill>
+            </p:spPr>
+            <p:txBody>
+              <a:bodyPr/>
+              <a:lstStyle/>
+              <a:p>
+                <a:r>
+                  <a:rPr lang="en-US">
+                    <a:noFill/>
+                  </a:rPr>
+                  <a:t> </a:t>
+                </a:r>
+              </a:p>
+            </p:txBody>
+          </p:sp>
+        </mc:Fallback>
+      </mc:AlternateContent>
+      <p:pic>
+        <p:nvPicPr>
+          <p:cNvPr id="1026" name="Picture 2" descr="Pearson Correlation Coefficient (Formula, Example) | Calculate ...">
+            <a:extLst>
+              <a:ext uri="{FF2B5EF4-FFF2-40B4-BE49-F238E27FC236}">
+                <a16:creationId xmlns:a16="http://schemas.microsoft.com/office/drawing/2014/main" id="{60BB8ECA-11A2-4AF4-9944-4F8B31A21C52}"/>
+              </a:ext>
+            </a:extLst>
+          </p:cNvPr>
+          <p:cNvPicPr>
+            <a:picLocks noChangeAspect="1" noChangeArrowheads="1"/>
+          </p:cNvPicPr>
+          <p:nvPr/>
+        </p:nvPicPr>
+        <p:blipFill>
+          <a:blip r:embed="rId3">
+            <a:extLst>
+              <a:ext uri="{28A0092B-C50C-407E-A947-70E740481C1C}">
+                <a14:useLocalDpi xmlns:a14="http://schemas.microsoft.com/office/drawing/2010/main" val="0"/>
+              </a:ext>
+            </a:extLst>
+          </a:blip>
+          <a:srcRect/>
+          <a:stretch>
+            <a:fillRect/>
+          </a:stretch>
+        </p:blipFill>
+        <p:spPr bwMode="auto">
+          <a:xfrm>
+            <a:off x="184030" y="2051598"/>
+            <a:ext cx="5440392" cy="2449239"/>
+          </a:xfrm>
+          <a:prstGeom prst="rect">
+            <a:avLst/>
+          </a:prstGeom>
+          <a:noFill/>
+          <a:extLst>
+            <a:ext uri="{909E8E84-426E-40DD-AFC4-6F175D3DCCD1}">
+              <a14:hiddenFill xmlns:a14="http://schemas.microsoft.com/office/drawing/2010/main">
+                <a:solidFill>
+                  <a:srgbClr val="FFFFFF"/>
+                </a:solidFill>
+              </a14:hiddenFill>
+            </a:ext>
+          </a:extLst>
+        </p:spPr>
+      </p:pic>
+      <p:sp>
+        <p:nvSpPr>
+          <p:cNvPr id="3" name="TextBox 2">
+            <a:extLst>
+              <a:ext uri="{FF2B5EF4-FFF2-40B4-BE49-F238E27FC236}">
+                <a16:creationId xmlns:a16="http://schemas.microsoft.com/office/drawing/2014/main" id="{2A8E5128-A8F2-41ED-960A-5D127CD5BE3C}"/>
+              </a:ext>
+            </a:extLst>
+          </p:cNvPr>
+          <p:cNvSpPr txBox="1"/>
+          <p:nvPr/>
+        </p:nvSpPr>
+        <p:spPr>
+          <a:xfrm>
+            <a:off x="7901796" y="5814204"/>
+            <a:ext cx="3795623" cy="369332"/>
+          </a:xfrm>
+          <a:prstGeom prst="rect">
+            <a:avLst/>
+          </a:prstGeom>
+          <a:noFill/>
+        </p:spPr>
+        <p:txBody>
+          <a:bodyPr wrap="square" rtlCol="0">
+            <a:spAutoFit/>
+          </a:bodyPr>
+          <a:lstStyle/>
+          <a:p>
+            <a:r>
+              <a:rPr lang="en-US" dirty="0"/>
+              <a:t>Pages 69,70,71. Gareth &amp; Hastie 2014.</a:t>
+            </a:r>
+          </a:p>
+        </p:txBody>
+      </p:sp>
+      <p:pic>
+        <p:nvPicPr>
+          <p:cNvPr id="4" name="Picture 3">
+            <a:extLst>
+              <a:ext uri="{FF2B5EF4-FFF2-40B4-BE49-F238E27FC236}">
+                <a16:creationId xmlns:a16="http://schemas.microsoft.com/office/drawing/2014/main" id="{90FCAD7E-E7CB-4AA9-ABAE-A063D8FFACCD}"/>
+              </a:ext>
+            </a:extLst>
+          </p:cNvPr>
+          <p:cNvPicPr>
+            <a:picLocks noChangeAspect="1"/>
+          </p:cNvPicPr>
+          <p:nvPr/>
+        </p:nvPicPr>
+        <p:blipFill>
+          <a:blip r:embed="rId4"/>
+          <a:stretch>
+            <a:fillRect/>
+          </a:stretch>
+        </p:blipFill>
+        <p:spPr>
+          <a:xfrm>
+            <a:off x="1847249" y="2903387"/>
+            <a:ext cx="9850170" cy="2534970"/>
+          </a:xfrm>
+          <a:prstGeom prst="rect">
+            <a:avLst/>
+          </a:prstGeom>
+        </p:spPr>
+      </p:pic>
+    </p:spTree>
+    <p:extLst>
+      <p:ext uri="{BB962C8B-B14F-4D97-AF65-F5344CB8AC3E}">
+        <p14:creationId xmlns:p14="http://schemas.microsoft.com/office/powerpoint/2010/main" val="2357315504"/>
+      </p:ext>
+    </p:extLst>
+  </p:cSld>
+  <p:clrMapOvr>
+    <a:masterClrMapping/>
+  </p:clrMapOvr>
+</p:sld>
+</file>
+
+<file path=ppt/slides/slide18.xml><?xml version="1.0" encoding="utf-8"?>
+<p:sld xmlns:a="http://schemas.openxmlformats.org/drawingml/2006/main" xmlns:r="http://schemas.openxmlformats.org/officeDocument/2006/relationships" xmlns:p="http://schemas.openxmlformats.org/presentationml/2006/main">
+  <p:cSld>
+    <p:spTree>
+      <p:nvGrpSpPr>
+        <p:cNvPr id="1" name=""/>
+        <p:cNvGrpSpPr/>
+        <p:nvPr/>
+      </p:nvGrpSpPr>
+      <p:grpSpPr>
+        <a:xfrm>
+          <a:off x="0" y="0"/>
+          <a:ext cx="0" cy="0"/>
+          <a:chOff x="0" y="0"/>
+          <a:chExt cx="0" cy="0"/>
+        </a:xfrm>
+      </p:grpSpPr>
       <p:cxnSp>
         <p:nvCxnSpPr>
           <p:cNvPr id="10" name="Straight Arrow Connector 9">
@@ -20591,7 +20841,7 @@
 </p:sld>
 </file>
 
-<file path=ppt/slides/slide18.xml><?xml version="1.0" encoding="utf-8"?>
+<file path=ppt/slides/slide19.xml><?xml version="1.0" encoding="utf-8"?>
 <p:sld xmlns:a="http://schemas.openxmlformats.org/drawingml/2006/main" xmlns:r="http://schemas.openxmlformats.org/officeDocument/2006/relationships" xmlns:p="http://schemas.openxmlformats.org/presentationml/2006/main">
   <p:cSld>
     <p:spTree>
@@ -22170,7 +22420,999 @@
 </p:sld>
 </file>
 
-<file path=ppt/slides/slide19.xml><?xml version="1.0" encoding="utf-8"?>
+<file path=ppt/slides/slide2.xml><?xml version="1.0" encoding="utf-8"?>
+<p:sld xmlns:a="http://schemas.openxmlformats.org/drawingml/2006/main" xmlns:r="http://schemas.openxmlformats.org/officeDocument/2006/relationships" xmlns:p="http://schemas.openxmlformats.org/presentationml/2006/main">
+  <p:cSld>
+    <p:spTree>
+      <p:nvGrpSpPr>
+        <p:cNvPr id="1" name=""/>
+        <p:cNvGrpSpPr/>
+        <p:nvPr/>
+      </p:nvGrpSpPr>
+      <p:grpSpPr>
+        <a:xfrm>
+          <a:off x="0" y="0"/>
+          <a:ext cx="0" cy="0"/>
+          <a:chOff x="0" y="0"/>
+          <a:chExt cx="0" cy="0"/>
+        </a:xfrm>
+      </p:grpSpPr>
+      <p:sp>
+        <p:nvSpPr>
+          <p:cNvPr id="2" name="Title 1">
+            <a:extLst>
+              <a:ext uri="{FF2B5EF4-FFF2-40B4-BE49-F238E27FC236}">
+                <a16:creationId xmlns:a16="http://schemas.microsoft.com/office/drawing/2014/main" id="{C404851C-4D77-40D1-897E-0E6F392F8AA9}"/>
+              </a:ext>
+            </a:extLst>
+          </p:cNvPr>
+          <p:cNvSpPr>
+            <a:spLocks noGrp="1"/>
+          </p:cNvSpPr>
+          <p:nvPr>
+            <p:ph type="title"/>
+          </p:nvPr>
+        </p:nvSpPr>
+        <p:spPr/>
+        <p:txBody>
+          <a:bodyPr/>
+          <a:lstStyle/>
+          <a:p>
+            <a:r>
+              <a:rPr lang="en-US" dirty="0"/>
+              <a:t>Linear regression</a:t>
+            </a:r>
+          </a:p>
+        </p:txBody>
+      </p:sp>
+      <p:sp>
+        <p:nvSpPr>
+          <p:cNvPr id="6" name="Line 87">
+            <a:extLst>
+              <a:ext uri="{FF2B5EF4-FFF2-40B4-BE49-F238E27FC236}">
+                <a16:creationId xmlns:a16="http://schemas.microsoft.com/office/drawing/2014/main" id="{9C1B0EE8-E3D8-4BE9-A23B-C360D724C8A9}"/>
+              </a:ext>
+            </a:extLst>
+          </p:cNvPr>
+          <p:cNvSpPr>
+            <a:spLocks noChangeShapeType="1"/>
+          </p:cNvSpPr>
+          <p:nvPr/>
+        </p:nvSpPr>
+        <p:spPr bwMode="auto">
+          <a:xfrm flipV="1">
+            <a:off x="2255555" y="2043191"/>
+            <a:ext cx="8759438" cy="3243923"/>
+          </a:xfrm>
+          <a:prstGeom prst="line">
+            <a:avLst/>
+          </a:prstGeom>
+          <a:noFill/>
+          <a:ln w="28575">
+            <a:solidFill>
+              <a:schemeClr val="tx1"/>
+            </a:solidFill>
+            <a:round/>
+            <a:headEnd/>
+            <a:tailEnd/>
+          </a:ln>
+          <a:effectLst/>
+          <a:extLst>
+            <a:ext uri="{909E8E84-426E-40DD-AFC4-6F175D3DCCD1}">
+              <a14:hiddenFill xmlns:a14="http://schemas.microsoft.com/office/drawing/2010/main">
+                <a:noFill/>
+              </a14:hiddenFill>
+            </a:ext>
+            <a:ext uri="{AF507438-7753-43E0-B8FC-AC1667EBCBE1}">
+              <a14:hiddenEffects xmlns:a14="http://schemas.microsoft.com/office/drawing/2010/main">
+                <a:effectLst>
+                  <a:outerShdw dist="35921" dir="2700000" algn="ctr" rotWithShape="0">
+                    <a:schemeClr val="bg2"/>
+                  </a:outerShdw>
+                </a:effectLst>
+              </a14:hiddenEffects>
+            </a:ext>
+          </a:extLst>
+        </p:spPr>
+        <p:txBody>
+          <a:bodyPr wrap="none" anchor="ctr"/>
+          <a:lstStyle/>
+          <a:p>
+            <a:endParaRPr lang="en-US"/>
+          </a:p>
+        </p:txBody>
+      </p:sp>
+      <p:sp>
+        <p:nvSpPr>
+          <p:cNvPr id="7" name="Oval 88">
+            <a:extLst>
+              <a:ext uri="{FF2B5EF4-FFF2-40B4-BE49-F238E27FC236}">
+                <a16:creationId xmlns:a16="http://schemas.microsoft.com/office/drawing/2014/main" id="{406E41E5-3FB7-4B48-842E-3CF149CDFF63}"/>
+              </a:ext>
+            </a:extLst>
+          </p:cNvPr>
+          <p:cNvSpPr>
+            <a:spLocks noChangeAspect="1" noChangeArrowheads="1"/>
+          </p:cNvSpPr>
+          <p:nvPr/>
+        </p:nvSpPr>
+        <p:spPr bwMode="auto">
+          <a:xfrm rot="14317620">
+            <a:off x="3110703" y="4665754"/>
+            <a:ext cx="222613" cy="222613"/>
+          </a:xfrm>
+          <a:prstGeom prst="ellipse">
+            <a:avLst/>
+          </a:prstGeom>
+          <a:solidFill>
+            <a:srgbClr val="0070C0"/>
+          </a:solidFill>
+          <a:ln>
+            <a:noFill/>
+          </a:ln>
+          <a:effectLst/>
+        </p:spPr>
+        <p:txBody>
+          <a:bodyPr wrap="none" anchor="ctr"/>
+          <a:lstStyle/>
+          <a:p>
+            <a:endParaRPr lang="en-US"/>
+          </a:p>
+        </p:txBody>
+      </p:sp>
+      <p:sp>
+        <p:nvSpPr>
+          <p:cNvPr id="8" name="Oval 89">
+            <a:extLst>
+              <a:ext uri="{FF2B5EF4-FFF2-40B4-BE49-F238E27FC236}">
+                <a16:creationId xmlns:a16="http://schemas.microsoft.com/office/drawing/2014/main" id="{529B4BB9-7102-4BBF-8631-057DCE1C68D1}"/>
+              </a:ext>
+            </a:extLst>
+          </p:cNvPr>
+          <p:cNvSpPr>
+            <a:spLocks noChangeAspect="1" noChangeArrowheads="1"/>
+          </p:cNvSpPr>
+          <p:nvPr/>
+        </p:nvSpPr>
+        <p:spPr bwMode="auto">
+          <a:xfrm rot="14317620">
+            <a:off x="3481725" y="3838684"/>
+            <a:ext cx="222613" cy="222613"/>
+          </a:xfrm>
+          <a:prstGeom prst="ellipse">
+            <a:avLst/>
+          </a:prstGeom>
+          <a:solidFill>
+            <a:srgbClr val="0070C0"/>
+          </a:solidFill>
+          <a:ln>
+            <a:noFill/>
+          </a:ln>
+          <a:effectLst/>
+        </p:spPr>
+        <p:txBody>
+          <a:bodyPr wrap="none" anchor="ctr"/>
+          <a:lstStyle/>
+          <a:p>
+            <a:endParaRPr lang="en-US"/>
+          </a:p>
+        </p:txBody>
+      </p:sp>
+      <p:sp>
+        <p:nvSpPr>
+          <p:cNvPr id="9" name="Oval 90">
+            <a:extLst>
+              <a:ext uri="{FF2B5EF4-FFF2-40B4-BE49-F238E27FC236}">
+                <a16:creationId xmlns:a16="http://schemas.microsoft.com/office/drawing/2014/main" id="{7AE3E61D-B99C-484A-9ABB-1A863336E5A5}"/>
+              </a:ext>
+            </a:extLst>
+          </p:cNvPr>
+          <p:cNvSpPr>
+            <a:spLocks noChangeAspect="1" noChangeArrowheads="1"/>
+          </p:cNvSpPr>
+          <p:nvPr/>
+        </p:nvSpPr>
+        <p:spPr bwMode="auto">
+          <a:xfrm rot="14317620">
+            <a:off x="7389048" y="3282152"/>
+            <a:ext cx="222613" cy="222613"/>
+          </a:xfrm>
+          <a:prstGeom prst="ellipse">
+            <a:avLst/>
+          </a:prstGeom>
+          <a:solidFill>
+            <a:srgbClr val="0070C0"/>
+          </a:solidFill>
+          <a:ln>
+            <a:noFill/>
+          </a:ln>
+          <a:effectLst/>
+        </p:spPr>
+        <p:txBody>
+          <a:bodyPr wrap="none" anchor="ctr"/>
+          <a:lstStyle/>
+          <a:p>
+            <a:endParaRPr lang="en-US"/>
+          </a:p>
+        </p:txBody>
+      </p:sp>
+      <p:sp>
+        <p:nvSpPr>
+          <p:cNvPr id="10" name="Oval 91">
+            <a:extLst>
+              <a:ext uri="{FF2B5EF4-FFF2-40B4-BE49-F238E27FC236}">
+                <a16:creationId xmlns:a16="http://schemas.microsoft.com/office/drawing/2014/main" id="{93ADEBED-858B-4AC3-873B-859A7879586A}"/>
+              </a:ext>
+            </a:extLst>
+          </p:cNvPr>
+          <p:cNvSpPr>
+            <a:spLocks noChangeAspect="1" noChangeArrowheads="1"/>
+          </p:cNvSpPr>
+          <p:nvPr/>
+        </p:nvSpPr>
+        <p:spPr bwMode="auto">
+          <a:xfrm rot="14317620">
+            <a:off x="9047053" y="2169086"/>
+            <a:ext cx="222613" cy="222613"/>
+          </a:xfrm>
+          <a:prstGeom prst="ellipse">
+            <a:avLst/>
+          </a:prstGeom>
+          <a:solidFill>
+            <a:srgbClr val="0070C0"/>
+          </a:solidFill>
+          <a:ln>
+            <a:noFill/>
+          </a:ln>
+          <a:effectLst/>
+        </p:spPr>
+        <p:txBody>
+          <a:bodyPr wrap="none" anchor="ctr"/>
+          <a:lstStyle/>
+          <a:p>
+            <a:endParaRPr lang="en-US"/>
+          </a:p>
+        </p:txBody>
+      </p:sp>
+      <p:sp>
+        <p:nvSpPr>
+          <p:cNvPr id="11" name="Oval 92">
+            <a:extLst>
+              <a:ext uri="{FF2B5EF4-FFF2-40B4-BE49-F238E27FC236}">
+                <a16:creationId xmlns:a16="http://schemas.microsoft.com/office/drawing/2014/main" id="{F1C9FE12-F4AC-432A-8B0D-E5D9F893DAB3}"/>
+              </a:ext>
+            </a:extLst>
+          </p:cNvPr>
+          <p:cNvSpPr>
+            <a:spLocks noChangeAspect="1" noChangeArrowheads="1"/>
+          </p:cNvSpPr>
+          <p:nvPr/>
+        </p:nvSpPr>
+        <p:spPr bwMode="auto">
+          <a:xfrm rot="14317620">
+            <a:off x="4409279" y="3653174"/>
+            <a:ext cx="222613" cy="222613"/>
+          </a:xfrm>
+          <a:prstGeom prst="ellipse">
+            <a:avLst/>
+          </a:prstGeom>
+          <a:solidFill>
+            <a:srgbClr val="0070C0"/>
+          </a:solidFill>
+          <a:ln>
+            <a:noFill/>
+          </a:ln>
+          <a:effectLst/>
+        </p:spPr>
+        <p:txBody>
+          <a:bodyPr wrap="none" anchor="ctr"/>
+          <a:lstStyle/>
+          <a:p>
+            <a:endParaRPr lang="en-US"/>
+          </a:p>
+        </p:txBody>
+      </p:sp>
+      <p:sp>
+        <p:nvSpPr>
+          <p:cNvPr id="12" name="Oval 93">
+            <a:extLst>
+              <a:ext uri="{FF2B5EF4-FFF2-40B4-BE49-F238E27FC236}">
+                <a16:creationId xmlns:a16="http://schemas.microsoft.com/office/drawing/2014/main" id="{2832D2DD-8E5D-4DB4-BDA9-A6A32A25F7EF}"/>
+              </a:ext>
+            </a:extLst>
+          </p:cNvPr>
+          <p:cNvSpPr>
+            <a:spLocks noChangeAspect="1" noChangeArrowheads="1"/>
+          </p:cNvSpPr>
+          <p:nvPr/>
+        </p:nvSpPr>
+        <p:spPr bwMode="auto">
+          <a:xfrm rot="14317620">
+            <a:off x="8490520" y="3096641"/>
+            <a:ext cx="222613" cy="222613"/>
+          </a:xfrm>
+          <a:prstGeom prst="ellipse">
+            <a:avLst/>
+          </a:prstGeom>
+          <a:solidFill>
+            <a:srgbClr val="0070C0"/>
+          </a:solidFill>
+          <a:ln>
+            <a:noFill/>
+          </a:ln>
+          <a:effectLst/>
+        </p:spPr>
+        <p:txBody>
+          <a:bodyPr wrap="none" anchor="ctr"/>
+          <a:lstStyle/>
+          <a:p>
+            <a:endParaRPr lang="en-US"/>
+          </a:p>
+        </p:txBody>
+      </p:sp>
+      <p:sp>
+        <p:nvSpPr>
+          <p:cNvPr id="13" name="Oval 94">
+            <a:extLst>
+              <a:ext uri="{FF2B5EF4-FFF2-40B4-BE49-F238E27FC236}">
+                <a16:creationId xmlns:a16="http://schemas.microsoft.com/office/drawing/2014/main" id="{23A30280-A336-454B-8AEB-CBD0B6EC02CE}"/>
+              </a:ext>
+            </a:extLst>
+          </p:cNvPr>
+          <p:cNvSpPr>
+            <a:spLocks noChangeAspect="1" noChangeArrowheads="1"/>
+          </p:cNvSpPr>
+          <p:nvPr/>
+        </p:nvSpPr>
+        <p:spPr bwMode="auto">
+          <a:xfrm rot="14317620">
+            <a:off x="9047053" y="3653174"/>
+            <a:ext cx="222613" cy="222613"/>
+          </a:xfrm>
+          <a:prstGeom prst="ellipse">
+            <a:avLst/>
+          </a:prstGeom>
+          <a:solidFill>
+            <a:srgbClr val="0070C0"/>
+          </a:solidFill>
+          <a:ln>
+            <a:noFill/>
+          </a:ln>
+          <a:effectLst/>
+        </p:spPr>
+        <p:txBody>
+          <a:bodyPr vert="eaVert" wrap="none" anchor="ctr"/>
+          <a:lstStyle/>
+          <a:p>
+            <a:pPr algn="ctr"/>
+            <a:endParaRPr lang="en-US" altLang="en-US" sz="2400">
+              <a:latin typeface="Arial" panose="020B0604020202020204" pitchFamily="34" charset="0"/>
+            </a:endParaRPr>
+          </a:p>
+        </p:txBody>
+      </p:sp>
+      <p:sp>
+        <p:nvSpPr>
+          <p:cNvPr id="14" name="Oval 95">
+            <a:extLst>
+              <a:ext uri="{FF2B5EF4-FFF2-40B4-BE49-F238E27FC236}">
+                <a16:creationId xmlns:a16="http://schemas.microsoft.com/office/drawing/2014/main" id="{BC2E7B16-2FD2-4454-B248-BE640A3EBA11}"/>
+              </a:ext>
+            </a:extLst>
+          </p:cNvPr>
+          <p:cNvSpPr>
+            <a:spLocks noChangeAspect="1" noChangeArrowheads="1"/>
+          </p:cNvSpPr>
+          <p:nvPr/>
+        </p:nvSpPr>
+        <p:spPr bwMode="auto">
+          <a:xfrm rot="14317620">
+            <a:off x="9456723" y="2725619"/>
+            <a:ext cx="222613" cy="222613"/>
+          </a:xfrm>
+          <a:prstGeom prst="ellipse">
+            <a:avLst/>
+          </a:prstGeom>
+          <a:solidFill>
+            <a:srgbClr val="0070C0"/>
+          </a:solidFill>
+          <a:ln>
+            <a:noFill/>
+          </a:ln>
+          <a:effectLst/>
+        </p:spPr>
+        <p:txBody>
+          <a:bodyPr wrap="none" anchor="ctr"/>
+          <a:lstStyle/>
+          <a:p>
+            <a:endParaRPr lang="en-US"/>
+          </a:p>
+        </p:txBody>
+      </p:sp>
+      <p:sp>
+        <p:nvSpPr>
+          <p:cNvPr id="15" name="Oval 96">
+            <a:extLst>
+              <a:ext uri="{FF2B5EF4-FFF2-40B4-BE49-F238E27FC236}">
+                <a16:creationId xmlns:a16="http://schemas.microsoft.com/office/drawing/2014/main" id="{DB1A1F51-30AE-4984-9500-CC18AC0025A1}"/>
+              </a:ext>
+            </a:extLst>
+          </p:cNvPr>
+          <p:cNvSpPr>
+            <a:spLocks noChangeAspect="1" noChangeArrowheads="1"/>
+          </p:cNvSpPr>
+          <p:nvPr/>
+        </p:nvSpPr>
+        <p:spPr bwMode="auto">
+          <a:xfrm rot="14317620">
+            <a:off x="7933988" y="2169086"/>
+            <a:ext cx="222613" cy="222613"/>
+          </a:xfrm>
+          <a:prstGeom prst="ellipse">
+            <a:avLst/>
+          </a:prstGeom>
+          <a:solidFill>
+            <a:srgbClr val="0070C0"/>
+          </a:solidFill>
+          <a:ln>
+            <a:noFill/>
+          </a:ln>
+          <a:effectLst/>
+        </p:spPr>
+        <p:txBody>
+          <a:bodyPr wrap="none" anchor="ctr"/>
+          <a:lstStyle/>
+          <a:p>
+            <a:endParaRPr lang="en-US"/>
+          </a:p>
+        </p:txBody>
+      </p:sp>
+      <p:sp>
+        <p:nvSpPr>
+          <p:cNvPr id="16" name="Oval 97">
+            <a:extLst>
+              <a:ext uri="{FF2B5EF4-FFF2-40B4-BE49-F238E27FC236}">
+                <a16:creationId xmlns:a16="http://schemas.microsoft.com/office/drawing/2014/main" id="{677945A3-F3FB-4626-B40B-4BB6BA3F6377}"/>
+              </a:ext>
+            </a:extLst>
+          </p:cNvPr>
+          <p:cNvSpPr>
+            <a:spLocks noChangeAspect="1" noChangeArrowheads="1"/>
+          </p:cNvSpPr>
+          <p:nvPr/>
+        </p:nvSpPr>
+        <p:spPr bwMode="auto">
+          <a:xfrm rot="14317620">
+            <a:off x="6264389" y="4024195"/>
+            <a:ext cx="222613" cy="222613"/>
+          </a:xfrm>
+          <a:prstGeom prst="ellipse">
+            <a:avLst/>
+          </a:prstGeom>
+          <a:solidFill>
+            <a:srgbClr val="0070C0"/>
+          </a:solidFill>
+          <a:ln>
+            <a:noFill/>
+          </a:ln>
+          <a:effectLst/>
+        </p:spPr>
+        <p:txBody>
+          <a:bodyPr wrap="none" anchor="ctr"/>
+          <a:lstStyle/>
+          <a:p>
+            <a:endParaRPr lang="en-US"/>
+          </a:p>
+        </p:txBody>
+      </p:sp>
+      <p:sp>
+        <p:nvSpPr>
+          <p:cNvPr id="17" name="Oval 98">
+            <a:extLst>
+              <a:ext uri="{FF2B5EF4-FFF2-40B4-BE49-F238E27FC236}">
+                <a16:creationId xmlns:a16="http://schemas.microsoft.com/office/drawing/2014/main" id="{9A8710A5-D132-4BD9-84A0-18D1D067D53C}"/>
+              </a:ext>
+            </a:extLst>
+          </p:cNvPr>
+          <p:cNvSpPr>
+            <a:spLocks noChangeAspect="1" noChangeArrowheads="1"/>
+          </p:cNvSpPr>
+          <p:nvPr/>
+        </p:nvSpPr>
+        <p:spPr bwMode="auto">
+          <a:xfrm rot="14317620">
+            <a:off x="6449900" y="3282152"/>
+            <a:ext cx="222613" cy="222613"/>
+          </a:xfrm>
+          <a:prstGeom prst="ellipse">
+            <a:avLst/>
+          </a:prstGeom>
+          <a:solidFill>
+            <a:srgbClr val="0070C0"/>
+          </a:solidFill>
+          <a:ln>
+            <a:noFill/>
+          </a:ln>
+          <a:effectLst/>
+        </p:spPr>
+        <p:txBody>
+          <a:bodyPr wrap="none" anchor="ctr"/>
+          <a:lstStyle/>
+          <a:p>
+            <a:endParaRPr lang="en-US"/>
+          </a:p>
+        </p:txBody>
+      </p:sp>
+      <p:sp>
+        <p:nvSpPr>
+          <p:cNvPr id="18" name="Oval 99">
+            <a:extLst>
+              <a:ext uri="{FF2B5EF4-FFF2-40B4-BE49-F238E27FC236}">
+                <a16:creationId xmlns:a16="http://schemas.microsoft.com/office/drawing/2014/main" id="{55377E3A-2D67-406A-B9BF-9E146B7F0650}"/>
+              </a:ext>
+            </a:extLst>
+          </p:cNvPr>
+          <p:cNvSpPr>
+            <a:spLocks noChangeAspect="1" noChangeArrowheads="1"/>
+          </p:cNvSpPr>
+          <p:nvPr/>
+        </p:nvSpPr>
+        <p:spPr bwMode="auto">
+          <a:xfrm rot="14317620">
+            <a:off x="5707856" y="3096641"/>
+            <a:ext cx="222613" cy="222613"/>
+          </a:xfrm>
+          <a:prstGeom prst="ellipse">
+            <a:avLst/>
+          </a:prstGeom>
+          <a:solidFill>
+            <a:srgbClr val="0070C0"/>
+          </a:solidFill>
+          <a:ln>
+            <a:noFill/>
+          </a:ln>
+          <a:effectLst/>
+        </p:spPr>
+        <p:txBody>
+          <a:bodyPr wrap="none" anchor="ctr"/>
+          <a:lstStyle/>
+          <a:p>
+            <a:endParaRPr lang="en-US"/>
+          </a:p>
+        </p:txBody>
+      </p:sp>
+      <p:sp>
+        <p:nvSpPr>
+          <p:cNvPr id="19" name="Oval 100">
+            <a:extLst>
+              <a:ext uri="{FF2B5EF4-FFF2-40B4-BE49-F238E27FC236}">
+                <a16:creationId xmlns:a16="http://schemas.microsoft.com/office/drawing/2014/main" id="{33A034D7-8BFB-4802-BA7C-7585381CA956}"/>
+              </a:ext>
+            </a:extLst>
+          </p:cNvPr>
+          <p:cNvSpPr>
+            <a:spLocks noChangeAspect="1" noChangeArrowheads="1"/>
+          </p:cNvSpPr>
+          <p:nvPr/>
+        </p:nvSpPr>
+        <p:spPr bwMode="auto">
+          <a:xfrm rot="14317620">
+            <a:off x="3667236" y="4951750"/>
+            <a:ext cx="222613" cy="222613"/>
+          </a:xfrm>
+          <a:prstGeom prst="ellipse">
+            <a:avLst/>
+          </a:prstGeom>
+          <a:solidFill>
+            <a:srgbClr val="0070C0"/>
+          </a:solidFill>
+          <a:ln>
+            <a:noFill/>
+          </a:ln>
+          <a:effectLst/>
+        </p:spPr>
+        <p:txBody>
+          <a:bodyPr wrap="none" anchor="ctr"/>
+          <a:lstStyle/>
+          <a:p>
+            <a:endParaRPr lang="en-US"/>
+          </a:p>
+        </p:txBody>
+      </p:sp>
+      <p:sp>
+        <p:nvSpPr>
+          <p:cNvPr id="20" name="Oval 101">
+            <a:extLst>
+              <a:ext uri="{FF2B5EF4-FFF2-40B4-BE49-F238E27FC236}">
+                <a16:creationId xmlns:a16="http://schemas.microsoft.com/office/drawing/2014/main" id="{61CDD8E0-681C-4F76-9E5F-9E1DF532DA68}"/>
+              </a:ext>
+            </a:extLst>
+          </p:cNvPr>
+          <p:cNvSpPr>
+            <a:spLocks noChangeAspect="1" noChangeArrowheads="1"/>
+          </p:cNvSpPr>
+          <p:nvPr/>
+        </p:nvSpPr>
+        <p:spPr bwMode="auto">
+          <a:xfrm rot="14317620">
+            <a:off x="4038258" y="4294732"/>
+            <a:ext cx="222613" cy="222613"/>
+          </a:xfrm>
+          <a:prstGeom prst="ellipse">
+            <a:avLst/>
+          </a:prstGeom>
+          <a:solidFill>
+            <a:srgbClr val="0070C0"/>
+          </a:solidFill>
+          <a:ln>
+            <a:noFill/>
+          </a:ln>
+          <a:effectLst/>
+        </p:spPr>
+        <p:txBody>
+          <a:bodyPr wrap="none" anchor="ctr"/>
+          <a:lstStyle/>
+          <a:p>
+            <a:endParaRPr lang="en-US"/>
+          </a:p>
+        </p:txBody>
+      </p:sp>
+      <p:sp>
+        <p:nvSpPr>
+          <p:cNvPr id="21" name="Oval 102">
+            <a:extLst>
+              <a:ext uri="{FF2B5EF4-FFF2-40B4-BE49-F238E27FC236}">
+                <a16:creationId xmlns:a16="http://schemas.microsoft.com/office/drawing/2014/main" id="{ABBEA774-46CB-45E9-9A79-6E31FA33E105}"/>
+              </a:ext>
+            </a:extLst>
+          </p:cNvPr>
+          <p:cNvSpPr>
+            <a:spLocks noChangeAspect="1" noChangeArrowheads="1"/>
+          </p:cNvSpPr>
+          <p:nvPr/>
+        </p:nvSpPr>
+        <p:spPr bwMode="auto">
+          <a:xfrm rot="14317620">
+            <a:off x="4965812" y="4580728"/>
+            <a:ext cx="222613" cy="222613"/>
+          </a:xfrm>
+          <a:prstGeom prst="ellipse">
+            <a:avLst/>
+          </a:prstGeom>
+          <a:solidFill>
+            <a:srgbClr val="0070C0"/>
+          </a:solidFill>
+          <a:ln>
+            <a:noFill/>
+          </a:ln>
+          <a:effectLst/>
+        </p:spPr>
+        <p:txBody>
+          <a:bodyPr wrap="none" anchor="ctr"/>
+          <a:lstStyle/>
+          <a:p>
+            <a:endParaRPr lang="en-US"/>
+          </a:p>
+        </p:txBody>
+      </p:sp>
+      <p:sp>
+        <p:nvSpPr>
+          <p:cNvPr id="22" name="Oval 103">
+            <a:extLst>
+              <a:ext uri="{FF2B5EF4-FFF2-40B4-BE49-F238E27FC236}">
+                <a16:creationId xmlns:a16="http://schemas.microsoft.com/office/drawing/2014/main" id="{2331E3F7-A452-457C-AF0B-5BDC1C43DAC5}"/>
+              </a:ext>
+            </a:extLst>
+          </p:cNvPr>
+          <p:cNvSpPr>
+            <a:spLocks noChangeAspect="1" noChangeArrowheads="1"/>
+          </p:cNvSpPr>
+          <p:nvPr/>
+        </p:nvSpPr>
+        <p:spPr bwMode="auto">
+          <a:xfrm rot="14317620">
+            <a:off x="7006433" y="4024195"/>
+            <a:ext cx="222613" cy="222613"/>
+          </a:xfrm>
+          <a:prstGeom prst="ellipse">
+            <a:avLst/>
+          </a:prstGeom>
+          <a:solidFill>
+            <a:srgbClr val="0070C0"/>
+          </a:solidFill>
+          <a:ln>
+            <a:noFill/>
+          </a:ln>
+          <a:effectLst/>
+        </p:spPr>
+        <p:txBody>
+          <a:bodyPr wrap="none" anchor="ctr"/>
+          <a:lstStyle/>
+          <a:p>
+            <a:endParaRPr lang="en-US"/>
+          </a:p>
+        </p:txBody>
+      </p:sp>
+      <p:sp>
+        <p:nvSpPr>
+          <p:cNvPr id="23" name="Oval 104">
+            <a:extLst>
+              <a:ext uri="{FF2B5EF4-FFF2-40B4-BE49-F238E27FC236}">
+                <a16:creationId xmlns:a16="http://schemas.microsoft.com/office/drawing/2014/main" id="{FDEDB938-6239-4574-87FD-09738742099E}"/>
+              </a:ext>
+            </a:extLst>
+          </p:cNvPr>
+          <p:cNvSpPr>
+            <a:spLocks noChangeAspect="1" noChangeArrowheads="1"/>
+          </p:cNvSpPr>
+          <p:nvPr/>
+        </p:nvSpPr>
+        <p:spPr bwMode="auto">
+          <a:xfrm rot="14317620">
+            <a:off x="10160119" y="3181667"/>
+            <a:ext cx="222613" cy="222613"/>
+          </a:xfrm>
+          <a:prstGeom prst="ellipse">
+            <a:avLst/>
+          </a:prstGeom>
+          <a:solidFill>
+            <a:srgbClr val="0070C0"/>
+          </a:solidFill>
+          <a:ln>
+            <a:noFill/>
+          </a:ln>
+          <a:effectLst/>
+        </p:spPr>
+        <p:txBody>
+          <a:bodyPr wrap="none" anchor="ctr"/>
+          <a:lstStyle/>
+          <a:p>
+            <a:endParaRPr lang="en-US"/>
+          </a:p>
+        </p:txBody>
+      </p:sp>
+      <p:sp>
+        <p:nvSpPr>
+          <p:cNvPr id="24" name="Oval 105">
+            <a:extLst>
+              <a:ext uri="{FF2B5EF4-FFF2-40B4-BE49-F238E27FC236}">
+                <a16:creationId xmlns:a16="http://schemas.microsoft.com/office/drawing/2014/main" id="{D4661EEB-36BC-44F8-87EB-2BA4117BE6CC}"/>
+              </a:ext>
+            </a:extLst>
+          </p:cNvPr>
+          <p:cNvSpPr>
+            <a:spLocks noChangeAspect="1" noChangeArrowheads="1"/>
+          </p:cNvSpPr>
+          <p:nvPr/>
+        </p:nvSpPr>
+        <p:spPr bwMode="auto">
+          <a:xfrm rot="14317620">
+            <a:off x="5336834" y="3838684"/>
+            <a:ext cx="222613" cy="222613"/>
+          </a:xfrm>
+          <a:prstGeom prst="ellipse">
+            <a:avLst/>
+          </a:prstGeom>
+          <a:solidFill>
+            <a:srgbClr val="0070C0"/>
+          </a:solidFill>
+          <a:ln>
+            <a:noFill/>
+          </a:ln>
+          <a:effectLst/>
+        </p:spPr>
+        <p:txBody>
+          <a:bodyPr wrap="none" anchor="ctr"/>
+          <a:lstStyle/>
+          <a:p>
+            <a:endParaRPr lang="en-US"/>
+          </a:p>
+        </p:txBody>
+      </p:sp>
+      <p:sp>
+        <p:nvSpPr>
+          <p:cNvPr id="26" name="Oval 107">
+            <a:extLst>
+              <a:ext uri="{FF2B5EF4-FFF2-40B4-BE49-F238E27FC236}">
+                <a16:creationId xmlns:a16="http://schemas.microsoft.com/office/drawing/2014/main" id="{D409E51D-3DA8-4CBA-A352-1F685F6D85D3}"/>
+              </a:ext>
+            </a:extLst>
+          </p:cNvPr>
+          <p:cNvSpPr>
+            <a:spLocks noChangeAspect="1" noChangeArrowheads="1"/>
+          </p:cNvSpPr>
+          <p:nvPr/>
+        </p:nvSpPr>
+        <p:spPr bwMode="auto">
+          <a:xfrm rot="14317620">
+            <a:off x="9789097" y="1612553"/>
+            <a:ext cx="222613" cy="222613"/>
+          </a:xfrm>
+          <a:prstGeom prst="ellipse">
+            <a:avLst/>
+          </a:prstGeom>
+          <a:solidFill>
+            <a:srgbClr val="0070C0"/>
+          </a:solidFill>
+          <a:ln>
+            <a:noFill/>
+          </a:ln>
+          <a:effectLst/>
+        </p:spPr>
+        <p:txBody>
+          <a:bodyPr wrap="none" anchor="ctr"/>
+          <a:lstStyle/>
+          <a:p>
+            <a:endParaRPr lang="en-US"/>
+          </a:p>
+        </p:txBody>
+      </p:sp>
+      <p:cxnSp>
+        <p:nvCxnSpPr>
+          <p:cNvPr id="34" name="Straight Arrow Connector 33">
+            <a:extLst>
+              <a:ext uri="{FF2B5EF4-FFF2-40B4-BE49-F238E27FC236}">
+                <a16:creationId xmlns:a16="http://schemas.microsoft.com/office/drawing/2014/main" id="{B62F172D-D067-4AF5-B749-CD4A8B2DEF2C}"/>
+              </a:ext>
+            </a:extLst>
+          </p:cNvPr>
+          <p:cNvCxnSpPr>
+            <a:cxnSpLocks/>
+          </p:cNvCxnSpPr>
+          <p:nvPr/>
+        </p:nvCxnSpPr>
+        <p:spPr>
+          <a:xfrm>
+            <a:off x="2666999" y="7283757"/>
+            <a:ext cx="0" cy="0"/>
+          </a:xfrm>
+          <a:prstGeom prst="straightConnector1">
+            <a:avLst/>
+          </a:prstGeom>
+          <a:ln>
+            <a:tailEnd type="triangle"/>
+          </a:ln>
+        </p:spPr>
+        <p:style>
+          <a:lnRef idx="1">
+            <a:schemeClr val="accent1"/>
+          </a:lnRef>
+          <a:fillRef idx="0">
+            <a:schemeClr val="accent1"/>
+          </a:fillRef>
+          <a:effectRef idx="0">
+            <a:schemeClr val="accent1"/>
+          </a:effectRef>
+          <a:fontRef idx="minor">
+            <a:schemeClr val="tx1"/>
+          </a:fontRef>
+        </p:style>
+      </p:cxnSp>
+      <p:grpSp>
+        <p:nvGrpSpPr>
+          <p:cNvPr id="41" name="Group 40">
+            <a:extLst>
+              <a:ext uri="{FF2B5EF4-FFF2-40B4-BE49-F238E27FC236}">
+                <a16:creationId xmlns:a16="http://schemas.microsoft.com/office/drawing/2014/main" id="{B8FF8D41-A113-4885-A153-30FC1B6B46E5}"/>
+              </a:ext>
+            </a:extLst>
+          </p:cNvPr>
+          <p:cNvGrpSpPr/>
+          <p:nvPr/>
+        </p:nvGrpSpPr>
+        <p:grpSpPr>
+          <a:xfrm>
+            <a:off x="1491659" y="2043192"/>
+            <a:ext cx="4882513" cy="3894707"/>
+            <a:chOff x="2667000" y="2771335"/>
+            <a:chExt cx="3735582" cy="3137096"/>
+          </a:xfrm>
+        </p:grpSpPr>
+        <p:cxnSp>
+          <p:nvCxnSpPr>
+            <p:cNvPr id="30" name="Straight Arrow Connector 29">
+              <a:extLst>
+                <a:ext uri="{FF2B5EF4-FFF2-40B4-BE49-F238E27FC236}">
+                  <a16:creationId xmlns:a16="http://schemas.microsoft.com/office/drawing/2014/main" id="{1CCA2E1E-649A-4AE9-AA84-812606D32481}"/>
+                </a:ext>
+              </a:extLst>
+            </p:cNvPr>
+            <p:cNvCxnSpPr/>
+            <p:nvPr/>
+          </p:nvCxnSpPr>
+          <p:spPr>
+            <a:xfrm>
+              <a:off x="2667000" y="5908431"/>
+              <a:ext cx="3735582" cy="0"/>
+            </a:xfrm>
+            <a:prstGeom prst="straightConnector1">
+              <a:avLst/>
+            </a:prstGeom>
+            <a:ln w="38100">
+              <a:solidFill>
+                <a:schemeClr val="bg1">
+                  <a:lumMod val="50000"/>
+                </a:schemeClr>
+              </a:solidFill>
+              <a:tailEnd type="triangle"/>
+            </a:ln>
+          </p:spPr>
+          <p:style>
+            <a:lnRef idx="1">
+              <a:schemeClr val="accent1"/>
+            </a:lnRef>
+            <a:fillRef idx="0">
+              <a:schemeClr val="accent1"/>
+            </a:fillRef>
+            <a:effectRef idx="0">
+              <a:schemeClr val="accent1"/>
+            </a:effectRef>
+            <a:fontRef idx="minor">
+              <a:schemeClr val="tx1"/>
+            </a:fontRef>
+          </p:style>
+        </p:cxnSp>
+        <p:cxnSp>
+          <p:nvCxnSpPr>
+            <p:cNvPr id="37" name="Straight Arrow Connector 36">
+              <a:extLst>
+                <a:ext uri="{FF2B5EF4-FFF2-40B4-BE49-F238E27FC236}">
+                  <a16:creationId xmlns:a16="http://schemas.microsoft.com/office/drawing/2014/main" id="{E59D479C-B1FA-4C26-AF8D-AE4EC35D1945}"/>
+                </a:ext>
+              </a:extLst>
+            </p:cNvPr>
+            <p:cNvCxnSpPr>
+              <a:cxnSpLocks/>
+            </p:cNvCxnSpPr>
+            <p:nvPr/>
+          </p:nvCxnSpPr>
+          <p:spPr>
+            <a:xfrm flipV="1">
+              <a:off x="2667000" y="2771335"/>
+              <a:ext cx="0" cy="3137096"/>
+            </a:xfrm>
+            <a:prstGeom prst="straightConnector1">
+              <a:avLst/>
+            </a:prstGeom>
+            <a:ln w="38100">
+              <a:solidFill>
+                <a:schemeClr val="bg1">
+                  <a:lumMod val="50000"/>
+                </a:schemeClr>
+              </a:solidFill>
+              <a:tailEnd type="triangle"/>
+            </a:ln>
+          </p:spPr>
+          <p:style>
+            <a:lnRef idx="1">
+              <a:schemeClr val="accent1"/>
+            </a:lnRef>
+            <a:fillRef idx="0">
+              <a:schemeClr val="accent1"/>
+            </a:fillRef>
+            <a:effectRef idx="0">
+              <a:schemeClr val="accent1"/>
+            </a:effectRef>
+            <a:fontRef idx="minor">
+              <a:schemeClr val="tx1"/>
+            </a:fontRef>
+          </p:style>
+        </p:cxnSp>
+      </p:grpSp>
+    </p:spTree>
+    <p:extLst>
+      <p:ext uri="{BB962C8B-B14F-4D97-AF65-F5344CB8AC3E}">
+        <p14:creationId xmlns:p14="http://schemas.microsoft.com/office/powerpoint/2010/main" val="2835488716"/>
+      </p:ext>
+    </p:extLst>
+  </p:cSld>
+  <p:clrMapOvr>
+    <a:masterClrMapping/>
+  </p:clrMapOvr>
+</p:sld>
+</file>
+
+<file path=ppt/slides/slide20.xml><?xml version="1.0" encoding="utf-8"?>
 <p:sld xmlns:a="http://schemas.openxmlformats.org/drawingml/2006/main" xmlns:r="http://schemas.openxmlformats.org/officeDocument/2006/relationships" xmlns:p="http://schemas.openxmlformats.org/presentationml/2006/main">
   <p:cSld>
     <p:spTree>
@@ -24971,999 +26213,7 @@
 </p:sld>
 </file>
 
-<file path=ppt/slides/slide2.xml><?xml version="1.0" encoding="utf-8"?>
-<p:sld xmlns:a="http://schemas.openxmlformats.org/drawingml/2006/main" xmlns:r="http://schemas.openxmlformats.org/officeDocument/2006/relationships" xmlns:p="http://schemas.openxmlformats.org/presentationml/2006/main">
-  <p:cSld>
-    <p:spTree>
-      <p:nvGrpSpPr>
-        <p:cNvPr id="1" name=""/>
-        <p:cNvGrpSpPr/>
-        <p:nvPr/>
-      </p:nvGrpSpPr>
-      <p:grpSpPr>
-        <a:xfrm>
-          <a:off x="0" y="0"/>
-          <a:ext cx="0" cy="0"/>
-          <a:chOff x="0" y="0"/>
-          <a:chExt cx="0" cy="0"/>
-        </a:xfrm>
-      </p:grpSpPr>
-      <p:sp>
-        <p:nvSpPr>
-          <p:cNvPr id="2" name="Title 1">
-            <a:extLst>
-              <a:ext uri="{FF2B5EF4-FFF2-40B4-BE49-F238E27FC236}">
-                <a16:creationId xmlns:a16="http://schemas.microsoft.com/office/drawing/2014/main" id="{C404851C-4D77-40D1-897E-0E6F392F8AA9}"/>
-              </a:ext>
-            </a:extLst>
-          </p:cNvPr>
-          <p:cNvSpPr>
-            <a:spLocks noGrp="1"/>
-          </p:cNvSpPr>
-          <p:nvPr>
-            <p:ph type="title"/>
-          </p:nvPr>
-        </p:nvSpPr>
-        <p:spPr/>
-        <p:txBody>
-          <a:bodyPr/>
-          <a:lstStyle/>
-          <a:p>
-            <a:r>
-              <a:rPr lang="en-US" dirty="0"/>
-              <a:t>Linear regression</a:t>
-            </a:r>
-          </a:p>
-        </p:txBody>
-      </p:sp>
-      <p:sp>
-        <p:nvSpPr>
-          <p:cNvPr id="6" name="Line 87">
-            <a:extLst>
-              <a:ext uri="{FF2B5EF4-FFF2-40B4-BE49-F238E27FC236}">
-                <a16:creationId xmlns:a16="http://schemas.microsoft.com/office/drawing/2014/main" id="{9C1B0EE8-E3D8-4BE9-A23B-C360D724C8A9}"/>
-              </a:ext>
-            </a:extLst>
-          </p:cNvPr>
-          <p:cNvSpPr>
-            <a:spLocks noChangeShapeType="1"/>
-          </p:cNvSpPr>
-          <p:nvPr/>
-        </p:nvSpPr>
-        <p:spPr bwMode="auto">
-          <a:xfrm flipV="1">
-            <a:off x="2255555" y="2043191"/>
-            <a:ext cx="8759438" cy="3243923"/>
-          </a:xfrm>
-          <a:prstGeom prst="line">
-            <a:avLst/>
-          </a:prstGeom>
-          <a:noFill/>
-          <a:ln w="28575">
-            <a:solidFill>
-              <a:schemeClr val="tx1"/>
-            </a:solidFill>
-            <a:round/>
-            <a:headEnd/>
-            <a:tailEnd/>
-          </a:ln>
-          <a:effectLst/>
-          <a:extLst>
-            <a:ext uri="{909E8E84-426E-40DD-AFC4-6F175D3DCCD1}">
-              <a14:hiddenFill xmlns:a14="http://schemas.microsoft.com/office/drawing/2010/main">
-                <a:noFill/>
-              </a14:hiddenFill>
-            </a:ext>
-            <a:ext uri="{AF507438-7753-43E0-B8FC-AC1667EBCBE1}">
-              <a14:hiddenEffects xmlns:a14="http://schemas.microsoft.com/office/drawing/2010/main">
-                <a:effectLst>
-                  <a:outerShdw dist="35921" dir="2700000" algn="ctr" rotWithShape="0">
-                    <a:schemeClr val="bg2"/>
-                  </a:outerShdw>
-                </a:effectLst>
-              </a14:hiddenEffects>
-            </a:ext>
-          </a:extLst>
-        </p:spPr>
-        <p:txBody>
-          <a:bodyPr wrap="none" anchor="ctr"/>
-          <a:lstStyle/>
-          <a:p>
-            <a:endParaRPr lang="en-US"/>
-          </a:p>
-        </p:txBody>
-      </p:sp>
-      <p:sp>
-        <p:nvSpPr>
-          <p:cNvPr id="7" name="Oval 88">
-            <a:extLst>
-              <a:ext uri="{FF2B5EF4-FFF2-40B4-BE49-F238E27FC236}">
-                <a16:creationId xmlns:a16="http://schemas.microsoft.com/office/drawing/2014/main" id="{406E41E5-3FB7-4B48-842E-3CF149CDFF63}"/>
-              </a:ext>
-            </a:extLst>
-          </p:cNvPr>
-          <p:cNvSpPr>
-            <a:spLocks noChangeAspect="1" noChangeArrowheads="1"/>
-          </p:cNvSpPr>
-          <p:nvPr/>
-        </p:nvSpPr>
-        <p:spPr bwMode="auto">
-          <a:xfrm rot="14317620">
-            <a:off x="3110703" y="4665754"/>
-            <a:ext cx="222613" cy="222613"/>
-          </a:xfrm>
-          <a:prstGeom prst="ellipse">
-            <a:avLst/>
-          </a:prstGeom>
-          <a:solidFill>
-            <a:srgbClr val="0070C0"/>
-          </a:solidFill>
-          <a:ln>
-            <a:noFill/>
-          </a:ln>
-          <a:effectLst/>
-        </p:spPr>
-        <p:txBody>
-          <a:bodyPr wrap="none" anchor="ctr"/>
-          <a:lstStyle/>
-          <a:p>
-            <a:endParaRPr lang="en-US"/>
-          </a:p>
-        </p:txBody>
-      </p:sp>
-      <p:sp>
-        <p:nvSpPr>
-          <p:cNvPr id="8" name="Oval 89">
-            <a:extLst>
-              <a:ext uri="{FF2B5EF4-FFF2-40B4-BE49-F238E27FC236}">
-                <a16:creationId xmlns:a16="http://schemas.microsoft.com/office/drawing/2014/main" id="{529B4BB9-7102-4BBF-8631-057DCE1C68D1}"/>
-              </a:ext>
-            </a:extLst>
-          </p:cNvPr>
-          <p:cNvSpPr>
-            <a:spLocks noChangeAspect="1" noChangeArrowheads="1"/>
-          </p:cNvSpPr>
-          <p:nvPr/>
-        </p:nvSpPr>
-        <p:spPr bwMode="auto">
-          <a:xfrm rot="14317620">
-            <a:off x="3481725" y="3838684"/>
-            <a:ext cx="222613" cy="222613"/>
-          </a:xfrm>
-          <a:prstGeom prst="ellipse">
-            <a:avLst/>
-          </a:prstGeom>
-          <a:solidFill>
-            <a:srgbClr val="0070C0"/>
-          </a:solidFill>
-          <a:ln>
-            <a:noFill/>
-          </a:ln>
-          <a:effectLst/>
-        </p:spPr>
-        <p:txBody>
-          <a:bodyPr wrap="none" anchor="ctr"/>
-          <a:lstStyle/>
-          <a:p>
-            <a:endParaRPr lang="en-US"/>
-          </a:p>
-        </p:txBody>
-      </p:sp>
-      <p:sp>
-        <p:nvSpPr>
-          <p:cNvPr id="9" name="Oval 90">
-            <a:extLst>
-              <a:ext uri="{FF2B5EF4-FFF2-40B4-BE49-F238E27FC236}">
-                <a16:creationId xmlns:a16="http://schemas.microsoft.com/office/drawing/2014/main" id="{7AE3E61D-B99C-484A-9ABB-1A863336E5A5}"/>
-              </a:ext>
-            </a:extLst>
-          </p:cNvPr>
-          <p:cNvSpPr>
-            <a:spLocks noChangeAspect="1" noChangeArrowheads="1"/>
-          </p:cNvSpPr>
-          <p:nvPr/>
-        </p:nvSpPr>
-        <p:spPr bwMode="auto">
-          <a:xfrm rot="14317620">
-            <a:off x="7389048" y="3282152"/>
-            <a:ext cx="222613" cy="222613"/>
-          </a:xfrm>
-          <a:prstGeom prst="ellipse">
-            <a:avLst/>
-          </a:prstGeom>
-          <a:solidFill>
-            <a:srgbClr val="0070C0"/>
-          </a:solidFill>
-          <a:ln>
-            <a:noFill/>
-          </a:ln>
-          <a:effectLst/>
-        </p:spPr>
-        <p:txBody>
-          <a:bodyPr wrap="none" anchor="ctr"/>
-          <a:lstStyle/>
-          <a:p>
-            <a:endParaRPr lang="en-US"/>
-          </a:p>
-        </p:txBody>
-      </p:sp>
-      <p:sp>
-        <p:nvSpPr>
-          <p:cNvPr id="10" name="Oval 91">
-            <a:extLst>
-              <a:ext uri="{FF2B5EF4-FFF2-40B4-BE49-F238E27FC236}">
-                <a16:creationId xmlns:a16="http://schemas.microsoft.com/office/drawing/2014/main" id="{93ADEBED-858B-4AC3-873B-859A7879586A}"/>
-              </a:ext>
-            </a:extLst>
-          </p:cNvPr>
-          <p:cNvSpPr>
-            <a:spLocks noChangeAspect="1" noChangeArrowheads="1"/>
-          </p:cNvSpPr>
-          <p:nvPr/>
-        </p:nvSpPr>
-        <p:spPr bwMode="auto">
-          <a:xfrm rot="14317620">
-            <a:off x="9047053" y="2169086"/>
-            <a:ext cx="222613" cy="222613"/>
-          </a:xfrm>
-          <a:prstGeom prst="ellipse">
-            <a:avLst/>
-          </a:prstGeom>
-          <a:solidFill>
-            <a:srgbClr val="0070C0"/>
-          </a:solidFill>
-          <a:ln>
-            <a:noFill/>
-          </a:ln>
-          <a:effectLst/>
-        </p:spPr>
-        <p:txBody>
-          <a:bodyPr wrap="none" anchor="ctr"/>
-          <a:lstStyle/>
-          <a:p>
-            <a:endParaRPr lang="en-US"/>
-          </a:p>
-        </p:txBody>
-      </p:sp>
-      <p:sp>
-        <p:nvSpPr>
-          <p:cNvPr id="11" name="Oval 92">
-            <a:extLst>
-              <a:ext uri="{FF2B5EF4-FFF2-40B4-BE49-F238E27FC236}">
-                <a16:creationId xmlns:a16="http://schemas.microsoft.com/office/drawing/2014/main" id="{F1C9FE12-F4AC-432A-8B0D-E5D9F893DAB3}"/>
-              </a:ext>
-            </a:extLst>
-          </p:cNvPr>
-          <p:cNvSpPr>
-            <a:spLocks noChangeAspect="1" noChangeArrowheads="1"/>
-          </p:cNvSpPr>
-          <p:nvPr/>
-        </p:nvSpPr>
-        <p:spPr bwMode="auto">
-          <a:xfrm rot="14317620">
-            <a:off x="4409279" y="3653174"/>
-            <a:ext cx="222613" cy="222613"/>
-          </a:xfrm>
-          <a:prstGeom prst="ellipse">
-            <a:avLst/>
-          </a:prstGeom>
-          <a:solidFill>
-            <a:srgbClr val="0070C0"/>
-          </a:solidFill>
-          <a:ln>
-            <a:noFill/>
-          </a:ln>
-          <a:effectLst/>
-        </p:spPr>
-        <p:txBody>
-          <a:bodyPr wrap="none" anchor="ctr"/>
-          <a:lstStyle/>
-          <a:p>
-            <a:endParaRPr lang="en-US"/>
-          </a:p>
-        </p:txBody>
-      </p:sp>
-      <p:sp>
-        <p:nvSpPr>
-          <p:cNvPr id="12" name="Oval 93">
-            <a:extLst>
-              <a:ext uri="{FF2B5EF4-FFF2-40B4-BE49-F238E27FC236}">
-                <a16:creationId xmlns:a16="http://schemas.microsoft.com/office/drawing/2014/main" id="{2832D2DD-8E5D-4DB4-BDA9-A6A32A25F7EF}"/>
-              </a:ext>
-            </a:extLst>
-          </p:cNvPr>
-          <p:cNvSpPr>
-            <a:spLocks noChangeAspect="1" noChangeArrowheads="1"/>
-          </p:cNvSpPr>
-          <p:nvPr/>
-        </p:nvSpPr>
-        <p:spPr bwMode="auto">
-          <a:xfrm rot="14317620">
-            <a:off x="8490520" y="3096641"/>
-            <a:ext cx="222613" cy="222613"/>
-          </a:xfrm>
-          <a:prstGeom prst="ellipse">
-            <a:avLst/>
-          </a:prstGeom>
-          <a:solidFill>
-            <a:srgbClr val="0070C0"/>
-          </a:solidFill>
-          <a:ln>
-            <a:noFill/>
-          </a:ln>
-          <a:effectLst/>
-        </p:spPr>
-        <p:txBody>
-          <a:bodyPr wrap="none" anchor="ctr"/>
-          <a:lstStyle/>
-          <a:p>
-            <a:endParaRPr lang="en-US"/>
-          </a:p>
-        </p:txBody>
-      </p:sp>
-      <p:sp>
-        <p:nvSpPr>
-          <p:cNvPr id="13" name="Oval 94">
-            <a:extLst>
-              <a:ext uri="{FF2B5EF4-FFF2-40B4-BE49-F238E27FC236}">
-                <a16:creationId xmlns:a16="http://schemas.microsoft.com/office/drawing/2014/main" id="{23A30280-A336-454B-8AEB-CBD0B6EC02CE}"/>
-              </a:ext>
-            </a:extLst>
-          </p:cNvPr>
-          <p:cNvSpPr>
-            <a:spLocks noChangeAspect="1" noChangeArrowheads="1"/>
-          </p:cNvSpPr>
-          <p:nvPr/>
-        </p:nvSpPr>
-        <p:spPr bwMode="auto">
-          <a:xfrm rot="14317620">
-            <a:off x="9047053" y="3653174"/>
-            <a:ext cx="222613" cy="222613"/>
-          </a:xfrm>
-          <a:prstGeom prst="ellipse">
-            <a:avLst/>
-          </a:prstGeom>
-          <a:solidFill>
-            <a:srgbClr val="0070C0"/>
-          </a:solidFill>
-          <a:ln>
-            <a:noFill/>
-          </a:ln>
-          <a:effectLst/>
-        </p:spPr>
-        <p:txBody>
-          <a:bodyPr vert="eaVert" wrap="none" anchor="ctr"/>
-          <a:lstStyle/>
-          <a:p>
-            <a:pPr algn="ctr"/>
-            <a:endParaRPr lang="en-US" altLang="en-US" sz="2400">
-              <a:latin typeface="Arial" panose="020B0604020202020204" pitchFamily="34" charset="0"/>
-            </a:endParaRPr>
-          </a:p>
-        </p:txBody>
-      </p:sp>
-      <p:sp>
-        <p:nvSpPr>
-          <p:cNvPr id="14" name="Oval 95">
-            <a:extLst>
-              <a:ext uri="{FF2B5EF4-FFF2-40B4-BE49-F238E27FC236}">
-                <a16:creationId xmlns:a16="http://schemas.microsoft.com/office/drawing/2014/main" id="{BC2E7B16-2FD2-4454-B248-BE640A3EBA11}"/>
-              </a:ext>
-            </a:extLst>
-          </p:cNvPr>
-          <p:cNvSpPr>
-            <a:spLocks noChangeAspect="1" noChangeArrowheads="1"/>
-          </p:cNvSpPr>
-          <p:nvPr/>
-        </p:nvSpPr>
-        <p:spPr bwMode="auto">
-          <a:xfrm rot="14317620">
-            <a:off x="9456723" y="2725619"/>
-            <a:ext cx="222613" cy="222613"/>
-          </a:xfrm>
-          <a:prstGeom prst="ellipse">
-            <a:avLst/>
-          </a:prstGeom>
-          <a:solidFill>
-            <a:srgbClr val="0070C0"/>
-          </a:solidFill>
-          <a:ln>
-            <a:noFill/>
-          </a:ln>
-          <a:effectLst/>
-        </p:spPr>
-        <p:txBody>
-          <a:bodyPr wrap="none" anchor="ctr"/>
-          <a:lstStyle/>
-          <a:p>
-            <a:endParaRPr lang="en-US"/>
-          </a:p>
-        </p:txBody>
-      </p:sp>
-      <p:sp>
-        <p:nvSpPr>
-          <p:cNvPr id="15" name="Oval 96">
-            <a:extLst>
-              <a:ext uri="{FF2B5EF4-FFF2-40B4-BE49-F238E27FC236}">
-                <a16:creationId xmlns:a16="http://schemas.microsoft.com/office/drawing/2014/main" id="{DB1A1F51-30AE-4984-9500-CC18AC0025A1}"/>
-              </a:ext>
-            </a:extLst>
-          </p:cNvPr>
-          <p:cNvSpPr>
-            <a:spLocks noChangeAspect="1" noChangeArrowheads="1"/>
-          </p:cNvSpPr>
-          <p:nvPr/>
-        </p:nvSpPr>
-        <p:spPr bwMode="auto">
-          <a:xfrm rot="14317620">
-            <a:off x="7933988" y="2169086"/>
-            <a:ext cx="222613" cy="222613"/>
-          </a:xfrm>
-          <a:prstGeom prst="ellipse">
-            <a:avLst/>
-          </a:prstGeom>
-          <a:solidFill>
-            <a:srgbClr val="0070C0"/>
-          </a:solidFill>
-          <a:ln>
-            <a:noFill/>
-          </a:ln>
-          <a:effectLst/>
-        </p:spPr>
-        <p:txBody>
-          <a:bodyPr wrap="none" anchor="ctr"/>
-          <a:lstStyle/>
-          <a:p>
-            <a:endParaRPr lang="en-US"/>
-          </a:p>
-        </p:txBody>
-      </p:sp>
-      <p:sp>
-        <p:nvSpPr>
-          <p:cNvPr id="16" name="Oval 97">
-            <a:extLst>
-              <a:ext uri="{FF2B5EF4-FFF2-40B4-BE49-F238E27FC236}">
-                <a16:creationId xmlns:a16="http://schemas.microsoft.com/office/drawing/2014/main" id="{677945A3-F3FB-4626-B40B-4BB6BA3F6377}"/>
-              </a:ext>
-            </a:extLst>
-          </p:cNvPr>
-          <p:cNvSpPr>
-            <a:spLocks noChangeAspect="1" noChangeArrowheads="1"/>
-          </p:cNvSpPr>
-          <p:nvPr/>
-        </p:nvSpPr>
-        <p:spPr bwMode="auto">
-          <a:xfrm rot="14317620">
-            <a:off x="6264389" y="4024195"/>
-            <a:ext cx="222613" cy="222613"/>
-          </a:xfrm>
-          <a:prstGeom prst="ellipse">
-            <a:avLst/>
-          </a:prstGeom>
-          <a:solidFill>
-            <a:srgbClr val="0070C0"/>
-          </a:solidFill>
-          <a:ln>
-            <a:noFill/>
-          </a:ln>
-          <a:effectLst/>
-        </p:spPr>
-        <p:txBody>
-          <a:bodyPr wrap="none" anchor="ctr"/>
-          <a:lstStyle/>
-          <a:p>
-            <a:endParaRPr lang="en-US"/>
-          </a:p>
-        </p:txBody>
-      </p:sp>
-      <p:sp>
-        <p:nvSpPr>
-          <p:cNvPr id="17" name="Oval 98">
-            <a:extLst>
-              <a:ext uri="{FF2B5EF4-FFF2-40B4-BE49-F238E27FC236}">
-                <a16:creationId xmlns:a16="http://schemas.microsoft.com/office/drawing/2014/main" id="{9A8710A5-D132-4BD9-84A0-18D1D067D53C}"/>
-              </a:ext>
-            </a:extLst>
-          </p:cNvPr>
-          <p:cNvSpPr>
-            <a:spLocks noChangeAspect="1" noChangeArrowheads="1"/>
-          </p:cNvSpPr>
-          <p:nvPr/>
-        </p:nvSpPr>
-        <p:spPr bwMode="auto">
-          <a:xfrm rot="14317620">
-            <a:off x="6449900" y="3282152"/>
-            <a:ext cx="222613" cy="222613"/>
-          </a:xfrm>
-          <a:prstGeom prst="ellipse">
-            <a:avLst/>
-          </a:prstGeom>
-          <a:solidFill>
-            <a:srgbClr val="0070C0"/>
-          </a:solidFill>
-          <a:ln>
-            <a:noFill/>
-          </a:ln>
-          <a:effectLst/>
-        </p:spPr>
-        <p:txBody>
-          <a:bodyPr wrap="none" anchor="ctr"/>
-          <a:lstStyle/>
-          <a:p>
-            <a:endParaRPr lang="en-US"/>
-          </a:p>
-        </p:txBody>
-      </p:sp>
-      <p:sp>
-        <p:nvSpPr>
-          <p:cNvPr id="18" name="Oval 99">
-            <a:extLst>
-              <a:ext uri="{FF2B5EF4-FFF2-40B4-BE49-F238E27FC236}">
-                <a16:creationId xmlns:a16="http://schemas.microsoft.com/office/drawing/2014/main" id="{55377E3A-2D67-406A-B9BF-9E146B7F0650}"/>
-              </a:ext>
-            </a:extLst>
-          </p:cNvPr>
-          <p:cNvSpPr>
-            <a:spLocks noChangeAspect="1" noChangeArrowheads="1"/>
-          </p:cNvSpPr>
-          <p:nvPr/>
-        </p:nvSpPr>
-        <p:spPr bwMode="auto">
-          <a:xfrm rot="14317620">
-            <a:off x="5707856" y="3096641"/>
-            <a:ext cx="222613" cy="222613"/>
-          </a:xfrm>
-          <a:prstGeom prst="ellipse">
-            <a:avLst/>
-          </a:prstGeom>
-          <a:solidFill>
-            <a:srgbClr val="0070C0"/>
-          </a:solidFill>
-          <a:ln>
-            <a:noFill/>
-          </a:ln>
-          <a:effectLst/>
-        </p:spPr>
-        <p:txBody>
-          <a:bodyPr wrap="none" anchor="ctr"/>
-          <a:lstStyle/>
-          <a:p>
-            <a:endParaRPr lang="en-US"/>
-          </a:p>
-        </p:txBody>
-      </p:sp>
-      <p:sp>
-        <p:nvSpPr>
-          <p:cNvPr id="19" name="Oval 100">
-            <a:extLst>
-              <a:ext uri="{FF2B5EF4-FFF2-40B4-BE49-F238E27FC236}">
-                <a16:creationId xmlns:a16="http://schemas.microsoft.com/office/drawing/2014/main" id="{33A034D7-8BFB-4802-BA7C-7585381CA956}"/>
-              </a:ext>
-            </a:extLst>
-          </p:cNvPr>
-          <p:cNvSpPr>
-            <a:spLocks noChangeAspect="1" noChangeArrowheads="1"/>
-          </p:cNvSpPr>
-          <p:nvPr/>
-        </p:nvSpPr>
-        <p:spPr bwMode="auto">
-          <a:xfrm rot="14317620">
-            <a:off x="3667236" y="4951750"/>
-            <a:ext cx="222613" cy="222613"/>
-          </a:xfrm>
-          <a:prstGeom prst="ellipse">
-            <a:avLst/>
-          </a:prstGeom>
-          <a:solidFill>
-            <a:srgbClr val="0070C0"/>
-          </a:solidFill>
-          <a:ln>
-            <a:noFill/>
-          </a:ln>
-          <a:effectLst/>
-        </p:spPr>
-        <p:txBody>
-          <a:bodyPr wrap="none" anchor="ctr"/>
-          <a:lstStyle/>
-          <a:p>
-            <a:endParaRPr lang="en-US"/>
-          </a:p>
-        </p:txBody>
-      </p:sp>
-      <p:sp>
-        <p:nvSpPr>
-          <p:cNvPr id="20" name="Oval 101">
-            <a:extLst>
-              <a:ext uri="{FF2B5EF4-FFF2-40B4-BE49-F238E27FC236}">
-                <a16:creationId xmlns:a16="http://schemas.microsoft.com/office/drawing/2014/main" id="{61CDD8E0-681C-4F76-9E5F-9E1DF532DA68}"/>
-              </a:ext>
-            </a:extLst>
-          </p:cNvPr>
-          <p:cNvSpPr>
-            <a:spLocks noChangeAspect="1" noChangeArrowheads="1"/>
-          </p:cNvSpPr>
-          <p:nvPr/>
-        </p:nvSpPr>
-        <p:spPr bwMode="auto">
-          <a:xfrm rot="14317620">
-            <a:off x="4038258" y="4294732"/>
-            <a:ext cx="222613" cy="222613"/>
-          </a:xfrm>
-          <a:prstGeom prst="ellipse">
-            <a:avLst/>
-          </a:prstGeom>
-          <a:solidFill>
-            <a:srgbClr val="0070C0"/>
-          </a:solidFill>
-          <a:ln>
-            <a:noFill/>
-          </a:ln>
-          <a:effectLst/>
-        </p:spPr>
-        <p:txBody>
-          <a:bodyPr wrap="none" anchor="ctr"/>
-          <a:lstStyle/>
-          <a:p>
-            <a:endParaRPr lang="en-US"/>
-          </a:p>
-        </p:txBody>
-      </p:sp>
-      <p:sp>
-        <p:nvSpPr>
-          <p:cNvPr id="21" name="Oval 102">
-            <a:extLst>
-              <a:ext uri="{FF2B5EF4-FFF2-40B4-BE49-F238E27FC236}">
-                <a16:creationId xmlns:a16="http://schemas.microsoft.com/office/drawing/2014/main" id="{ABBEA774-46CB-45E9-9A79-6E31FA33E105}"/>
-              </a:ext>
-            </a:extLst>
-          </p:cNvPr>
-          <p:cNvSpPr>
-            <a:spLocks noChangeAspect="1" noChangeArrowheads="1"/>
-          </p:cNvSpPr>
-          <p:nvPr/>
-        </p:nvSpPr>
-        <p:spPr bwMode="auto">
-          <a:xfrm rot="14317620">
-            <a:off x="4965812" y="4580728"/>
-            <a:ext cx="222613" cy="222613"/>
-          </a:xfrm>
-          <a:prstGeom prst="ellipse">
-            <a:avLst/>
-          </a:prstGeom>
-          <a:solidFill>
-            <a:srgbClr val="0070C0"/>
-          </a:solidFill>
-          <a:ln>
-            <a:noFill/>
-          </a:ln>
-          <a:effectLst/>
-        </p:spPr>
-        <p:txBody>
-          <a:bodyPr wrap="none" anchor="ctr"/>
-          <a:lstStyle/>
-          <a:p>
-            <a:endParaRPr lang="en-US"/>
-          </a:p>
-        </p:txBody>
-      </p:sp>
-      <p:sp>
-        <p:nvSpPr>
-          <p:cNvPr id="22" name="Oval 103">
-            <a:extLst>
-              <a:ext uri="{FF2B5EF4-FFF2-40B4-BE49-F238E27FC236}">
-                <a16:creationId xmlns:a16="http://schemas.microsoft.com/office/drawing/2014/main" id="{2331E3F7-A452-457C-AF0B-5BDC1C43DAC5}"/>
-              </a:ext>
-            </a:extLst>
-          </p:cNvPr>
-          <p:cNvSpPr>
-            <a:spLocks noChangeAspect="1" noChangeArrowheads="1"/>
-          </p:cNvSpPr>
-          <p:nvPr/>
-        </p:nvSpPr>
-        <p:spPr bwMode="auto">
-          <a:xfrm rot="14317620">
-            <a:off x="7006433" y="4024195"/>
-            <a:ext cx="222613" cy="222613"/>
-          </a:xfrm>
-          <a:prstGeom prst="ellipse">
-            <a:avLst/>
-          </a:prstGeom>
-          <a:solidFill>
-            <a:srgbClr val="0070C0"/>
-          </a:solidFill>
-          <a:ln>
-            <a:noFill/>
-          </a:ln>
-          <a:effectLst/>
-        </p:spPr>
-        <p:txBody>
-          <a:bodyPr wrap="none" anchor="ctr"/>
-          <a:lstStyle/>
-          <a:p>
-            <a:endParaRPr lang="en-US"/>
-          </a:p>
-        </p:txBody>
-      </p:sp>
-      <p:sp>
-        <p:nvSpPr>
-          <p:cNvPr id="23" name="Oval 104">
-            <a:extLst>
-              <a:ext uri="{FF2B5EF4-FFF2-40B4-BE49-F238E27FC236}">
-                <a16:creationId xmlns:a16="http://schemas.microsoft.com/office/drawing/2014/main" id="{FDEDB938-6239-4574-87FD-09738742099E}"/>
-              </a:ext>
-            </a:extLst>
-          </p:cNvPr>
-          <p:cNvSpPr>
-            <a:spLocks noChangeAspect="1" noChangeArrowheads="1"/>
-          </p:cNvSpPr>
-          <p:nvPr/>
-        </p:nvSpPr>
-        <p:spPr bwMode="auto">
-          <a:xfrm rot="14317620">
-            <a:off x="10160119" y="3181667"/>
-            <a:ext cx="222613" cy="222613"/>
-          </a:xfrm>
-          <a:prstGeom prst="ellipse">
-            <a:avLst/>
-          </a:prstGeom>
-          <a:solidFill>
-            <a:srgbClr val="0070C0"/>
-          </a:solidFill>
-          <a:ln>
-            <a:noFill/>
-          </a:ln>
-          <a:effectLst/>
-        </p:spPr>
-        <p:txBody>
-          <a:bodyPr wrap="none" anchor="ctr"/>
-          <a:lstStyle/>
-          <a:p>
-            <a:endParaRPr lang="en-US"/>
-          </a:p>
-        </p:txBody>
-      </p:sp>
-      <p:sp>
-        <p:nvSpPr>
-          <p:cNvPr id="24" name="Oval 105">
-            <a:extLst>
-              <a:ext uri="{FF2B5EF4-FFF2-40B4-BE49-F238E27FC236}">
-                <a16:creationId xmlns:a16="http://schemas.microsoft.com/office/drawing/2014/main" id="{D4661EEB-36BC-44F8-87EB-2BA4117BE6CC}"/>
-              </a:ext>
-            </a:extLst>
-          </p:cNvPr>
-          <p:cNvSpPr>
-            <a:spLocks noChangeAspect="1" noChangeArrowheads="1"/>
-          </p:cNvSpPr>
-          <p:nvPr/>
-        </p:nvSpPr>
-        <p:spPr bwMode="auto">
-          <a:xfrm rot="14317620">
-            <a:off x="5336834" y="3838684"/>
-            <a:ext cx="222613" cy="222613"/>
-          </a:xfrm>
-          <a:prstGeom prst="ellipse">
-            <a:avLst/>
-          </a:prstGeom>
-          <a:solidFill>
-            <a:srgbClr val="0070C0"/>
-          </a:solidFill>
-          <a:ln>
-            <a:noFill/>
-          </a:ln>
-          <a:effectLst/>
-        </p:spPr>
-        <p:txBody>
-          <a:bodyPr wrap="none" anchor="ctr"/>
-          <a:lstStyle/>
-          <a:p>
-            <a:endParaRPr lang="en-US"/>
-          </a:p>
-        </p:txBody>
-      </p:sp>
-      <p:sp>
-        <p:nvSpPr>
-          <p:cNvPr id="26" name="Oval 107">
-            <a:extLst>
-              <a:ext uri="{FF2B5EF4-FFF2-40B4-BE49-F238E27FC236}">
-                <a16:creationId xmlns:a16="http://schemas.microsoft.com/office/drawing/2014/main" id="{D409E51D-3DA8-4CBA-A352-1F685F6D85D3}"/>
-              </a:ext>
-            </a:extLst>
-          </p:cNvPr>
-          <p:cNvSpPr>
-            <a:spLocks noChangeAspect="1" noChangeArrowheads="1"/>
-          </p:cNvSpPr>
-          <p:nvPr/>
-        </p:nvSpPr>
-        <p:spPr bwMode="auto">
-          <a:xfrm rot="14317620">
-            <a:off x="9789097" y="1612553"/>
-            <a:ext cx="222613" cy="222613"/>
-          </a:xfrm>
-          <a:prstGeom prst="ellipse">
-            <a:avLst/>
-          </a:prstGeom>
-          <a:solidFill>
-            <a:srgbClr val="0070C0"/>
-          </a:solidFill>
-          <a:ln>
-            <a:noFill/>
-          </a:ln>
-          <a:effectLst/>
-        </p:spPr>
-        <p:txBody>
-          <a:bodyPr wrap="none" anchor="ctr"/>
-          <a:lstStyle/>
-          <a:p>
-            <a:endParaRPr lang="en-US"/>
-          </a:p>
-        </p:txBody>
-      </p:sp>
-      <p:cxnSp>
-        <p:nvCxnSpPr>
-          <p:cNvPr id="34" name="Straight Arrow Connector 33">
-            <a:extLst>
-              <a:ext uri="{FF2B5EF4-FFF2-40B4-BE49-F238E27FC236}">
-                <a16:creationId xmlns:a16="http://schemas.microsoft.com/office/drawing/2014/main" id="{B62F172D-D067-4AF5-B749-CD4A8B2DEF2C}"/>
-              </a:ext>
-            </a:extLst>
-          </p:cNvPr>
-          <p:cNvCxnSpPr>
-            <a:cxnSpLocks/>
-          </p:cNvCxnSpPr>
-          <p:nvPr/>
-        </p:nvCxnSpPr>
-        <p:spPr>
-          <a:xfrm>
-            <a:off x="2666999" y="7283757"/>
-            <a:ext cx="0" cy="0"/>
-          </a:xfrm>
-          <a:prstGeom prst="straightConnector1">
-            <a:avLst/>
-          </a:prstGeom>
-          <a:ln>
-            <a:tailEnd type="triangle"/>
-          </a:ln>
-        </p:spPr>
-        <p:style>
-          <a:lnRef idx="1">
-            <a:schemeClr val="accent1"/>
-          </a:lnRef>
-          <a:fillRef idx="0">
-            <a:schemeClr val="accent1"/>
-          </a:fillRef>
-          <a:effectRef idx="0">
-            <a:schemeClr val="accent1"/>
-          </a:effectRef>
-          <a:fontRef idx="minor">
-            <a:schemeClr val="tx1"/>
-          </a:fontRef>
-        </p:style>
-      </p:cxnSp>
-      <p:grpSp>
-        <p:nvGrpSpPr>
-          <p:cNvPr id="41" name="Group 40">
-            <a:extLst>
-              <a:ext uri="{FF2B5EF4-FFF2-40B4-BE49-F238E27FC236}">
-                <a16:creationId xmlns:a16="http://schemas.microsoft.com/office/drawing/2014/main" id="{B8FF8D41-A113-4885-A153-30FC1B6B46E5}"/>
-              </a:ext>
-            </a:extLst>
-          </p:cNvPr>
-          <p:cNvGrpSpPr/>
-          <p:nvPr/>
-        </p:nvGrpSpPr>
-        <p:grpSpPr>
-          <a:xfrm>
-            <a:off x="1491659" y="2043192"/>
-            <a:ext cx="4882513" cy="3894707"/>
-            <a:chOff x="2667000" y="2771335"/>
-            <a:chExt cx="3735582" cy="3137096"/>
-          </a:xfrm>
-        </p:grpSpPr>
-        <p:cxnSp>
-          <p:nvCxnSpPr>
-            <p:cNvPr id="30" name="Straight Arrow Connector 29">
-              <a:extLst>
-                <a:ext uri="{FF2B5EF4-FFF2-40B4-BE49-F238E27FC236}">
-                  <a16:creationId xmlns:a16="http://schemas.microsoft.com/office/drawing/2014/main" id="{1CCA2E1E-649A-4AE9-AA84-812606D32481}"/>
-                </a:ext>
-              </a:extLst>
-            </p:cNvPr>
-            <p:cNvCxnSpPr/>
-            <p:nvPr/>
-          </p:nvCxnSpPr>
-          <p:spPr>
-            <a:xfrm>
-              <a:off x="2667000" y="5908431"/>
-              <a:ext cx="3735582" cy="0"/>
-            </a:xfrm>
-            <a:prstGeom prst="straightConnector1">
-              <a:avLst/>
-            </a:prstGeom>
-            <a:ln w="38100">
-              <a:solidFill>
-                <a:schemeClr val="bg1">
-                  <a:lumMod val="50000"/>
-                </a:schemeClr>
-              </a:solidFill>
-              <a:tailEnd type="triangle"/>
-            </a:ln>
-          </p:spPr>
-          <p:style>
-            <a:lnRef idx="1">
-              <a:schemeClr val="accent1"/>
-            </a:lnRef>
-            <a:fillRef idx="0">
-              <a:schemeClr val="accent1"/>
-            </a:fillRef>
-            <a:effectRef idx="0">
-              <a:schemeClr val="accent1"/>
-            </a:effectRef>
-            <a:fontRef idx="minor">
-              <a:schemeClr val="tx1"/>
-            </a:fontRef>
-          </p:style>
-        </p:cxnSp>
-        <p:cxnSp>
-          <p:nvCxnSpPr>
-            <p:cNvPr id="37" name="Straight Arrow Connector 36">
-              <a:extLst>
-                <a:ext uri="{FF2B5EF4-FFF2-40B4-BE49-F238E27FC236}">
-                  <a16:creationId xmlns:a16="http://schemas.microsoft.com/office/drawing/2014/main" id="{E59D479C-B1FA-4C26-AF8D-AE4EC35D1945}"/>
-                </a:ext>
-              </a:extLst>
-            </p:cNvPr>
-            <p:cNvCxnSpPr>
-              <a:cxnSpLocks/>
-            </p:cNvCxnSpPr>
-            <p:nvPr/>
-          </p:nvCxnSpPr>
-          <p:spPr>
-            <a:xfrm flipV="1">
-              <a:off x="2667000" y="2771335"/>
-              <a:ext cx="0" cy="3137096"/>
-            </a:xfrm>
-            <a:prstGeom prst="straightConnector1">
-              <a:avLst/>
-            </a:prstGeom>
-            <a:ln w="38100">
-              <a:solidFill>
-                <a:schemeClr val="bg1">
-                  <a:lumMod val="50000"/>
-                </a:schemeClr>
-              </a:solidFill>
-              <a:tailEnd type="triangle"/>
-            </a:ln>
-          </p:spPr>
-          <p:style>
-            <a:lnRef idx="1">
-              <a:schemeClr val="accent1"/>
-            </a:lnRef>
-            <a:fillRef idx="0">
-              <a:schemeClr val="accent1"/>
-            </a:fillRef>
-            <a:effectRef idx="0">
-              <a:schemeClr val="accent1"/>
-            </a:effectRef>
-            <a:fontRef idx="minor">
-              <a:schemeClr val="tx1"/>
-            </a:fontRef>
-          </p:style>
-        </p:cxnSp>
-      </p:grpSp>
-    </p:spTree>
-    <p:extLst>
-      <p:ext uri="{BB962C8B-B14F-4D97-AF65-F5344CB8AC3E}">
-        <p14:creationId xmlns:p14="http://schemas.microsoft.com/office/powerpoint/2010/main" val="2835488716"/>
-      </p:ext>
-    </p:extLst>
-  </p:cSld>
-  <p:clrMapOvr>
-    <a:masterClrMapping/>
-  </p:clrMapOvr>
-</p:sld>
-</file>
-
-<file path=ppt/slides/slide20.xml><?xml version="1.0" encoding="utf-8"?>
+<file path=ppt/slides/slide21.xml><?xml version="1.0" encoding="utf-8"?>
 <p:sld xmlns:a="http://schemas.openxmlformats.org/drawingml/2006/main" xmlns:r="http://schemas.openxmlformats.org/officeDocument/2006/relationships" xmlns:p="http://schemas.openxmlformats.org/presentationml/2006/main">
   <p:cSld>
     <p:spTree>
@@ -26619,6 +26869,1864 @@
     <p:extLst>
       <p:ext uri="{BB962C8B-B14F-4D97-AF65-F5344CB8AC3E}">
         <p14:creationId xmlns:p14="http://schemas.microsoft.com/office/powerpoint/2010/main" val="2131481561"/>
+      </p:ext>
+    </p:extLst>
+  </p:cSld>
+  <p:clrMapOvr>
+    <a:masterClrMapping/>
+  </p:clrMapOvr>
+</p:sld>
+</file>
+
+<file path=ppt/slides/slide22.xml><?xml version="1.0" encoding="utf-8"?>
+<p:sld xmlns:a="http://schemas.openxmlformats.org/drawingml/2006/main" xmlns:r="http://schemas.openxmlformats.org/officeDocument/2006/relationships" xmlns:p="http://schemas.openxmlformats.org/presentationml/2006/main">
+  <p:cSld>
+    <p:spTree>
+      <p:nvGrpSpPr>
+        <p:cNvPr id="1" name=""/>
+        <p:cNvGrpSpPr/>
+        <p:nvPr/>
+      </p:nvGrpSpPr>
+      <p:grpSpPr>
+        <a:xfrm>
+          <a:off x="0" y="0"/>
+          <a:ext cx="0" cy="0"/>
+          <a:chOff x="0" y="0"/>
+          <a:chExt cx="0" cy="0"/>
+        </a:xfrm>
+      </p:grpSpPr>
+      <p:sp>
+        <p:nvSpPr>
+          <p:cNvPr id="2" name="Title 1">
+            <a:extLst>
+              <a:ext uri="{FF2B5EF4-FFF2-40B4-BE49-F238E27FC236}">
+                <a16:creationId xmlns:a16="http://schemas.microsoft.com/office/drawing/2014/main" id="{70BA2B32-BD49-4D7A-8D1D-22FAB26512E2}"/>
+              </a:ext>
+            </a:extLst>
+          </p:cNvPr>
+          <p:cNvSpPr>
+            <a:spLocks noGrp="1"/>
+          </p:cNvSpPr>
+          <p:nvPr>
+            <p:ph type="title"/>
+          </p:nvPr>
+        </p:nvSpPr>
+        <p:spPr/>
+        <p:txBody>
+          <a:bodyPr/>
+          <a:lstStyle/>
+          <a:p>
+            <a:r>
+              <a:rPr lang="en-US" dirty="0"/>
+              <a:t>Evaluation metrics for regression</a:t>
+            </a:r>
+          </a:p>
+        </p:txBody>
+      </p:sp>
+      <p:graphicFrame>
+        <p:nvGraphicFramePr>
+          <p:cNvPr id="3" name="Table 2">
+            <a:extLst>
+              <a:ext uri="{FF2B5EF4-FFF2-40B4-BE49-F238E27FC236}">
+                <a16:creationId xmlns:a16="http://schemas.microsoft.com/office/drawing/2014/main" id="{E9457B00-0484-47BE-A0DB-E483A8577698}"/>
+              </a:ext>
+            </a:extLst>
+          </p:cNvPr>
+          <p:cNvGraphicFramePr>
+            <a:graphicFrameLocks noGrp="1"/>
+          </p:cNvGraphicFramePr>
+          <p:nvPr>
+            <p:extLst>
+              <p:ext uri="{D42A27DB-BD31-4B8C-83A1-F6EECF244321}">
+                <p14:modId xmlns:p14="http://schemas.microsoft.com/office/powerpoint/2010/main" val="2132305962"/>
+              </p:ext>
+            </p:extLst>
+          </p:nvPr>
+        </p:nvGraphicFramePr>
+        <p:xfrm>
+          <a:off x="838200" y="1484106"/>
+          <a:ext cx="10515600" cy="4206240"/>
+        </p:xfrm>
+        <a:graphic>
+          <a:graphicData uri="http://schemas.openxmlformats.org/drawingml/2006/table">
+            <a:tbl>
+              <a:tblPr/>
+              <a:tblGrid>
+                <a:gridCol w="5257800">
+                  <a:extLst>
+                    <a:ext uri="{9D8B030D-6E8A-4147-A177-3AD203B41FA5}">
+                      <a16:colId xmlns:a16="http://schemas.microsoft.com/office/drawing/2014/main" val="3263756866"/>
+                    </a:ext>
+                  </a:extLst>
+                </a:gridCol>
+                <a:gridCol w="5257800">
+                  <a:extLst>
+                    <a:ext uri="{9D8B030D-6E8A-4147-A177-3AD203B41FA5}">
+                      <a16:colId xmlns:a16="http://schemas.microsoft.com/office/drawing/2014/main" val="3739955057"/>
+                    </a:ext>
+                  </a:extLst>
+                </a:gridCol>
+              </a:tblGrid>
+              <a:tr h="0">
+                <a:tc>
+                  <a:txBody>
+                    <a:bodyPr/>
+                    <a:lstStyle/>
+                    <a:p>
+                      <a:r>
+                        <a:rPr lang="en-US" u="none" strike="noStrike">
+                          <a:solidFill>
+                            <a:srgbClr val="2878A2"/>
+                          </a:solidFill>
+                          <a:effectLst/>
+                          <a:hlinkClick r:id="rId2" tooltip="sklearn.metrics.explained_variance_score"/>
+                        </a:rPr>
+                        <a:t>metrics.explained_variance_score</a:t>
+                      </a:r>
+                      <a:r>
+                        <a:rPr lang="en-US">
+                          <a:effectLst/>
+                        </a:rPr>
+                        <a:t>(y_true, …)</a:t>
+                      </a:r>
+                    </a:p>
+                  </a:txBody>
+                  <a:tcPr anchor="ctr">
+                    <a:lnL>
+                      <a:noFill/>
+                    </a:lnL>
+                    <a:lnR>
+                      <a:noFill/>
+                    </a:lnR>
+                    <a:lnT w="9525" cap="flat" cmpd="sng" algn="ctr">
+                      <a:solidFill>
+                        <a:srgbClr val="DDDDDD"/>
+                      </a:solidFill>
+                      <a:prstDash val="solid"/>
+                      <a:round/>
+                      <a:headEnd type="none" w="med" len="med"/>
+                      <a:tailEnd type="none" w="med" len="med"/>
+                    </a:lnT>
+                    <a:lnB w="9525" cap="flat" cmpd="sng" algn="ctr">
+                      <a:solidFill>
+                        <a:srgbClr val="DDDDDD"/>
+                      </a:solidFill>
+                      <a:prstDash val="solid"/>
+                      <a:round/>
+                      <a:headEnd type="none" w="med" len="med"/>
+                      <a:tailEnd type="none" w="med" len="med"/>
+                    </a:lnB>
+                    <a:solidFill>
+                      <a:srgbClr val="F0F7FA"/>
+                    </a:solidFill>
+                  </a:tcPr>
+                </a:tc>
+                <a:tc>
+                  <a:txBody>
+                    <a:bodyPr/>
+                    <a:lstStyle/>
+                    <a:p>
+                      <a:r>
+                        <a:rPr lang="en-US" dirty="0">
+                          <a:effectLst/>
+                        </a:rPr>
+                        <a:t>Explained variance regression score function</a:t>
+                      </a:r>
+                    </a:p>
+                  </a:txBody>
+                  <a:tcPr anchor="ctr">
+                    <a:lnL>
+                      <a:noFill/>
+                    </a:lnL>
+                    <a:lnR>
+                      <a:noFill/>
+                    </a:lnR>
+                    <a:lnT w="9525" cap="flat" cmpd="sng" algn="ctr">
+                      <a:solidFill>
+                        <a:srgbClr val="DDDDDD"/>
+                      </a:solidFill>
+                      <a:prstDash val="solid"/>
+                      <a:round/>
+                      <a:headEnd type="none" w="med" len="med"/>
+                      <a:tailEnd type="none" w="med" len="med"/>
+                    </a:lnT>
+                    <a:lnB w="9525" cap="flat" cmpd="sng" algn="ctr">
+                      <a:solidFill>
+                        <a:srgbClr val="DDDDDD"/>
+                      </a:solidFill>
+                      <a:prstDash val="solid"/>
+                      <a:round/>
+                      <a:headEnd type="none" w="med" len="med"/>
+                      <a:tailEnd type="none" w="med" len="med"/>
+                    </a:lnB>
+                    <a:solidFill>
+                      <a:srgbClr val="F0F7FA"/>
+                    </a:solidFill>
+                  </a:tcPr>
+                </a:tc>
+                <a:extLst>
+                  <a:ext uri="{0D108BD9-81ED-4DB2-BD59-A6C34878D82A}">
+                    <a16:rowId xmlns:a16="http://schemas.microsoft.com/office/drawing/2014/main" val="2537028986"/>
+                  </a:ext>
+                </a:extLst>
+              </a:tr>
+              <a:tr h="0">
+                <a:tc>
+                  <a:txBody>
+                    <a:bodyPr/>
+                    <a:lstStyle/>
+                    <a:p>
+                      <a:r>
+                        <a:rPr lang="es-ES" u="none" strike="noStrike">
+                          <a:solidFill>
+                            <a:srgbClr val="2878A2"/>
+                          </a:solidFill>
+                          <a:effectLst/>
+                          <a:hlinkClick r:id="rId3" tooltip="sklearn.metrics.max_error"/>
+                        </a:rPr>
+                        <a:t>metrics.max_error</a:t>
+                      </a:r>
+                      <a:r>
+                        <a:rPr lang="es-ES">
+                          <a:effectLst/>
+                        </a:rPr>
+                        <a:t>(y_true, y_pred)</a:t>
+                      </a:r>
+                    </a:p>
+                  </a:txBody>
+                  <a:tcPr anchor="ctr">
+                    <a:lnL>
+                      <a:noFill/>
+                    </a:lnL>
+                    <a:lnR>
+                      <a:noFill/>
+                    </a:lnR>
+                    <a:lnT w="9525" cap="flat" cmpd="sng" algn="ctr">
+                      <a:solidFill>
+                        <a:srgbClr val="DDDDDD"/>
+                      </a:solidFill>
+                      <a:prstDash val="solid"/>
+                      <a:round/>
+                      <a:headEnd type="none" w="med" len="med"/>
+                      <a:tailEnd type="none" w="med" len="med"/>
+                    </a:lnT>
+                    <a:lnB w="9525" cap="flat" cmpd="sng" algn="ctr">
+                      <a:solidFill>
+                        <a:srgbClr val="DDDDDD"/>
+                      </a:solidFill>
+                      <a:prstDash val="solid"/>
+                      <a:round/>
+                      <a:headEnd type="none" w="med" len="med"/>
+                      <a:tailEnd type="none" w="med" len="med"/>
+                    </a:lnB>
+                  </a:tcPr>
+                </a:tc>
+                <a:tc>
+                  <a:txBody>
+                    <a:bodyPr/>
+                    <a:lstStyle/>
+                    <a:p>
+                      <a:r>
+                        <a:rPr lang="en-US">
+                          <a:effectLst/>
+                        </a:rPr>
+                        <a:t>max_error metric calculates the maximum residual error.</a:t>
+                      </a:r>
+                    </a:p>
+                  </a:txBody>
+                  <a:tcPr anchor="ctr">
+                    <a:lnL>
+                      <a:noFill/>
+                    </a:lnL>
+                    <a:lnR>
+                      <a:noFill/>
+                    </a:lnR>
+                    <a:lnT w="9525" cap="flat" cmpd="sng" algn="ctr">
+                      <a:solidFill>
+                        <a:srgbClr val="DDDDDD"/>
+                      </a:solidFill>
+                      <a:prstDash val="solid"/>
+                      <a:round/>
+                      <a:headEnd type="none" w="med" len="med"/>
+                      <a:tailEnd type="none" w="med" len="med"/>
+                    </a:lnT>
+                    <a:lnB w="9525" cap="flat" cmpd="sng" algn="ctr">
+                      <a:solidFill>
+                        <a:srgbClr val="DDDDDD"/>
+                      </a:solidFill>
+                      <a:prstDash val="solid"/>
+                      <a:round/>
+                      <a:headEnd type="none" w="med" len="med"/>
+                      <a:tailEnd type="none" w="med" len="med"/>
+                    </a:lnB>
+                  </a:tcPr>
+                </a:tc>
+                <a:extLst>
+                  <a:ext uri="{0D108BD9-81ED-4DB2-BD59-A6C34878D82A}">
+                    <a16:rowId xmlns:a16="http://schemas.microsoft.com/office/drawing/2014/main" val="369741232"/>
+                  </a:ext>
+                </a:extLst>
+              </a:tr>
+              <a:tr h="0">
+                <a:tc>
+                  <a:txBody>
+                    <a:bodyPr/>
+                    <a:lstStyle/>
+                    <a:p>
+                      <a:r>
+                        <a:rPr lang="es-ES" u="none" strike="noStrike">
+                          <a:solidFill>
+                            <a:srgbClr val="2878A2"/>
+                          </a:solidFill>
+                          <a:effectLst/>
+                          <a:hlinkClick r:id="rId4" tooltip="sklearn.metrics.mean_absolute_error"/>
+                        </a:rPr>
+                        <a:t>metrics.mean_absolute_error</a:t>
+                      </a:r>
+                      <a:r>
+                        <a:rPr lang="es-ES">
+                          <a:effectLst/>
+                        </a:rPr>
+                        <a:t>(y_true, y_pred, \*)</a:t>
+                      </a:r>
+                    </a:p>
+                  </a:txBody>
+                  <a:tcPr anchor="ctr">
+                    <a:lnL>
+                      <a:noFill/>
+                    </a:lnL>
+                    <a:lnR>
+                      <a:noFill/>
+                    </a:lnR>
+                    <a:lnT w="9525" cap="flat" cmpd="sng" algn="ctr">
+                      <a:solidFill>
+                        <a:srgbClr val="DDDDDD"/>
+                      </a:solidFill>
+                      <a:prstDash val="solid"/>
+                      <a:round/>
+                      <a:headEnd type="none" w="med" len="med"/>
+                      <a:tailEnd type="none" w="med" len="med"/>
+                    </a:lnT>
+                    <a:lnB w="9525" cap="flat" cmpd="sng" algn="ctr">
+                      <a:solidFill>
+                        <a:srgbClr val="DDDDDD"/>
+                      </a:solidFill>
+                      <a:prstDash val="solid"/>
+                      <a:round/>
+                      <a:headEnd type="none" w="med" len="med"/>
+                      <a:tailEnd type="none" w="med" len="med"/>
+                    </a:lnB>
+                    <a:solidFill>
+                      <a:srgbClr val="F0F7FA"/>
+                    </a:solidFill>
+                  </a:tcPr>
+                </a:tc>
+                <a:tc>
+                  <a:txBody>
+                    <a:bodyPr/>
+                    <a:lstStyle/>
+                    <a:p>
+                      <a:r>
+                        <a:rPr lang="en-US">
+                          <a:effectLst/>
+                        </a:rPr>
+                        <a:t>Mean absolute error regression loss</a:t>
+                      </a:r>
+                    </a:p>
+                  </a:txBody>
+                  <a:tcPr anchor="ctr">
+                    <a:lnL>
+                      <a:noFill/>
+                    </a:lnL>
+                    <a:lnR>
+                      <a:noFill/>
+                    </a:lnR>
+                    <a:lnT w="9525" cap="flat" cmpd="sng" algn="ctr">
+                      <a:solidFill>
+                        <a:srgbClr val="DDDDDD"/>
+                      </a:solidFill>
+                      <a:prstDash val="solid"/>
+                      <a:round/>
+                      <a:headEnd type="none" w="med" len="med"/>
+                      <a:tailEnd type="none" w="med" len="med"/>
+                    </a:lnT>
+                    <a:lnB w="9525" cap="flat" cmpd="sng" algn="ctr">
+                      <a:solidFill>
+                        <a:srgbClr val="DDDDDD"/>
+                      </a:solidFill>
+                      <a:prstDash val="solid"/>
+                      <a:round/>
+                      <a:headEnd type="none" w="med" len="med"/>
+                      <a:tailEnd type="none" w="med" len="med"/>
+                    </a:lnB>
+                    <a:solidFill>
+                      <a:srgbClr val="F0F7FA"/>
+                    </a:solidFill>
+                  </a:tcPr>
+                </a:tc>
+                <a:extLst>
+                  <a:ext uri="{0D108BD9-81ED-4DB2-BD59-A6C34878D82A}">
+                    <a16:rowId xmlns:a16="http://schemas.microsoft.com/office/drawing/2014/main" val="1049960280"/>
+                  </a:ext>
+                </a:extLst>
+              </a:tr>
+              <a:tr h="0">
+                <a:tc>
+                  <a:txBody>
+                    <a:bodyPr/>
+                    <a:lstStyle/>
+                    <a:p>
+                      <a:r>
+                        <a:rPr lang="es-ES" u="none" strike="noStrike">
+                          <a:solidFill>
+                            <a:srgbClr val="2878A2"/>
+                          </a:solidFill>
+                          <a:effectLst/>
+                          <a:hlinkClick r:id="rId5" tooltip="sklearn.metrics.mean_squared_error"/>
+                        </a:rPr>
+                        <a:t>metrics.mean_squared_error</a:t>
+                      </a:r>
+                      <a:r>
+                        <a:rPr lang="es-ES">
+                          <a:effectLst/>
+                        </a:rPr>
+                        <a:t>(y_true, y_pred, \*)</a:t>
+                      </a:r>
+                    </a:p>
+                  </a:txBody>
+                  <a:tcPr anchor="ctr">
+                    <a:lnL>
+                      <a:noFill/>
+                    </a:lnL>
+                    <a:lnR>
+                      <a:noFill/>
+                    </a:lnR>
+                    <a:lnT w="9525" cap="flat" cmpd="sng" algn="ctr">
+                      <a:solidFill>
+                        <a:srgbClr val="DDDDDD"/>
+                      </a:solidFill>
+                      <a:prstDash val="solid"/>
+                      <a:round/>
+                      <a:headEnd type="none" w="med" len="med"/>
+                      <a:tailEnd type="none" w="med" len="med"/>
+                    </a:lnT>
+                    <a:lnB w="9525" cap="flat" cmpd="sng" algn="ctr">
+                      <a:solidFill>
+                        <a:srgbClr val="DDDDDD"/>
+                      </a:solidFill>
+                      <a:prstDash val="solid"/>
+                      <a:round/>
+                      <a:headEnd type="none" w="med" len="med"/>
+                      <a:tailEnd type="none" w="med" len="med"/>
+                    </a:lnB>
+                  </a:tcPr>
+                </a:tc>
+                <a:tc>
+                  <a:txBody>
+                    <a:bodyPr/>
+                    <a:lstStyle/>
+                    <a:p>
+                      <a:r>
+                        <a:rPr lang="en-US">
+                          <a:effectLst/>
+                        </a:rPr>
+                        <a:t>Mean squared error regression loss</a:t>
+                      </a:r>
+                    </a:p>
+                  </a:txBody>
+                  <a:tcPr anchor="ctr">
+                    <a:lnL>
+                      <a:noFill/>
+                    </a:lnL>
+                    <a:lnR>
+                      <a:noFill/>
+                    </a:lnR>
+                    <a:lnT w="9525" cap="flat" cmpd="sng" algn="ctr">
+                      <a:solidFill>
+                        <a:srgbClr val="DDDDDD"/>
+                      </a:solidFill>
+                      <a:prstDash val="solid"/>
+                      <a:round/>
+                      <a:headEnd type="none" w="med" len="med"/>
+                      <a:tailEnd type="none" w="med" len="med"/>
+                    </a:lnT>
+                    <a:lnB w="9525" cap="flat" cmpd="sng" algn="ctr">
+                      <a:solidFill>
+                        <a:srgbClr val="DDDDDD"/>
+                      </a:solidFill>
+                      <a:prstDash val="solid"/>
+                      <a:round/>
+                      <a:headEnd type="none" w="med" len="med"/>
+                      <a:tailEnd type="none" w="med" len="med"/>
+                    </a:lnB>
+                  </a:tcPr>
+                </a:tc>
+                <a:extLst>
+                  <a:ext uri="{0D108BD9-81ED-4DB2-BD59-A6C34878D82A}">
+                    <a16:rowId xmlns:a16="http://schemas.microsoft.com/office/drawing/2014/main" val="1071636977"/>
+                  </a:ext>
+                </a:extLst>
+              </a:tr>
+              <a:tr h="0">
+                <a:tc>
+                  <a:txBody>
+                    <a:bodyPr/>
+                    <a:lstStyle/>
+                    <a:p>
+                      <a:r>
+                        <a:rPr lang="en-US" u="none" strike="noStrike">
+                          <a:solidFill>
+                            <a:srgbClr val="2878A2"/>
+                          </a:solidFill>
+                          <a:effectLst/>
+                          <a:hlinkClick r:id="rId6" tooltip="sklearn.metrics.mean_squared_log_error"/>
+                        </a:rPr>
+                        <a:t>metrics.mean_squared_log_error</a:t>
+                      </a:r>
+                      <a:r>
+                        <a:rPr lang="en-US">
+                          <a:effectLst/>
+                        </a:rPr>
+                        <a:t>(y_true, …)</a:t>
+                      </a:r>
+                    </a:p>
+                  </a:txBody>
+                  <a:tcPr anchor="ctr">
+                    <a:lnL>
+                      <a:noFill/>
+                    </a:lnL>
+                    <a:lnR>
+                      <a:noFill/>
+                    </a:lnR>
+                    <a:lnT w="9525" cap="flat" cmpd="sng" algn="ctr">
+                      <a:solidFill>
+                        <a:srgbClr val="DDDDDD"/>
+                      </a:solidFill>
+                      <a:prstDash val="solid"/>
+                      <a:round/>
+                      <a:headEnd type="none" w="med" len="med"/>
+                      <a:tailEnd type="none" w="med" len="med"/>
+                    </a:lnT>
+                    <a:lnB w="9525" cap="flat" cmpd="sng" algn="ctr">
+                      <a:solidFill>
+                        <a:srgbClr val="DDDDDD"/>
+                      </a:solidFill>
+                      <a:prstDash val="solid"/>
+                      <a:round/>
+                      <a:headEnd type="none" w="med" len="med"/>
+                      <a:tailEnd type="none" w="med" len="med"/>
+                    </a:lnB>
+                    <a:solidFill>
+                      <a:srgbClr val="F0F7FA"/>
+                    </a:solidFill>
+                  </a:tcPr>
+                </a:tc>
+                <a:tc>
+                  <a:txBody>
+                    <a:bodyPr/>
+                    <a:lstStyle/>
+                    <a:p>
+                      <a:r>
+                        <a:rPr lang="en-US">
+                          <a:effectLst/>
+                        </a:rPr>
+                        <a:t>Mean squared logarithmic error regression loss</a:t>
+                      </a:r>
+                    </a:p>
+                  </a:txBody>
+                  <a:tcPr anchor="ctr">
+                    <a:lnL>
+                      <a:noFill/>
+                    </a:lnL>
+                    <a:lnR>
+                      <a:noFill/>
+                    </a:lnR>
+                    <a:lnT w="9525" cap="flat" cmpd="sng" algn="ctr">
+                      <a:solidFill>
+                        <a:srgbClr val="DDDDDD"/>
+                      </a:solidFill>
+                      <a:prstDash val="solid"/>
+                      <a:round/>
+                      <a:headEnd type="none" w="med" len="med"/>
+                      <a:tailEnd type="none" w="med" len="med"/>
+                    </a:lnT>
+                    <a:lnB w="9525" cap="flat" cmpd="sng" algn="ctr">
+                      <a:solidFill>
+                        <a:srgbClr val="DDDDDD"/>
+                      </a:solidFill>
+                      <a:prstDash val="solid"/>
+                      <a:round/>
+                      <a:headEnd type="none" w="med" len="med"/>
+                      <a:tailEnd type="none" w="med" len="med"/>
+                    </a:lnB>
+                    <a:solidFill>
+                      <a:srgbClr val="F0F7FA"/>
+                    </a:solidFill>
+                  </a:tcPr>
+                </a:tc>
+                <a:extLst>
+                  <a:ext uri="{0D108BD9-81ED-4DB2-BD59-A6C34878D82A}">
+                    <a16:rowId xmlns:a16="http://schemas.microsoft.com/office/drawing/2014/main" val="2616113701"/>
+                  </a:ext>
+                </a:extLst>
+              </a:tr>
+              <a:tr h="0">
+                <a:tc>
+                  <a:txBody>
+                    <a:bodyPr/>
+                    <a:lstStyle/>
+                    <a:p>
+                      <a:r>
+                        <a:rPr lang="es-ES" u="none" strike="noStrike">
+                          <a:solidFill>
+                            <a:srgbClr val="2878A2"/>
+                          </a:solidFill>
+                          <a:effectLst/>
+                          <a:hlinkClick r:id="rId7" tooltip="sklearn.metrics.median_absolute_error"/>
+                        </a:rPr>
+                        <a:t>metrics.median_absolute_error</a:t>
+                      </a:r>
+                      <a:r>
+                        <a:rPr lang="es-ES">
+                          <a:effectLst/>
+                        </a:rPr>
+                        <a:t>(y_true, y_pred, \*)</a:t>
+                      </a:r>
+                    </a:p>
+                  </a:txBody>
+                  <a:tcPr anchor="ctr">
+                    <a:lnL>
+                      <a:noFill/>
+                    </a:lnL>
+                    <a:lnR>
+                      <a:noFill/>
+                    </a:lnR>
+                    <a:lnT w="9525" cap="flat" cmpd="sng" algn="ctr">
+                      <a:solidFill>
+                        <a:srgbClr val="DDDDDD"/>
+                      </a:solidFill>
+                      <a:prstDash val="solid"/>
+                      <a:round/>
+                      <a:headEnd type="none" w="med" len="med"/>
+                      <a:tailEnd type="none" w="med" len="med"/>
+                    </a:lnT>
+                    <a:lnB w="9525" cap="flat" cmpd="sng" algn="ctr">
+                      <a:solidFill>
+                        <a:srgbClr val="DDDDDD"/>
+                      </a:solidFill>
+                      <a:prstDash val="solid"/>
+                      <a:round/>
+                      <a:headEnd type="none" w="med" len="med"/>
+                      <a:tailEnd type="none" w="med" len="med"/>
+                    </a:lnB>
+                  </a:tcPr>
+                </a:tc>
+                <a:tc>
+                  <a:txBody>
+                    <a:bodyPr/>
+                    <a:lstStyle/>
+                    <a:p>
+                      <a:r>
+                        <a:rPr lang="en-US">
+                          <a:effectLst/>
+                        </a:rPr>
+                        <a:t>Median absolute error regression loss</a:t>
+                      </a:r>
+                    </a:p>
+                  </a:txBody>
+                  <a:tcPr anchor="ctr">
+                    <a:lnL>
+                      <a:noFill/>
+                    </a:lnL>
+                    <a:lnR>
+                      <a:noFill/>
+                    </a:lnR>
+                    <a:lnT w="9525" cap="flat" cmpd="sng" algn="ctr">
+                      <a:solidFill>
+                        <a:srgbClr val="DDDDDD"/>
+                      </a:solidFill>
+                      <a:prstDash val="solid"/>
+                      <a:round/>
+                      <a:headEnd type="none" w="med" len="med"/>
+                      <a:tailEnd type="none" w="med" len="med"/>
+                    </a:lnT>
+                    <a:lnB w="9525" cap="flat" cmpd="sng" algn="ctr">
+                      <a:solidFill>
+                        <a:srgbClr val="DDDDDD"/>
+                      </a:solidFill>
+                      <a:prstDash val="solid"/>
+                      <a:round/>
+                      <a:headEnd type="none" w="med" len="med"/>
+                      <a:tailEnd type="none" w="med" len="med"/>
+                    </a:lnB>
+                  </a:tcPr>
+                </a:tc>
+                <a:extLst>
+                  <a:ext uri="{0D108BD9-81ED-4DB2-BD59-A6C34878D82A}">
+                    <a16:rowId xmlns:a16="http://schemas.microsoft.com/office/drawing/2014/main" val="4118322081"/>
+                  </a:ext>
+                </a:extLst>
+              </a:tr>
+              <a:tr h="0">
+                <a:tc>
+                  <a:txBody>
+                    <a:bodyPr/>
+                    <a:lstStyle/>
+                    <a:p>
+                      <a:r>
+                        <a:rPr lang="es-ES" u="none" strike="noStrike">
+                          <a:solidFill>
+                            <a:srgbClr val="2878A2"/>
+                          </a:solidFill>
+                          <a:effectLst/>
+                          <a:hlinkClick r:id="rId8" tooltip="sklearn.metrics.r2_score"/>
+                        </a:rPr>
+                        <a:t>metrics.r2_score</a:t>
+                      </a:r>
+                      <a:r>
+                        <a:rPr lang="es-ES">
+                          <a:effectLst/>
+                        </a:rPr>
+                        <a:t>(y_true, y_pred, \*[, …])</a:t>
+                      </a:r>
+                    </a:p>
+                  </a:txBody>
+                  <a:tcPr anchor="ctr">
+                    <a:lnL>
+                      <a:noFill/>
+                    </a:lnL>
+                    <a:lnR>
+                      <a:noFill/>
+                    </a:lnR>
+                    <a:lnT w="9525" cap="flat" cmpd="sng" algn="ctr">
+                      <a:solidFill>
+                        <a:srgbClr val="DDDDDD"/>
+                      </a:solidFill>
+                      <a:prstDash val="solid"/>
+                      <a:round/>
+                      <a:headEnd type="none" w="med" len="med"/>
+                      <a:tailEnd type="none" w="med" len="med"/>
+                    </a:lnT>
+                    <a:lnB w="9525" cap="flat" cmpd="sng" algn="ctr">
+                      <a:solidFill>
+                        <a:srgbClr val="DDDDDD"/>
+                      </a:solidFill>
+                      <a:prstDash val="solid"/>
+                      <a:round/>
+                      <a:headEnd type="none" w="med" len="med"/>
+                      <a:tailEnd type="none" w="med" len="med"/>
+                    </a:lnB>
+                    <a:solidFill>
+                      <a:srgbClr val="F0F7FA"/>
+                    </a:solidFill>
+                  </a:tcPr>
+                </a:tc>
+                <a:tc>
+                  <a:txBody>
+                    <a:bodyPr/>
+                    <a:lstStyle/>
+                    <a:p>
+                      <a:r>
+                        <a:rPr lang="en-US">
+                          <a:effectLst/>
+                        </a:rPr>
+                        <a:t>R^2 (coefficient of determination) regression score function.</a:t>
+                      </a:r>
+                    </a:p>
+                  </a:txBody>
+                  <a:tcPr anchor="ctr">
+                    <a:lnL>
+                      <a:noFill/>
+                    </a:lnL>
+                    <a:lnR>
+                      <a:noFill/>
+                    </a:lnR>
+                    <a:lnT w="9525" cap="flat" cmpd="sng" algn="ctr">
+                      <a:solidFill>
+                        <a:srgbClr val="DDDDDD"/>
+                      </a:solidFill>
+                      <a:prstDash val="solid"/>
+                      <a:round/>
+                      <a:headEnd type="none" w="med" len="med"/>
+                      <a:tailEnd type="none" w="med" len="med"/>
+                    </a:lnT>
+                    <a:lnB w="9525" cap="flat" cmpd="sng" algn="ctr">
+                      <a:solidFill>
+                        <a:srgbClr val="DDDDDD"/>
+                      </a:solidFill>
+                      <a:prstDash val="solid"/>
+                      <a:round/>
+                      <a:headEnd type="none" w="med" len="med"/>
+                      <a:tailEnd type="none" w="med" len="med"/>
+                    </a:lnB>
+                    <a:solidFill>
+                      <a:srgbClr val="F0F7FA"/>
+                    </a:solidFill>
+                  </a:tcPr>
+                </a:tc>
+                <a:extLst>
+                  <a:ext uri="{0D108BD9-81ED-4DB2-BD59-A6C34878D82A}">
+                    <a16:rowId xmlns:a16="http://schemas.microsoft.com/office/drawing/2014/main" val="2286569202"/>
+                  </a:ext>
+                </a:extLst>
+              </a:tr>
+              <a:tr h="0">
+                <a:tc>
+                  <a:txBody>
+                    <a:bodyPr/>
+                    <a:lstStyle/>
+                    <a:p>
+                      <a:r>
+                        <a:rPr lang="en-US" u="none" strike="noStrike">
+                          <a:solidFill>
+                            <a:srgbClr val="2878A2"/>
+                          </a:solidFill>
+                          <a:effectLst/>
+                          <a:hlinkClick r:id="rId9" tooltip="sklearn.metrics.mean_poisson_deviance"/>
+                        </a:rPr>
+                        <a:t>metrics.mean_poisson_deviance</a:t>
+                      </a:r>
+                      <a:r>
+                        <a:rPr lang="en-US">
+                          <a:effectLst/>
+                        </a:rPr>
+                        <a:t>(y_true, y_pred, \*)</a:t>
+                      </a:r>
+                    </a:p>
+                  </a:txBody>
+                  <a:tcPr anchor="ctr">
+                    <a:lnL>
+                      <a:noFill/>
+                    </a:lnL>
+                    <a:lnR>
+                      <a:noFill/>
+                    </a:lnR>
+                    <a:lnT w="9525" cap="flat" cmpd="sng" algn="ctr">
+                      <a:solidFill>
+                        <a:srgbClr val="DDDDDD"/>
+                      </a:solidFill>
+                      <a:prstDash val="solid"/>
+                      <a:round/>
+                      <a:headEnd type="none" w="med" len="med"/>
+                      <a:tailEnd type="none" w="med" len="med"/>
+                    </a:lnT>
+                    <a:lnB w="9525" cap="flat" cmpd="sng" algn="ctr">
+                      <a:solidFill>
+                        <a:srgbClr val="DDDDDD"/>
+                      </a:solidFill>
+                      <a:prstDash val="solid"/>
+                      <a:round/>
+                      <a:headEnd type="none" w="med" len="med"/>
+                      <a:tailEnd type="none" w="med" len="med"/>
+                    </a:lnB>
+                  </a:tcPr>
+                </a:tc>
+                <a:tc>
+                  <a:txBody>
+                    <a:bodyPr/>
+                    <a:lstStyle/>
+                    <a:p>
+                      <a:r>
+                        <a:rPr lang="en-US">
+                          <a:effectLst/>
+                        </a:rPr>
+                        <a:t>Mean Poisson deviance regression loss.</a:t>
+                      </a:r>
+                    </a:p>
+                  </a:txBody>
+                  <a:tcPr anchor="ctr">
+                    <a:lnL>
+                      <a:noFill/>
+                    </a:lnL>
+                    <a:lnR>
+                      <a:noFill/>
+                    </a:lnR>
+                    <a:lnT w="9525" cap="flat" cmpd="sng" algn="ctr">
+                      <a:solidFill>
+                        <a:srgbClr val="DDDDDD"/>
+                      </a:solidFill>
+                      <a:prstDash val="solid"/>
+                      <a:round/>
+                      <a:headEnd type="none" w="med" len="med"/>
+                      <a:tailEnd type="none" w="med" len="med"/>
+                    </a:lnT>
+                    <a:lnB w="9525" cap="flat" cmpd="sng" algn="ctr">
+                      <a:solidFill>
+                        <a:srgbClr val="DDDDDD"/>
+                      </a:solidFill>
+                      <a:prstDash val="solid"/>
+                      <a:round/>
+                      <a:headEnd type="none" w="med" len="med"/>
+                      <a:tailEnd type="none" w="med" len="med"/>
+                    </a:lnB>
+                  </a:tcPr>
+                </a:tc>
+                <a:extLst>
+                  <a:ext uri="{0D108BD9-81ED-4DB2-BD59-A6C34878D82A}">
+                    <a16:rowId xmlns:a16="http://schemas.microsoft.com/office/drawing/2014/main" val="3068640960"/>
+                  </a:ext>
+                </a:extLst>
+              </a:tr>
+              <a:tr h="0">
+                <a:tc>
+                  <a:txBody>
+                    <a:bodyPr/>
+                    <a:lstStyle/>
+                    <a:p>
+                      <a:r>
+                        <a:rPr lang="es-ES" u="none" strike="noStrike">
+                          <a:solidFill>
+                            <a:srgbClr val="2878A2"/>
+                          </a:solidFill>
+                          <a:effectLst/>
+                          <a:hlinkClick r:id="rId10" tooltip="sklearn.metrics.mean_gamma_deviance"/>
+                        </a:rPr>
+                        <a:t>metrics.mean_gamma_deviance</a:t>
+                      </a:r>
+                      <a:r>
+                        <a:rPr lang="es-ES">
+                          <a:effectLst/>
+                        </a:rPr>
+                        <a:t>(y_true, y_pred, \*)</a:t>
+                      </a:r>
+                    </a:p>
+                  </a:txBody>
+                  <a:tcPr anchor="ctr">
+                    <a:lnL>
+                      <a:noFill/>
+                    </a:lnL>
+                    <a:lnR>
+                      <a:noFill/>
+                    </a:lnR>
+                    <a:lnT w="9525" cap="flat" cmpd="sng" algn="ctr">
+                      <a:solidFill>
+                        <a:srgbClr val="DDDDDD"/>
+                      </a:solidFill>
+                      <a:prstDash val="solid"/>
+                      <a:round/>
+                      <a:headEnd type="none" w="med" len="med"/>
+                      <a:tailEnd type="none" w="med" len="med"/>
+                    </a:lnT>
+                    <a:lnB w="9525" cap="flat" cmpd="sng" algn="ctr">
+                      <a:solidFill>
+                        <a:srgbClr val="DDDDDD"/>
+                      </a:solidFill>
+                      <a:prstDash val="solid"/>
+                      <a:round/>
+                      <a:headEnd type="none" w="med" len="med"/>
+                      <a:tailEnd type="none" w="med" len="med"/>
+                    </a:lnB>
+                    <a:solidFill>
+                      <a:srgbClr val="F0F7FA"/>
+                    </a:solidFill>
+                  </a:tcPr>
+                </a:tc>
+                <a:tc>
+                  <a:txBody>
+                    <a:bodyPr/>
+                    <a:lstStyle/>
+                    <a:p>
+                      <a:r>
+                        <a:rPr lang="en-US">
+                          <a:effectLst/>
+                        </a:rPr>
+                        <a:t>Mean Gamma deviance regression loss.</a:t>
+                      </a:r>
+                    </a:p>
+                  </a:txBody>
+                  <a:tcPr anchor="ctr">
+                    <a:lnL>
+                      <a:noFill/>
+                    </a:lnL>
+                    <a:lnR>
+                      <a:noFill/>
+                    </a:lnR>
+                    <a:lnT w="9525" cap="flat" cmpd="sng" algn="ctr">
+                      <a:solidFill>
+                        <a:srgbClr val="DDDDDD"/>
+                      </a:solidFill>
+                      <a:prstDash val="solid"/>
+                      <a:round/>
+                      <a:headEnd type="none" w="med" len="med"/>
+                      <a:tailEnd type="none" w="med" len="med"/>
+                    </a:lnT>
+                    <a:lnB w="9525" cap="flat" cmpd="sng" algn="ctr">
+                      <a:solidFill>
+                        <a:srgbClr val="DDDDDD"/>
+                      </a:solidFill>
+                      <a:prstDash val="solid"/>
+                      <a:round/>
+                      <a:headEnd type="none" w="med" len="med"/>
+                      <a:tailEnd type="none" w="med" len="med"/>
+                    </a:lnB>
+                    <a:solidFill>
+                      <a:srgbClr val="F0F7FA"/>
+                    </a:solidFill>
+                  </a:tcPr>
+                </a:tc>
+                <a:extLst>
+                  <a:ext uri="{0D108BD9-81ED-4DB2-BD59-A6C34878D82A}">
+                    <a16:rowId xmlns:a16="http://schemas.microsoft.com/office/drawing/2014/main" val="1835153175"/>
+                  </a:ext>
+                </a:extLst>
+              </a:tr>
+              <a:tr h="0">
+                <a:tc>
+                  <a:txBody>
+                    <a:bodyPr/>
+                    <a:lstStyle/>
+                    <a:p>
+                      <a:r>
+                        <a:rPr lang="es-ES" u="none" strike="noStrike">
+                          <a:solidFill>
+                            <a:srgbClr val="2878A2"/>
+                          </a:solidFill>
+                          <a:effectLst/>
+                          <a:hlinkClick r:id="rId11" tooltip="sklearn.metrics.mean_tweedie_deviance"/>
+                        </a:rPr>
+                        <a:t>metrics.mean_tweedie_deviance</a:t>
+                      </a:r>
+                      <a:r>
+                        <a:rPr lang="es-ES">
+                          <a:effectLst/>
+                        </a:rPr>
+                        <a:t>(y_true, y_pred, \*)</a:t>
+                      </a:r>
+                    </a:p>
+                  </a:txBody>
+                  <a:tcPr anchor="ctr">
+                    <a:lnL>
+                      <a:noFill/>
+                    </a:lnL>
+                    <a:lnR>
+                      <a:noFill/>
+                    </a:lnR>
+                    <a:lnT w="9525" cap="flat" cmpd="sng" algn="ctr">
+                      <a:solidFill>
+                        <a:srgbClr val="DDDDDD"/>
+                      </a:solidFill>
+                      <a:prstDash val="solid"/>
+                      <a:round/>
+                      <a:headEnd type="none" w="med" len="med"/>
+                      <a:tailEnd type="none" w="med" len="med"/>
+                    </a:lnT>
+                    <a:lnB w="9525" cap="flat" cmpd="sng" algn="ctr">
+                      <a:solidFill>
+                        <a:srgbClr val="DDDDDD"/>
+                      </a:solidFill>
+                      <a:prstDash val="solid"/>
+                      <a:round/>
+                      <a:headEnd type="none" w="med" len="med"/>
+                      <a:tailEnd type="none" w="med" len="med"/>
+                    </a:lnB>
+                  </a:tcPr>
+                </a:tc>
+                <a:tc>
+                  <a:txBody>
+                    <a:bodyPr/>
+                    <a:lstStyle/>
+                    <a:p>
+                      <a:r>
+                        <a:rPr lang="en-US" dirty="0">
+                          <a:effectLst/>
+                        </a:rPr>
+                        <a:t>Mean Tweedie deviance regression loss.</a:t>
+                      </a:r>
+                    </a:p>
+                  </a:txBody>
+                  <a:tcPr anchor="ctr">
+                    <a:lnL>
+                      <a:noFill/>
+                    </a:lnL>
+                    <a:lnR>
+                      <a:noFill/>
+                    </a:lnR>
+                    <a:lnT w="9525" cap="flat" cmpd="sng" algn="ctr">
+                      <a:solidFill>
+                        <a:srgbClr val="DDDDDD"/>
+                      </a:solidFill>
+                      <a:prstDash val="solid"/>
+                      <a:round/>
+                      <a:headEnd type="none" w="med" len="med"/>
+                      <a:tailEnd type="none" w="med" len="med"/>
+                    </a:lnT>
+                    <a:lnB w="9525" cap="flat" cmpd="sng" algn="ctr">
+                      <a:solidFill>
+                        <a:srgbClr val="DDDDDD"/>
+                      </a:solidFill>
+                      <a:prstDash val="solid"/>
+                      <a:round/>
+                      <a:headEnd type="none" w="med" len="med"/>
+                      <a:tailEnd type="none" w="med" len="med"/>
+                    </a:lnB>
+                  </a:tcPr>
+                </a:tc>
+                <a:extLst>
+                  <a:ext uri="{0D108BD9-81ED-4DB2-BD59-A6C34878D82A}">
+                    <a16:rowId xmlns:a16="http://schemas.microsoft.com/office/drawing/2014/main" val="1889760423"/>
+                  </a:ext>
+                </a:extLst>
+              </a:tr>
+            </a:tbl>
+          </a:graphicData>
+        </a:graphic>
+      </p:graphicFrame>
+      <p:sp>
+        <p:nvSpPr>
+          <p:cNvPr id="4" name="Rectangle 1">
+            <a:extLst>
+              <a:ext uri="{FF2B5EF4-FFF2-40B4-BE49-F238E27FC236}">
+                <a16:creationId xmlns:a16="http://schemas.microsoft.com/office/drawing/2014/main" id="{383D0770-F72B-4C13-9222-C86D9BE5BE7D}"/>
+              </a:ext>
+            </a:extLst>
+          </p:cNvPr>
+          <p:cNvSpPr>
+            <a:spLocks noChangeArrowheads="1"/>
+          </p:cNvSpPr>
+          <p:nvPr/>
+        </p:nvSpPr>
+        <p:spPr bwMode="auto">
+          <a:xfrm>
+            <a:off x="838200" y="1898650"/>
+            <a:ext cx="12192000" cy="0"/>
+          </a:xfrm>
+          <a:prstGeom prst="rect">
+            <a:avLst/>
+          </a:prstGeom>
+          <a:solidFill>
+            <a:srgbClr val="FFFFFF"/>
+          </a:solidFill>
+          <a:ln>
+            <a:noFill/>
+          </a:ln>
+          <a:effectLst/>
+          <a:extLst>
+            <a:ext uri="{91240B29-F687-4F45-9708-019B960494DF}">
+              <a14:hiddenLine xmlns:a14="http://schemas.microsoft.com/office/drawing/2010/main" w="9525">
+                <a:solidFill>
+                  <a:schemeClr val="tx1"/>
+                </a:solidFill>
+                <a:miter lim="800000"/>
+                <a:headEnd/>
+                <a:tailEnd/>
+              </a14:hiddenLine>
+            </a:ext>
+            <a:ext uri="{AF507438-7753-43E0-B8FC-AC1667EBCBE1}">
+              <a14:hiddenEffects xmlns:a14="http://schemas.microsoft.com/office/drawing/2010/main">
+                <a:effectLst>
+                  <a:outerShdw dist="35921" dir="2700000" algn="ctr" rotWithShape="0">
+                    <a:schemeClr val="bg2"/>
+                  </a:outerShdw>
+                </a:effectLst>
+              </a14:hiddenEffects>
+            </a:ext>
+          </a:extLst>
+        </p:spPr>
+        <p:txBody>
+          <a:bodyPr vert="horz" wrap="none" lIns="91440" tIns="45720" rIns="91440" bIns="45720" numCol="1" anchor="ctr" anchorCtr="0" compatLnSpc="1">
+            <a:prstTxWarp prst="textNoShape">
+              <a:avLst/>
+            </a:prstTxWarp>
+            <a:spAutoFit/>
+          </a:bodyPr>
+          <a:lstStyle>
+            <a:lvl1pPr eaLnBrk="0" fontAlgn="base" hangingPunct="0">
+              <a:spcBef>
+                <a:spcPct val="0"/>
+              </a:spcBef>
+              <a:spcAft>
+                <a:spcPct val="0"/>
+              </a:spcAft>
+              <a:defRPr>
+                <a:solidFill>
+                  <a:schemeClr val="tx1"/>
+                </a:solidFill>
+                <a:latin typeface="Arial" panose="020B0604020202020204" pitchFamily="34" charset="0"/>
+              </a:defRPr>
+            </a:lvl1pPr>
+            <a:lvl2pPr eaLnBrk="0" fontAlgn="base" hangingPunct="0">
+              <a:spcBef>
+                <a:spcPct val="0"/>
+              </a:spcBef>
+              <a:spcAft>
+                <a:spcPct val="0"/>
+              </a:spcAft>
+              <a:defRPr>
+                <a:solidFill>
+                  <a:schemeClr val="tx1"/>
+                </a:solidFill>
+                <a:latin typeface="Arial" panose="020B0604020202020204" pitchFamily="34" charset="0"/>
+              </a:defRPr>
+            </a:lvl2pPr>
+            <a:lvl3pPr eaLnBrk="0" fontAlgn="base" hangingPunct="0">
+              <a:spcBef>
+                <a:spcPct val="0"/>
+              </a:spcBef>
+              <a:spcAft>
+                <a:spcPct val="0"/>
+              </a:spcAft>
+              <a:defRPr>
+                <a:solidFill>
+                  <a:schemeClr val="tx1"/>
+                </a:solidFill>
+                <a:latin typeface="Arial" panose="020B0604020202020204" pitchFamily="34" charset="0"/>
+              </a:defRPr>
+            </a:lvl3pPr>
+            <a:lvl4pPr eaLnBrk="0" fontAlgn="base" hangingPunct="0">
+              <a:spcBef>
+                <a:spcPct val="0"/>
+              </a:spcBef>
+              <a:spcAft>
+                <a:spcPct val="0"/>
+              </a:spcAft>
+              <a:defRPr>
+                <a:solidFill>
+                  <a:schemeClr val="tx1"/>
+                </a:solidFill>
+                <a:latin typeface="Arial" panose="020B0604020202020204" pitchFamily="34" charset="0"/>
+              </a:defRPr>
+            </a:lvl4pPr>
+            <a:lvl5pPr eaLnBrk="0" fontAlgn="base" hangingPunct="0">
+              <a:spcBef>
+                <a:spcPct val="0"/>
+              </a:spcBef>
+              <a:spcAft>
+                <a:spcPct val="0"/>
+              </a:spcAft>
+              <a:defRPr>
+                <a:solidFill>
+                  <a:schemeClr val="tx1"/>
+                </a:solidFill>
+                <a:latin typeface="Arial" panose="020B0604020202020204" pitchFamily="34" charset="0"/>
+              </a:defRPr>
+            </a:lvl5pPr>
+            <a:lvl6pPr eaLnBrk="0" fontAlgn="base" hangingPunct="0">
+              <a:spcBef>
+                <a:spcPct val="0"/>
+              </a:spcBef>
+              <a:spcAft>
+                <a:spcPct val="0"/>
+              </a:spcAft>
+              <a:defRPr>
+                <a:solidFill>
+                  <a:schemeClr val="tx1"/>
+                </a:solidFill>
+                <a:latin typeface="Arial" panose="020B0604020202020204" pitchFamily="34" charset="0"/>
+              </a:defRPr>
+            </a:lvl6pPr>
+            <a:lvl7pPr eaLnBrk="0" fontAlgn="base" hangingPunct="0">
+              <a:spcBef>
+                <a:spcPct val="0"/>
+              </a:spcBef>
+              <a:spcAft>
+                <a:spcPct val="0"/>
+              </a:spcAft>
+              <a:defRPr>
+                <a:solidFill>
+                  <a:schemeClr val="tx1"/>
+                </a:solidFill>
+                <a:latin typeface="Arial" panose="020B0604020202020204" pitchFamily="34" charset="0"/>
+              </a:defRPr>
+            </a:lvl7pPr>
+            <a:lvl8pPr eaLnBrk="0" fontAlgn="base" hangingPunct="0">
+              <a:spcBef>
+                <a:spcPct val="0"/>
+              </a:spcBef>
+              <a:spcAft>
+                <a:spcPct val="0"/>
+              </a:spcAft>
+              <a:defRPr>
+                <a:solidFill>
+                  <a:schemeClr val="tx1"/>
+                </a:solidFill>
+                <a:latin typeface="Arial" panose="020B0604020202020204" pitchFamily="34" charset="0"/>
+              </a:defRPr>
+            </a:lvl8pPr>
+            <a:lvl9pPr eaLnBrk="0" fontAlgn="base" hangingPunct="0">
+              <a:spcBef>
+                <a:spcPct val="0"/>
+              </a:spcBef>
+              <a:spcAft>
+                <a:spcPct val="0"/>
+              </a:spcAft>
+              <a:defRPr>
+                <a:solidFill>
+                  <a:schemeClr val="tx1"/>
+                </a:solidFill>
+                <a:latin typeface="Arial" panose="020B0604020202020204" pitchFamily="34" charset="0"/>
+              </a:defRPr>
+            </a:lvl9pPr>
+          </a:lstStyle>
+          <a:p>
+            <a:pPr marL="0" marR="0" lvl="0" indent="0" algn="l" defTabSz="914400" rtl="0" eaLnBrk="0" fontAlgn="base" latinLnBrk="0" hangingPunct="0">
+              <a:lnSpc>
+                <a:spcPct val="100000"/>
+              </a:lnSpc>
+              <a:spcBef>
+                <a:spcPct val="0"/>
+              </a:spcBef>
+              <a:spcAft>
+                <a:spcPct val="0"/>
+              </a:spcAft>
+              <a:buClrTx/>
+              <a:buSzTx/>
+              <a:buFontTx/>
+              <a:buNone/>
+              <a:tabLst/>
+            </a:pPr>
+            <a:br>
+              <a:rPr kumimoji="0" lang="en-US" altLang="en-US" sz="1200" b="0" i="0" u="none" strike="noStrike" cap="none" normalizeH="0" baseline="0">
+                <a:ln>
+                  <a:noFill/>
+                </a:ln>
+                <a:solidFill>
+                  <a:srgbClr val="212529"/>
+                </a:solidFill>
+                <a:effectLst/>
+                <a:latin typeface="-apple-system"/>
+              </a:rPr>
+            </a:br>
+            <a:endParaRPr kumimoji="0" lang="en-US" altLang="en-US" sz="1100" b="0" i="0" u="none" strike="noStrike" cap="none" normalizeH="0" baseline="0">
+              <a:ln>
+                <a:noFill/>
+              </a:ln>
+              <a:solidFill>
+                <a:schemeClr val="tx1"/>
+              </a:solidFill>
+              <a:effectLst/>
+            </a:endParaRPr>
+          </a:p>
+          <a:p>
+            <a:pPr marL="0" marR="0" lvl="0" indent="0" algn="l" defTabSz="914400" rtl="0" eaLnBrk="0" fontAlgn="base" latinLnBrk="0" hangingPunct="0">
+              <a:lnSpc>
+                <a:spcPct val="100000"/>
+              </a:lnSpc>
+              <a:spcBef>
+                <a:spcPct val="0"/>
+              </a:spcBef>
+              <a:spcAft>
+                <a:spcPct val="0"/>
+              </a:spcAft>
+              <a:buClrTx/>
+              <a:buSzTx/>
+              <a:buFontTx/>
+              <a:buNone/>
+              <a:tabLst/>
+            </a:pPr>
+            <a:br>
+              <a:rPr kumimoji="0" lang="en-US" altLang="en-US" sz="1200" b="0" i="0" u="none" strike="noStrike" cap="none" normalizeH="0" baseline="0">
+                <a:ln>
+                  <a:noFill/>
+                </a:ln>
+                <a:solidFill>
+                  <a:srgbClr val="212529"/>
+                </a:solidFill>
+                <a:effectLst/>
+                <a:latin typeface="-apple-system"/>
+              </a:rPr>
+            </a:br>
+            <a:endParaRPr kumimoji="0" lang="en-US" altLang="en-US" sz="1800" b="0" i="0" u="none" strike="noStrike" cap="none" normalizeH="0" baseline="0">
+              <a:ln>
+                <a:noFill/>
+              </a:ln>
+              <a:solidFill>
+                <a:schemeClr val="tx1"/>
+              </a:solidFill>
+              <a:effectLst/>
+              <a:latin typeface="Arial" panose="020B0604020202020204" pitchFamily="34" charset="0"/>
+            </a:endParaRPr>
+          </a:p>
+        </p:txBody>
+      </p:sp>
+      <p:sp>
+        <p:nvSpPr>
+          <p:cNvPr id="5" name="Rectangle 4">
+            <a:extLst>
+              <a:ext uri="{FF2B5EF4-FFF2-40B4-BE49-F238E27FC236}">
+                <a16:creationId xmlns:a16="http://schemas.microsoft.com/office/drawing/2014/main" id="{5684C6E4-8BC5-415F-AD57-E3B771865492}"/>
+              </a:ext>
+            </a:extLst>
+          </p:cNvPr>
+          <p:cNvSpPr/>
+          <p:nvPr/>
+        </p:nvSpPr>
+        <p:spPr>
+          <a:xfrm>
+            <a:off x="4577750" y="5780240"/>
+            <a:ext cx="7614250" cy="369332"/>
+          </a:xfrm>
+          <a:prstGeom prst="rect">
+            <a:avLst/>
+          </a:prstGeom>
+        </p:spPr>
+        <p:txBody>
+          <a:bodyPr wrap="square">
+            <a:spAutoFit/>
+          </a:bodyPr>
+          <a:lstStyle/>
+          <a:p>
+            <a:r>
+              <a:rPr lang="en-US" dirty="0">
+                <a:hlinkClick r:id="rId12"/>
+              </a:rPr>
+              <a:t>https://scikit-learn.org/stable/modules/classes.html#module-sklearn.metrics</a:t>
+            </a:r>
+            <a:endParaRPr lang="en-US" dirty="0"/>
+          </a:p>
+        </p:txBody>
+      </p:sp>
+      <p:sp>
+        <p:nvSpPr>
+          <p:cNvPr id="6" name="Rectangle 5">
+            <a:extLst>
+              <a:ext uri="{FF2B5EF4-FFF2-40B4-BE49-F238E27FC236}">
+                <a16:creationId xmlns:a16="http://schemas.microsoft.com/office/drawing/2014/main" id="{F0E94502-0D00-43CB-95E3-C989C9BE019E}"/>
+              </a:ext>
+            </a:extLst>
+          </p:cNvPr>
+          <p:cNvSpPr/>
+          <p:nvPr/>
+        </p:nvSpPr>
+        <p:spPr>
+          <a:xfrm>
+            <a:off x="3669102" y="6439995"/>
+            <a:ext cx="8338868" cy="369332"/>
+          </a:xfrm>
+          <a:prstGeom prst="rect">
+            <a:avLst/>
+          </a:prstGeom>
+        </p:spPr>
+        <p:txBody>
+          <a:bodyPr wrap="square">
+            <a:spAutoFit/>
+          </a:bodyPr>
+          <a:lstStyle/>
+          <a:p>
+            <a:r>
+              <a:rPr lang="en-US">
+                <a:hlinkClick r:id="rId13"/>
+              </a:rPr>
+              <a:t>https://www.dataquest.io/blog/understanding-regression-error-metrics/</a:t>
+            </a:r>
+            <a:endParaRPr lang="en-US" dirty="0"/>
+          </a:p>
+        </p:txBody>
+      </p:sp>
+    </p:spTree>
+    <p:extLst>
+      <p:ext uri="{BB962C8B-B14F-4D97-AF65-F5344CB8AC3E}">
+        <p14:creationId xmlns:p14="http://schemas.microsoft.com/office/powerpoint/2010/main" val="2181954159"/>
+      </p:ext>
+    </p:extLst>
+  </p:cSld>
+  <p:clrMapOvr>
+    <a:masterClrMapping/>
+  </p:clrMapOvr>
+</p:sld>
+</file>
+
+<file path=ppt/slides/slide23.xml><?xml version="1.0" encoding="utf-8"?>
+<p:sld xmlns:a="http://schemas.openxmlformats.org/drawingml/2006/main" xmlns:r="http://schemas.openxmlformats.org/officeDocument/2006/relationships" xmlns:p="http://schemas.openxmlformats.org/presentationml/2006/main">
+  <p:cSld>
+    <p:spTree>
+      <p:nvGrpSpPr>
+        <p:cNvPr id="1" name=""/>
+        <p:cNvGrpSpPr/>
+        <p:nvPr/>
+      </p:nvGrpSpPr>
+      <p:grpSpPr>
+        <a:xfrm>
+          <a:off x="0" y="0"/>
+          <a:ext cx="0" cy="0"/>
+          <a:chOff x="0" y="0"/>
+          <a:chExt cx="0" cy="0"/>
+        </a:xfrm>
+      </p:grpSpPr>
+      <p:pic>
+        <p:nvPicPr>
+          <p:cNvPr id="2050" name="Picture 2" descr="MSE">
+            <a:extLst>
+              <a:ext uri="{FF2B5EF4-FFF2-40B4-BE49-F238E27FC236}">
+                <a16:creationId xmlns:a16="http://schemas.microsoft.com/office/drawing/2014/main" id="{1F73CA97-FF91-4A54-A6CF-D8107872CCFE}"/>
+              </a:ext>
+            </a:extLst>
+          </p:cNvPr>
+          <p:cNvPicPr>
+            <a:picLocks noChangeAspect="1" noChangeArrowheads="1"/>
+          </p:cNvPicPr>
+          <p:nvPr/>
+        </p:nvPicPr>
+        <p:blipFill>
+          <a:blip r:embed="rId2">
+            <a:extLst>
+              <a:ext uri="{28A0092B-C50C-407E-A947-70E740481C1C}">
+                <a14:useLocalDpi xmlns:a14="http://schemas.microsoft.com/office/drawing/2010/main" val="0"/>
+              </a:ext>
+            </a:extLst>
+          </a:blip>
+          <a:srcRect/>
+          <a:stretch>
+            <a:fillRect/>
+          </a:stretch>
+        </p:blipFill>
+        <p:spPr bwMode="auto">
+          <a:xfrm>
+            <a:off x="168223" y="44227"/>
+            <a:ext cx="4876800" cy="3657600"/>
+          </a:xfrm>
+          <a:prstGeom prst="rect">
+            <a:avLst/>
+          </a:prstGeom>
+          <a:noFill/>
+          <a:extLst>
+            <a:ext uri="{909E8E84-426E-40DD-AFC4-6F175D3DCCD1}">
+              <a14:hiddenFill xmlns:a14="http://schemas.microsoft.com/office/drawing/2010/main">
+                <a:solidFill>
+                  <a:srgbClr val="FFFFFF"/>
+                </a:solidFill>
+              </a14:hiddenFill>
+            </a:ext>
+          </a:extLst>
+        </p:spPr>
+      </p:pic>
+      <p:pic>
+        <p:nvPicPr>
+          <p:cNvPr id="2052" name="Picture 4" descr="MAE">
+            <a:extLst>
+              <a:ext uri="{FF2B5EF4-FFF2-40B4-BE49-F238E27FC236}">
+                <a16:creationId xmlns:a16="http://schemas.microsoft.com/office/drawing/2014/main" id="{0C79EA57-BD9D-41C3-BD07-7983EB5CB062}"/>
+              </a:ext>
+            </a:extLst>
+          </p:cNvPr>
+          <p:cNvPicPr>
+            <a:picLocks noChangeAspect="1" noChangeArrowheads="1"/>
+          </p:cNvPicPr>
+          <p:nvPr/>
+        </p:nvPicPr>
+        <p:blipFill>
+          <a:blip r:embed="rId3">
+            <a:extLst>
+              <a:ext uri="{28A0092B-C50C-407E-A947-70E740481C1C}">
+                <a14:useLocalDpi xmlns:a14="http://schemas.microsoft.com/office/drawing/2010/main" val="0"/>
+              </a:ext>
+            </a:extLst>
+          </a:blip>
+          <a:srcRect/>
+          <a:stretch>
+            <a:fillRect/>
+          </a:stretch>
+        </p:blipFill>
+        <p:spPr bwMode="auto">
+          <a:xfrm>
+            <a:off x="5045023" y="35601"/>
+            <a:ext cx="4876800" cy="3657600"/>
+          </a:xfrm>
+          <a:prstGeom prst="rect">
+            <a:avLst/>
+          </a:prstGeom>
+          <a:noFill/>
+          <a:extLst>
+            <a:ext uri="{909E8E84-426E-40DD-AFC4-6F175D3DCCD1}">
+              <a14:hiddenFill xmlns:a14="http://schemas.microsoft.com/office/drawing/2010/main">
+                <a:solidFill>
+                  <a:srgbClr val="FFFFFF"/>
+                </a:solidFill>
+              </a14:hiddenFill>
+            </a:ext>
+          </a:extLst>
+        </p:spPr>
+      </p:pic>
+      <p:sp>
+        <p:nvSpPr>
+          <p:cNvPr id="2" name="Title 1">
+            <a:extLst>
+              <a:ext uri="{FF2B5EF4-FFF2-40B4-BE49-F238E27FC236}">
+                <a16:creationId xmlns:a16="http://schemas.microsoft.com/office/drawing/2014/main" id="{2BDA0E94-EE87-46A5-8A4C-A4AC665B72D6}"/>
+              </a:ext>
+            </a:extLst>
+          </p:cNvPr>
+          <p:cNvSpPr>
+            <a:spLocks noGrp="1"/>
+          </p:cNvSpPr>
+          <p:nvPr>
+            <p:ph type="title"/>
+          </p:nvPr>
+        </p:nvSpPr>
+        <p:spPr>
+          <a:xfrm>
+            <a:off x="-109985" y="44227"/>
+            <a:ext cx="9375475" cy="902958"/>
+          </a:xfrm>
+        </p:spPr>
+        <p:txBody>
+          <a:bodyPr/>
+          <a:lstStyle/>
+          <a:p>
+            <a:r>
+              <a:rPr lang="en-US" dirty="0"/>
+              <a:t>Evaluation metrics for regression</a:t>
+            </a:r>
+          </a:p>
+        </p:txBody>
+      </p:sp>
+      <p:pic>
+        <p:nvPicPr>
+          <p:cNvPr id="2054" name="Picture 6" descr="MAPE">
+            <a:extLst>
+              <a:ext uri="{FF2B5EF4-FFF2-40B4-BE49-F238E27FC236}">
+                <a16:creationId xmlns:a16="http://schemas.microsoft.com/office/drawing/2014/main" id="{B2A36120-901B-4625-A392-FDE2F6319653}"/>
+              </a:ext>
+            </a:extLst>
+          </p:cNvPr>
+          <p:cNvPicPr>
+            <a:picLocks noChangeAspect="1" noChangeArrowheads="1"/>
+          </p:cNvPicPr>
+          <p:nvPr/>
+        </p:nvPicPr>
+        <p:blipFill>
+          <a:blip r:embed="rId4">
+            <a:extLst>
+              <a:ext uri="{28A0092B-C50C-407E-A947-70E740481C1C}">
+                <a14:useLocalDpi xmlns:a14="http://schemas.microsoft.com/office/drawing/2010/main" val="0"/>
+              </a:ext>
+            </a:extLst>
+          </a:blip>
+          <a:srcRect/>
+          <a:stretch>
+            <a:fillRect/>
+          </a:stretch>
+        </p:blipFill>
+        <p:spPr bwMode="auto">
+          <a:xfrm>
+            <a:off x="5323231" y="3237409"/>
+            <a:ext cx="5352716" cy="3657600"/>
+          </a:xfrm>
+          <a:prstGeom prst="rect">
+            <a:avLst/>
+          </a:prstGeom>
+          <a:noFill/>
+          <a:extLst>
+            <a:ext uri="{909E8E84-426E-40DD-AFC4-6F175D3DCCD1}">
+              <a14:hiddenFill xmlns:a14="http://schemas.microsoft.com/office/drawing/2010/main">
+                <a:solidFill>
+                  <a:srgbClr val="FFFFFF"/>
+                </a:solidFill>
+              </a14:hiddenFill>
+            </a:ext>
+          </a:extLst>
+        </p:spPr>
+      </p:pic>
+      <p:pic>
+        <p:nvPicPr>
+          <p:cNvPr id="2056" name="Picture 8" descr="MPE">
+            <a:extLst>
+              <a:ext uri="{FF2B5EF4-FFF2-40B4-BE49-F238E27FC236}">
+                <a16:creationId xmlns:a16="http://schemas.microsoft.com/office/drawing/2014/main" id="{7091A2A7-E79A-4C6C-BAB2-675B31925EBB}"/>
+              </a:ext>
+            </a:extLst>
+          </p:cNvPr>
+          <p:cNvPicPr>
+            <a:picLocks noChangeAspect="1" noChangeArrowheads="1"/>
+          </p:cNvPicPr>
+          <p:nvPr/>
+        </p:nvPicPr>
+        <p:blipFill>
+          <a:blip r:embed="rId5">
+            <a:extLst>
+              <a:ext uri="{28A0092B-C50C-407E-A947-70E740481C1C}">
+                <a14:useLocalDpi xmlns:a14="http://schemas.microsoft.com/office/drawing/2010/main" val="0"/>
+              </a:ext>
+            </a:extLst>
+          </a:blip>
+          <a:srcRect/>
+          <a:stretch>
+            <a:fillRect/>
+          </a:stretch>
+        </p:blipFill>
+        <p:spPr bwMode="auto">
+          <a:xfrm>
+            <a:off x="307327" y="3009513"/>
+            <a:ext cx="4876800" cy="3657600"/>
+          </a:xfrm>
+          <a:prstGeom prst="rect">
+            <a:avLst/>
+          </a:prstGeom>
+          <a:noFill/>
+          <a:extLst>
+            <a:ext uri="{909E8E84-426E-40DD-AFC4-6F175D3DCCD1}">
+              <a14:hiddenFill xmlns:a14="http://schemas.microsoft.com/office/drawing/2010/main">
+                <a:solidFill>
+                  <a:srgbClr val="FFFFFF"/>
+                </a:solidFill>
+              </a14:hiddenFill>
+            </a:ext>
+          </a:extLst>
+        </p:spPr>
+      </p:pic>
+      <p:sp>
+        <p:nvSpPr>
+          <p:cNvPr id="7" name="Rectangle 6">
+            <a:extLst>
+              <a:ext uri="{FF2B5EF4-FFF2-40B4-BE49-F238E27FC236}">
+                <a16:creationId xmlns:a16="http://schemas.microsoft.com/office/drawing/2014/main" id="{6C3517F7-D058-42BD-8A5E-E7077928D945}"/>
+              </a:ext>
+            </a:extLst>
+          </p:cNvPr>
+          <p:cNvSpPr/>
+          <p:nvPr/>
+        </p:nvSpPr>
+        <p:spPr>
+          <a:xfrm>
+            <a:off x="0" y="6407723"/>
+            <a:ext cx="7263442" cy="369332"/>
+          </a:xfrm>
+          <a:prstGeom prst="rect">
+            <a:avLst/>
+          </a:prstGeom>
+        </p:spPr>
+        <p:txBody>
+          <a:bodyPr wrap="square">
+            <a:spAutoFit/>
+          </a:bodyPr>
+          <a:lstStyle/>
+          <a:p>
+            <a:r>
+              <a:rPr lang="en-US" dirty="0">
+                <a:hlinkClick r:id="rId6"/>
+              </a:rPr>
+              <a:t>https://www.dataquest.io/blog/understanding-regression-error-metrics/</a:t>
+            </a:r>
+            <a:endParaRPr lang="en-US" dirty="0"/>
+          </a:p>
+        </p:txBody>
+      </p:sp>
+    </p:spTree>
+    <p:extLst>
+      <p:ext uri="{BB962C8B-B14F-4D97-AF65-F5344CB8AC3E}">
+        <p14:creationId xmlns:p14="http://schemas.microsoft.com/office/powerpoint/2010/main" val="3189218275"/>
+      </p:ext>
+    </p:extLst>
+  </p:cSld>
+  <p:clrMapOvr>
+    <a:masterClrMapping/>
+  </p:clrMapOvr>
+</p:sld>
+</file>
+
+<file path=ppt/slides/slide24.xml><?xml version="1.0" encoding="utf-8"?>
+<p:sld xmlns:a="http://schemas.openxmlformats.org/drawingml/2006/main" xmlns:r="http://schemas.openxmlformats.org/officeDocument/2006/relationships" xmlns:p="http://schemas.openxmlformats.org/presentationml/2006/main">
+  <p:cSld>
+    <p:spTree>
+      <p:nvGrpSpPr>
+        <p:cNvPr id="1" name=""/>
+        <p:cNvGrpSpPr/>
+        <p:nvPr/>
+      </p:nvGrpSpPr>
+      <p:grpSpPr>
+        <a:xfrm>
+          <a:off x="0" y="0"/>
+          <a:ext cx="0" cy="0"/>
+          <a:chOff x="0" y="0"/>
+          <a:chExt cx="0" cy="0"/>
+        </a:xfrm>
+      </p:grpSpPr>
+      <p:sp>
+        <p:nvSpPr>
+          <p:cNvPr id="2" name="Title 1">
+            <a:extLst>
+              <a:ext uri="{FF2B5EF4-FFF2-40B4-BE49-F238E27FC236}">
+                <a16:creationId xmlns:a16="http://schemas.microsoft.com/office/drawing/2014/main" id="{ED1524A3-02E6-4274-9302-DFA615D6E5E7}"/>
+              </a:ext>
+            </a:extLst>
+          </p:cNvPr>
+          <p:cNvSpPr>
+            <a:spLocks noGrp="1"/>
+          </p:cNvSpPr>
+          <p:nvPr>
+            <p:ph type="title"/>
+          </p:nvPr>
+        </p:nvSpPr>
+        <p:spPr/>
+        <p:txBody>
+          <a:bodyPr/>
+          <a:lstStyle/>
+          <a:p>
+            <a:r>
+              <a:rPr lang="en-US" dirty="0"/>
+              <a:t>Multiple linear Regression</a:t>
+            </a:r>
+          </a:p>
+        </p:txBody>
+      </p:sp>
+      <p:pic>
+        <p:nvPicPr>
+          <p:cNvPr id="3" name="Picture 2">
+            <a:extLst>
+              <a:ext uri="{FF2B5EF4-FFF2-40B4-BE49-F238E27FC236}">
+                <a16:creationId xmlns:a16="http://schemas.microsoft.com/office/drawing/2014/main" id="{C0EF80A2-01C9-47C2-A4DA-096A361A7143}"/>
+              </a:ext>
+            </a:extLst>
+          </p:cNvPr>
+          <p:cNvPicPr>
+            <a:picLocks noChangeAspect="1"/>
+          </p:cNvPicPr>
+          <p:nvPr/>
+        </p:nvPicPr>
+        <p:blipFill>
+          <a:blip r:embed="rId2"/>
+          <a:stretch>
+            <a:fillRect/>
+          </a:stretch>
+        </p:blipFill>
+        <p:spPr>
+          <a:xfrm>
+            <a:off x="3164897" y="1690688"/>
+            <a:ext cx="4309450" cy="4399984"/>
+          </a:xfrm>
+          <a:prstGeom prst="rect">
+            <a:avLst/>
+          </a:prstGeom>
+        </p:spPr>
+      </p:pic>
+      <p:sp>
+        <p:nvSpPr>
+          <p:cNvPr id="4" name="TextBox 3">
+            <a:extLst>
+              <a:ext uri="{FF2B5EF4-FFF2-40B4-BE49-F238E27FC236}">
+                <a16:creationId xmlns:a16="http://schemas.microsoft.com/office/drawing/2014/main" id="{F473E5EC-3C74-4DC8-B206-4077D1C88A5C}"/>
+              </a:ext>
+            </a:extLst>
+          </p:cNvPr>
+          <p:cNvSpPr txBox="1"/>
+          <p:nvPr/>
+        </p:nvSpPr>
+        <p:spPr>
+          <a:xfrm>
+            <a:off x="8707935" y="6411318"/>
+            <a:ext cx="3484065" cy="369332"/>
+          </a:xfrm>
+          <a:prstGeom prst="rect">
+            <a:avLst/>
+          </a:prstGeom>
+          <a:noFill/>
+        </p:spPr>
+        <p:txBody>
+          <a:bodyPr wrap="square" rtlCol="0">
+            <a:spAutoFit/>
+          </a:bodyPr>
+          <a:lstStyle/>
+          <a:p>
+            <a:r>
+              <a:rPr lang="en-US" dirty="0"/>
+              <a:t>Page 73, Gareth &amp; Hastie, 2014.</a:t>
+            </a:r>
+          </a:p>
+        </p:txBody>
+      </p:sp>
+    </p:spTree>
+    <p:extLst>
+      <p:ext uri="{BB962C8B-B14F-4D97-AF65-F5344CB8AC3E}">
+        <p14:creationId xmlns:p14="http://schemas.microsoft.com/office/powerpoint/2010/main" val="1334089637"/>
       </p:ext>
     </p:extLst>
   </p:cSld>
@@ -29074,8 +31182,8 @@
           </p:sp>
         </mc:Fallback>
       </mc:AlternateContent>
-      <mc:AlternateContent xmlns:mc="http://schemas.openxmlformats.org/markup-compatibility/2006" xmlns:a14="http://schemas.microsoft.com/office/drawing/2010/main">
-        <mc:Choice Requires="a14">
+      <mc:AlternateContent xmlns:mc="http://schemas.openxmlformats.org/markup-compatibility/2006">
+        <mc:Choice xmlns:a14="http://schemas.microsoft.com/office/drawing/2010/main" Requires="a14">
           <p:sp>
             <p:nvSpPr>
               <p:cNvPr id="39" name="Rectangle 38">
@@ -29090,8 +31198,8 @@
             </p:nvSpPr>
             <p:spPr>
               <a:xfrm>
-                <a:off x="8707935" y="4699653"/>
-                <a:ext cx="2658292" cy="1100879"/>
+                <a:off x="8826670" y="4623154"/>
+                <a:ext cx="3485634" cy="1100558"/>
               </a:xfrm>
               <a:prstGeom prst="rect">
                 <a:avLst/>
@@ -29127,6 +31235,24 @@
                           <a:latin typeface="Cambria Math" panose="02040503050406030204" pitchFamily="18" charset="0"/>
                         </a:rPr>
                         <m:t>≔</m:t>
+                      </m:r>
+                      <m:r>
+                        <a:rPr lang="en-US" sz="2400" b="0" i="1" smtClean="0">
+                          <a:solidFill>
+                            <a:srgbClr val="FF0000"/>
+                          </a:solidFill>
+                          <a:latin typeface="Cambria Math" panose="02040503050406030204" pitchFamily="18" charset="0"/>
+                        </a:rPr>
+                        <m:t>𝑅𝑆𝑆</m:t>
+                      </m:r>
+                      <m:r>
+                        <a:rPr lang="en-US" sz="2400" b="0" i="1" smtClean="0">
+                          <a:solidFill>
+                            <a:srgbClr val="FF0000"/>
+                          </a:solidFill>
+                          <a:latin typeface="Cambria Math" panose="02040503050406030204" pitchFamily="18" charset="0"/>
+                        </a:rPr>
+                        <m:t>=</m:t>
                       </m:r>
                       <m:nary>
                         <m:naryPr>
@@ -29313,7 +31439,7 @@
             </p:txBody>
           </p:sp>
         </mc:Choice>
-        <mc:Fallback xmlns="">
+        <mc:Fallback>
           <p:sp>
             <p:nvSpPr>
               <p:cNvPr id="39" name="Rectangle 38">
@@ -29330,8 +31456,8 @@
             </p:nvSpPr>
             <p:spPr>
               <a:xfrm>
-                <a:off x="8707935" y="4699653"/>
-                <a:ext cx="2658292" cy="1100879"/>
+                <a:off x="8826670" y="4623154"/>
+                <a:ext cx="3485634" cy="1100558"/>
               </a:xfrm>
               <a:prstGeom prst="rect">
                 <a:avLst/>
@@ -29372,7 +31498,7 @@
         </p:nvSpPr>
         <p:spPr>
           <a:xfrm>
-            <a:off x="7870309" y="4308044"/>
+            <a:off x="7831120" y="3892545"/>
             <a:ext cx="2116053" cy="461665"/>
           </a:xfrm>
           <a:prstGeom prst="rect">
@@ -29816,8 +31942,8 @@
           </p:sp>
         </mc:Fallback>
       </mc:AlternateContent>
-      <mc:AlternateContent xmlns:mc="http://schemas.openxmlformats.org/markup-compatibility/2006" xmlns:a14="http://schemas.microsoft.com/office/drawing/2010/main">
-        <mc:Choice Requires="a14">
+      <mc:AlternateContent xmlns:mc="http://schemas.openxmlformats.org/markup-compatibility/2006">
+        <mc:Choice xmlns:a14="http://schemas.microsoft.com/office/drawing/2010/main" Requires="a14">
           <p:sp>
             <p:nvSpPr>
               <p:cNvPr id="22" name="TextBox 21">
@@ -29832,7 +31958,7 @@
             </p:nvSpPr>
             <p:spPr>
               <a:xfrm>
-                <a:off x="6093206" y="3931211"/>
+                <a:off x="1327901" y="3677400"/>
                 <a:ext cx="871392" cy="369332"/>
               </a:xfrm>
               <a:prstGeom prst="rect">
@@ -29880,7 +32006,7 @@
             </p:txBody>
           </p:sp>
         </mc:Choice>
-        <mc:Fallback xmlns="">
+        <mc:Fallback>
           <p:sp>
             <p:nvSpPr>
               <p:cNvPr id="22" name="TextBox 21">
@@ -29897,7 +32023,7 @@
             </p:nvSpPr>
             <p:spPr>
               <a:xfrm>
-                <a:off x="6093206" y="3931211"/>
+                <a:off x="1327901" y="3677400"/>
                 <a:ext cx="871392" cy="369332"/>
               </a:xfrm>
               <a:prstGeom prst="rect">
@@ -29906,7 +32032,7 @@
               <a:blipFill>
                 <a:blip r:embed="rId9"/>
                 <a:stretch>
-                  <a:fillRect l="-12676" t="-26667" r="-20423" b="-50000"/>
+                  <a:fillRect l="-12587" t="-24590" r="-19580" b="-49180"/>
                 </a:stretch>
               </a:blipFill>
             </p:spPr>
@@ -29925,6 +32051,76 @@
           </p:sp>
         </mc:Fallback>
       </mc:AlternateContent>
+      <p:sp>
+        <p:nvSpPr>
+          <p:cNvPr id="3" name="TextBox 2">
+            <a:extLst>
+              <a:ext uri="{FF2B5EF4-FFF2-40B4-BE49-F238E27FC236}">
+                <a16:creationId xmlns:a16="http://schemas.microsoft.com/office/drawing/2014/main" id="{D10E18B7-746B-4AF5-89CB-ACD447E4EF46}"/>
+              </a:ext>
+            </a:extLst>
+          </p:cNvPr>
+          <p:cNvSpPr txBox="1"/>
+          <p:nvPr/>
+        </p:nvSpPr>
+        <p:spPr>
+          <a:xfrm>
+            <a:off x="6717526" y="4852064"/>
+            <a:ext cx="2159212" cy="830997"/>
+          </a:xfrm>
+          <a:prstGeom prst="rect">
+            <a:avLst/>
+          </a:prstGeom>
+          <a:noFill/>
+        </p:spPr>
+        <p:txBody>
+          <a:bodyPr wrap="square" rtlCol="0">
+            <a:spAutoFit/>
+          </a:bodyPr>
+          <a:lstStyle/>
+          <a:p>
+            <a:r>
+              <a:rPr lang="en-US" sz="2400" dirty="0"/>
+              <a:t>Residual sum  of squares (RSS)</a:t>
+            </a:r>
+          </a:p>
+        </p:txBody>
+      </p:sp>
+      <p:sp>
+        <p:nvSpPr>
+          <p:cNvPr id="4" name="TextBox 3">
+            <a:extLst>
+              <a:ext uri="{FF2B5EF4-FFF2-40B4-BE49-F238E27FC236}">
+                <a16:creationId xmlns:a16="http://schemas.microsoft.com/office/drawing/2014/main" id="{53BEB6E0-499C-4C9D-B8C9-992F526E4A3E}"/>
+              </a:ext>
+            </a:extLst>
+          </p:cNvPr>
+          <p:cNvSpPr txBox="1"/>
+          <p:nvPr/>
+        </p:nvSpPr>
+        <p:spPr>
+          <a:xfrm>
+            <a:off x="8707935" y="6411318"/>
+            <a:ext cx="3484065" cy="369332"/>
+          </a:xfrm>
+          <a:prstGeom prst="rect">
+            <a:avLst/>
+          </a:prstGeom>
+          <a:noFill/>
+        </p:spPr>
+        <p:txBody>
+          <a:bodyPr wrap="square" rtlCol="0">
+            <a:spAutoFit/>
+          </a:bodyPr>
+          <a:lstStyle/>
+          <a:p>
+            <a:r>
+              <a:rPr lang="en-US" dirty="0"/>
+              <a:t>Page 62, Gareth &amp; Hastie, 2014.</a:t>
+            </a:r>
+          </a:p>
+        </p:txBody>
+      </p:sp>
     </p:spTree>
     <p:extLst>
       <p:ext uri="{BB962C8B-B14F-4D97-AF65-F5344CB8AC3E}">

--- a/slides/02_ML_Linear_modelsA.pptx
+++ b/slides/02_ML_Linear_modelsA.pptx
@@ -5,10 +5,10 @@
     <p:sldMasterId id="2147483673" r:id="rId1"/>
   </p:sldMasterIdLst>
   <p:notesMasterIdLst>
-    <p:notesMasterId r:id="rId26"/>
+    <p:notesMasterId r:id="rId28"/>
   </p:notesMasterIdLst>
   <p:handoutMasterIdLst>
-    <p:handoutMasterId r:id="rId27"/>
+    <p:handoutMasterId r:id="rId29"/>
   </p:handoutMasterIdLst>
   <p:sldIdLst>
     <p:sldId id="365" r:id="rId2"/>
@@ -32,9 +32,11 @@
     <p:sldId id="411" r:id="rId20"/>
     <p:sldId id="410" r:id="rId21"/>
     <p:sldId id="385" r:id="rId22"/>
-    <p:sldId id="416" r:id="rId23"/>
-    <p:sldId id="417" r:id="rId24"/>
-    <p:sldId id="415" r:id="rId25"/>
+    <p:sldId id="418" r:id="rId23"/>
+    <p:sldId id="416" r:id="rId24"/>
+    <p:sldId id="417" r:id="rId25"/>
+    <p:sldId id="419" r:id="rId26"/>
+    <p:sldId id="415" r:id="rId27"/>
   </p:sldIdLst>
   <p:sldSz cx="12192000" cy="6858000"/>
   <p:notesSz cx="9144000" cy="6858000"/>
@@ -235,7 +237,7 @@
           <a:p>
             <a:fld id="{83A43D8E-262F-43F1-B0CF-97ED6AAA9912}" type="datetimeFigureOut">
               <a:rPr lang="en-US" smtClean="0"/>
-              <a:t>6/7/2020</a:t>
+              <a:t>8/25/2020</a:t>
             </a:fld>
             <a:endParaRPr lang="en-US"/>
           </a:p>
@@ -412,7 +414,7 @@
           <a:p>
             <a:fld id="{03B42920-386F-4187-8314-27C56E157030}" type="datetimeFigureOut">
               <a:rPr lang="en-US" smtClean="0"/>
-              <a:t>6/7/2020</a:t>
+              <a:t>8/25/2020</a:t>
             </a:fld>
             <a:endParaRPr lang="en-US"/>
           </a:p>
@@ -2481,6 +2483,166 @@
 </p:notes>
 </file>
 
+<file path=ppt/notesSlides/notesSlide18.xml><?xml version="1.0" encoding="utf-8"?>
+<p:notes xmlns:a="http://schemas.openxmlformats.org/drawingml/2006/main" xmlns:r="http://schemas.openxmlformats.org/officeDocument/2006/relationships" xmlns:p="http://schemas.openxmlformats.org/presentationml/2006/main">
+  <p:cSld>
+    <p:spTree>
+      <p:nvGrpSpPr>
+        <p:cNvPr id="1" name=""/>
+        <p:cNvGrpSpPr/>
+        <p:nvPr/>
+      </p:nvGrpSpPr>
+      <p:grpSpPr>
+        <a:xfrm>
+          <a:off x="0" y="0"/>
+          <a:ext cx="0" cy="0"/>
+          <a:chOff x="0" y="0"/>
+          <a:chExt cx="0" cy="0"/>
+        </a:xfrm>
+      </p:grpSpPr>
+      <p:sp>
+        <p:nvSpPr>
+          <p:cNvPr id="2" name="Slide Image Placeholder 1"/>
+          <p:cNvSpPr>
+            <a:spLocks noGrp="1" noRot="1" noChangeAspect="1"/>
+          </p:cNvSpPr>
+          <p:nvPr>
+            <p:ph type="sldImg"/>
+          </p:nvPr>
+        </p:nvSpPr>
+        <p:spPr/>
+      </p:sp>
+      <mc:AlternateContent xmlns:mc="http://schemas.openxmlformats.org/markup-compatibility/2006" xmlns:a14="http://schemas.microsoft.com/office/drawing/2010/main">
+        <mc:Choice Requires="a14">
+          <p:sp>
+            <p:nvSpPr>
+              <p:cNvPr id="3" name="Notes Placeholder 2"/>
+              <p:cNvSpPr>
+                <a:spLocks noGrp="1"/>
+              </p:cNvSpPr>
+              <p:nvPr>
+                <p:ph type="body" idx="1"/>
+              </p:nvPr>
+            </p:nvSpPr>
+            <p:spPr/>
+            <p:txBody>
+              <a:bodyPr/>
+              <a:lstStyle/>
+              <a:p>
+                <a:r>
+                  <a:rPr lang="en-US" dirty="0"/>
+                  <a:t>Why matrix form is important? Because it makes notations easier, it helps to abstract up theory, it’s the preferred way to compute since there is compiler speed up for vectorized form, in contrast to (for) loops.</a:t>
+                </a:r>
+              </a:p>
+            </p:txBody>
+          </p:sp>
+        </mc:Choice>
+        <mc:Fallback xmlns="">
+          <p:sp>
+            <p:nvSpPr>
+              <p:cNvPr id="3" name="Notes Placeholder 2"/>
+              <p:cNvSpPr>
+                <a:spLocks noGrp="1"/>
+              </p:cNvSpPr>
+              <p:nvPr>
+                <p:ph type="body" idx="1"/>
+              </p:nvPr>
+            </p:nvSpPr>
+            <p:spPr/>
+            <p:txBody>
+              <a:bodyPr/>
+              <a:lstStyle/>
+              <a:p>
+                <a:r>
+                  <a:rPr lang="en-US" dirty="0"/>
+                  <a:t>How many colors do we see in the image? What do you think each color represents?</a:t>
+                </a:r>
+              </a:p>
+              <a:p>
+                <a:endParaRPr lang="en-US" dirty="0"/>
+              </a:p>
+              <a:p>
+                <a:r>
+                  <a:rPr lang="en-US" dirty="0" err="1"/>
+                  <a:t>ToDo</a:t>
+                </a:r>
+                <a:r>
+                  <a:rPr lang="en-US" dirty="0"/>
+                  <a:t>: Create an interactive plot (charts.js?) with a slider to change the slope </a:t>
+                </a:r>
+                <a:r>
+                  <a:rPr lang="en-US" b="0" i="0">
+                    <a:latin typeface="Cambria Math" panose="02040503050406030204" pitchFamily="18" charset="0"/>
+                  </a:rPr>
+                  <a:t>𝑚</a:t>
+                </a:r>
+                <a:r>
+                  <a:rPr lang="en-US" dirty="0"/>
+                  <a:t> of the line in order to</a:t>
+                </a:r>
+                <a:r>
+                  <a:rPr lang="en-US" baseline="0" dirty="0"/>
+                  <a:t> visualize the error variation with respect to  this </a:t>
+                </a:r>
+                <a:r>
+                  <a:rPr lang="en-US" baseline="0" dirty="0" err="1"/>
+                  <a:t>varaible</a:t>
+                </a:r>
+                <a:r>
+                  <a:rPr lang="en-US" baseline="0" dirty="0"/>
+                  <a:t> </a:t>
+                </a:r>
+                <a:r>
+                  <a:rPr lang="en-US" b="0" i="0" baseline="0">
+                    <a:latin typeface="Cambria Math" panose="02040503050406030204" pitchFamily="18" charset="0"/>
+                  </a:rPr>
+                  <a:t>𝑚</a:t>
+                </a:r>
+                <a:r>
+                  <a:rPr lang="en-US" dirty="0"/>
+                  <a:t>.</a:t>
+                </a:r>
+              </a:p>
+            </p:txBody>
+          </p:sp>
+        </mc:Fallback>
+      </mc:AlternateContent>
+      <p:sp>
+        <p:nvSpPr>
+          <p:cNvPr id="4" name="Slide Number Placeholder 3"/>
+          <p:cNvSpPr>
+            <a:spLocks noGrp="1"/>
+          </p:cNvSpPr>
+          <p:nvPr>
+            <p:ph type="sldNum" sz="quarter" idx="5"/>
+          </p:nvPr>
+        </p:nvSpPr>
+        <p:spPr/>
+        <p:txBody>
+          <a:bodyPr/>
+          <a:lstStyle/>
+          <a:p>
+            <a:fld id="{4C9AD59C-94C8-4AAB-AEDF-FDE77349626C}" type="slidenum">
+              <a:rPr lang="en-US" smtClean="0"/>
+              <a:t>22</a:t>
+            </a:fld>
+            <a:endParaRPr lang="en-US"/>
+          </a:p>
+        </p:txBody>
+      </p:sp>
+    </p:spTree>
+    <p:extLst>
+      <p:ext uri="{BB962C8B-B14F-4D97-AF65-F5344CB8AC3E}">
+        <p14:creationId xmlns:p14="http://schemas.microsoft.com/office/powerpoint/2010/main" val="2721378157"/>
+      </p:ext>
+    </p:extLst>
+  </p:cSld>
+  <p:clrMapOvr>
+    <a:masterClrMapping/>
+  </p:clrMapOvr>
+</p:notes>
+</file>
+
 <file path=ppt/notesSlides/notesSlide2.xml><?xml version="1.0" encoding="utf-8"?>
 <p:notes xmlns:a="http://schemas.openxmlformats.org/drawingml/2006/main" xmlns:r="http://schemas.openxmlformats.org/officeDocument/2006/relationships" xmlns:p="http://schemas.openxmlformats.org/presentationml/2006/main">
   <p:cSld>
@@ -4093,7 +4255,7 @@
           <a:p>
             <a:fld id="{FE070745-F5EF-4AE3-92EF-0934EDED1862}" type="datetimeFigureOut">
               <a:rPr lang="en-US" smtClean="0"/>
-              <a:t>6/7/2020</a:t>
+              <a:t>8/25/2020</a:t>
             </a:fld>
             <a:endParaRPr lang="en-US"/>
           </a:p>
@@ -4263,7 +4425,7 @@
           <a:p>
             <a:fld id="{FE070745-F5EF-4AE3-92EF-0934EDED1862}" type="datetimeFigureOut">
               <a:rPr lang="en-US" smtClean="0"/>
-              <a:t>6/7/2020</a:t>
+              <a:t>8/25/2020</a:t>
             </a:fld>
             <a:endParaRPr lang="en-US"/>
           </a:p>
@@ -4443,7 +4605,7 @@
           <a:p>
             <a:fld id="{FE070745-F5EF-4AE3-92EF-0934EDED1862}" type="datetimeFigureOut">
               <a:rPr lang="en-US" smtClean="0"/>
-              <a:t>6/7/2020</a:t>
+              <a:t>8/25/2020</a:t>
             </a:fld>
             <a:endParaRPr lang="en-US"/>
           </a:p>
@@ -4613,7 +4775,7 @@
           <a:p>
             <a:fld id="{FE070745-F5EF-4AE3-92EF-0934EDED1862}" type="datetimeFigureOut">
               <a:rPr lang="en-US" smtClean="0"/>
-              <a:t>6/7/2020</a:t>
+              <a:t>8/25/2020</a:t>
             </a:fld>
             <a:endParaRPr lang="en-US"/>
           </a:p>
@@ -4859,7 +5021,7 @@
           <a:p>
             <a:fld id="{FE070745-F5EF-4AE3-92EF-0934EDED1862}" type="datetimeFigureOut">
               <a:rPr lang="en-US" smtClean="0"/>
-              <a:t>6/7/2020</a:t>
+              <a:t>8/25/2020</a:t>
             </a:fld>
             <a:endParaRPr lang="en-US"/>
           </a:p>
@@ -5091,7 +5253,7 @@
           <a:p>
             <a:fld id="{FE070745-F5EF-4AE3-92EF-0934EDED1862}" type="datetimeFigureOut">
               <a:rPr lang="en-US" smtClean="0"/>
-              <a:t>6/7/2020</a:t>
+              <a:t>8/25/2020</a:t>
             </a:fld>
             <a:endParaRPr lang="en-US"/>
           </a:p>
@@ -5458,7 +5620,7 @@
           <a:p>
             <a:fld id="{FE070745-F5EF-4AE3-92EF-0934EDED1862}" type="datetimeFigureOut">
               <a:rPr lang="en-US" smtClean="0"/>
-              <a:t>6/7/2020</a:t>
+              <a:t>8/25/2020</a:t>
             </a:fld>
             <a:endParaRPr lang="en-US"/>
           </a:p>
@@ -5576,7 +5738,7 @@
           <a:p>
             <a:fld id="{FE070745-F5EF-4AE3-92EF-0934EDED1862}" type="datetimeFigureOut">
               <a:rPr lang="en-US" smtClean="0"/>
-              <a:t>6/7/2020</a:t>
+              <a:t>8/25/2020</a:t>
             </a:fld>
             <a:endParaRPr lang="en-US"/>
           </a:p>
@@ -5671,7 +5833,7 @@
           <a:p>
             <a:fld id="{FE070745-F5EF-4AE3-92EF-0934EDED1862}" type="datetimeFigureOut">
               <a:rPr lang="en-US" smtClean="0"/>
-              <a:t>6/7/2020</a:t>
+              <a:t>8/25/2020</a:t>
             </a:fld>
             <a:endParaRPr lang="en-US"/>
           </a:p>
@@ -5948,7 +6110,7 @@
           <a:p>
             <a:fld id="{FE070745-F5EF-4AE3-92EF-0934EDED1862}" type="datetimeFigureOut">
               <a:rPr lang="en-US" smtClean="0"/>
-              <a:t>6/7/2020</a:t>
+              <a:t>8/25/2020</a:t>
             </a:fld>
             <a:endParaRPr lang="en-US"/>
           </a:p>
@@ -6205,7 +6367,7 @@
           <a:p>
             <a:fld id="{FE070745-F5EF-4AE3-92EF-0934EDED1862}" type="datetimeFigureOut">
               <a:rPr lang="en-US" smtClean="0"/>
-              <a:t>6/7/2020</a:t>
+              <a:t>8/25/2020</a:t>
             </a:fld>
             <a:endParaRPr lang="en-US"/>
           </a:p>
@@ -6418,7 +6580,7 @@
           <a:p>
             <a:fld id="{FE070745-F5EF-4AE3-92EF-0934EDED1862}" type="datetimeFigureOut">
               <a:rPr lang="en-US" smtClean="0"/>
-              <a:t>6/7/2020</a:t>
+              <a:t>8/25/2020</a:t>
             </a:fld>
             <a:endParaRPr lang="en-US"/>
           </a:p>
@@ -19732,8 +19894,8 @@
           <a:chExt cx="0" cy="0"/>
         </a:xfrm>
       </p:grpSpPr>
-      <mc:AlternateContent xmlns:mc="http://schemas.openxmlformats.org/markup-compatibility/2006">
-        <mc:Choice xmlns:a14="http://schemas.microsoft.com/office/drawing/2010/main" Requires="a14">
+      <mc:AlternateContent xmlns:mc="http://schemas.openxmlformats.org/markup-compatibility/2006" xmlns:a14="http://schemas.microsoft.com/office/drawing/2010/main">
+        <mc:Choice Requires="a14">
           <p:sp>
             <p:nvSpPr>
               <p:cNvPr id="2" name="Title 1">
@@ -19796,7 +19958,7 @@
             </p:txBody>
           </p:sp>
         </mc:Choice>
-        <mc:Fallback>
+        <mc:Fallback xmlns="">
           <p:sp>
             <p:nvSpPr>
               <p:cNvPr id="2" name="Title 1">
@@ -26895,6 +27057,1141 @@
           <a:chExt cx="0" cy="0"/>
         </a:xfrm>
       </p:grpSpPr>
+      <p:cxnSp>
+        <p:nvCxnSpPr>
+          <p:cNvPr id="10" name="Straight Arrow Connector 9">
+            <a:extLst>
+              <a:ext uri="{FF2B5EF4-FFF2-40B4-BE49-F238E27FC236}">
+                <a16:creationId xmlns:a16="http://schemas.microsoft.com/office/drawing/2014/main" id="{305567DB-1647-4E3C-92F2-5FC6E52E5568}"/>
+              </a:ext>
+            </a:extLst>
+          </p:cNvPr>
+          <p:cNvCxnSpPr/>
+          <p:nvPr/>
+        </p:nvCxnSpPr>
+        <p:spPr>
+          <a:xfrm flipV="1">
+            <a:off x="971787" y="1698537"/>
+            <a:ext cx="0" cy="3657600"/>
+          </a:xfrm>
+          <a:prstGeom prst="straightConnector1">
+            <a:avLst/>
+          </a:prstGeom>
+          <a:ln w="38100">
+            <a:solidFill>
+              <a:schemeClr val="bg1">
+                <a:lumMod val="65000"/>
+              </a:schemeClr>
+            </a:solidFill>
+            <a:tailEnd type="triangle"/>
+          </a:ln>
+        </p:spPr>
+        <p:style>
+          <a:lnRef idx="1">
+            <a:schemeClr val="accent1"/>
+          </a:lnRef>
+          <a:fillRef idx="0">
+            <a:schemeClr val="accent1"/>
+          </a:fillRef>
+          <a:effectRef idx="0">
+            <a:schemeClr val="accent1"/>
+          </a:effectRef>
+          <a:fontRef idx="minor">
+            <a:schemeClr val="tx1"/>
+          </a:fontRef>
+        </p:style>
+      </p:cxnSp>
+      <p:cxnSp>
+        <p:nvCxnSpPr>
+          <p:cNvPr id="11" name="Straight Arrow Connector 10">
+            <a:extLst>
+              <a:ext uri="{FF2B5EF4-FFF2-40B4-BE49-F238E27FC236}">
+                <a16:creationId xmlns:a16="http://schemas.microsoft.com/office/drawing/2014/main" id="{A34FE4F9-3873-43FC-9609-CEB15564BCCE}"/>
+              </a:ext>
+            </a:extLst>
+          </p:cNvPr>
+          <p:cNvCxnSpPr>
+            <a:cxnSpLocks/>
+          </p:cNvCxnSpPr>
+          <p:nvPr/>
+        </p:nvCxnSpPr>
+        <p:spPr>
+          <a:xfrm>
+            <a:off x="392956" y="4719684"/>
+            <a:ext cx="3657600" cy="0"/>
+          </a:xfrm>
+          <a:prstGeom prst="straightConnector1">
+            <a:avLst/>
+          </a:prstGeom>
+          <a:ln w="38100">
+            <a:solidFill>
+              <a:schemeClr val="bg1">
+                <a:lumMod val="65000"/>
+              </a:schemeClr>
+            </a:solidFill>
+            <a:tailEnd type="triangle"/>
+          </a:ln>
+        </p:spPr>
+        <p:style>
+          <a:lnRef idx="1">
+            <a:schemeClr val="accent1"/>
+          </a:lnRef>
+          <a:fillRef idx="0">
+            <a:schemeClr val="accent1"/>
+          </a:fillRef>
+          <a:effectRef idx="0">
+            <a:schemeClr val="accent1"/>
+          </a:effectRef>
+          <a:fontRef idx="minor">
+            <a:schemeClr val="tx1"/>
+          </a:fontRef>
+        </p:style>
+      </p:cxnSp>
+      <p:cxnSp>
+        <p:nvCxnSpPr>
+          <p:cNvPr id="5" name="Straight Connector 4">
+            <a:extLst>
+              <a:ext uri="{FF2B5EF4-FFF2-40B4-BE49-F238E27FC236}">
+                <a16:creationId xmlns:a16="http://schemas.microsoft.com/office/drawing/2014/main" id="{53386E5C-A7B8-4725-BADE-0BC457BD7E4D}"/>
+              </a:ext>
+            </a:extLst>
+          </p:cNvPr>
+          <p:cNvCxnSpPr>
+            <a:cxnSpLocks/>
+          </p:cNvCxnSpPr>
+          <p:nvPr/>
+        </p:nvCxnSpPr>
+        <p:spPr>
+          <a:xfrm flipV="1">
+            <a:off x="180457" y="2029062"/>
+            <a:ext cx="3010486" cy="3608706"/>
+          </a:xfrm>
+          <a:prstGeom prst="line">
+            <a:avLst/>
+          </a:prstGeom>
+          <a:ln w="38100"/>
+        </p:spPr>
+        <p:style>
+          <a:lnRef idx="1">
+            <a:schemeClr val="accent1"/>
+          </a:lnRef>
+          <a:fillRef idx="0">
+            <a:schemeClr val="accent1"/>
+          </a:fillRef>
+          <a:effectRef idx="0">
+            <a:schemeClr val="accent1"/>
+          </a:effectRef>
+          <a:fontRef idx="minor">
+            <a:schemeClr val="tx1"/>
+          </a:fontRef>
+        </p:style>
+      </p:cxnSp>
+      <p:sp>
+        <p:nvSpPr>
+          <p:cNvPr id="37" name="Rectangle 36">
+            <a:extLst>
+              <a:ext uri="{FF2B5EF4-FFF2-40B4-BE49-F238E27FC236}">
+                <a16:creationId xmlns:a16="http://schemas.microsoft.com/office/drawing/2014/main" id="{DC1AFF5E-0FDB-4309-A561-A476D6B76BE8}"/>
+              </a:ext>
+            </a:extLst>
+          </p:cNvPr>
+          <p:cNvSpPr/>
+          <p:nvPr/>
+        </p:nvSpPr>
+        <p:spPr>
+          <a:xfrm>
+            <a:off x="10231077" y="6244883"/>
+            <a:ext cx="1960923" cy="613117"/>
+          </a:xfrm>
+          <a:prstGeom prst="rect">
+            <a:avLst/>
+          </a:prstGeom>
+          <a:solidFill>
+            <a:schemeClr val="tx1">
+              <a:lumMod val="75000"/>
+              <a:lumOff val="25000"/>
+            </a:schemeClr>
+          </a:solidFill>
+          <a:ln>
+            <a:noFill/>
+          </a:ln>
+        </p:spPr>
+        <p:style>
+          <a:lnRef idx="2">
+            <a:schemeClr val="accent1">
+              <a:shade val="50000"/>
+            </a:schemeClr>
+          </a:lnRef>
+          <a:fillRef idx="1">
+            <a:schemeClr val="accent1"/>
+          </a:fillRef>
+          <a:effectRef idx="0">
+            <a:schemeClr val="accent1"/>
+          </a:effectRef>
+          <a:fontRef idx="minor">
+            <a:schemeClr val="lt1"/>
+          </a:fontRef>
+        </p:style>
+        <p:txBody>
+          <a:bodyPr rtlCol="0" anchor="ctr"/>
+          <a:lstStyle/>
+          <a:p>
+            <a:pPr algn="ctr"/>
+            <a:r>
+              <a:rPr lang="en-US" sz="2400" b="1" dirty="0"/>
+              <a:t>&gt;_</a:t>
+            </a:r>
+            <a:r>
+              <a:rPr lang="en-US" sz="2400" dirty="0"/>
+              <a:t> Code</a:t>
+            </a:r>
+          </a:p>
+        </p:txBody>
+      </p:sp>
+      <mc:AlternateContent xmlns:mc="http://schemas.openxmlformats.org/markup-compatibility/2006" xmlns:a14="http://schemas.microsoft.com/office/drawing/2010/main">
+        <mc:Choice Requires="a14">
+          <p:sp>
+            <p:nvSpPr>
+              <p:cNvPr id="40" name="Rectangle 39">
+                <a:extLst>
+                  <a:ext uri="{FF2B5EF4-FFF2-40B4-BE49-F238E27FC236}">
+                    <a16:creationId xmlns:a16="http://schemas.microsoft.com/office/drawing/2014/main" id="{E92FFB30-F96D-44FE-B11F-6AF15A9222DE}"/>
+                  </a:ext>
+                </a:extLst>
+              </p:cNvPr>
+              <p:cNvSpPr/>
+              <p:nvPr/>
+            </p:nvSpPr>
+            <p:spPr>
+              <a:xfrm>
+                <a:off x="392956" y="199999"/>
+                <a:ext cx="2996911" cy="769441"/>
+              </a:xfrm>
+              <a:prstGeom prst="rect">
+                <a:avLst/>
+              </a:prstGeom>
+            </p:spPr>
+            <p:txBody>
+              <a:bodyPr wrap="none">
+                <a:spAutoFit/>
+              </a:bodyPr>
+              <a:lstStyle/>
+              <a:p>
+                <a:pPr/>
+                <a14:m>
+                  <m:oMathPara xmlns:m="http://schemas.openxmlformats.org/officeDocument/2006/math">
+                    <m:oMathParaPr>
+                      <m:jc m:val="centerGroup"/>
+                    </m:oMathParaPr>
+                    <m:oMath xmlns:m="http://schemas.openxmlformats.org/officeDocument/2006/math">
+                      <m:r>
+                        <a:rPr lang="en-US" sz="4400" i="1" smtClean="0">
+                          <a:solidFill>
+                            <a:srgbClr val="0070C0"/>
+                          </a:solidFill>
+                          <a:latin typeface="Cambria Math" panose="02040503050406030204" pitchFamily="18" charset="0"/>
+                        </a:rPr>
+                        <m:t>𝑦</m:t>
+                      </m:r>
+                      <m:r>
+                        <a:rPr lang="en-US" sz="4400" i="1" smtClean="0">
+                          <a:solidFill>
+                            <a:srgbClr val="0070C0"/>
+                          </a:solidFill>
+                          <a:latin typeface="Cambria Math" panose="02040503050406030204" pitchFamily="18" charset="0"/>
+                        </a:rPr>
+                        <m:t>=</m:t>
+                      </m:r>
+                      <m:r>
+                        <a:rPr lang="en-US" sz="4400" b="0" i="1" smtClean="0">
+                          <a:solidFill>
+                            <a:srgbClr val="0070C0"/>
+                          </a:solidFill>
+                          <a:latin typeface="Cambria Math" panose="02040503050406030204" pitchFamily="18" charset="0"/>
+                        </a:rPr>
+                        <m:t>𝜃</m:t>
+                      </m:r>
+                      <m:r>
+                        <a:rPr lang="en-US" sz="4400" i="1" smtClean="0">
+                          <a:solidFill>
+                            <a:srgbClr val="0070C0"/>
+                          </a:solidFill>
+                          <a:latin typeface="Cambria Math" panose="02040503050406030204" pitchFamily="18" charset="0"/>
+                        </a:rPr>
+                        <m:t>𝑥</m:t>
+                      </m:r>
+                      <m:r>
+                        <a:rPr lang="en-US" sz="4400" b="0" i="1" smtClean="0">
+                          <a:solidFill>
+                            <a:srgbClr val="0070C0"/>
+                          </a:solidFill>
+                          <a:latin typeface="Cambria Math" panose="02040503050406030204" pitchFamily="18" charset="0"/>
+                        </a:rPr>
+                        <m:t>+</m:t>
+                      </m:r>
+                      <m:r>
+                        <a:rPr lang="en-US" sz="4400" b="0" i="1" smtClean="0">
+                          <a:solidFill>
+                            <a:srgbClr val="0070C0"/>
+                          </a:solidFill>
+                          <a:latin typeface="Cambria Math" panose="02040503050406030204" pitchFamily="18" charset="0"/>
+                        </a:rPr>
+                        <m:t>𝑏</m:t>
+                      </m:r>
+                    </m:oMath>
+                  </m:oMathPara>
+                </a14:m>
+                <a:endParaRPr lang="en-US" sz="4400" dirty="0">
+                  <a:solidFill>
+                    <a:srgbClr val="0070C0"/>
+                  </a:solidFill>
+                </a:endParaRPr>
+              </a:p>
+            </p:txBody>
+          </p:sp>
+        </mc:Choice>
+        <mc:Fallback xmlns="">
+          <p:sp>
+            <p:nvSpPr>
+              <p:cNvPr id="40" name="Rectangle 39">
+                <a:extLst>
+                  <a:ext uri="{FF2B5EF4-FFF2-40B4-BE49-F238E27FC236}">
+                    <a16:creationId xmlns:a16="http://schemas.microsoft.com/office/drawing/2014/main" id="{E92FFB30-F96D-44FE-B11F-6AF15A9222DE}"/>
+                  </a:ext>
+                </a:extLst>
+              </p:cNvPr>
+              <p:cNvSpPr>
+                <a:spLocks noRot="1" noChangeAspect="1" noMove="1" noResize="1" noEditPoints="1" noAdjustHandles="1" noChangeArrowheads="1" noChangeShapeType="1" noTextEdit="1"/>
+              </p:cNvSpPr>
+              <p:nvPr/>
+            </p:nvSpPr>
+            <p:spPr>
+              <a:xfrm>
+                <a:off x="392956" y="199999"/>
+                <a:ext cx="2996911" cy="769441"/>
+              </a:xfrm>
+              <a:prstGeom prst="rect">
+                <a:avLst/>
+              </a:prstGeom>
+              <a:blipFill>
+                <a:blip r:embed="rId3"/>
+                <a:stretch>
+                  <a:fillRect/>
+                </a:stretch>
+              </a:blipFill>
+            </p:spPr>
+            <p:txBody>
+              <a:bodyPr/>
+              <a:lstStyle/>
+              <a:p>
+                <a:r>
+                  <a:rPr lang="en-US">
+                    <a:noFill/>
+                  </a:rPr>
+                  <a:t> </a:t>
+                </a:r>
+              </a:p>
+            </p:txBody>
+          </p:sp>
+        </mc:Fallback>
+      </mc:AlternateContent>
+      <p:sp>
+        <p:nvSpPr>
+          <p:cNvPr id="28" name="Oval 27">
+            <a:extLst>
+              <a:ext uri="{FF2B5EF4-FFF2-40B4-BE49-F238E27FC236}">
+                <a16:creationId xmlns:a16="http://schemas.microsoft.com/office/drawing/2014/main" id="{1AC9A68C-C4BC-4C0C-821E-512A8FCB8DD6}"/>
+              </a:ext>
+            </a:extLst>
+          </p:cNvPr>
+          <p:cNvSpPr>
+            <a:spLocks noChangeAspect="1"/>
+          </p:cNvSpPr>
+          <p:nvPr/>
+        </p:nvSpPr>
+        <p:spPr>
+          <a:xfrm>
+            <a:off x="2884310" y="2630612"/>
+            <a:ext cx="182880" cy="182880"/>
+          </a:xfrm>
+          <a:prstGeom prst="ellipse">
+            <a:avLst/>
+          </a:prstGeom>
+          <a:solidFill>
+            <a:schemeClr val="tx1"/>
+          </a:solidFill>
+          <a:ln>
+            <a:noFill/>
+          </a:ln>
+        </p:spPr>
+        <p:style>
+          <a:lnRef idx="2">
+            <a:schemeClr val="accent1">
+              <a:shade val="50000"/>
+            </a:schemeClr>
+          </a:lnRef>
+          <a:fillRef idx="1">
+            <a:schemeClr val="accent1"/>
+          </a:fillRef>
+          <a:effectRef idx="0">
+            <a:schemeClr val="accent1"/>
+          </a:effectRef>
+          <a:fontRef idx="minor">
+            <a:schemeClr val="lt1"/>
+          </a:fontRef>
+        </p:style>
+        <p:txBody>
+          <a:bodyPr rtlCol="0" anchor="ctr"/>
+          <a:lstStyle/>
+          <a:p>
+            <a:pPr algn="ctr"/>
+            <a:endParaRPr lang="en-US"/>
+          </a:p>
+        </p:txBody>
+      </p:sp>
+      <p:cxnSp>
+        <p:nvCxnSpPr>
+          <p:cNvPr id="31" name="Straight Connector 30">
+            <a:extLst>
+              <a:ext uri="{FF2B5EF4-FFF2-40B4-BE49-F238E27FC236}">
+                <a16:creationId xmlns:a16="http://schemas.microsoft.com/office/drawing/2014/main" id="{12A2E205-06BC-4DD1-80CA-937E9AA28253}"/>
+              </a:ext>
+            </a:extLst>
+          </p:cNvPr>
+          <p:cNvCxnSpPr>
+            <a:cxnSpLocks/>
+          </p:cNvCxnSpPr>
+          <p:nvPr/>
+        </p:nvCxnSpPr>
+        <p:spPr>
+          <a:xfrm>
+            <a:off x="4547745" y="3016107"/>
+            <a:ext cx="0" cy="0"/>
+          </a:xfrm>
+          <a:prstGeom prst="line">
+            <a:avLst/>
+          </a:prstGeom>
+        </p:spPr>
+        <p:style>
+          <a:lnRef idx="1">
+            <a:schemeClr val="accent1"/>
+          </a:lnRef>
+          <a:fillRef idx="0">
+            <a:schemeClr val="accent1"/>
+          </a:fillRef>
+          <a:effectRef idx="0">
+            <a:schemeClr val="accent1"/>
+          </a:effectRef>
+          <a:fontRef idx="minor">
+            <a:schemeClr val="tx1"/>
+          </a:fontRef>
+        </p:style>
+      </p:cxnSp>
+      <p:sp>
+        <p:nvSpPr>
+          <p:cNvPr id="34" name="Oval 33">
+            <a:extLst>
+              <a:ext uri="{FF2B5EF4-FFF2-40B4-BE49-F238E27FC236}">
+                <a16:creationId xmlns:a16="http://schemas.microsoft.com/office/drawing/2014/main" id="{7B23C74B-D7AE-427C-81FF-B07574075D61}"/>
+              </a:ext>
+            </a:extLst>
+          </p:cNvPr>
+          <p:cNvSpPr>
+            <a:spLocks noChangeAspect="1"/>
+          </p:cNvSpPr>
+          <p:nvPr/>
+        </p:nvSpPr>
+        <p:spPr>
+          <a:xfrm>
+            <a:off x="1685700" y="2521212"/>
+            <a:ext cx="182880" cy="182880"/>
+          </a:xfrm>
+          <a:prstGeom prst="ellipse">
+            <a:avLst/>
+          </a:prstGeom>
+          <a:solidFill>
+            <a:schemeClr val="tx1"/>
+          </a:solidFill>
+          <a:ln>
+            <a:noFill/>
+          </a:ln>
+        </p:spPr>
+        <p:style>
+          <a:lnRef idx="2">
+            <a:schemeClr val="accent1">
+              <a:shade val="50000"/>
+            </a:schemeClr>
+          </a:lnRef>
+          <a:fillRef idx="1">
+            <a:schemeClr val="accent1"/>
+          </a:fillRef>
+          <a:effectRef idx="0">
+            <a:schemeClr val="accent1"/>
+          </a:effectRef>
+          <a:fontRef idx="minor">
+            <a:schemeClr val="lt1"/>
+          </a:fontRef>
+        </p:style>
+        <p:txBody>
+          <a:bodyPr rtlCol="0" anchor="ctr"/>
+          <a:lstStyle/>
+          <a:p>
+            <a:pPr algn="ctr"/>
+            <a:endParaRPr lang="en-US"/>
+          </a:p>
+        </p:txBody>
+      </p:sp>
+      <p:cxnSp>
+        <p:nvCxnSpPr>
+          <p:cNvPr id="38" name="Straight Connector 37">
+            <a:extLst>
+              <a:ext uri="{FF2B5EF4-FFF2-40B4-BE49-F238E27FC236}">
+                <a16:creationId xmlns:a16="http://schemas.microsoft.com/office/drawing/2014/main" id="{955D55CC-9085-45E3-AC6F-AF244639C463}"/>
+              </a:ext>
+            </a:extLst>
+          </p:cNvPr>
+          <p:cNvCxnSpPr>
+            <a:cxnSpLocks/>
+          </p:cNvCxnSpPr>
+          <p:nvPr/>
+        </p:nvCxnSpPr>
+        <p:spPr>
+          <a:xfrm>
+            <a:off x="2497385" y="2993271"/>
+            <a:ext cx="0" cy="0"/>
+          </a:xfrm>
+          <a:prstGeom prst="line">
+            <a:avLst/>
+          </a:prstGeom>
+        </p:spPr>
+        <p:style>
+          <a:lnRef idx="1">
+            <a:schemeClr val="accent1"/>
+          </a:lnRef>
+          <a:fillRef idx="0">
+            <a:schemeClr val="accent1"/>
+          </a:fillRef>
+          <a:effectRef idx="0">
+            <a:schemeClr val="accent1"/>
+          </a:effectRef>
+          <a:fontRef idx="minor">
+            <a:schemeClr val="tx1"/>
+          </a:fontRef>
+        </p:style>
+      </p:cxnSp>
+      <p:sp>
+        <p:nvSpPr>
+          <p:cNvPr id="42" name="Oval 41">
+            <a:extLst>
+              <a:ext uri="{FF2B5EF4-FFF2-40B4-BE49-F238E27FC236}">
+                <a16:creationId xmlns:a16="http://schemas.microsoft.com/office/drawing/2014/main" id="{895080B6-155D-4DC2-92F6-D2C5A7B9F045}"/>
+              </a:ext>
+            </a:extLst>
+          </p:cNvPr>
+          <p:cNvSpPr>
+            <a:spLocks noChangeAspect="1"/>
+          </p:cNvSpPr>
+          <p:nvPr/>
+        </p:nvSpPr>
+        <p:spPr>
+          <a:xfrm>
+            <a:off x="3531062" y="2134216"/>
+            <a:ext cx="182880" cy="182880"/>
+          </a:xfrm>
+          <a:prstGeom prst="ellipse">
+            <a:avLst/>
+          </a:prstGeom>
+          <a:solidFill>
+            <a:schemeClr val="tx1"/>
+          </a:solidFill>
+          <a:ln>
+            <a:noFill/>
+          </a:ln>
+        </p:spPr>
+        <p:style>
+          <a:lnRef idx="2">
+            <a:schemeClr val="accent1">
+              <a:shade val="50000"/>
+            </a:schemeClr>
+          </a:lnRef>
+          <a:fillRef idx="1">
+            <a:schemeClr val="accent1"/>
+          </a:fillRef>
+          <a:effectRef idx="0">
+            <a:schemeClr val="accent1"/>
+          </a:effectRef>
+          <a:fontRef idx="minor">
+            <a:schemeClr val="lt1"/>
+          </a:fontRef>
+        </p:style>
+        <p:txBody>
+          <a:bodyPr rtlCol="0" anchor="ctr"/>
+          <a:lstStyle/>
+          <a:p>
+            <a:pPr algn="ctr"/>
+            <a:endParaRPr lang="en-US"/>
+          </a:p>
+        </p:txBody>
+      </p:sp>
+      <p:sp>
+        <p:nvSpPr>
+          <p:cNvPr id="43" name="Oval 42">
+            <a:extLst>
+              <a:ext uri="{FF2B5EF4-FFF2-40B4-BE49-F238E27FC236}">
+                <a16:creationId xmlns:a16="http://schemas.microsoft.com/office/drawing/2014/main" id="{1013BBE9-D41C-4D77-9FD6-A7125CC9414B}"/>
+              </a:ext>
+            </a:extLst>
+          </p:cNvPr>
+          <p:cNvSpPr>
+            <a:spLocks noChangeAspect="1"/>
+          </p:cNvSpPr>
+          <p:nvPr/>
+        </p:nvSpPr>
+        <p:spPr>
+          <a:xfrm>
+            <a:off x="1127274" y="3991792"/>
+            <a:ext cx="182880" cy="182880"/>
+          </a:xfrm>
+          <a:prstGeom prst="ellipse">
+            <a:avLst/>
+          </a:prstGeom>
+          <a:solidFill>
+            <a:schemeClr val="tx1"/>
+          </a:solidFill>
+          <a:ln>
+            <a:noFill/>
+          </a:ln>
+        </p:spPr>
+        <p:style>
+          <a:lnRef idx="2">
+            <a:schemeClr val="accent1">
+              <a:shade val="50000"/>
+            </a:schemeClr>
+          </a:lnRef>
+          <a:fillRef idx="1">
+            <a:schemeClr val="accent1"/>
+          </a:fillRef>
+          <a:effectRef idx="0">
+            <a:schemeClr val="accent1"/>
+          </a:effectRef>
+          <a:fontRef idx="minor">
+            <a:schemeClr val="lt1"/>
+          </a:fontRef>
+        </p:style>
+        <p:txBody>
+          <a:bodyPr rtlCol="0" anchor="ctr"/>
+          <a:lstStyle/>
+          <a:p>
+            <a:pPr algn="ctr"/>
+            <a:endParaRPr lang="en-US"/>
+          </a:p>
+        </p:txBody>
+      </p:sp>
+      <p:sp>
+        <p:nvSpPr>
+          <p:cNvPr id="44" name="Oval 43">
+            <a:extLst>
+              <a:ext uri="{FF2B5EF4-FFF2-40B4-BE49-F238E27FC236}">
+                <a16:creationId xmlns:a16="http://schemas.microsoft.com/office/drawing/2014/main" id="{4C4292F1-D520-403F-A805-191C833F15F6}"/>
+              </a:ext>
+            </a:extLst>
+          </p:cNvPr>
+          <p:cNvSpPr>
+            <a:spLocks noChangeAspect="1"/>
+          </p:cNvSpPr>
+          <p:nvPr/>
+        </p:nvSpPr>
+        <p:spPr>
+          <a:xfrm>
+            <a:off x="1968052" y="3833298"/>
+            <a:ext cx="182880" cy="182880"/>
+          </a:xfrm>
+          <a:prstGeom prst="ellipse">
+            <a:avLst/>
+          </a:prstGeom>
+          <a:solidFill>
+            <a:schemeClr val="tx1"/>
+          </a:solidFill>
+          <a:ln>
+            <a:noFill/>
+          </a:ln>
+        </p:spPr>
+        <p:style>
+          <a:lnRef idx="2">
+            <a:schemeClr val="accent1">
+              <a:shade val="50000"/>
+            </a:schemeClr>
+          </a:lnRef>
+          <a:fillRef idx="1">
+            <a:schemeClr val="accent1"/>
+          </a:fillRef>
+          <a:effectRef idx="0">
+            <a:schemeClr val="accent1"/>
+          </a:effectRef>
+          <a:fontRef idx="minor">
+            <a:schemeClr val="lt1"/>
+          </a:fontRef>
+        </p:style>
+        <p:txBody>
+          <a:bodyPr rtlCol="0" anchor="ctr"/>
+          <a:lstStyle/>
+          <a:p>
+            <a:pPr algn="ctr"/>
+            <a:endParaRPr lang="en-US"/>
+          </a:p>
+        </p:txBody>
+      </p:sp>
+      <p:pic>
+        <p:nvPicPr>
+          <p:cNvPr id="8" name="Picture 7">
+            <a:extLst>
+              <a:ext uri="{FF2B5EF4-FFF2-40B4-BE49-F238E27FC236}">
+                <a16:creationId xmlns:a16="http://schemas.microsoft.com/office/drawing/2014/main" id="{AE2036CE-9B89-4449-9392-5817484F6999}"/>
+              </a:ext>
+            </a:extLst>
+          </p:cNvPr>
+          <p:cNvPicPr>
+            <a:picLocks noChangeAspect="1"/>
+          </p:cNvPicPr>
+          <p:nvPr/>
+        </p:nvPicPr>
+        <p:blipFill rotWithShape="1">
+          <a:blip r:embed="rId4"/>
+          <a:srcRect t="9540" r="44811" b="8920"/>
+          <a:stretch/>
+        </p:blipFill>
+        <p:spPr>
+          <a:xfrm>
+            <a:off x="5046820" y="3065211"/>
+            <a:ext cx="4565917" cy="3792789"/>
+          </a:xfrm>
+          <a:prstGeom prst="rect">
+            <a:avLst/>
+          </a:prstGeom>
+        </p:spPr>
+      </p:pic>
+      <p:sp>
+        <p:nvSpPr>
+          <p:cNvPr id="32" name="TextBox 31">
+            <a:extLst>
+              <a:ext uri="{FF2B5EF4-FFF2-40B4-BE49-F238E27FC236}">
+                <a16:creationId xmlns:a16="http://schemas.microsoft.com/office/drawing/2014/main" id="{E0048B13-7A45-4845-97B1-3824C45EEEB4}"/>
+              </a:ext>
+            </a:extLst>
+          </p:cNvPr>
+          <p:cNvSpPr txBox="1"/>
+          <p:nvPr/>
+        </p:nvSpPr>
+        <p:spPr>
+          <a:xfrm>
+            <a:off x="4798417" y="709046"/>
+            <a:ext cx="6778223" cy="2308324"/>
+          </a:xfrm>
+          <a:prstGeom prst="rect">
+            <a:avLst/>
+          </a:prstGeom>
+          <a:noFill/>
+        </p:spPr>
+        <p:txBody>
+          <a:bodyPr wrap="square">
+            <a:spAutoFit/>
+          </a:bodyPr>
+          <a:lstStyle/>
+          <a:p>
+            <a:r>
+              <a:rPr lang="en-US" dirty="0" err="1"/>
+              <a:t>Aplicacion</a:t>
+            </a:r>
+            <a:r>
+              <a:rPr lang="en-US" dirty="0"/>
+              <a:t> (</a:t>
+            </a:r>
+            <a:r>
+              <a:rPr lang="en-US" dirty="0" err="1"/>
+              <a:t>reescalamiento</a:t>
+            </a:r>
+            <a:r>
+              <a:rPr lang="en-US" dirty="0"/>
+              <a:t> de </a:t>
+            </a:r>
+            <a:r>
+              <a:rPr lang="en-US" dirty="0" err="1"/>
+              <a:t>datos</a:t>
+            </a:r>
+            <a:r>
+              <a:rPr lang="en-US" dirty="0"/>
+              <a:t>). las dos </a:t>
+            </a:r>
+            <a:r>
+              <a:rPr lang="en-US" dirty="0" err="1"/>
+              <a:t>curvas</a:t>
+            </a:r>
+            <a:r>
+              <a:rPr lang="en-US" dirty="0"/>
+              <a:t> </a:t>
+            </a:r>
+            <a:r>
+              <a:rPr lang="en-US" dirty="0" err="1"/>
+              <a:t>punteadas</a:t>
+            </a:r>
+            <a:r>
+              <a:rPr lang="en-US" dirty="0"/>
+              <a:t> son los </a:t>
+            </a:r>
+            <a:r>
+              <a:rPr lang="en-US" dirty="0" err="1"/>
+              <a:t>datos</a:t>
+            </a:r>
+            <a:r>
+              <a:rPr lang="en-US" dirty="0"/>
+              <a:t> </a:t>
+            </a:r>
+            <a:r>
+              <a:rPr lang="en-US" dirty="0" err="1"/>
+              <a:t>originales</a:t>
+            </a:r>
+            <a:r>
+              <a:rPr lang="en-US" dirty="0"/>
+              <a:t> (</a:t>
+            </a:r>
+            <a:r>
+              <a:rPr lang="en-US" dirty="0" err="1"/>
+              <a:t>regularmente</a:t>
+            </a:r>
+            <a:r>
+              <a:rPr lang="en-US" dirty="0"/>
+              <a:t> </a:t>
+            </a:r>
+            <a:r>
+              <a:rPr lang="en-US" dirty="0" err="1"/>
+              <a:t>muestreados</a:t>
+            </a:r>
+            <a:r>
+              <a:rPr lang="en-US" dirty="0"/>
+              <a:t>). La </a:t>
+            </a:r>
+            <a:r>
+              <a:rPr lang="en-US" dirty="0" err="1"/>
+              <a:t>curva</a:t>
+            </a:r>
+            <a:r>
+              <a:rPr lang="en-US" dirty="0"/>
+              <a:t> </a:t>
+            </a:r>
+            <a:r>
+              <a:rPr lang="en-US" dirty="0" err="1"/>
+              <a:t>azul</a:t>
+            </a:r>
+            <a:r>
+              <a:rPr lang="en-US" dirty="0"/>
+              <a:t> continua es la </a:t>
+            </a:r>
+            <a:r>
+              <a:rPr lang="en-US" dirty="0" err="1"/>
+              <a:t>curva</a:t>
+            </a:r>
+            <a:r>
+              <a:rPr lang="en-US" dirty="0"/>
+              <a:t> de </a:t>
+            </a:r>
+            <a:r>
+              <a:rPr lang="en-US" dirty="0" err="1"/>
+              <a:t>reescalar</a:t>
+            </a:r>
+            <a:r>
+              <a:rPr lang="en-US" dirty="0"/>
+              <a:t> </a:t>
+            </a:r>
+            <a:r>
+              <a:rPr lang="en-US" dirty="0" err="1"/>
+              <a:t>verticalmente</a:t>
+            </a:r>
+            <a:r>
+              <a:rPr lang="en-US" dirty="0"/>
+              <a:t> (</a:t>
+            </a:r>
+            <a:r>
+              <a:rPr lang="en-US" dirty="0" err="1"/>
+              <a:t>dilatación</a:t>
+            </a:r>
+            <a:r>
+              <a:rPr lang="en-US" dirty="0"/>
+              <a:t>/</a:t>
+            </a:r>
+            <a:r>
+              <a:rPr lang="en-US" dirty="0" err="1"/>
+              <a:t>contraccion</a:t>
+            </a:r>
+            <a:r>
+              <a:rPr lang="en-US" dirty="0"/>
+              <a:t>) y </a:t>
+            </a:r>
+            <a:r>
+              <a:rPr lang="en-US" dirty="0" err="1"/>
+              <a:t>trasladar</a:t>
+            </a:r>
+            <a:r>
+              <a:rPr lang="en-US" dirty="0"/>
+              <a:t> la </a:t>
+            </a:r>
+            <a:r>
+              <a:rPr lang="en-US" dirty="0" err="1"/>
+              <a:t>curva</a:t>
+            </a:r>
+            <a:r>
+              <a:rPr lang="en-US" dirty="0"/>
+              <a:t> </a:t>
+            </a:r>
+            <a:r>
+              <a:rPr lang="en-US" dirty="0" err="1"/>
+              <a:t>punteada</a:t>
+            </a:r>
+            <a:r>
+              <a:rPr lang="en-US" dirty="0"/>
+              <a:t> </a:t>
+            </a:r>
+            <a:r>
+              <a:rPr lang="en-US" dirty="0" err="1"/>
+              <a:t>azul</a:t>
+            </a:r>
+            <a:r>
+              <a:rPr lang="en-US" dirty="0"/>
+              <a:t> (f) de </a:t>
+            </a:r>
+            <a:r>
+              <a:rPr lang="en-US" dirty="0" err="1"/>
+              <a:t>tal</a:t>
+            </a:r>
+            <a:r>
+              <a:rPr lang="en-US" dirty="0"/>
+              <a:t> </a:t>
+            </a:r>
+            <a:r>
+              <a:rPr lang="en-US" dirty="0" err="1"/>
+              <a:t>manera</a:t>
+            </a:r>
+            <a:r>
+              <a:rPr lang="en-US" dirty="0"/>
+              <a:t> que se </a:t>
+            </a:r>
+            <a:r>
+              <a:rPr lang="en-US" dirty="0" err="1"/>
+              <a:t>parezca</a:t>
+            </a:r>
+            <a:r>
+              <a:rPr lang="en-US" dirty="0"/>
+              <a:t> lo </a:t>
+            </a:r>
+            <a:r>
+              <a:rPr lang="en-US" dirty="0" err="1"/>
+              <a:t>más</a:t>
+            </a:r>
+            <a:r>
+              <a:rPr lang="en-US" dirty="0"/>
+              <a:t> </a:t>
+            </a:r>
+            <a:r>
+              <a:rPr lang="en-US" dirty="0" err="1"/>
+              <a:t>posible</a:t>
+            </a:r>
+            <a:r>
+              <a:rPr lang="en-US" dirty="0"/>
+              <a:t> a la </a:t>
+            </a:r>
+            <a:r>
+              <a:rPr lang="en-US" dirty="0" err="1"/>
+              <a:t>curva</a:t>
+            </a:r>
+            <a:r>
+              <a:rPr lang="en-US" dirty="0"/>
+              <a:t> </a:t>
+            </a:r>
+            <a:r>
+              <a:rPr lang="en-US" dirty="0" err="1"/>
+              <a:t>punteada</a:t>
+            </a:r>
+            <a:r>
+              <a:rPr lang="en-US" dirty="0"/>
+              <a:t> </a:t>
+            </a:r>
+            <a:r>
+              <a:rPr lang="en-US" dirty="0" err="1"/>
+              <a:t>negra</a:t>
+            </a:r>
+            <a:r>
+              <a:rPr lang="en-US" dirty="0"/>
+              <a:t> (g) sin </a:t>
+            </a:r>
+            <a:r>
+              <a:rPr lang="en-US" dirty="0" err="1"/>
+              <a:t>cambiar</a:t>
+            </a:r>
+            <a:r>
+              <a:rPr lang="en-US" dirty="0"/>
+              <a:t> </a:t>
+            </a:r>
+            <a:r>
+              <a:rPr lang="en-US" dirty="0" err="1"/>
+              <a:t>su</a:t>
+            </a:r>
+            <a:r>
+              <a:rPr lang="en-US" dirty="0"/>
+              <a:t> forma. </a:t>
+            </a:r>
+            <a:r>
+              <a:rPr lang="en-US" dirty="0" err="1"/>
+              <a:t>Encuentren</a:t>
+            </a:r>
+            <a:r>
+              <a:rPr lang="en-US" dirty="0"/>
+              <a:t> la formula </a:t>
+            </a:r>
+            <a:r>
+              <a:rPr lang="en-US" dirty="0" err="1"/>
+              <a:t>matematica</a:t>
+            </a:r>
+            <a:r>
+              <a:rPr lang="en-US" dirty="0"/>
+              <a:t> para </a:t>
+            </a:r>
+            <a:r>
+              <a:rPr lang="en-US" dirty="0" err="1"/>
+              <a:t>obtener</a:t>
+            </a:r>
+            <a:r>
+              <a:rPr lang="en-US" dirty="0"/>
+              <a:t> la </a:t>
+            </a:r>
+            <a:r>
+              <a:rPr lang="en-US" dirty="0" err="1"/>
+              <a:t>curva</a:t>
+            </a:r>
+            <a:r>
+              <a:rPr lang="en-US" dirty="0"/>
+              <a:t> continua. </a:t>
+            </a:r>
+            <a:r>
+              <a:rPr lang="en-US" dirty="0" err="1"/>
+              <a:t>Esto</a:t>
+            </a:r>
+            <a:r>
+              <a:rPr lang="en-US" dirty="0"/>
+              <a:t> </a:t>
+            </a:r>
+            <a:r>
+              <a:rPr lang="en-US" dirty="0" err="1"/>
+              <a:t>fue</a:t>
+            </a:r>
+            <a:r>
+              <a:rPr lang="en-US" dirty="0"/>
+              <a:t> </a:t>
+            </a:r>
+            <a:r>
+              <a:rPr lang="en-US" dirty="0" err="1"/>
+              <a:t>aplicado</a:t>
+            </a:r>
+            <a:r>
+              <a:rPr lang="en-US" dirty="0"/>
+              <a:t> </a:t>
+            </a:r>
+            <a:r>
+              <a:rPr lang="en-US" dirty="0" err="1"/>
+              <a:t>en</a:t>
+            </a:r>
+            <a:r>
+              <a:rPr lang="en-US" dirty="0"/>
+              <a:t> el </a:t>
+            </a:r>
+            <a:r>
+              <a:rPr lang="en-US" dirty="0" err="1"/>
+              <a:t>caso</a:t>
+            </a:r>
+            <a:r>
+              <a:rPr lang="en-US" dirty="0"/>
+              <a:t> de well logs para </a:t>
+            </a:r>
+            <a:r>
+              <a:rPr lang="en-US" dirty="0" err="1"/>
+              <a:t>hacer</a:t>
+            </a:r>
+            <a:r>
+              <a:rPr lang="en-US" dirty="0"/>
+              <a:t> el match y </a:t>
+            </a:r>
+            <a:r>
+              <a:rPr lang="en-US" dirty="0" err="1"/>
+              <a:t>en</a:t>
+            </a:r>
+            <a:r>
+              <a:rPr lang="en-US" dirty="0"/>
+              <a:t> </a:t>
+            </a:r>
+            <a:r>
+              <a:rPr lang="en-US" dirty="0" err="1"/>
+              <a:t>recibos</a:t>
+            </a:r>
+            <a:r>
+              <a:rPr lang="en-US" dirty="0"/>
+              <a:t> de CFE con </a:t>
+            </a:r>
+            <a:r>
+              <a:rPr lang="en-US" dirty="0" err="1"/>
+              <a:t>datos</a:t>
+            </a:r>
+            <a:r>
+              <a:rPr lang="en-US" dirty="0"/>
+              <a:t> </a:t>
+            </a:r>
+            <a:r>
+              <a:rPr lang="en-US"/>
+              <a:t>de sensors.</a:t>
+            </a:r>
+            <a:endParaRPr lang="en-US" dirty="0"/>
+          </a:p>
+        </p:txBody>
+      </p:sp>
+    </p:spTree>
+    <p:extLst>
+      <p:ext uri="{BB962C8B-B14F-4D97-AF65-F5344CB8AC3E}">
+        <p14:creationId xmlns:p14="http://schemas.microsoft.com/office/powerpoint/2010/main" val="1508612883"/>
+      </p:ext>
+    </p:extLst>
+  </p:cSld>
+  <p:clrMapOvr>
+    <a:masterClrMapping/>
+  </p:clrMapOvr>
+  <mc:AlternateContent xmlns:mc="http://schemas.openxmlformats.org/markup-compatibility/2006" xmlns:p159="http://schemas.microsoft.com/office/powerpoint/2015/09/main">
+    <mc:Choice Requires="p159">
+      <p:transition xmlns:p14="http://schemas.microsoft.com/office/powerpoint/2010/main" spd="slow" p14:dur="2000">
+        <p159:morph option="byObject"/>
+      </p:transition>
+    </mc:Choice>
+    <mc:Fallback xmlns="">
+      <p:transition spd="slow">
+        <p:fade/>
+      </p:transition>
+    </mc:Fallback>
+  </mc:AlternateContent>
+</p:sld>
+</file>
+
+<file path=ppt/slides/slide23.xml><?xml version="1.0" encoding="utf-8"?>
+<p:sld xmlns:a="http://schemas.openxmlformats.org/drawingml/2006/main" xmlns:r="http://schemas.openxmlformats.org/officeDocument/2006/relationships" xmlns:p="http://schemas.openxmlformats.org/presentationml/2006/main">
+  <p:cSld>
+    <p:spTree>
+      <p:nvGrpSpPr>
+        <p:cNvPr id="1" name=""/>
+        <p:cNvGrpSpPr/>
+        <p:nvPr/>
+      </p:nvGrpSpPr>
+      <p:grpSpPr>
+        <a:xfrm>
+          <a:off x="0" y="0"/>
+          <a:ext cx="0" cy="0"/>
+          <a:chOff x="0" y="0"/>
+          <a:chExt cx="0" cy="0"/>
+        </a:xfrm>
+      </p:grpSpPr>
       <p:sp>
         <p:nvSpPr>
           <p:cNvPr id="2" name="Title 1">
@@ -28325,7 +29622,7 @@
 </p:sld>
 </file>
 
-<file path=ppt/slides/slide23.xml><?xml version="1.0" encoding="utf-8"?>
+<file path=ppt/slides/slide24.xml><?xml version="1.0" encoding="utf-8"?>
 <p:sld xmlns:a="http://schemas.openxmlformats.org/drawingml/2006/main" xmlns:r="http://schemas.openxmlformats.org/officeDocument/2006/relationships" xmlns:p="http://schemas.openxmlformats.org/presentationml/2006/main">
   <p:cSld>
     <p:spTree>
@@ -28498,7 +29795,7 @@
         </p:blipFill>
         <p:spPr bwMode="auto">
           <a:xfrm>
-            <a:off x="5323231" y="3237409"/>
+            <a:off x="5323231" y="3254662"/>
             <a:ext cx="5352716" cy="3657600"/>
           </a:xfrm>
           <a:prstGeom prst="rect">
@@ -28600,6 +29897,997 @@
           </a:p>
         </p:txBody>
       </p:sp>
+      <mc:AlternateContent xmlns:mc="http://schemas.openxmlformats.org/markup-compatibility/2006">
+        <mc:Choice xmlns:a14="http://schemas.microsoft.com/office/drawing/2010/main" Requires="a14">
+          <p:sp>
+            <p:nvSpPr>
+              <p:cNvPr id="3" name="TextBox 2">
+                <a:extLst>
+                  <a:ext uri="{FF2B5EF4-FFF2-40B4-BE49-F238E27FC236}">
+                    <a16:creationId xmlns:a16="http://schemas.microsoft.com/office/drawing/2014/main" id="{D30EE470-E528-4FCD-BA13-5BEC54C33601}"/>
+                  </a:ext>
+                </a:extLst>
+              </p:cNvPr>
+              <p:cNvSpPr txBox="1"/>
+              <p:nvPr/>
+            </p:nvSpPr>
+            <p:spPr>
+              <a:xfrm>
+                <a:off x="10140745" y="3702922"/>
+                <a:ext cx="1883032" cy="672043"/>
+              </a:xfrm>
+              <a:prstGeom prst="rect">
+                <a:avLst/>
+              </a:prstGeom>
+              <a:noFill/>
+            </p:spPr>
+            <p:txBody>
+              <a:bodyPr wrap="square" rtlCol="0">
+                <a:spAutoFit/>
+              </a:bodyPr>
+              <a:lstStyle/>
+              <a:p>
+                <a:pPr algn="r"/>
+                <a14:m>
+                  <m:oMathPara xmlns:m="http://schemas.openxmlformats.org/officeDocument/2006/math">
+                    <m:oMathParaPr>
+                      <m:jc m:val="right"/>
+                    </m:oMathParaPr>
+                    <m:oMath xmlns:m="http://schemas.openxmlformats.org/officeDocument/2006/math">
+                      <m:sSub>
+                        <m:sSubPr>
+                          <m:ctrlPr>
+                            <a:rPr lang="en-US" sz="2000" b="0" i="1" smtClean="0">
+                              <a:latin typeface="Cambria Math" panose="02040503050406030204" pitchFamily="18" charset="0"/>
+                            </a:rPr>
+                          </m:ctrlPr>
+                        </m:sSubPr>
+                        <m:e>
+                          <m:r>
+                            <a:rPr lang="en-US" sz="2000" b="0" i="1" smtClean="0">
+                              <a:latin typeface="Cambria Math" panose="02040503050406030204" pitchFamily="18" charset="0"/>
+                            </a:rPr>
+                            <m:t>𝑝</m:t>
+                          </m:r>
+                        </m:e>
+                        <m:sub>
+                          <m:r>
+                            <a:rPr lang="en-US" sz="2000" b="0" i="1" smtClean="0">
+                              <a:latin typeface="Cambria Math" panose="02040503050406030204" pitchFamily="18" charset="0"/>
+                            </a:rPr>
+                            <m:t>𝑖</m:t>
+                          </m:r>
+                        </m:sub>
+                      </m:sSub>
+                      <m:r>
+                        <a:rPr lang="en-US" sz="2000" b="0" i="1" smtClean="0">
+                          <a:latin typeface="Cambria Math" panose="02040503050406030204" pitchFamily="18" charset="0"/>
+                        </a:rPr>
+                        <m:t>=100</m:t>
+                      </m:r>
+                      <m:f>
+                        <m:fPr>
+                          <m:ctrlPr>
+                            <a:rPr lang="en-US" sz="2000" b="0" i="1" smtClean="0">
+                              <a:latin typeface="Cambria Math" panose="02040503050406030204" pitchFamily="18" charset="0"/>
+                            </a:rPr>
+                          </m:ctrlPr>
+                        </m:fPr>
+                        <m:num>
+                          <m:sSub>
+                            <m:sSubPr>
+                              <m:ctrlPr>
+                                <a:rPr lang="en-US" sz="2000" b="0" i="1" smtClean="0">
+                                  <a:latin typeface="Cambria Math" panose="02040503050406030204" pitchFamily="18" charset="0"/>
+                                </a:rPr>
+                              </m:ctrlPr>
+                            </m:sSubPr>
+                            <m:e>
+                              <m:r>
+                                <a:rPr lang="es-419" sz="2000" b="0" i="1" smtClean="0">
+                                  <a:latin typeface="Cambria Math" panose="02040503050406030204" pitchFamily="18" charset="0"/>
+                                </a:rPr>
+                                <m:t>𝑒</m:t>
+                              </m:r>
+                            </m:e>
+                            <m:sub>
+                              <m:r>
+                                <a:rPr lang="en-US" sz="2000" b="0" i="1" smtClean="0">
+                                  <a:latin typeface="Cambria Math" panose="02040503050406030204" pitchFamily="18" charset="0"/>
+                                </a:rPr>
+                                <m:t>𝑖</m:t>
+                              </m:r>
+                            </m:sub>
+                          </m:sSub>
+                        </m:num>
+                        <m:den>
+                          <m:sSub>
+                            <m:sSubPr>
+                              <m:ctrlPr>
+                                <a:rPr lang="en-US" sz="2000" b="0" i="1" smtClean="0">
+                                  <a:latin typeface="Cambria Math" panose="02040503050406030204" pitchFamily="18" charset="0"/>
+                                </a:rPr>
+                              </m:ctrlPr>
+                            </m:sSubPr>
+                            <m:e>
+                              <m:r>
+                                <a:rPr lang="en-US" sz="2000" b="0" i="1" smtClean="0">
+                                  <a:latin typeface="Cambria Math" panose="02040503050406030204" pitchFamily="18" charset="0"/>
+                                </a:rPr>
+                                <m:t>𝑦</m:t>
+                              </m:r>
+                            </m:e>
+                            <m:sub>
+                              <m:r>
+                                <a:rPr lang="en-US" sz="2000" b="0" i="1" smtClean="0">
+                                  <a:latin typeface="Cambria Math" panose="02040503050406030204" pitchFamily="18" charset="0"/>
+                                </a:rPr>
+                                <m:t>𝑖</m:t>
+                              </m:r>
+                            </m:sub>
+                          </m:sSub>
+                        </m:den>
+                      </m:f>
+                    </m:oMath>
+                  </m:oMathPara>
+                </a14:m>
+                <a:endParaRPr lang="en-US" sz="2000" dirty="0"/>
+              </a:p>
+            </p:txBody>
+          </p:sp>
+        </mc:Choice>
+        <mc:Fallback>
+          <p:sp>
+            <p:nvSpPr>
+              <p:cNvPr id="3" name="TextBox 2">
+                <a:extLst>
+                  <a:ext uri="{FF2B5EF4-FFF2-40B4-BE49-F238E27FC236}">
+                    <a16:creationId xmlns:a16="http://schemas.microsoft.com/office/drawing/2014/main" id="{D30EE470-E528-4FCD-BA13-5BEC54C33601}"/>
+                  </a:ext>
+                </a:extLst>
+              </p:cNvPr>
+              <p:cNvSpPr txBox="1">
+                <a:spLocks noRot="1" noChangeAspect="1" noMove="1" noResize="1" noEditPoints="1" noAdjustHandles="1" noChangeArrowheads="1" noChangeShapeType="1" noTextEdit="1"/>
+              </p:cNvSpPr>
+              <p:nvPr/>
+            </p:nvSpPr>
+            <p:spPr>
+              <a:xfrm>
+                <a:off x="10140745" y="3702922"/>
+                <a:ext cx="1883032" cy="672043"/>
+              </a:xfrm>
+              <a:prstGeom prst="rect">
+                <a:avLst/>
+              </a:prstGeom>
+              <a:blipFill>
+                <a:blip r:embed="rId7"/>
+                <a:stretch>
+                  <a:fillRect/>
+                </a:stretch>
+              </a:blipFill>
+            </p:spPr>
+            <p:txBody>
+              <a:bodyPr/>
+              <a:lstStyle/>
+              <a:p>
+                <a:r>
+                  <a:rPr lang="en-US">
+                    <a:noFill/>
+                  </a:rPr>
+                  <a:t> </a:t>
+                </a:r>
+              </a:p>
+            </p:txBody>
+          </p:sp>
+        </mc:Fallback>
+      </mc:AlternateContent>
+      <mc:AlternateContent xmlns:mc="http://schemas.openxmlformats.org/markup-compatibility/2006">
+        <mc:Choice xmlns:a14="http://schemas.microsoft.com/office/drawing/2010/main" Requires="a14">
+          <p:sp>
+            <p:nvSpPr>
+              <p:cNvPr id="4" name="TextBox 3">
+                <a:extLst>
+                  <a:ext uri="{FF2B5EF4-FFF2-40B4-BE49-F238E27FC236}">
+                    <a16:creationId xmlns:a16="http://schemas.microsoft.com/office/drawing/2014/main" id="{BF93F4BD-1C97-4170-9AD7-8CD2B9D94635}"/>
+                  </a:ext>
+                </a:extLst>
+              </p:cNvPr>
+              <p:cNvSpPr txBox="1"/>
+              <p:nvPr/>
+            </p:nvSpPr>
+            <p:spPr>
+              <a:xfrm>
+                <a:off x="9338056" y="4439298"/>
+                <a:ext cx="2685721" cy="400110"/>
+              </a:xfrm>
+              <a:prstGeom prst="rect">
+                <a:avLst/>
+              </a:prstGeom>
+              <a:noFill/>
+            </p:spPr>
+            <p:txBody>
+              <a:bodyPr wrap="square" rtlCol="0">
+                <a:spAutoFit/>
+              </a:bodyPr>
+              <a:lstStyle/>
+              <a:p>
+                <a:pPr algn="r"/>
+                <a:r>
+                  <a:rPr lang="en-US" sz="2000" dirty="0"/>
+                  <a:t>MAPE</a:t>
+                </a:r>
+                <a:r>
+                  <a:rPr lang="en-US" sz="2000" b="0" dirty="0"/>
+                  <a:t> </a:t>
+                </a:r>
+                <a14:m>
+                  <m:oMath xmlns:m="http://schemas.openxmlformats.org/officeDocument/2006/math">
+                    <m:r>
+                      <a:rPr lang="en-US" sz="2000" b="0" i="1" smtClean="0">
+                        <a:latin typeface="Cambria Math" panose="02040503050406030204" pitchFamily="18" charset="0"/>
+                      </a:rPr>
+                      <m:t>=</m:t>
+                    </m:r>
+                    <m:r>
+                      <a:rPr lang="en-US" sz="2000" b="0" i="1" smtClean="0">
+                        <a:latin typeface="Cambria Math" panose="02040503050406030204" pitchFamily="18" charset="0"/>
+                      </a:rPr>
+                      <m:t>𝑚𝑒𝑎𝑛</m:t>
+                    </m:r>
+                    <m:d>
+                      <m:dPr>
+                        <m:ctrlPr>
+                          <a:rPr lang="en-US" sz="2000" b="0" i="1" smtClean="0">
+                            <a:latin typeface="Cambria Math" panose="02040503050406030204" pitchFamily="18" charset="0"/>
+                          </a:rPr>
+                        </m:ctrlPr>
+                      </m:dPr>
+                      <m:e>
+                        <m:sSub>
+                          <m:sSubPr>
+                            <m:ctrlPr>
+                              <a:rPr lang="en-US" sz="2000" b="0" i="1" smtClean="0">
+                                <a:latin typeface="Cambria Math" panose="02040503050406030204" pitchFamily="18" charset="0"/>
+                              </a:rPr>
+                            </m:ctrlPr>
+                          </m:sSubPr>
+                          <m:e>
+                            <m:r>
+                              <a:rPr lang="en-US" sz="2000" b="0" i="1" smtClean="0">
+                                <a:latin typeface="Cambria Math" panose="02040503050406030204" pitchFamily="18" charset="0"/>
+                              </a:rPr>
+                              <m:t>|</m:t>
+                            </m:r>
+                            <m:r>
+                              <a:rPr lang="en-US" sz="2000" b="0" i="1" smtClean="0">
+                                <a:latin typeface="Cambria Math" panose="02040503050406030204" pitchFamily="18" charset="0"/>
+                              </a:rPr>
+                              <m:t>𝑝</m:t>
+                            </m:r>
+                          </m:e>
+                          <m:sub>
+                            <m:r>
+                              <a:rPr lang="en-US" sz="2000" b="0" i="1" smtClean="0">
+                                <a:latin typeface="Cambria Math" panose="02040503050406030204" pitchFamily="18" charset="0"/>
+                              </a:rPr>
+                              <m:t>𝑖</m:t>
+                            </m:r>
+                          </m:sub>
+                        </m:sSub>
+                        <m:r>
+                          <a:rPr lang="en-US" sz="2000" b="0" i="1" smtClean="0">
+                            <a:latin typeface="Cambria Math" panose="02040503050406030204" pitchFamily="18" charset="0"/>
+                          </a:rPr>
+                          <m:t>|</m:t>
+                        </m:r>
+                      </m:e>
+                    </m:d>
+                  </m:oMath>
+                </a14:m>
+                <a:endParaRPr lang="en-US" sz="2000" dirty="0"/>
+              </a:p>
+            </p:txBody>
+          </p:sp>
+        </mc:Choice>
+        <mc:Fallback>
+          <p:sp>
+            <p:nvSpPr>
+              <p:cNvPr id="4" name="TextBox 3">
+                <a:extLst>
+                  <a:ext uri="{FF2B5EF4-FFF2-40B4-BE49-F238E27FC236}">
+                    <a16:creationId xmlns:a16="http://schemas.microsoft.com/office/drawing/2014/main" id="{BF93F4BD-1C97-4170-9AD7-8CD2B9D94635}"/>
+                  </a:ext>
+                </a:extLst>
+              </p:cNvPr>
+              <p:cNvSpPr txBox="1">
+                <a:spLocks noRot="1" noChangeAspect="1" noMove="1" noResize="1" noEditPoints="1" noAdjustHandles="1" noChangeArrowheads="1" noChangeShapeType="1" noTextEdit="1"/>
+              </p:cNvSpPr>
+              <p:nvPr/>
+            </p:nvSpPr>
+            <p:spPr>
+              <a:xfrm>
+                <a:off x="9338056" y="4439298"/>
+                <a:ext cx="2685721" cy="400110"/>
+              </a:xfrm>
+              <a:prstGeom prst="rect">
+                <a:avLst/>
+              </a:prstGeom>
+              <a:blipFill>
+                <a:blip r:embed="rId8"/>
+                <a:stretch>
+                  <a:fillRect t="-7576" b="-25758"/>
+                </a:stretch>
+              </a:blipFill>
+            </p:spPr>
+            <p:txBody>
+              <a:bodyPr/>
+              <a:lstStyle/>
+              <a:p>
+                <a:r>
+                  <a:rPr lang="en-US">
+                    <a:noFill/>
+                  </a:rPr>
+                  <a:t> </a:t>
+                </a:r>
+              </a:p>
+            </p:txBody>
+          </p:sp>
+        </mc:Fallback>
+      </mc:AlternateContent>
+      <mc:AlternateContent xmlns:mc="http://schemas.openxmlformats.org/markup-compatibility/2006">
+        <mc:Choice xmlns:a14="http://schemas.microsoft.com/office/drawing/2010/main" Requires="a14">
+          <p:sp>
+            <p:nvSpPr>
+              <p:cNvPr id="5" name="TextBox 4">
+                <a:extLst>
+                  <a:ext uri="{FF2B5EF4-FFF2-40B4-BE49-F238E27FC236}">
+                    <a16:creationId xmlns:a16="http://schemas.microsoft.com/office/drawing/2014/main" id="{60C69843-F07A-4D49-9037-929F0163ABA2}"/>
+                  </a:ext>
+                </a:extLst>
+              </p:cNvPr>
+              <p:cNvSpPr txBox="1"/>
+              <p:nvPr/>
+            </p:nvSpPr>
+            <p:spPr>
+              <a:xfrm>
+                <a:off x="1763190" y="2809458"/>
+                <a:ext cx="3281833" cy="439736"/>
+              </a:xfrm>
+              <a:prstGeom prst="rect">
+                <a:avLst/>
+              </a:prstGeom>
+              <a:noFill/>
+            </p:spPr>
+            <p:txBody>
+              <a:bodyPr wrap="square" rtlCol="0">
+                <a:spAutoFit/>
+              </a:bodyPr>
+              <a:lstStyle/>
+              <a:p>
+                <a:pPr algn="r"/>
+                <a:r>
+                  <a:rPr lang="en-US" sz="2000" dirty="0"/>
+                  <a:t>MSE</a:t>
+                </a:r>
+                <a:r>
+                  <a:rPr lang="en-US" sz="2000" b="0" dirty="0"/>
+                  <a:t> </a:t>
+                </a:r>
+                <a14:m>
+                  <m:oMath xmlns:m="http://schemas.openxmlformats.org/officeDocument/2006/math">
+                    <m:r>
+                      <a:rPr lang="en-US" sz="2000" b="0" i="1" smtClean="0">
+                        <a:latin typeface="Cambria Math" panose="02040503050406030204" pitchFamily="18" charset="0"/>
+                      </a:rPr>
+                      <m:t>=</m:t>
+                    </m:r>
+                    <m:r>
+                      <a:rPr lang="en-US" sz="2000" b="0" i="1" smtClean="0">
+                        <a:latin typeface="Cambria Math" panose="02040503050406030204" pitchFamily="18" charset="0"/>
+                      </a:rPr>
+                      <m:t>𝑚𝑒𝑎𝑛</m:t>
+                    </m:r>
+                    <m:d>
+                      <m:dPr>
+                        <m:ctrlPr>
+                          <a:rPr lang="en-US" sz="2000" b="0" i="1" smtClean="0">
+                            <a:latin typeface="Cambria Math" panose="02040503050406030204" pitchFamily="18" charset="0"/>
+                          </a:rPr>
+                        </m:ctrlPr>
+                      </m:dPr>
+                      <m:e>
+                        <m:sSubSup>
+                          <m:sSubSupPr>
+                            <m:ctrlPr>
+                              <a:rPr lang="en-US" sz="2000" b="0" i="1" smtClean="0">
+                                <a:latin typeface="Cambria Math" panose="02040503050406030204" pitchFamily="18" charset="0"/>
+                              </a:rPr>
+                            </m:ctrlPr>
+                          </m:sSubSupPr>
+                          <m:e>
+                            <m:r>
+                              <a:rPr lang="en-US" sz="2000" b="0" i="1" smtClean="0">
+                                <a:latin typeface="Cambria Math" panose="02040503050406030204" pitchFamily="18" charset="0"/>
+                              </a:rPr>
+                              <m:t>𝑒</m:t>
+                            </m:r>
+                          </m:e>
+                          <m:sub>
+                            <m:r>
+                              <a:rPr lang="en-US" sz="2000" b="0" i="1" smtClean="0">
+                                <a:latin typeface="Cambria Math" panose="02040503050406030204" pitchFamily="18" charset="0"/>
+                              </a:rPr>
+                              <m:t>𝑖</m:t>
+                            </m:r>
+                          </m:sub>
+                          <m:sup>
+                            <m:r>
+                              <a:rPr lang="en-US" sz="2000" b="0" i="1" smtClean="0">
+                                <a:latin typeface="Cambria Math" panose="02040503050406030204" pitchFamily="18" charset="0"/>
+                              </a:rPr>
+                              <m:t>2</m:t>
+                            </m:r>
+                          </m:sup>
+                        </m:sSubSup>
+                      </m:e>
+                    </m:d>
+                    <m:r>
+                      <a:rPr lang="en-US" sz="2000" b="0" i="1" smtClean="0">
+                        <a:latin typeface="Cambria Math" panose="02040503050406030204" pitchFamily="18" charset="0"/>
+                      </a:rPr>
+                      <m:t> </m:t>
+                    </m:r>
+                  </m:oMath>
+                </a14:m>
+                <a:endParaRPr lang="en-US" sz="2000" dirty="0"/>
+              </a:p>
+            </p:txBody>
+          </p:sp>
+        </mc:Choice>
+        <mc:Fallback>
+          <p:sp>
+            <p:nvSpPr>
+              <p:cNvPr id="5" name="TextBox 4">
+                <a:extLst>
+                  <a:ext uri="{FF2B5EF4-FFF2-40B4-BE49-F238E27FC236}">
+                    <a16:creationId xmlns:a16="http://schemas.microsoft.com/office/drawing/2014/main" id="{60C69843-F07A-4D49-9037-929F0163ABA2}"/>
+                  </a:ext>
+                </a:extLst>
+              </p:cNvPr>
+              <p:cNvSpPr txBox="1">
+                <a:spLocks noRot="1" noChangeAspect="1" noMove="1" noResize="1" noEditPoints="1" noAdjustHandles="1" noChangeArrowheads="1" noChangeShapeType="1" noTextEdit="1"/>
+              </p:cNvSpPr>
+              <p:nvPr/>
+            </p:nvSpPr>
+            <p:spPr>
+              <a:xfrm>
+                <a:off x="1763190" y="2809458"/>
+                <a:ext cx="3281833" cy="439736"/>
+              </a:xfrm>
+              <a:prstGeom prst="rect">
+                <a:avLst/>
+              </a:prstGeom>
+              <a:blipFill>
+                <a:blip r:embed="rId9"/>
+                <a:stretch>
+                  <a:fillRect t="-2778" b="-20833"/>
+                </a:stretch>
+              </a:blipFill>
+            </p:spPr>
+            <p:txBody>
+              <a:bodyPr/>
+              <a:lstStyle/>
+              <a:p>
+                <a:r>
+                  <a:rPr lang="en-US">
+                    <a:noFill/>
+                  </a:rPr>
+                  <a:t> </a:t>
+                </a:r>
+              </a:p>
+            </p:txBody>
+          </p:sp>
+        </mc:Fallback>
+      </mc:AlternateContent>
+      <mc:AlternateContent xmlns:mc="http://schemas.openxmlformats.org/markup-compatibility/2006">
+        <mc:Choice xmlns:a14="http://schemas.microsoft.com/office/drawing/2010/main" Requires="a14">
+          <p:sp>
+            <p:nvSpPr>
+              <p:cNvPr id="6" name="TextBox 5">
+                <a:extLst>
+                  <a:ext uri="{FF2B5EF4-FFF2-40B4-BE49-F238E27FC236}">
+                    <a16:creationId xmlns:a16="http://schemas.microsoft.com/office/drawing/2014/main" id="{B5A57292-B6BC-4DFC-9B0A-4B35BAC8D89A}"/>
+                  </a:ext>
+                </a:extLst>
+              </p:cNvPr>
+              <p:cNvSpPr txBox="1"/>
+              <p:nvPr/>
+            </p:nvSpPr>
+            <p:spPr>
+              <a:xfrm>
+                <a:off x="9782719" y="652633"/>
+                <a:ext cx="2487359" cy="400110"/>
+              </a:xfrm>
+              <a:prstGeom prst="rect">
+                <a:avLst/>
+              </a:prstGeom>
+              <a:noFill/>
+            </p:spPr>
+            <p:txBody>
+              <a:bodyPr wrap="square" rtlCol="0">
+                <a:spAutoFit/>
+              </a:bodyPr>
+              <a:lstStyle/>
+              <a:p>
+                <a:pPr algn="r"/>
+                <a14:m>
+                  <m:oMathPara xmlns:m="http://schemas.openxmlformats.org/officeDocument/2006/math">
+                    <m:oMathParaPr>
+                      <m:jc m:val="centerGroup"/>
+                    </m:oMathParaPr>
+                    <m:oMath xmlns:m="http://schemas.openxmlformats.org/officeDocument/2006/math">
+                      <m:sSub>
+                        <m:sSubPr>
+                          <m:ctrlPr>
+                            <a:rPr lang="en-US" sz="2000" b="0" i="1" smtClean="0">
+                              <a:latin typeface="Cambria Math" panose="02040503050406030204" pitchFamily="18" charset="0"/>
+                            </a:rPr>
+                          </m:ctrlPr>
+                        </m:sSubPr>
+                        <m:e>
+                          <m:r>
+                            <a:rPr lang="en-US" sz="2000" b="0" i="1" smtClean="0">
+                              <a:latin typeface="Cambria Math" panose="02040503050406030204" pitchFamily="18" charset="0"/>
+                            </a:rPr>
+                            <m:t>𝑒</m:t>
+                          </m:r>
+                        </m:e>
+                        <m:sub>
+                          <m:r>
+                            <a:rPr lang="en-US" sz="2000" b="0" i="1" smtClean="0">
+                              <a:latin typeface="Cambria Math" panose="02040503050406030204" pitchFamily="18" charset="0"/>
+                            </a:rPr>
+                            <m:t>𝑖</m:t>
+                          </m:r>
+                        </m:sub>
+                      </m:sSub>
+                      <m:r>
+                        <a:rPr lang="en-US" sz="2000" b="0" i="1" smtClean="0">
+                          <a:latin typeface="Cambria Math" panose="02040503050406030204" pitchFamily="18" charset="0"/>
+                        </a:rPr>
+                        <m:t>=</m:t>
+                      </m:r>
+                      <m:sSub>
+                        <m:sSubPr>
+                          <m:ctrlPr>
+                            <a:rPr lang="en-US" sz="2000" b="0" i="1" smtClean="0">
+                              <a:latin typeface="Cambria Math" panose="02040503050406030204" pitchFamily="18" charset="0"/>
+                            </a:rPr>
+                          </m:ctrlPr>
+                        </m:sSubPr>
+                        <m:e>
+                          <m:r>
+                            <a:rPr lang="en-US" sz="2000" b="0" i="1" smtClean="0">
+                              <a:latin typeface="Cambria Math" panose="02040503050406030204" pitchFamily="18" charset="0"/>
+                            </a:rPr>
+                            <m:t>𝑦</m:t>
+                          </m:r>
+                        </m:e>
+                        <m:sub>
+                          <m:r>
+                            <a:rPr lang="en-US" sz="2000" b="0" i="1" smtClean="0">
+                              <a:latin typeface="Cambria Math" panose="02040503050406030204" pitchFamily="18" charset="0"/>
+                            </a:rPr>
+                            <m:t>𝑖</m:t>
+                          </m:r>
+                        </m:sub>
+                      </m:sSub>
+                      <m:r>
+                        <a:rPr lang="en-US" sz="2000" b="0" i="1" smtClean="0">
+                          <a:latin typeface="Cambria Math" panose="02040503050406030204" pitchFamily="18" charset="0"/>
+                        </a:rPr>
+                        <m:t>−</m:t>
+                      </m:r>
+                      <m:acc>
+                        <m:accPr>
+                          <m:chr m:val="̂"/>
+                          <m:ctrlPr>
+                            <a:rPr lang="en-US" sz="2000" b="0" i="1" smtClean="0">
+                              <a:latin typeface="Cambria Math" panose="02040503050406030204" pitchFamily="18" charset="0"/>
+                            </a:rPr>
+                          </m:ctrlPr>
+                        </m:accPr>
+                        <m:e>
+                          <m:sSub>
+                            <m:sSubPr>
+                              <m:ctrlPr>
+                                <a:rPr lang="en-US" sz="2000" b="0" i="1" smtClean="0">
+                                  <a:latin typeface="Cambria Math" panose="02040503050406030204" pitchFamily="18" charset="0"/>
+                                </a:rPr>
+                              </m:ctrlPr>
+                            </m:sSubPr>
+                            <m:e>
+                              <m:r>
+                                <a:rPr lang="en-US" sz="2000" b="0" i="1" smtClean="0">
+                                  <a:latin typeface="Cambria Math" panose="02040503050406030204" pitchFamily="18" charset="0"/>
+                                </a:rPr>
+                                <m:t>𝑦</m:t>
+                              </m:r>
+                            </m:e>
+                            <m:sub>
+                              <m:r>
+                                <a:rPr lang="en-US" sz="2000" b="0" i="1" smtClean="0">
+                                  <a:latin typeface="Cambria Math" panose="02040503050406030204" pitchFamily="18" charset="0"/>
+                                </a:rPr>
+                                <m:t>𝑖</m:t>
+                              </m:r>
+                            </m:sub>
+                          </m:sSub>
+                        </m:e>
+                      </m:acc>
+                      <m:r>
+                        <a:rPr lang="en-US" sz="2000" b="0" i="1" smtClean="0">
+                          <a:latin typeface="Cambria Math" panose="02040503050406030204" pitchFamily="18" charset="0"/>
+                        </a:rPr>
+                        <m:t> </m:t>
+                      </m:r>
+                      <m:r>
+                        <a:rPr lang="en-US" sz="2000" b="0" i="1" smtClean="0">
+                          <a:latin typeface="Cambria Math" panose="02040503050406030204" pitchFamily="18" charset="0"/>
+                        </a:rPr>
+                        <m:t> </m:t>
+                      </m:r>
+                    </m:oMath>
+                  </m:oMathPara>
+                </a14:m>
+                <a:endParaRPr lang="en-US" sz="2000" dirty="0"/>
+              </a:p>
+            </p:txBody>
+          </p:sp>
+        </mc:Choice>
+        <mc:Fallback>
+          <p:sp>
+            <p:nvSpPr>
+              <p:cNvPr id="6" name="TextBox 5">
+                <a:extLst>
+                  <a:ext uri="{FF2B5EF4-FFF2-40B4-BE49-F238E27FC236}">
+                    <a16:creationId xmlns:a16="http://schemas.microsoft.com/office/drawing/2014/main" id="{B5A57292-B6BC-4DFC-9B0A-4B35BAC8D89A}"/>
+                  </a:ext>
+                </a:extLst>
+              </p:cNvPr>
+              <p:cNvSpPr txBox="1">
+                <a:spLocks noRot="1" noChangeAspect="1" noMove="1" noResize="1" noEditPoints="1" noAdjustHandles="1" noChangeArrowheads="1" noChangeShapeType="1" noTextEdit="1"/>
+              </p:cNvSpPr>
+              <p:nvPr/>
+            </p:nvSpPr>
+            <p:spPr>
+              <a:xfrm>
+                <a:off x="9782719" y="652633"/>
+                <a:ext cx="2487359" cy="400110"/>
+              </a:xfrm>
+              <a:prstGeom prst="rect">
+                <a:avLst/>
+              </a:prstGeom>
+              <a:blipFill>
+                <a:blip r:embed="rId10"/>
+                <a:stretch>
+                  <a:fillRect t="-6061" b="-7576"/>
+                </a:stretch>
+              </a:blipFill>
+            </p:spPr>
+            <p:txBody>
+              <a:bodyPr/>
+              <a:lstStyle/>
+              <a:p>
+                <a:r>
+                  <a:rPr lang="en-US">
+                    <a:noFill/>
+                  </a:rPr>
+                  <a:t> </a:t>
+                </a:r>
+              </a:p>
+            </p:txBody>
+          </p:sp>
+        </mc:Fallback>
+      </mc:AlternateContent>
+      <mc:AlternateContent xmlns:mc="http://schemas.openxmlformats.org/markup-compatibility/2006">
+        <mc:Choice xmlns:a14="http://schemas.microsoft.com/office/drawing/2010/main" Requires="a14">
+          <p:sp>
+            <p:nvSpPr>
+              <p:cNvPr id="9" name="TextBox 8">
+                <a:extLst>
+                  <a:ext uri="{FF2B5EF4-FFF2-40B4-BE49-F238E27FC236}">
+                    <a16:creationId xmlns:a16="http://schemas.microsoft.com/office/drawing/2014/main" id="{2BBBDA1B-8B6C-4669-979C-0472E872EA7C}"/>
+                  </a:ext>
+                </a:extLst>
+              </p:cNvPr>
+              <p:cNvSpPr txBox="1"/>
+              <p:nvPr/>
+            </p:nvSpPr>
+            <p:spPr>
+              <a:xfrm>
+                <a:off x="7866903" y="2069885"/>
+                <a:ext cx="2037667" cy="400110"/>
+              </a:xfrm>
+              <a:prstGeom prst="rect">
+                <a:avLst/>
+              </a:prstGeom>
+              <a:noFill/>
+            </p:spPr>
+            <p:txBody>
+              <a:bodyPr wrap="square" rtlCol="0">
+                <a:spAutoFit/>
+              </a:bodyPr>
+              <a:lstStyle/>
+              <a:p>
+                <a:pPr algn="r"/>
+                <a14:m>
+                  <m:oMathPara xmlns:m="http://schemas.openxmlformats.org/officeDocument/2006/math">
+                    <m:oMathParaPr>
+                      <m:jc m:val="centerGroup"/>
+                    </m:oMathParaPr>
+                    <m:oMath xmlns:m="http://schemas.openxmlformats.org/officeDocument/2006/math">
+                      <m:r>
+                        <a:rPr lang="en-US" sz="2000" b="0" i="1" smtClean="0">
+                          <a:latin typeface="Cambria Math" panose="02040503050406030204" pitchFamily="18" charset="0"/>
+                        </a:rPr>
+                        <m:t>=</m:t>
+                      </m:r>
+                      <m:r>
+                        <a:rPr lang="en-US" sz="2000" b="0" i="1" smtClean="0">
+                          <a:latin typeface="Cambria Math" panose="02040503050406030204" pitchFamily="18" charset="0"/>
+                        </a:rPr>
+                        <m:t>𝑚𝑒𝑎𝑛</m:t>
+                      </m:r>
+                      <m:d>
+                        <m:dPr>
+                          <m:ctrlPr>
+                            <a:rPr lang="en-US" sz="2000" b="0" i="1" smtClean="0">
+                              <a:latin typeface="Cambria Math" panose="02040503050406030204" pitchFamily="18" charset="0"/>
+                            </a:rPr>
+                          </m:ctrlPr>
+                        </m:dPr>
+                        <m:e>
+                          <m:d>
+                            <m:dPr>
+                              <m:begChr m:val="|"/>
+                              <m:endChr m:val="|"/>
+                              <m:ctrlPr>
+                                <a:rPr lang="en-US" sz="2000" b="0" i="1" smtClean="0">
+                                  <a:latin typeface="Cambria Math" panose="02040503050406030204" pitchFamily="18" charset="0"/>
+                                </a:rPr>
+                              </m:ctrlPr>
+                            </m:dPr>
+                            <m:e>
+                              <m:sSub>
+                                <m:sSubPr>
+                                  <m:ctrlPr>
+                                    <a:rPr lang="en-US" sz="2000" b="0" i="1" smtClean="0">
+                                      <a:latin typeface="Cambria Math" panose="02040503050406030204" pitchFamily="18" charset="0"/>
+                                    </a:rPr>
+                                  </m:ctrlPr>
+                                </m:sSubPr>
+                                <m:e>
+                                  <m:r>
+                                    <a:rPr lang="en-US" sz="2000" b="0" i="1" smtClean="0">
+                                      <a:latin typeface="Cambria Math" panose="02040503050406030204" pitchFamily="18" charset="0"/>
+                                    </a:rPr>
+                                    <m:t>𝑒</m:t>
+                                  </m:r>
+                                </m:e>
+                                <m:sub>
+                                  <m:r>
+                                    <a:rPr lang="en-US" sz="2000" b="0" i="1" smtClean="0">
+                                      <a:latin typeface="Cambria Math" panose="02040503050406030204" pitchFamily="18" charset="0"/>
+                                    </a:rPr>
+                                    <m:t>𝑖</m:t>
+                                  </m:r>
+                                </m:sub>
+                              </m:sSub>
+                            </m:e>
+                          </m:d>
+                        </m:e>
+                      </m:d>
+                      <m:r>
+                        <a:rPr lang="en-US" sz="2000" b="0" i="1" smtClean="0">
+                          <a:latin typeface="Cambria Math" panose="02040503050406030204" pitchFamily="18" charset="0"/>
+                        </a:rPr>
+                        <m:t> </m:t>
+                      </m:r>
+                    </m:oMath>
+                  </m:oMathPara>
+                </a14:m>
+                <a:endParaRPr lang="en-US" sz="2000" dirty="0"/>
+              </a:p>
+            </p:txBody>
+          </p:sp>
+        </mc:Choice>
+        <mc:Fallback>
+          <p:sp>
+            <p:nvSpPr>
+              <p:cNvPr id="9" name="TextBox 8">
+                <a:extLst>
+                  <a:ext uri="{FF2B5EF4-FFF2-40B4-BE49-F238E27FC236}">
+                    <a16:creationId xmlns:a16="http://schemas.microsoft.com/office/drawing/2014/main" id="{2BBBDA1B-8B6C-4669-979C-0472E872EA7C}"/>
+                  </a:ext>
+                </a:extLst>
+              </p:cNvPr>
+              <p:cNvSpPr txBox="1">
+                <a:spLocks noRot="1" noChangeAspect="1" noMove="1" noResize="1" noEditPoints="1" noAdjustHandles="1" noChangeArrowheads="1" noChangeShapeType="1" noTextEdit="1"/>
+              </p:cNvSpPr>
+              <p:nvPr/>
+            </p:nvSpPr>
+            <p:spPr>
+              <a:xfrm>
+                <a:off x="7866903" y="2069885"/>
+                <a:ext cx="2037667" cy="400110"/>
+              </a:xfrm>
+              <a:prstGeom prst="rect">
+                <a:avLst/>
+              </a:prstGeom>
+              <a:blipFill>
+                <a:blip r:embed="rId11"/>
+                <a:stretch>
+                  <a:fillRect b="-1538"/>
+                </a:stretch>
+              </a:blipFill>
+            </p:spPr>
+            <p:txBody>
+              <a:bodyPr/>
+              <a:lstStyle/>
+              <a:p>
+                <a:r>
+                  <a:rPr lang="en-US">
+                    <a:noFill/>
+                  </a:rPr>
+                  <a:t> </a:t>
+                </a:r>
+              </a:p>
+            </p:txBody>
+          </p:sp>
+        </mc:Fallback>
+      </mc:AlternateContent>
+      <mc:AlternateContent xmlns:mc="http://schemas.openxmlformats.org/markup-compatibility/2006">
+        <mc:Choice xmlns:a14="http://schemas.microsoft.com/office/drawing/2010/main" Requires="a14">
+          <p:sp>
+            <p:nvSpPr>
+              <p:cNvPr id="11" name="TextBox 10">
+                <a:extLst>
+                  <a:ext uri="{FF2B5EF4-FFF2-40B4-BE49-F238E27FC236}">
+                    <a16:creationId xmlns:a16="http://schemas.microsoft.com/office/drawing/2014/main" id="{FCC21C5F-4A2E-43C8-8D48-CAD0054783C9}"/>
+                  </a:ext>
+                </a:extLst>
+              </p:cNvPr>
+              <p:cNvSpPr txBox="1"/>
+              <p:nvPr/>
+            </p:nvSpPr>
+            <p:spPr>
+              <a:xfrm>
+                <a:off x="2745727" y="5400384"/>
+                <a:ext cx="2265794" cy="400110"/>
+              </a:xfrm>
+              <a:prstGeom prst="rect">
+                <a:avLst/>
+              </a:prstGeom>
+              <a:noFill/>
+            </p:spPr>
+            <p:txBody>
+              <a:bodyPr wrap="square" rtlCol="0">
+                <a:spAutoFit/>
+              </a:bodyPr>
+              <a:lstStyle/>
+              <a:p>
+                <a:pPr algn="r"/>
+                <a:r>
+                  <a:rPr lang="en-US" sz="2000" dirty="0"/>
+                  <a:t>MPE</a:t>
+                </a:r>
+                <a:r>
+                  <a:rPr lang="en-US" sz="2000" b="0" dirty="0"/>
+                  <a:t> </a:t>
+                </a:r>
+                <a14:m>
+                  <m:oMath xmlns:m="http://schemas.openxmlformats.org/officeDocument/2006/math">
+                    <m:r>
+                      <a:rPr lang="en-US" sz="2000" b="0" i="1" smtClean="0">
+                        <a:latin typeface="Cambria Math" panose="02040503050406030204" pitchFamily="18" charset="0"/>
+                      </a:rPr>
+                      <m:t>=</m:t>
+                    </m:r>
+                    <m:r>
+                      <a:rPr lang="en-US" sz="2000" b="0" i="1" smtClean="0">
+                        <a:latin typeface="Cambria Math" panose="02040503050406030204" pitchFamily="18" charset="0"/>
+                      </a:rPr>
+                      <m:t>𝑚𝑒𝑎𝑛</m:t>
+                    </m:r>
+                    <m:d>
+                      <m:dPr>
+                        <m:ctrlPr>
+                          <a:rPr lang="en-US" sz="2000" b="0" i="1" smtClean="0">
+                            <a:latin typeface="Cambria Math" panose="02040503050406030204" pitchFamily="18" charset="0"/>
+                          </a:rPr>
+                        </m:ctrlPr>
+                      </m:dPr>
+                      <m:e>
+                        <m:sSub>
+                          <m:sSubPr>
+                            <m:ctrlPr>
+                              <a:rPr lang="en-US" sz="2000" b="0" i="1" smtClean="0">
+                                <a:latin typeface="Cambria Math" panose="02040503050406030204" pitchFamily="18" charset="0"/>
+                              </a:rPr>
+                            </m:ctrlPr>
+                          </m:sSubPr>
+                          <m:e>
+                            <m:r>
+                              <a:rPr lang="en-US" sz="2000" b="0" i="1" smtClean="0">
+                                <a:latin typeface="Cambria Math" panose="02040503050406030204" pitchFamily="18" charset="0"/>
+                              </a:rPr>
+                              <m:t>𝑝</m:t>
+                            </m:r>
+                          </m:e>
+                          <m:sub>
+                            <m:r>
+                              <a:rPr lang="en-US" sz="2000" b="0" i="1" smtClean="0">
+                                <a:latin typeface="Cambria Math" panose="02040503050406030204" pitchFamily="18" charset="0"/>
+                              </a:rPr>
+                              <m:t>𝑖</m:t>
+                            </m:r>
+                          </m:sub>
+                        </m:sSub>
+                      </m:e>
+                    </m:d>
+                  </m:oMath>
+                </a14:m>
+                <a:endParaRPr lang="en-US" sz="2000" dirty="0"/>
+              </a:p>
+            </p:txBody>
+          </p:sp>
+        </mc:Choice>
+        <mc:Fallback>
+          <p:sp>
+            <p:nvSpPr>
+              <p:cNvPr id="11" name="TextBox 10">
+                <a:extLst>
+                  <a:ext uri="{FF2B5EF4-FFF2-40B4-BE49-F238E27FC236}">
+                    <a16:creationId xmlns:a16="http://schemas.microsoft.com/office/drawing/2014/main" id="{FCC21C5F-4A2E-43C8-8D48-CAD0054783C9}"/>
+                  </a:ext>
+                </a:extLst>
+              </p:cNvPr>
+              <p:cNvSpPr txBox="1">
+                <a:spLocks noRot="1" noChangeAspect="1" noMove="1" noResize="1" noEditPoints="1" noAdjustHandles="1" noChangeArrowheads="1" noChangeShapeType="1" noTextEdit="1"/>
+              </p:cNvSpPr>
+              <p:nvPr/>
+            </p:nvSpPr>
+            <p:spPr>
+              <a:xfrm>
+                <a:off x="2745727" y="5400384"/>
+                <a:ext cx="2265794" cy="400110"/>
+              </a:xfrm>
+              <a:prstGeom prst="rect">
+                <a:avLst/>
+              </a:prstGeom>
+              <a:blipFill>
+                <a:blip r:embed="rId12"/>
+                <a:stretch>
+                  <a:fillRect t="-9091" b="-25758"/>
+                </a:stretch>
+              </a:blipFill>
+            </p:spPr>
+            <p:txBody>
+              <a:bodyPr/>
+              <a:lstStyle/>
+              <a:p>
+                <a:r>
+                  <a:rPr lang="en-US">
+                    <a:noFill/>
+                  </a:rPr>
+                  <a:t> </a:t>
+                </a:r>
+              </a:p>
+            </p:txBody>
+          </p:sp>
+        </mc:Fallback>
+      </mc:AlternateContent>
     </p:spTree>
     <p:extLst>
       <p:ext uri="{BB962C8B-B14F-4D97-AF65-F5344CB8AC3E}">
@@ -28613,7 +30901,270 @@
 </p:sld>
 </file>
 
-<file path=ppt/slides/slide24.xml><?xml version="1.0" encoding="utf-8"?>
+<file path=ppt/slides/slide25.xml><?xml version="1.0" encoding="utf-8"?>
+<p:sld xmlns:a="http://schemas.openxmlformats.org/drawingml/2006/main" xmlns:r="http://schemas.openxmlformats.org/officeDocument/2006/relationships" xmlns:p="http://schemas.openxmlformats.org/presentationml/2006/main">
+  <p:cSld>
+    <p:spTree>
+      <p:nvGrpSpPr>
+        <p:cNvPr id="1" name=""/>
+        <p:cNvGrpSpPr/>
+        <p:nvPr/>
+      </p:nvGrpSpPr>
+      <p:grpSpPr>
+        <a:xfrm>
+          <a:off x="0" y="0"/>
+          <a:ext cx="0" cy="0"/>
+          <a:chOff x="0" y="0"/>
+          <a:chExt cx="0" cy="0"/>
+        </a:xfrm>
+      </p:grpSpPr>
+      <p:pic>
+        <p:nvPicPr>
+          <p:cNvPr id="10" name="Picture 9">
+            <a:extLst>
+              <a:ext uri="{FF2B5EF4-FFF2-40B4-BE49-F238E27FC236}">
+                <a16:creationId xmlns:a16="http://schemas.microsoft.com/office/drawing/2014/main" id="{5C41BD3A-AB40-4CF0-B976-B1DC72C11B53}"/>
+              </a:ext>
+            </a:extLst>
+          </p:cNvPr>
+          <p:cNvPicPr>
+            <a:picLocks noChangeAspect="1"/>
+          </p:cNvPicPr>
+          <p:nvPr/>
+        </p:nvPicPr>
+        <p:blipFill>
+          <a:blip r:embed="rId2"/>
+          <a:stretch>
+            <a:fillRect/>
+          </a:stretch>
+        </p:blipFill>
+        <p:spPr>
+          <a:xfrm>
+            <a:off x="1467000" y="4612001"/>
+            <a:ext cx="5615771" cy="1157450"/>
+          </a:xfrm>
+          <a:prstGeom prst="rect">
+            <a:avLst/>
+          </a:prstGeom>
+        </p:spPr>
+      </p:pic>
+      <p:sp>
+        <p:nvSpPr>
+          <p:cNvPr id="2" name="Title 1">
+            <a:extLst>
+              <a:ext uri="{FF2B5EF4-FFF2-40B4-BE49-F238E27FC236}">
+                <a16:creationId xmlns:a16="http://schemas.microsoft.com/office/drawing/2014/main" id="{B820FD0F-85A6-4D11-926D-91650AFF8A4F}"/>
+              </a:ext>
+            </a:extLst>
+          </p:cNvPr>
+          <p:cNvSpPr>
+            <a:spLocks noGrp="1"/>
+          </p:cNvSpPr>
+          <p:nvPr>
+            <p:ph type="title"/>
+          </p:nvPr>
+        </p:nvSpPr>
+        <p:spPr/>
+        <p:txBody>
+          <a:bodyPr/>
+          <a:lstStyle/>
+          <a:p>
+            <a:r>
+              <a:rPr lang="en-US" dirty="0"/>
+              <a:t>Evaluation metrics for regression (Accuracy)</a:t>
+            </a:r>
+          </a:p>
+        </p:txBody>
+      </p:sp>
+      <p:sp>
+        <p:nvSpPr>
+          <p:cNvPr id="4" name="TextBox 3">
+            <a:extLst>
+              <a:ext uri="{FF2B5EF4-FFF2-40B4-BE49-F238E27FC236}">
+                <a16:creationId xmlns:a16="http://schemas.microsoft.com/office/drawing/2014/main" id="{F89239B1-29A7-4372-AF71-5D22551083EE}"/>
+              </a:ext>
+            </a:extLst>
+          </p:cNvPr>
+          <p:cNvSpPr txBox="1"/>
+          <p:nvPr/>
+        </p:nvSpPr>
+        <p:spPr>
+          <a:xfrm>
+            <a:off x="7082771" y="5345105"/>
+            <a:ext cx="4625008" cy="1200329"/>
+          </a:xfrm>
+          <a:prstGeom prst="rect">
+            <a:avLst/>
+          </a:prstGeom>
+          <a:noFill/>
+        </p:spPr>
+        <p:txBody>
+          <a:bodyPr wrap="square">
+            <a:spAutoFit/>
+          </a:bodyPr>
+          <a:lstStyle/>
+          <a:p>
+            <a:r>
+              <a:rPr lang="en-US" dirty="0"/>
+              <a:t>For time series:</a:t>
+            </a:r>
+          </a:p>
+          <a:p>
+            <a:r>
+              <a:rPr lang="en-US" dirty="0">
+                <a:hlinkClick r:id="rId3"/>
+              </a:rPr>
+              <a:t>2013 A Survey of forecast error measures</a:t>
+            </a:r>
+            <a:endParaRPr lang="en-US" dirty="0">
+              <a:hlinkClick r:id="rId4"/>
+            </a:endParaRPr>
+          </a:p>
+          <a:p>
+            <a:r>
+              <a:rPr lang="en-US" dirty="0">
+                <a:hlinkClick r:id="rId4"/>
+              </a:rPr>
+              <a:t>https://otexts.com/fpp2/accuracy.html</a:t>
+            </a:r>
+            <a:endParaRPr lang="en-US" dirty="0"/>
+          </a:p>
+          <a:p>
+            <a:endParaRPr lang="en-US" dirty="0"/>
+          </a:p>
+        </p:txBody>
+      </p:sp>
+      <p:pic>
+        <p:nvPicPr>
+          <p:cNvPr id="6" name="Picture 5">
+            <a:extLst>
+              <a:ext uri="{FF2B5EF4-FFF2-40B4-BE49-F238E27FC236}">
+                <a16:creationId xmlns:a16="http://schemas.microsoft.com/office/drawing/2014/main" id="{1BE38243-B5DC-41D4-A9BB-D7C047EE0FD1}"/>
+              </a:ext>
+            </a:extLst>
+          </p:cNvPr>
+          <p:cNvPicPr>
+            <a:picLocks noChangeAspect="1"/>
+          </p:cNvPicPr>
+          <p:nvPr/>
+        </p:nvPicPr>
+        <p:blipFill>
+          <a:blip r:embed="rId5"/>
+          <a:stretch>
+            <a:fillRect/>
+          </a:stretch>
+        </p:blipFill>
+        <p:spPr>
+          <a:xfrm>
+            <a:off x="700334" y="2018582"/>
+            <a:ext cx="6773220" cy="1186028"/>
+          </a:xfrm>
+          <a:prstGeom prst="rect">
+            <a:avLst/>
+          </a:prstGeom>
+        </p:spPr>
+      </p:pic>
+      <p:pic>
+        <p:nvPicPr>
+          <p:cNvPr id="8" name="Picture 7">
+            <a:extLst>
+              <a:ext uri="{FF2B5EF4-FFF2-40B4-BE49-F238E27FC236}">
+                <a16:creationId xmlns:a16="http://schemas.microsoft.com/office/drawing/2014/main" id="{57B46E47-6D37-4034-818E-157AF0370228}"/>
+              </a:ext>
+            </a:extLst>
+          </p:cNvPr>
+          <p:cNvPicPr>
+            <a:picLocks noChangeAspect="1"/>
+          </p:cNvPicPr>
+          <p:nvPr/>
+        </p:nvPicPr>
+        <p:blipFill>
+          <a:blip r:embed="rId6"/>
+          <a:stretch>
+            <a:fillRect/>
+          </a:stretch>
+        </p:blipFill>
+        <p:spPr>
+          <a:xfrm>
+            <a:off x="948682" y="3766625"/>
+            <a:ext cx="7216194" cy="685896"/>
+          </a:xfrm>
+          <a:prstGeom prst="rect">
+            <a:avLst/>
+          </a:prstGeom>
+        </p:spPr>
+      </p:pic>
+      <p:sp>
+        <p:nvSpPr>
+          <p:cNvPr id="12" name="TextBox 11">
+            <a:extLst>
+              <a:ext uri="{FF2B5EF4-FFF2-40B4-BE49-F238E27FC236}">
+                <a16:creationId xmlns:a16="http://schemas.microsoft.com/office/drawing/2014/main" id="{19968483-0A56-43EE-BB63-E956E9EAD6AB}"/>
+              </a:ext>
+            </a:extLst>
+          </p:cNvPr>
+          <p:cNvSpPr txBox="1"/>
+          <p:nvPr/>
+        </p:nvSpPr>
+        <p:spPr>
+          <a:xfrm>
+            <a:off x="190187" y="6222268"/>
+            <a:ext cx="11163613" cy="646331"/>
+          </a:xfrm>
+          <a:prstGeom prst="rect">
+            <a:avLst/>
+          </a:prstGeom>
+          <a:noFill/>
+        </p:spPr>
+        <p:txBody>
+          <a:bodyPr wrap="square">
+            <a:spAutoFit/>
+          </a:bodyPr>
+          <a:lstStyle/>
+          <a:p>
+            <a:r>
+              <a:rPr lang="en-US" dirty="0"/>
+              <a:t>Rob J Hyndman, Anne B Koehler (2006). Another look at measures of forecast accuracy</a:t>
+            </a:r>
+          </a:p>
+          <a:p>
+            <a:r>
+              <a:rPr lang="en-US" dirty="0"/>
+              <a:t>2009 Elena </a:t>
+            </a:r>
+            <a:r>
+              <a:rPr lang="en-US" dirty="0" err="1"/>
+              <a:t>Deza</a:t>
+            </a:r>
+            <a:r>
+              <a:rPr lang="en-US" dirty="0"/>
+              <a:t>, Michel Marie </a:t>
+            </a:r>
+            <a:r>
+              <a:rPr lang="en-US" dirty="0" err="1"/>
+              <a:t>Deza_Encyclopedia</a:t>
+            </a:r>
+            <a:r>
+              <a:rPr lang="en-US" dirty="0"/>
+              <a:t> of Distances, metric dissimilarity error</a:t>
+            </a:r>
+          </a:p>
+        </p:txBody>
+      </p:sp>
+    </p:spTree>
+    <p:extLst>
+      <p:ext uri="{BB962C8B-B14F-4D97-AF65-F5344CB8AC3E}">
+        <p14:creationId xmlns:p14="http://schemas.microsoft.com/office/powerpoint/2010/main" val="2482238997"/>
+      </p:ext>
+    </p:extLst>
+  </p:cSld>
+  <p:clrMapOvr>
+    <a:masterClrMapping/>
+  </p:clrMapOvr>
+</p:sld>
+</file>
+
+<file path=ppt/slides/slide26.xml><?xml version="1.0" encoding="utf-8"?>
 <p:sld xmlns:a="http://schemas.openxmlformats.org/drawingml/2006/main" xmlns:r="http://schemas.openxmlformats.org/officeDocument/2006/relationships" xmlns:p="http://schemas.openxmlformats.org/presentationml/2006/main">
   <p:cSld>
     <p:spTree>
@@ -31182,8 +33733,8 @@
           </p:sp>
         </mc:Fallback>
       </mc:AlternateContent>
-      <mc:AlternateContent xmlns:mc="http://schemas.openxmlformats.org/markup-compatibility/2006">
-        <mc:Choice xmlns:a14="http://schemas.microsoft.com/office/drawing/2010/main" Requires="a14">
+      <mc:AlternateContent xmlns:mc="http://schemas.openxmlformats.org/markup-compatibility/2006" xmlns:a14="http://schemas.microsoft.com/office/drawing/2010/main">
+        <mc:Choice Requires="a14">
           <p:sp>
             <p:nvSpPr>
               <p:cNvPr id="39" name="Rectangle 38">
@@ -31439,7 +33990,7 @@
             </p:txBody>
           </p:sp>
         </mc:Choice>
-        <mc:Fallback>
+        <mc:Fallback xmlns="">
           <p:sp>
             <p:nvSpPr>
               <p:cNvPr id="39" name="Rectangle 38">
@@ -31942,8 +34493,8 @@
           </p:sp>
         </mc:Fallback>
       </mc:AlternateContent>
-      <mc:AlternateContent xmlns:mc="http://schemas.openxmlformats.org/markup-compatibility/2006">
-        <mc:Choice xmlns:a14="http://schemas.microsoft.com/office/drawing/2010/main" Requires="a14">
+      <mc:AlternateContent xmlns:mc="http://schemas.openxmlformats.org/markup-compatibility/2006" xmlns:a14="http://schemas.microsoft.com/office/drawing/2010/main">
+        <mc:Choice Requires="a14">
           <p:sp>
             <p:nvSpPr>
               <p:cNvPr id="22" name="TextBox 21">
@@ -32006,7 +34557,7 @@
             </p:txBody>
           </p:sp>
         </mc:Choice>
-        <mc:Fallback>
+        <mc:Fallback xmlns="">
           <p:sp>
             <p:nvSpPr>
               <p:cNvPr id="22" name="TextBox 21">
